--- a/Optical character recognition using template matching.pptx
+++ b/Optical character recognition using template matching.pptx
@@ -5,7 +5,7 @@
     <p:sldMasterId id="2147483720" r:id="rId1"/>
   </p:sldMasterIdLst>
   <p:notesMasterIdLst>
-    <p:notesMasterId r:id="rId9"/>
+    <p:notesMasterId r:id="rId11"/>
   </p:notesMasterIdLst>
   <p:sldIdLst>
     <p:sldId id="256" r:id="rId2"/>
@@ -15,6 +15,8 @@
     <p:sldId id="260" r:id="rId6"/>
     <p:sldId id="261" r:id="rId7"/>
     <p:sldId id="262" r:id="rId8"/>
+    <p:sldId id="263" r:id="rId9"/>
+    <p:sldId id="264" r:id="rId10"/>
   </p:sldIdLst>
   <p:sldSz cx="9144000" cy="6858000" type="screen4x3"/>
   <p:notesSz cx="6858000" cy="9144000"/>
@@ -6668,6 +6670,496 @@
           <a:bodyPr/>
           <a:lstStyle/>
           <a:p>
+            <a:r>
+              <a:rPr lang="en-US" dirty="0" smtClean="0"/>
+              <a:t>Ở</a:t>
+            </a:r>
+            <a:r>
+              <a:rPr lang="en-US" baseline="0" dirty="0" smtClean="0"/>
+              <a:t> </a:t>
+            </a:r>
+            <a:r>
+              <a:rPr lang="en-US" baseline="0" dirty="0" err="1" smtClean="0"/>
+              <a:t>sơ</a:t>
+            </a:r>
+            <a:r>
+              <a:rPr lang="en-US" baseline="0" dirty="0" smtClean="0"/>
+              <a:t> </a:t>
+            </a:r>
+            <a:r>
+              <a:rPr lang="en-US" baseline="0" dirty="0" err="1" smtClean="0"/>
+              <a:t>đồ</a:t>
+            </a:r>
+            <a:r>
+              <a:rPr lang="en-US" baseline="0" dirty="0" smtClean="0"/>
+              <a:t> </a:t>
+            </a:r>
+            <a:r>
+              <a:rPr lang="en-US" baseline="0" dirty="0" err="1" smtClean="0"/>
+              <a:t>này</a:t>
+            </a:r>
+            <a:r>
+              <a:rPr lang="en-US" baseline="0" dirty="0" smtClean="0"/>
+              <a:t> </a:t>
+            </a:r>
+            <a:r>
+              <a:rPr lang="en-US" baseline="0" dirty="0" err="1" smtClean="0"/>
+              <a:t>tác</a:t>
+            </a:r>
+            <a:r>
+              <a:rPr lang="en-US" baseline="0" dirty="0" smtClean="0"/>
+              <a:t> </a:t>
+            </a:r>
+            <a:r>
+              <a:rPr lang="en-US" baseline="0" dirty="0" err="1" smtClean="0"/>
+              <a:t>giả</a:t>
+            </a:r>
+            <a:r>
+              <a:rPr lang="en-US" baseline="0" dirty="0" smtClean="0"/>
+              <a:t> </a:t>
+            </a:r>
+            <a:r>
+              <a:rPr lang="en-US" baseline="0" dirty="0" err="1" smtClean="0"/>
+              <a:t>truyển</a:t>
+            </a:r>
+            <a:r>
+              <a:rPr lang="en-US" baseline="0" dirty="0" smtClean="0"/>
+              <a:t> </a:t>
+            </a:r>
+            <a:r>
+              <a:rPr lang="en-US" baseline="0" dirty="0" err="1" smtClean="0"/>
+              <a:t>khai</a:t>
+            </a:r>
+            <a:r>
+              <a:rPr lang="en-US" baseline="0" dirty="0" smtClean="0"/>
+              <a:t> </a:t>
+            </a:r>
+            <a:r>
+              <a:rPr lang="en-US" baseline="0" dirty="0" err="1" smtClean="0"/>
+              <a:t>tính</a:t>
+            </a:r>
+            <a:r>
+              <a:rPr lang="en-US" baseline="0" dirty="0" smtClean="0"/>
+              <a:t> </a:t>
+            </a:r>
+            <a:r>
+              <a:rPr lang="en-US" baseline="0" dirty="0" err="1" smtClean="0"/>
+              <a:t>năng</a:t>
+            </a:r>
+            <a:r>
+              <a:rPr lang="en-US" baseline="0" dirty="0" smtClean="0"/>
+              <a:t> </a:t>
+            </a:r>
+            <a:r>
+              <a:rPr lang="en-US" baseline="0" dirty="0" err="1" smtClean="0"/>
+              <a:t>điều</a:t>
+            </a:r>
+            <a:r>
+              <a:rPr lang="en-US" baseline="0" dirty="0" smtClean="0"/>
+              <a:t> </a:t>
+            </a:r>
+            <a:r>
+              <a:rPr lang="en-US" baseline="0" dirty="0" err="1" smtClean="0"/>
+              <a:t>chỉnh</a:t>
+            </a:r>
+            <a:r>
+              <a:rPr lang="en-US" baseline="0" dirty="0" smtClean="0"/>
+              <a:t> </a:t>
+            </a:r>
+            <a:r>
+              <a:rPr lang="en-US" baseline="0" dirty="0" err="1" smtClean="0"/>
+              <a:t>độ</a:t>
+            </a:r>
+            <a:r>
+              <a:rPr lang="en-US" baseline="0" dirty="0" smtClean="0"/>
+              <a:t> </a:t>
+            </a:r>
+            <a:r>
+              <a:rPr lang="en-US" baseline="0" dirty="0" err="1" smtClean="0"/>
+              <a:t>phân</a:t>
+            </a:r>
+            <a:r>
+              <a:rPr lang="en-US" baseline="0" dirty="0" smtClean="0"/>
+              <a:t> </a:t>
+            </a:r>
+            <a:r>
+              <a:rPr lang="en-US" baseline="0" dirty="0" err="1" smtClean="0"/>
+              <a:t>giải</a:t>
+            </a:r>
+            <a:r>
+              <a:rPr lang="en-US" baseline="0" dirty="0" smtClean="0"/>
+              <a:t>, </a:t>
+            </a:r>
+            <a:r>
+              <a:rPr lang="en-US" baseline="0" dirty="0" err="1" smtClean="0"/>
+              <a:t>phóng</a:t>
+            </a:r>
+            <a:r>
+              <a:rPr lang="en-US" baseline="0" dirty="0" smtClean="0"/>
+              <a:t> to, </a:t>
+            </a:r>
+            <a:r>
+              <a:rPr lang="en-US" baseline="0" dirty="0" err="1" smtClean="0"/>
+              <a:t>thu</a:t>
+            </a:r>
+            <a:r>
+              <a:rPr lang="en-US" baseline="0" dirty="0" smtClean="0"/>
+              <a:t> </a:t>
+            </a:r>
+            <a:r>
+              <a:rPr lang="en-US" baseline="0" dirty="0" err="1" smtClean="0"/>
+              <a:t>nhỏ</a:t>
+            </a:r>
+            <a:r>
+              <a:rPr lang="en-US" baseline="0" dirty="0" smtClean="0"/>
+              <a:t>, </a:t>
+            </a:r>
+            <a:r>
+              <a:rPr lang="en-US" baseline="0" dirty="0" err="1" smtClean="0"/>
+              <a:t>cắt</a:t>
+            </a:r>
+            <a:r>
+              <a:rPr lang="en-US" baseline="0" dirty="0" smtClean="0"/>
+              <a:t> </a:t>
+            </a:r>
+            <a:r>
+              <a:rPr lang="en-US" baseline="0" dirty="0" err="1" smtClean="0"/>
+              <a:t>ảnh</a:t>
+            </a:r>
+            <a:r>
+              <a:rPr lang="en-US" baseline="0" dirty="0" smtClean="0"/>
+              <a:t>, </a:t>
+            </a:r>
+            <a:r>
+              <a:rPr lang="en-US" baseline="0" dirty="0" err="1" smtClean="0"/>
+              <a:t>xoay</a:t>
+            </a:r>
+            <a:r>
+              <a:rPr lang="en-US" baseline="0" dirty="0" smtClean="0"/>
+              <a:t> </a:t>
+            </a:r>
+            <a:r>
+              <a:rPr lang="en-US" baseline="0" dirty="0" err="1" smtClean="0"/>
+              <a:t>trái</a:t>
+            </a:r>
+            <a:r>
+              <a:rPr lang="en-US" baseline="0" dirty="0" smtClean="0"/>
+              <a:t> </a:t>
+            </a:r>
+            <a:r>
+              <a:rPr lang="en-US" baseline="0" dirty="0" err="1" smtClean="0"/>
+              <a:t>phải</a:t>
+            </a:r>
+            <a:r>
+              <a:rPr lang="en-US" baseline="0" dirty="0" smtClean="0"/>
+              <a:t>.</a:t>
+            </a:r>
+          </a:p>
+          <a:p>
+            <a:r>
+              <a:rPr lang="en-US" baseline="0" dirty="0" smtClean="0"/>
+              <a:t>Cho </a:t>
+            </a:r>
+            <a:r>
+              <a:rPr lang="en-US" baseline="0" dirty="0" err="1" smtClean="0"/>
+              <a:t>thấy</a:t>
+            </a:r>
+            <a:r>
+              <a:rPr lang="en-US" baseline="0" dirty="0" smtClean="0"/>
+              <a:t> </a:t>
+            </a:r>
+            <a:r>
+              <a:rPr lang="en-US" baseline="0" dirty="0" err="1" smtClean="0"/>
+              <a:t>điều</a:t>
+            </a:r>
+            <a:r>
+              <a:rPr lang="en-US" baseline="0" dirty="0" smtClean="0"/>
+              <a:t> </a:t>
+            </a:r>
+            <a:r>
+              <a:rPr lang="en-US" baseline="0" dirty="0" err="1" smtClean="0"/>
+              <a:t>chỉnh</a:t>
+            </a:r>
+            <a:r>
+              <a:rPr lang="en-US" baseline="0" dirty="0" smtClean="0"/>
+              <a:t> </a:t>
+            </a:r>
+            <a:r>
+              <a:rPr lang="en-US" baseline="0" dirty="0" err="1" smtClean="0"/>
+              <a:t>độ</a:t>
+            </a:r>
+            <a:r>
+              <a:rPr lang="en-US" baseline="0" dirty="0" smtClean="0"/>
+              <a:t> </a:t>
+            </a:r>
+            <a:r>
+              <a:rPr lang="en-US" baseline="0" dirty="0" err="1" smtClean="0"/>
+              <a:t>phân</a:t>
+            </a:r>
+            <a:r>
+              <a:rPr lang="en-US" baseline="0" dirty="0" smtClean="0"/>
+              <a:t> </a:t>
+            </a:r>
+            <a:r>
+              <a:rPr lang="en-US" baseline="0" dirty="0" err="1" smtClean="0"/>
+              <a:t>giải</a:t>
+            </a:r>
+            <a:r>
+              <a:rPr lang="en-US" baseline="0" dirty="0" smtClean="0"/>
+              <a:t> </a:t>
+            </a:r>
+            <a:r>
+              <a:rPr lang="en-US" baseline="0" dirty="0" err="1" smtClean="0"/>
+              <a:t>cũng</a:t>
+            </a:r>
+            <a:r>
+              <a:rPr lang="en-US" baseline="0" dirty="0" smtClean="0"/>
+              <a:t> </a:t>
+            </a:r>
+            <a:r>
+              <a:rPr lang="en-US" baseline="0" dirty="0" err="1" smtClean="0"/>
+              <a:t>cải</a:t>
+            </a:r>
+            <a:r>
+              <a:rPr lang="en-US" baseline="0" dirty="0" smtClean="0"/>
+              <a:t> </a:t>
+            </a:r>
+            <a:r>
+              <a:rPr lang="en-US" baseline="0" dirty="0" err="1" smtClean="0"/>
+              <a:t>thiện</a:t>
+            </a:r>
+            <a:r>
+              <a:rPr lang="en-US" baseline="0" dirty="0" smtClean="0"/>
+              <a:t> </a:t>
+            </a:r>
+            <a:r>
+              <a:rPr lang="en-US" baseline="0" dirty="0" err="1" smtClean="0"/>
+              <a:t>độ</a:t>
+            </a:r>
+            <a:r>
+              <a:rPr lang="en-US" baseline="0" dirty="0" smtClean="0"/>
+              <a:t> </a:t>
+            </a:r>
+            <a:r>
+              <a:rPr lang="en-US" baseline="0" dirty="0" err="1" smtClean="0"/>
+              <a:t>chính</a:t>
+            </a:r>
+            <a:r>
+              <a:rPr lang="en-US" baseline="0" dirty="0" smtClean="0"/>
+              <a:t> </a:t>
+            </a:r>
+            <a:r>
+              <a:rPr lang="en-US" baseline="0" dirty="0" err="1" smtClean="0"/>
+              <a:t>xác</a:t>
+            </a:r>
+            <a:r>
+              <a:rPr lang="en-US" baseline="0" dirty="0" smtClean="0"/>
+              <a:t> </a:t>
+            </a:r>
+            <a:r>
+              <a:rPr lang="en-US" baseline="0" dirty="0" err="1" smtClean="0"/>
+              <a:t>khi</a:t>
+            </a:r>
+            <a:r>
+              <a:rPr lang="en-US" baseline="0" dirty="0" smtClean="0"/>
+              <a:t> </a:t>
+            </a:r>
+            <a:r>
+              <a:rPr lang="en-US" baseline="0" dirty="0" err="1" smtClean="0"/>
+              <a:t>nhận</a:t>
+            </a:r>
+            <a:r>
+              <a:rPr lang="en-US" baseline="0" dirty="0" smtClean="0"/>
+              <a:t> </a:t>
+            </a:r>
+            <a:r>
+              <a:rPr lang="en-US" baseline="0" dirty="0" err="1" smtClean="0"/>
+              <a:t>dạng</a:t>
+            </a:r>
+            <a:r>
+              <a:rPr lang="en-US" baseline="0" dirty="0" smtClean="0"/>
+              <a:t> </a:t>
+            </a:r>
+            <a:r>
+              <a:rPr lang="en-US" baseline="0" dirty="0" err="1" smtClean="0"/>
+              <a:t>ký</a:t>
+            </a:r>
+            <a:r>
+              <a:rPr lang="en-US" baseline="0" dirty="0" smtClean="0"/>
+              <a:t> </a:t>
+            </a:r>
+            <a:r>
+              <a:rPr lang="en-US" baseline="0" dirty="0" err="1" smtClean="0"/>
+              <a:t>tự</a:t>
+            </a:r>
+            <a:r>
+              <a:rPr lang="en-US" baseline="0" dirty="0" smtClean="0"/>
+              <a:t>. </a:t>
+            </a:r>
+            <a:r>
+              <a:rPr lang="en-US" baseline="0" dirty="0" err="1" smtClean="0"/>
+              <a:t>Cắt</a:t>
+            </a:r>
+            <a:r>
+              <a:rPr lang="en-US" baseline="0" dirty="0" smtClean="0"/>
+              <a:t> </a:t>
+            </a:r>
+            <a:r>
+              <a:rPr lang="en-US" baseline="0" dirty="0" err="1" smtClean="0"/>
+              <a:t>ảnh</a:t>
+            </a:r>
+            <a:r>
+              <a:rPr lang="en-US" baseline="0" dirty="0" smtClean="0"/>
+              <a:t> </a:t>
+            </a:r>
+            <a:r>
+              <a:rPr lang="en-US" baseline="0" dirty="0" err="1" smtClean="0"/>
+              <a:t>cũng</a:t>
+            </a:r>
+            <a:r>
+              <a:rPr lang="en-US" baseline="0" dirty="0" smtClean="0"/>
+              <a:t> </a:t>
+            </a:r>
+            <a:r>
+              <a:rPr lang="en-US" baseline="0" dirty="0" err="1" smtClean="0"/>
+              <a:t>là</a:t>
+            </a:r>
+            <a:r>
+              <a:rPr lang="en-US" baseline="0" dirty="0" smtClean="0"/>
+              <a:t> </a:t>
+            </a:r>
+            <a:r>
+              <a:rPr lang="en-US" baseline="0" dirty="0" err="1" smtClean="0"/>
+              <a:t>xóa</a:t>
+            </a:r>
+            <a:r>
+              <a:rPr lang="en-US" baseline="0" dirty="0" smtClean="0"/>
+              <a:t> </a:t>
+            </a:r>
+            <a:r>
+              <a:rPr lang="en-US" baseline="0" dirty="0" err="1" smtClean="0"/>
+              <a:t>dữ</a:t>
+            </a:r>
+            <a:r>
+              <a:rPr lang="en-US" baseline="0" dirty="0" smtClean="0"/>
+              <a:t> </a:t>
+            </a:r>
+            <a:r>
+              <a:rPr lang="en-US" baseline="0" dirty="0" err="1" smtClean="0"/>
+              <a:t>liệu</a:t>
+            </a:r>
+            <a:r>
+              <a:rPr lang="en-US" baseline="0" dirty="0" smtClean="0"/>
+              <a:t> </a:t>
+            </a:r>
+            <a:r>
+              <a:rPr lang="en-US" baseline="0" dirty="0" err="1" smtClean="0"/>
+              <a:t>không</a:t>
+            </a:r>
+            <a:r>
+              <a:rPr lang="en-US" baseline="0" dirty="0" smtClean="0"/>
+              <a:t> </a:t>
+            </a:r>
+            <a:r>
+              <a:rPr lang="en-US" baseline="0" dirty="0" err="1" smtClean="0"/>
+              <a:t>mong</a:t>
+            </a:r>
+            <a:r>
+              <a:rPr lang="en-US" baseline="0" dirty="0" smtClean="0"/>
+              <a:t> </a:t>
+            </a:r>
+            <a:r>
+              <a:rPr lang="en-US" baseline="0" dirty="0" err="1" smtClean="0"/>
+              <a:t>muốn</a:t>
+            </a:r>
+            <a:r>
+              <a:rPr lang="en-US" baseline="0" dirty="0" smtClean="0"/>
+              <a:t>, </a:t>
+            </a:r>
+            <a:r>
+              <a:rPr lang="en-US" baseline="0" dirty="0" err="1" smtClean="0"/>
+              <a:t>đồ</a:t>
+            </a:r>
+            <a:r>
+              <a:rPr lang="en-US" baseline="0" dirty="0" smtClean="0"/>
+              <a:t> </a:t>
+            </a:r>
+            <a:r>
+              <a:rPr lang="en-US" baseline="0" dirty="0" err="1" smtClean="0"/>
+              <a:t>họa</a:t>
+            </a:r>
+            <a:r>
+              <a:rPr lang="en-US" baseline="0" dirty="0" smtClean="0"/>
+              <a:t> </a:t>
+            </a:r>
+            <a:r>
+              <a:rPr lang="en-US" baseline="0" dirty="0" err="1" smtClean="0"/>
+              <a:t>cũng</a:t>
+            </a:r>
+            <a:r>
+              <a:rPr lang="en-US" baseline="0" dirty="0" smtClean="0"/>
+              <a:t> </a:t>
+            </a:r>
+            <a:r>
+              <a:rPr lang="en-US" baseline="0" dirty="0" err="1" smtClean="0"/>
+              <a:t>tăng</a:t>
+            </a:r>
+            <a:r>
+              <a:rPr lang="en-US" baseline="0" dirty="0" smtClean="0"/>
+              <a:t> </a:t>
+            </a:r>
+            <a:r>
+              <a:rPr lang="en-US" baseline="0" dirty="0" err="1" smtClean="0"/>
+              <a:t>độ</a:t>
+            </a:r>
+            <a:r>
+              <a:rPr lang="en-US" baseline="0" dirty="0" smtClean="0"/>
+              <a:t> </a:t>
+            </a:r>
+            <a:r>
+              <a:rPr lang="en-US" baseline="0" dirty="0" err="1" smtClean="0"/>
+              <a:t>chính</a:t>
+            </a:r>
+            <a:r>
+              <a:rPr lang="en-US" baseline="0" dirty="0" smtClean="0"/>
+              <a:t> </a:t>
+            </a:r>
+            <a:r>
+              <a:rPr lang="en-US" baseline="0" dirty="0" err="1" smtClean="0"/>
+              <a:t>xác</a:t>
+            </a:r>
+            <a:r>
+              <a:rPr lang="en-US" baseline="0" dirty="0" smtClean="0"/>
+              <a:t> </a:t>
+            </a:r>
+            <a:r>
+              <a:rPr lang="en-US" baseline="0" dirty="0" err="1" smtClean="0"/>
+              <a:t>đến</a:t>
+            </a:r>
+            <a:r>
+              <a:rPr lang="en-US" baseline="0" dirty="0" smtClean="0"/>
+              <a:t> </a:t>
+            </a:r>
+            <a:r>
+              <a:rPr lang="en-US" baseline="0" dirty="0" err="1" smtClean="0"/>
+              <a:t>mức</a:t>
+            </a:r>
+            <a:r>
+              <a:rPr lang="en-US" baseline="0" dirty="0" smtClean="0"/>
+              <a:t> </a:t>
+            </a:r>
+            <a:r>
+              <a:rPr lang="en-US" baseline="0" dirty="0" err="1" smtClean="0"/>
+              <a:t>nhất</a:t>
+            </a:r>
+            <a:r>
+              <a:rPr lang="en-US" baseline="0" dirty="0" smtClean="0"/>
+              <a:t> </a:t>
+            </a:r>
+            <a:r>
+              <a:rPr lang="en-US" baseline="0" dirty="0" err="1" smtClean="0"/>
+              <a:t>định</a:t>
+            </a:r>
             <a:endParaRPr lang="en-US" dirty="0"/>
           </a:p>
         </p:txBody>
@@ -6699,6 +7191,767 @@
     <p:extLst>
       <p:ext uri="{BB962C8B-B14F-4D97-AF65-F5344CB8AC3E}">
         <p14:creationId xmlns:p14="http://schemas.microsoft.com/office/powerpoint/2010/main" val="2756592893"/>
+      </p:ext>
+    </p:extLst>
+  </p:cSld>
+  <p:clrMapOvr>
+    <a:masterClrMapping/>
+  </p:clrMapOvr>
+</p:notes>
+</file>
+
+<file path=ppt/notesSlides/notesSlide7.xml><?xml version="1.0" encoding="utf-8"?>
+<p:notes xmlns:a="http://schemas.openxmlformats.org/drawingml/2006/main" xmlns:r="http://schemas.openxmlformats.org/officeDocument/2006/relationships" xmlns:p="http://schemas.openxmlformats.org/presentationml/2006/main">
+  <p:cSld>
+    <p:spTree>
+      <p:nvGrpSpPr>
+        <p:cNvPr id="1" name=""/>
+        <p:cNvGrpSpPr/>
+        <p:nvPr/>
+      </p:nvGrpSpPr>
+      <p:grpSpPr>
+        <a:xfrm>
+          <a:off x="0" y="0"/>
+          <a:ext cx="0" cy="0"/>
+          <a:chOff x="0" y="0"/>
+          <a:chExt cx="0" cy="0"/>
+        </a:xfrm>
+      </p:grpSpPr>
+      <p:sp>
+        <p:nvSpPr>
+          <p:cNvPr id="2" name="Slide Image Placeholder 1"/>
+          <p:cNvSpPr>
+            <a:spLocks noGrp="1" noRot="1" noChangeAspect="1"/>
+          </p:cNvSpPr>
+          <p:nvPr>
+            <p:ph type="sldImg"/>
+          </p:nvPr>
+        </p:nvSpPr>
+        <p:spPr/>
+      </p:sp>
+      <p:sp>
+        <p:nvSpPr>
+          <p:cNvPr id="3" name="Notes Placeholder 2"/>
+          <p:cNvSpPr>
+            <a:spLocks noGrp="1"/>
+          </p:cNvSpPr>
+          <p:nvPr>
+            <p:ph type="body" idx="1"/>
+          </p:nvPr>
+        </p:nvSpPr>
+        <p:spPr/>
+        <p:txBody>
+          <a:bodyPr/>
+          <a:lstStyle/>
+          <a:p>
+            <a:pPr marL="228600" indent="-228600">
+              <a:buAutoNum type="arabicPeriod"/>
+            </a:pPr>
+            <a:r>
+              <a:rPr lang="en-US" dirty="0" err="1" smtClean="0"/>
+              <a:t>Lấy</a:t>
+            </a:r>
+            <a:r>
+              <a:rPr lang="en-US" baseline="0" dirty="0" smtClean="0"/>
+              <a:t> </a:t>
+            </a:r>
+            <a:r>
+              <a:rPr lang="en-US" baseline="0" dirty="0" err="1" smtClean="0"/>
+              <a:t>giá</a:t>
+            </a:r>
+            <a:r>
+              <a:rPr lang="en-US" baseline="0" dirty="0" smtClean="0"/>
+              <a:t> </a:t>
+            </a:r>
+            <a:r>
+              <a:rPr lang="en-US" baseline="0" dirty="0" err="1" smtClean="0"/>
+              <a:t>trị</a:t>
+            </a:r>
+            <a:r>
+              <a:rPr lang="en-US" baseline="0" dirty="0" smtClean="0"/>
+              <a:t> </a:t>
+            </a:r>
+            <a:r>
+              <a:rPr lang="en-US" baseline="0" dirty="0" err="1" smtClean="0"/>
+              <a:t>hình</a:t>
+            </a:r>
+            <a:r>
+              <a:rPr lang="en-US" baseline="0" dirty="0" smtClean="0"/>
+              <a:t> </a:t>
+            </a:r>
+            <a:r>
+              <a:rPr lang="en-US" baseline="0" dirty="0" err="1" smtClean="0"/>
+              <a:t>ảnh</a:t>
+            </a:r>
+            <a:r>
+              <a:rPr lang="en-US" baseline="0" dirty="0" smtClean="0"/>
+              <a:t> </a:t>
+            </a:r>
+            <a:r>
+              <a:rPr lang="en-US" baseline="0" dirty="0" err="1" smtClean="0"/>
+              <a:t>kiểu</a:t>
+            </a:r>
+            <a:r>
+              <a:rPr lang="en-US" baseline="0" dirty="0" smtClean="0"/>
+              <a:t> </a:t>
+            </a:r>
+            <a:r>
+              <a:rPr lang="en-US" baseline="0" dirty="0" err="1" smtClean="0"/>
+              <a:t>int</a:t>
+            </a:r>
+            <a:r>
+              <a:rPr lang="en-US" baseline="0" dirty="0" smtClean="0"/>
+              <a:t> </a:t>
+            </a:r>
+            <a:r>
+              <a:rPr lang="en-US" baseline="0" dirty="0" err="1" smtClean="0"/>
+              <a:t>trong</a:t>
+            </a:r>
+            <a:r>
+              <a:rPr lang="en-US" baseline="0" dirty="0" smtClean="0"/>
+              <a:t> RGB</a:t>
+            </a:r>
+          </a:p>
+          <a:p>
+            <a:pPr marL="228600" indent="-228600">
+              <a:buAutoNum type="arabicPeriod"/>
+            </a:pPr>
+            <a:endParaRPr lang="en-US" baseline="0" dirty="0" smtClean="0"/>
+          </a:p>
+          <a:p>
+            <a:pPr marL="228600" indent="-228600">
+              <a:buAutoNum type="arabicPeriod"/>
+            </a:pPr>
+            <a:r>
+              <a:rPr lang="en-US" baseline="0" dirty="0" err="1" smtClean="0"/>
+              <a:t>Lấy</a:t>
+            </a:r>
+            <a:r>
+              <a:rPr lang="en-US" baseline="0" dirty="0" smtClean="0"/>
+              <a:t> </a:t>
+            </a:r>
+            <a:r>
+              <a:rPr lang="en-US" baseline="0" dirty="0" err="1" smtClean="0"/>
+              <a:t>ảnh</a:t>
+            </a:r>
+            <a:r>
+              <a:rPr lang="en-US" baseline="0" dirty="0" smtClean="0"/>
+              <a:t> </a:t>
+            </a:r>
+            <a:r>
+              <a:rPr lang="en-US" baseline="0" dirty="0" err="1" smtClean="0"/>
+              <a:t>làm</a:t>
+            </a:r>
+            <a:r>
+              <a:rPr lang="en-US" baseline="0" dirty="0" smtClean="0"/>
+              <a:t> </a:t>
+            </a:r>
+            <a:r>
+              <a:rPr lang="en-US" baseline="0" dirty="0" err="1" smtClean="0"/>
+              <a:t>hình</a:t>
+            </a:r>
+            <a:r>
+              <a:rPr lang="en-US" baseline="0" dirty="0" smtClean="0"/>
+              <a:t> </a:t>
+            </a:r>
+            <a:r>
+              <a:rPr lang="en-US" baseline="0" dirty="0" err="1" smtClean="0"/>
+              <a:t>ảnh</a:t>
+            </a:r>
+            <a:r>
+              <a:rPr lang="en-US" baseline="0" dirty="0" smtClean="0"/>
+              <a:t> </a:t>
+            </a:r>
+            <a:r>
+              <a:rPr lang="en-US" baseline="0" dirty="0" err="1" smtClean="0"/>
+              <a:t>đệm</a:t>
+            </a:r>
+            <a:r>
+              <a:rPr lang="en-US" baseline="0" dirty="0" smtClean="0"/>
+              <a:t>. </a:t>
+            </a:r>
+            <a:r>
+              <a:rPr lang="en-US" baseline="0" dirty="0" err="1" smtClean="0"/>
+              <a:t>Duyệt</a:t>
+            </a:r>
+            <a:r>
+              <a:rPr lang="en-US" baseline="0" dirty="0" smtClean="0"/>
+              <a:t> qua </a:t>
+            </a:r>
+            <a:r>
+              <a:rPr lang="en-US" baseline="0" dirty="0" err="1" smtClean="0"/>
+              <a:t>chiều</a:t>
+            </a:r>
+            <a:r>
+              <a:rPr lang="en-US" baseline="0" dirty="0" smtClean="0"/>
+              <a:t> </a:t>
+            </a:r>
+            <a:r>
+              <a:rPr lang="en-US" baseline="0" dirty="0" err="1" smtClean="0"/>
+              <a:t>rộng</a:t>
+            </a:r>
+            <a:r>
+              <a:rPr lang="en-US" baseline="0" dirty="0" smtClean="0"/>
+              <a:t> </a:t>
+            </a:r>
+            <a:r>
+              <a:rPr lang="en-US" baseline="0" dirty="0" err="1" smtClean="0"/>
+              <a:t>và</a:t>
+            </a:r>
+            <a:r>
+              <a:rPr lang="en-US" baseline="0" dirty="0" smtClean="0"/>
+              <a:t> </a:t>
+            </a:r>
+            <a:r>
+              <a:rPr lang="en-US" baseline="0" dirty="0" err="1" smtClean="0"/>
+              <a:t>chiều</a:t>
+            </a:r>
+            <a:r>
+              <a:rPr lang="en-US" baseline="0" dirty="0" smtClean="0"/>
+              <a:t> </a:t>
+            </a:r>
+            <a:r>
+              <a:rPr lang="en-US" baseline="0" dirty="0" err="1" smtClean="0"/>
+              <a:t>cao</a:t>
+            </a:r>
+            <a:r>
+              <a:rPr lang="en-US" baseline="0" dirty="0" smtClean="0"/>
+              <a:t> </a:t>
+            </a:r>
+            <a:r>
+              <a:rPr lang="en-US" baseline="0" dirty="0" err="1" smtClean="0"/>
+              <a:t>trong</a:t>
+            </a:r>
+            <a:r>
+              <a:rPr lang="en-US" baseline="0" dirty="0" smtClean="0"/>
+              <a:t> </a:t>
+            </a:r>
+            <a:r>
+              <a:rPr lang="en-US" baseline="0" dirty="0" err="1" smtClean="0"/>
+              <a:t>hàm</a:t>
+            </a:r>
+            <a:r>
+              <a:rPr lang="en-US" baseline="0" dirty="0" smtClean="0"/>
+              <a:t> </a:t>
+            </a:r>
+            <a:r>
+              <a:rPr lang="en-US" baseline="0" dirty="0" err="1" smtClean="0"/>
+              <a:t>BufferedImage</a:t>
+            </a:r>
+            <a:endParaRPr lang="en-US" baseline="0" dirty="0" smtClean="0"/>
+          </a:p>
+          <a:p>
+            <a:pPr marL="228600" indent="-228600">
+              <a:buAutoNum type="arabicPeriod"/>
+            </a:pPr>
+            <a:endParaRPr lang="en-US" baseline="0" dirty="0" smtClean="0"/>
+          </a:p>
+          <a:p>
+            <a:pPr marL="228600" indent="-228600">
+              <a:buAutoNum type="arabicPeriod"/>
+            </a:pPr>
+            <a:r>
+              <a:rPr lang="en-US" baseline="0" dirty="0" err="1" smtClean="0"/>
+              <a:t>Sử</a:t>
+            </a:r>
+            <a:r>
+              <a:rPr lang="en-US" baseline="0" dirty="0" smtClean="0"/>
+              <a:t> </a:t>
+            </a:r>
+            <a:r>
+              <a:rPr lang="en-US" baseline="0" dirty="0" err="1" smtClean="0"/>
+              <a:t>dụng</a:t>
+            </a:r>
+            <a:r>
+              <a:rPr lang="en-US" baseline="0" dirty="0" smtClean="0"/>
+              <a:t> Buffered Image </a:t>
+            </a:r>
+            <a:r>
+              <a:rPr lang="en-US" baseline="0" dirty="0" err="1" smtClean="0"/>
+              <a:t>để</a:t>
+            </a:r>
+            <a:r>
+              <a:rPr lang="en-US" baseline="0" dirty="0" smtClean="0"/>
+              <a:t> </a:t>
+            </a:r>
+            <a:r>
+              <a:rPr lang="en-US" baseline="0" dirty="0" err="1" smtClean="0"/>
+              <a:t>tạo</a:t>
+            </a:r>
+            <a:r>
+              <a:rPr lang="en-US" baseline="0" dirty="0" smtClean="0"/>
+              <a:t> </a:t>
+            </a:r>
+            <a:r>
+              <a:rPr lang="en-US" baseline="0" dirty="0" err="1" smtClean="0"/>
+              <a:t>đối</a:t>
+            </a:r>
+            <a:r>
+              <a:rPr lang="en-US" baseline="0" dirty="0" smtClean="0"/>
+              <a:t> </a:t>
+            </a:r>
+            <a:r>
+              <a:rPr lang="en-US" baseline="0" dirty="0" err="1" smtClean="0"/>
+              <a:t>tượng</a:t>
+            </a:r>
+            <a:r>
+              <a:rPr lang="en-US" baseline="0" dirty="0" smtClean="0"/>
+              <a:t> Graphics2D</a:t>
+            </a:r>
+          </a:p>
+          <a:p>
+            <a:pPr marL="228600" indent="-228600">
+              <a:buAutoNum type="arabicPeriod"/>
+            </a:pPr>
+            <a:endParaRPr lang="en-US" baseline="0" dirty="0" smtClean="0"/>
+          </a:p>
+          <a:p>
+            <a:pPr marL="228600" indent="-228600">
+              <a:buAutoNum type="arabicPeriod"/>
+            </a:pPr>
+            <a:r>
+              <a:rPr lang="en-US" baseline="0" dirty="0" err="1" smtClean="0"/>
+              <a:t>Trả</a:t>
+            </a:r>
+            <a:r>
+              <a:rPr lang="en-US" baseline="0" dirty="0" smtClean="0"/>
+              <a:t> </a:t>
+            </a:r>
+            <a:r>
+              <a:rPr lang="en-US" baseline="0" dirty="0" err="1" smtClean="0"/>
+              <a:t>lại</a:t>
+            </a:r>
+            <a:r>
+              <a:rPr lang="en-US" baseline="0" dirty="0" smtClean="0"/>
+              <a:t> </a:t>
+            </a:r>
+            <a:r>
+              <a:rPr lang="en-US" baseline="0" dirty="0" err="1" smtClean="0"/>
+              <a:t>hình</a:t>
+            </a:r>
+            <a:r>
+              <a:rPr lang="en-US" baseline="0" dirty="0" smtClean="0"/>
+              <a:t> </a:t>
+            </a:r>
+            <a:r>
+              <a:rPr lang="en-US" baseline="0" dirty="0" err="1" smtClean="0"/>
+              <a:t>ảnh</a:t>
+            </a:r>
+            <a:r>
+              <a:rPr lang="en-US" baseline="0" dirty="0" smtClean="0"/>
+              <a:t> </a:t>
+            </a:r>
+            <a:r>
+              <a:rPr lang="en-US" baseline="0" dirty="0" err="1" smtClean="0"/>
+              <a:t>thu</a:t>
+            </a:r>
+            <a:r>
+              <a:rPr lang="en-US" baseline="0" dirty="0" smtClean="0"/>
+              <a:t> </a:t>
+            </a:r>
+            <a:r>
+              <a:rPr lang="en-US" baseline="0" dirty="0" err="1" smtClean="0"/>
+              <a:t>nhỏ</a:t>
+            </a:r>
+            <a:endParaRPr lang="en-US" dirty="0"/>
+          </a:p>
+        </p:txBody>
+      </p:sp>
+      <p:sp>
+        <p:nvSpPr>
+          <p:cNvPr id="4" name="Slide Number Placeholder 3"/>
+          <p:cNvSpPr>
+            <a:spLocks noGrp="1"/>
+          </p:cNvSpPr>
+          <p:nvPr>
+            <p:ph type="sldNum" sz="quarter" idx="10"/>
+          </p:nvPr>
+        </p:nvSpPr>
+        <p:spPr/>
+        <p:txBody>
+          <a:bodyPr/>
+          <a:lstStyle/>
+          <a:p>
+            <a:fld id="{6C570EF6-98D0-43B4-A241-DCA84AAAEBD5}" type="slidenum">
+              <a:rPr lang="en-US" smtClean="0"/>
+              <a:t>8</a:t>
+            </a:fld>
+            <a:endParaRPr lang="en-US"/>
+          </a:p>
+        </p:txBody>
+      </p:sp>
+    </p:spTree>
+    <p:extLst>
+      <p:ext uri="{BB962C8B-B14F-4D97-AF65-F5344CB8AC3E}">
+        <p14:creationId xmlns:p14="http://schemas.microsoft.com/office/powerpoint/2010/main" val="2823769271"/>
+      </p:ext>
+    </p:extLst>
+  </p:cSld>
+  <p:clrMapOvr>
+    <a:masterClrMapping/>
+  </p:clrMapOvr>
+</p:notes>
+</file>
+
+<file path=ppt/notesSlides/notesSlide8.xml><?xml version="1.0" encoding="utf-8"?>
+<p:notes xmlns:a="http://schemas.openxmlformats.org/drawingml/2006/main" xmlns:r="http://schemas.openxmlformats.org/officeDocument/2006/relationships" xmlns:p="http://schemas.openxmlformats.org/presentationml/2006/main">
+  <p:cSld>
+    <p:spTree>
+      <p:nvGrpSpPr>
+        <p:cNvPr id="1" name=""/>
+        <p:cNvGrpSpPr/>
+        <p:nvPr/>
+      </p:nvGrpSpPr>
+      <p:grpSpPr>
+        <a:xfrm>
+          <a:off x="0" y="0"/>
+          <a:ext cx="0" cy="0"/>
+          <a:chOff x="0" y="0"/>
+          <a:chExt cx="0" cy="0"/>
+        </a:xfrm>
+      </p:grpSpPr>
+      <p:sp>
+        <p:nvSpPr>
+          <p:cNvPr id="2" name="Slide Image Placeholder 1"/>
+          <p:cNvSpPr>
+            <a:spLocks noGrp="1" noRot="1" noChangeAspect="1"/>
+          </p:cNvSpPr>
+          <p:nvPr>
+            <p:ph type="sldImg"/>
+          </p:nvPr>
+        </p:nvSpPr>
+        <p:spPr/>
+      </p:sp>
+      <p:sp>
+        <p:nvSpPr>
+          <p:cNvPr id="3" name="Notes Placeholder 2"/>
+          <p:cNvSpPr>
+            <a:spLocks noGrp="1"/>
+          </p:cNvSpPr>
+          <p:nvPr>
+            <p:ph type="body" idx="1"/>
+          </p:nvPr>
+        </p:nvSpPr>
+        <p:spPr/>
+        <p:txBody>
+          <a:bodyPr/>
+          <a:lstStyle/>
+          <a:p>
+            <a:r>
+              <a:rPr lang="en-US" dirty="0" err="1" smtClean="0"/>
+              <a:t>Sau</a:t>
+            </a:r>
+            <a:r>
+              <a:rPr lang="en-US" dirty="0" smtClean="0"/>
+              <a:t> </a:t>
+            </a:r>
+            <a:r>
+              <a:rPr lang="en-US" dirty="0" err="1" smtClean="0"/>
+              <a:t>khi</a:t>
+            </a:r>
+            <a:r>
+              <a:rPr lang="en-US" dirty="0" smtClean="0"/>
+              <a:t> </a:t>
+            </a:r>
+            <a:r>
+              <a:rPr lang="en-US" dirty="0" err="1" smtClean="0"/>
+              <a:t>áp</a:t>
+            </a:r>
+            <a:r>
+              <a:rPr lang="en-US" baseline="0" dirty="0" smtClean="0"/>
+              <a:t> </a:t>
+            </a:r>
+            <a:r>
+              <a:rPr lang="en-US" baseline="0" dirty="0" err="1" smtClean="0"/>
+              <a:t>dụng</a:t>
+            </a:r>
+            <a:r>
+              <a:rPr lang="en-US" baseline="0" dirty="0" smtClean="0"/>
+              <a:t> </a:t>
+            </a:r>
+            <a:r>
+              <a:rPr lang="en-US" baseline="0" dirty="0" err="1" smtClean="0"/>
+              <a:t>hàm</a:t>
+            </a:r>
+            <a:r>
+              <a:rPr lang="en-US" baseline="0" dirty="0" smtClean="0"/>
+              <a:t> </a:t>
+            </a:r>
+            <a:r>
+              <a:rPr lang="en-US" baseline="0" dirty="0" err="1" smtClean="0"/>
+              <a:t>này</a:t>
+            </a:r>
+            <a:r>
+              <a:rPr lang="en-US" baseline="0" dirty="0" smtClean="0"/>
+              <a:t>, </a:t>
+            </a:r>
+            <a:r>
+              <a:rPr lang="en-US" baseline="0" dirty="0" err="1" smtClean="0"/>
+              <a:t>chúng</a:t>
+            </a:r>
+            <a:r>
+              <a:rPr lang="en-US" baseline="0" dirty="0" smtClean="0"/>
+              <a:t> ta </a:t>
+            </a:r>
+            <a:r>
+              <a:rPr lang="en-US" baseline="0" dirty="0" err="1" smtClean="0"/>
+              <a:t>được</a:t>
+            </a:r>
+            <a:r>
+              <a:rPr lang="en-US" baseline="0" dirty="0" smtClean="0"/>
+              <a:t> </a:t>
+            </a:r>
+            <a:r>
+              <a:rPr lang="en-US" baseline="0" dirty="0" err="1" smtClean="0"/>
+              <a:t>ảnh</a:t>
+            </a:r>
+            <a:r>
+              <a:rPr lang="en-US" baseline="0" dirty="0" smtClean="0"/>
+              <a:t> </a:t>
+            </a:r>
+            <a:r>
+              <a:rPr lang="en-US" baseline="0" dirty="0" err="1" smtClean="0"/>
+              <a:t>tỷ</a:t>
+            </a:r>
+            <a:r>
+              <a:rPr lang="en-US" baseline="0" dirty="0" smtClean="0"/>
+              <a:t> </a:t>
+            </a:r>
+            <a:r>
+              <a:rPr lang="en-US" baseline="0" dirty="0" err="1" smtClean="0"/>
+              <a:t>lệ</a:t>
+            </a:r>
+            <a:r>
+              <a:rPr lang="en-US" baseline="0" dirty="0" smtClean="0"/>
+              <a:t> </a:t>
+            </a:r>
+            <a:r>
+              <a:rPr lang="en-US" baseline="0" dirty="0" err="1" smtClean="0"/>
+              <a:t>xám</a:t>
+            </a:r>
+            <a:r>
+              <a:rPr lang="en-US" baseline="0" dirty="0" smtClean="0"/>
+              <a:t>. </a:t>
+            </a:r>
+            <a:r>
+              <a:rPr lang="en-US" baseline="0" dirty="0" err="1" smtClean="0"/>
+              <a:t>Phép</a:t>
+            </a:r>
+            <a:r>
+              <a:rPr lang="en-US" baseline="0" dirty="0" smtClean="0"/>
+              <a:t> </a:t>
+            </a:r>
+            <a:r>
+              <a:rPr lang="en-US" baseline="0" dirty="0" err="1" smtClean="0"/>
+              <a:t>biến</a:t>
+            </a:r>
+            <a:r>
+              <a:rPr lang="en-US" baseline="0" dirty="0" smtClean="0"/>
+              <a:t> </a:t>
+            </a:r>
+            <a:r>
+              <a:rPr lang="en-US" baseline="0" dirty="0" err="1" smtClean="0"/>
+              <a:t>đổi</a:t>
+            </a:r>
+            <a:r>
+              <a:rPr lang="en-US" baseline="0" dirty="0" smtClean="0"/>
+              <a:t> </a:t>
+            </a:r>
+            <a:r>
+              <a:rPr lang="en-US" baseline="0" dirty="0" err="1" smtClean="0"/>
+              <a:t>này</a:t>
+            </a:r>
+            <a:r>
+              <a:rPr lang="en-US" baseline="0" dirty="0" smtClean="0"/>
+              <a:t> </a:t>
+            </a:r>
+            <a:r>
+              <a:rPr lang="en-US" baseline="0" dirty="0" err="1" smtClean="0"/>
+              <a:t>được</a:t>
+            </a:r>
+            <a:r>
+              <a:rPr lang="en-US" baseline="0" dirty="0" smtClean="0"/>
+              <a:t> </a:t>
+            </a:r>
+            <a:r>
+              <a:rPr lang="en-US" baseline="0" dirty="0" err="1" smtClean="0"/>
+              <a:t>áp</a:t>
+            </a:r>
+            <a:r>
+              <a:rPr lang="en-US" baseline="0" dirty="0" smtClean="0"/>
+              <a:t> </a:t>
+            </a:r>
+            <a:r>
+              <a:rPr lang="en-US" baseline="0" dirty="0" err="1" smtClean="0"/>
+              <a:t>dụng</a:t>
+            </a:r>
+            <a:r>
+              <a:rPr lang="en-US" baseline="0" dirty="0" smtClean="0"/>
+              <a:t> </a:t>
+            </a:r>
+            <a:r>
+              <a:rPr lang="en-US" baseline="0" dirty="0" err="1" smtClean="0"/>
+              <a:t>cho</a:t>
+            </a:r>
+            <a:r>
+              <a:rPr lang="en-US" baseline="0" dirty="0" smtClean="0"/>
+              <a:t> </a:t>
+            </a:r>
+            <a:r>
+              <a:rPr lang="en-US" baseline="0" dirty="0" err="1" smtClean="0"/>
+              <a:t>tất</a:t>
+            </a:r>
+            <a:r>
+              <a:rPr lang="en-US" baseline="0" dirty="0" smtClean="0"/>
+              <a:t> </a:t>
+            </a:r>
+            <a:r>
+              <a:rPr lang="en-US" baseline="0" dirty="0" err="1" smtClean="0"/>
+              <a:t>cả</a:t>
+            </a:r>
+            <a:r>
+              <a:rPr lang="en-US" baseline="0" dirty="0" smtClean="0"/>
+              <a:t> </a:t>
+            </a:r>
+            <a:r>
+              <a:rPr lang="en-US" baseline="0" dirty="0" err="1" smtClean="0"/>
+              <a:t>các</a:t>
+            </a:r>
+            <a:r>
+              <a:rPr lang="en-US" baseline="0" dirty="0" smtClean="0"/>
+              <a:t> pixel </a:t>
+            </a:r>
+            <a:r>
+              <a:rPr lang="en-US" baseline="0" dirty="0" err="1" smtClean="0"/>
+              <a:t>mà</a:t>
+            </a:r>
+            <a:r>
+              <a:rPr lang="en-US" baseline="0" dirty="0" smtClean="0"/>
+              <a:t> </a:t>
+            </a:r>
+            <a:r>
+              <a:rPr lang="en-US" baseline="0" dirty="0" err="1" smtClean="0"/>
+              <a:t>nó</a:t>
+            </a:r>
+            <a:r>
+              <a:rPr lang="en-US" baseline="0" dirty="0" smtClean="0"/>
+              <a:t> </a:t>
+            </a:r>
+            <a:r>
+              <a:rPr lang="en-US" baseline="0" dirty="0" err="1" smtClean="0"/>
+              <a:t>đc</a:t>
+            </a:r>
+            <a:r>
+              <a:rPr lang="en-US" baseline="0" dirty="0" smtClean="0"/>
+              <a:t> </a:t>
+            </a:r>
+            <a:r>
+              <a:rPr lang="en-US" baseline="0" dirty="0" err="1" smtClean="0"/>
+              <a:t>biểu</a:t>
+            </a:r>
+            <a:r>
+              <a:rPr lang="en-US" baseline="0" dirty="0" smtClean="0"/>
+              <a:t> </a:t>
+            </a:r>
+            <a:r>
+              <a:rPr lang="en-US" baseline="0" dirty="0" err="1" smtClean="0"/>
+              <a:t>diễn</a:t>
+            </a:r>
+            <a:r>
+              <a:rPr lang="en-US" baseline="0" dirty="0" smtClean="0"/>
+              <a:t> </a:t>
+            </a:r>
+            <a:r>
+              <a:rPr lang="en-US" baseline="0" dirty="0" err="1" smtClean="0"/>
+              <a:t>dưới</a:t>
+            </a:r>
+            <a:r>
+              <a:rPr lang="en-US" baseline="0" dirty="0" smtClean="0"/>
+              <a:t> </a:t>
+            </a:r>
+            <a:r>
+              <a:rPr lang="en-US" baseline="0" dirty="0" err="1" smtClean="0"/>
+              <a:t>dạng</a:t>
+            </a:r>
+            <a:r>
+              <a:rPr lang="en-US" baseline="0" dirty="0" smtClean="0"/>
+              <a:t> ma </a:t>
+            </a:r>
+            <a:r>
+              <a:rPr lang="en-US" baseline="0" dirty="0" err="1" smtClean="0"/>
+              <a:t>trận</a:t>
+            </a:r>
+            <a:r>
+              <a:rPr lang="en-US" baseline="0" dirty="0" smtClean="0"/>
+              <a:t> </a:t>
+            </a:r>
+            <a:r>
+              <a:rPr lang="en-US" baseline="0" dirty="0" err="1" smtClean="0"/>
+              <a:t>cường</a:t>
+            </a:r>
+            <a:r>
+              <a:rPr lang="en-US" baseline="0" dirty="0" smtClean="0"/>
+              <a:t> </a:t>
+            </a:r>
+            <a:r>
+              <a:rPr lang="en-US" baseline="0" dirty="0" err="1" smtClean="0"/>
+              <a:t>độ</a:t>
+            </a:r>
+            <a:r>
+              <a:rPr lang="en-US" baseline="0" dirty="0" smtClean="0"/>
+              <a:t> </a:t>
+            </a:r>
+            <a:r>
+              <a:rPr lang="en-US" baseline="0" dirty="0" err="1" smtClean="0"/>
+              <a:t>cấp</a:t>
+            </a:r>
+            <a:r>
+              <a:rPr lang="en-US" baseline="0" dirty="0" smtClean="0"/>
+              <a:t> </a:t>
+            </a:r>
+            <a:r>
+              <a:rPr lang="en-US" baseline="0" dirty="0" err="1" smtClean="0"/>
+              <a:t>độ</a:t>
+            </a:r>
+            <a:r>
+              <a:rPr lang="en-US" baseline="0" dirty="0" smtClean="0"/>
+              <a:t> </a:t>
+            </a:r>
+            <a:r>
+              <a:rPr lang="en-US" baseline="0" dirty="0" err="1" smtClean="0"/>
+              <a:t>xám</a:t>
+            </a:r>
+            <a:endParaRPr lang="en-US" dirty="0"/>
+          </a:p>
+        </p:txBody>
+      </p:sp>
+      <p:sp>
+        <p:nvSpPr>
+          <p:cNvPr id="4" name="Slide Number Placeholder 3"/>
+          <p:cNvSpPr>
+            <a:spLocks noGrp="1"/>
+          </p:cNvSpPr>
+          <p:nvPr>
+            <p:ph type="sldNum" sz="quarter" idx="10"/>
+          </p:nvPr>
+        </p:nvSpPr>
+        <p:spPr/>
+        <p:txBody>
+          <a:bodyPr/>
+          <a:lstStyle/>
+          <a:p>
+            <a:fld id="{6C570EF6-98D0-43B4-A241-DCA84AAAEBD5}" type="slidenum">
+              <a:rPr lang="en-US" smtClean="0"/>
+              <a:t>9</a:t>
+            </a:fld>
+            <a:endParaRPr lang="en-US"/>
+          </a:p>
+        </p:txBody>
+      </p:sp>
+    </p:spTree>
+    <p:extLst>
+      <p:ext uri="{BB962C8B-B14F-4D97-AF65-F5344CB8AC3E}">
+        <p14:creationId xmlns:p14="http://schemas.microsoft.com/office/powerpoint/2010/main" val="3207634222"/>
       </p:ext>
     </p:extLst>
   </p:cSld>
@@ -14482,46 +15735,1523 @@
       </p:grpSpPr>
       <p:sp>
         <p:nvSpPr>
-          <p:cNvPr id="2" name="Title 1"/>
-          <p:cNvSpPr>
-            <a:spLocks noGrp="1"/>
-          </p:cNvSpPr>
-          <p:nvPr>
-            <p:ph type="title"/>
-          </p:nvPr>
+          <p:cNvPr id="4" name="TextBox 3"/>
+          <p:cNvSpPr txBox="1"/>
+          <p:nvPr/>
         </p:nvSpPr>
-        <p:spPr/>
+        <p:spPr>
+          <a:xfrm>
+            <a:off x="304800" y="224118"/>
+            <a:ext cx="8077200" cy="523220"/>
+          </a:xfrm>
+          <a:prstGeom prst="rect">
+            <a:avLst/>
+          </a:prstGeom>
+        </p:spPr>
+        <p:style>
+          <a:lnRef idx="0">
+            <a:schemeClr val="accent6"/>
+          </a:lnRef>
+          <a:fillRef idx="3">
+            <a:schemeClr val="accent6"/>
+          </a:fillRef>
+          <a:effectRef idx="3">
+            <a:schemeClr val="accent6"/>
+          </a:effectRef>
+          <a:fontRef idx="minor">
+            <a:schemeClr val="lt1"/>
+          </a:fontRef>
+        </p:style>
         <p:txBody>
-          <a:bodyPr/>
+          <a:bodyPr wrap="square" rtlCol="0">
+            <a:spAutoFit/>
+          </a:bodyPr>
           <a:lstStyle/>
           <a:p>
-            <a:endParaRPr lang="en-US"/>
+            <a:r>
+              <a:rPr lang="en-US" sz="2800" dirty="0" err="1" smtClean="0">
+                <a:latin typeface="Times New Roman" pitchFamily="18" charset="0"/>
+                <a:cs typeface="Times New Roman" pitchFamily="18" charset="0"/>
+              </a:rPr>
+              <a:t>Sơ</a:t>
+            </a:r>
+            <a:r>
+              <a:rPr lang="en-US" sz="2800" dirty="0" smtClean="0">
+                <a:latin typeface="Times New Roman" pitchFamily="18" charset="0"/>
+                <a:cs typeface="Times New Roman" pitchFamily="18" charset="0"/>
+              </a:rPr>
+              <a:t> </a:t>
+            </a:r>
+            <a:r>
+              <a:rPr lang="en-US" sz="2800" dirty="0" err="1" smtClean="0">
+                <a:latin typeface="Times New Roman" pitchFamily="18" charset="0"/>
+                <a:cs typeface="Times New Roman" pitchFamily="18" charset="0"/>
+              </a:rPr>
+              <a:t>đồ</a:t>
+            </a:r>
+            <a:r>
+              <a:rPr lang="en-US" sz="2800" dirty="0" smtClean="0">
+                <a:latin typeface="Times New Roman" pitchFamily="18" charset="0"/>
+                <a:cs typeface="Times New Roman" pitchFamily="18" charset="0"/>
+              </a:rPr>
+              <a:t> </a:t>
+            </a:r>
+            <a:r>
+              <a:rPr lang="en-US" sz="2800" dirty="0" err="1" smtClean="0">
+                <a:latin typeface="Times New Roman" pitchFamily="18" charset="0"/>
+                <a:cs typeface="Times New Roman" pitchFamily="18" charset="0"/>
+              </a:rPr>
+              <a:t>hoạt</a:t>
+            </a:r>
+            <a:r>
+              <a:rPr lang="en-US" sz="2800" dirty="0" smtClean="0">
+                <a:latin typeface="Times New Roman" pitchFamily="18" charset="0"/>
+                <a:cs typeface="Times New Roman" pitchFamily="18" charset="0"/>
+              </a:rPr>
+              <a:t> </a:t>
+            </a:r>
+            <a:r>
+              <a:rPr lang="en-US" sz="2800" dirty="0" err="1" smtClean="0">
+                <a:latin typeface="Times New Roman" pitchFamily="18" charset="0"/>
+                <a:cs typeface="Times New Roman" pitchFamily="18" charset="0"/>
+              </a:rPr>
+              <a:t>động</a:t>
+            </a:r>
+            <a:r>
+              <a:rPr lang="en-US" sz="2800" dirty="0" smtClean="0">
+                <a:latin typeface="Times New Roman" pitchFamily="18" charset="0"/>
+                <a:cs typeface="Times New Roman" pitchFamily="18" charset="0"/>
+              </a:rPr>
+              <a:t> </a:t>
+            </a:r>
+            <a:r>
+              <a:rPr lang="en-US" sz="2800" dirty="0" err="1" smtClean="0">
+                <a:latin typeface="Times New Roman" pitchFamily="18" charset="0"/>
+                <a:cs typeface="Times New Roman" pitchFamily="18" charset="0"/>
+              </a:rPr>
+              <a:t>của</a:t>
+            </a:r>
+            <a:r>
+              <a:rPr lang="en-US" sz="2800" dirty="0" smtClean="0">
+                <a:latin typeface="Times New Roman" pitchFamily="18" charset="0"/>
+                <a:cs typeface="Times New Roman" pitchFamily="18" charset="0"/>
+              </a:rPr>
+              <a:t> </a:t>
+            </a:r>
+            <a:r>
+              <a:rPr lang="en-US" sz="2800" dirty="0" err="1" smtClean="0">
+                <a:latin typeface="Times New Roman" pitchFamily="18" charset="0"/>
+                <a:cs typeface="Times New Roman" pitchFamily="18" charset="0"/>
+              </a:rPr>
+              <a:t>tiền</a:t>
+            </a:r>
+            <a:r>
+              <a:rPr lang="en-US" sz="2800" dirty="0" smtClean="0">
+                <a:latin typeface="Times New Roman" pitchFamily="18" charset="0"/>
+                <a:cs typeface="Times New Roman" pitchFamily="18" charset="0"/>
+              </a:rPr>
+              <a:t> </a:t>
+            </a:r>
+            <a:r>
+              <a:rPr lang="en-US" sz="2800" dirty="0" err="1" smtClean="0">
+                <a:latin typeface="Times New Roman" pitchFamily="18" charset="0"/>
+                <a:cs typeface="Times New Roman" pitchFamily="18" charset="0"/>
+              </a:rPr>
+              <a:t>xử</a:t>
+            </a:r>
+            <a:r>
+              <a:rPr lang="en-US" sz="2800" dirty="0" smtClean="0">
+                <a:latin typeface="Times New Roman" pitchFamily="18" charset="0"/>
+                <a:cs typeface="Times New Roman" pitchFamily="18" charset="0"/>
+              </a:rPr>
+              <a:t> </a:t>
+            </a:r>
+            <a:r>
+              <a:rPr lang="en-US" sz="2800" dirty="0" err="1" smtClean="0">
+                <a:latin typeface="Times New Roman" pitchFamily="18" charset="0"/>
+                <a:cs typeface="Times New Roman" pitchFamily="18" charset="0"/>
+              </a:rPr>
+              <a:t>lý</a:t>
+            </a:r>
+            <a:endParaRPr lang="en-US" sz="2800" dirty="0">
+              <a:latin typeface="Times New Roman" pitchFamily="18" charset="0"/>
+              <a:cs typeface="Times New Roman" pitchFamily="18" charset="0"/>
+            </a:endParaRPr>
+          </a:p>
+        </p:txBody>
+      </p:sp>
+      <p:pic>
+        <p:nvPicPr>
+          <p:cNvPr id="5" name="Picture 4"/>
+          <p:cNvPicPr>
+            <a:picLocks noChangeAspect="1"/>
+          </p:cNvPicPr>
+          <p:nvPr/>
+        </p:nvPicPr>
+        <p:blipFill>
+          <a:blip r:embed="rId3">
+            <a:extLst>
+              <a:ext uri="{28A0092B-C50C-407E-A947-70E740481C1C}">
+                <a14:useLocalDpi xmlns:a14="http://schemas.microsoft.com/office/drawing/2010/main" val="0"/>
+              </a:ext>
+            </a:extLst>
+          </a:blip>
+          <a:stretch>
+            <a:fillRect/>
+          </a:stretch>
+        </p:blipFill>
+        <p:spPr>
+          <a:xfrm>
+            <a:off x="1182921" y="1192235"/>
+            <a:ext cx="7199079" cy="4433117"/>
+          </a:xfrm>
+          <a:prstGeom prst="rect">
+            <a:avLst/>
+          </a:prstGeom>
+        </p:spPr>
+      </p:pic>
+    </p:spTree>
+    <p:extLst>
+      <p:ext uri="{BB962C8B-B14F-4D97-AF65-F5344CB8AC3E}">
+        <p14:creationId xmlns:p14="http://schemas.microsoft.com/office/powerpoint/2010/main" val="2354489104"/>
+      </p:ext>
+    </p:extLst>
+  </p:cSld>
+  <p:clrMapOvr>
+    <a:masterClrMapping/>
+  </p:clrMapOvr>
+  <p:timing>
+    <p:tnLst>
+      <p:par>
+        <p:cTn id="1" dur="indefinite" restart="never" nodeType="tmRoot"/>
+      </p:par>
+    </p:tnLst>
+  </p:timing>
+</p:sld>
+</file>
+
+<file path=ppt/slides/slide8.xml><?xml version="1.0" encoding="utf-8"?>
+<p:sld xmlns:a="http://schemas.openxmlformats.org/drawingml/2006/main" xmlns:r="http://schemas.openxmlformats.org/officeDocument/2006/relationships" xmlns:p="http://schemas.openxmlformats.org/presentationml/2006/main">
+  <p:cSld>
+    <p:spTree>
+      <p:nvGrpSpPr>
+        <p:cNvPr id="1" name=""/>
+        <p:cNvGrpSpPr/>
+        <p:nvPr/>
+      </p:nvGrpSpPr>
+      <p:grpSpPr>
+        <a:xfrm>
+          <a:off x="0" y="0"/>
+          <a:ext cx="0" cy="0"/>
+          <a:chOff x="0" y="0"/>
+          <a:chExt cx="0" cy="0"/>
+        </a:xfrm>
+      </p:grpSpPr>
+      <p:sp>
+        <p:nvSpPr>
+          <p:cNvPr id="4" name="TextBox 3"/>
+          <p:cNvSpPr txBox="1"/>
+          <p:nvPr/>
+        </p:nvSpPr>
+        <p:spPr>
+          <a:xfrm>
+            <a:off x="497541" y="251029"/>
+            <a:ext cx="7924800" cy="461665"/>
+          </a:xfrm>
+          <a:prstGeom prst="rect">
+            <a:avLst/>
+          </a:prstGeom>
+          <a:noFill/>
+        </p:spPr>
+        <p:txBody>
+          <a:bodyPr wrap="square" rtlCol="0">
+            <a:spAutoFit/>
+          </a:bodyPr>
+          <a:lstStyle/>
+          <a:p>
+            <a:r>
+              <a:rPr lang="en-US" sz="2400" dirty="0" err="1" smtClean="0">
+                <a:latin typeface="Times New Roman" pitchFamily="18" charset="0"/>
+                <a:cs typeface="Times New Roman" pitchFamily="18" charset="0"/>
+              </a:rPr>
+              <a:t>Mã</a:t>
+            </a:r>
+            <a:r>
+              <a:rPr lang="en-US" sz="2400" dirty="0" smtClean="0">
+                <a:latin typeface="Times New Roman" pitchFamily="18" charset="0"/>
+                <a:cs typeface="Times New Roman" pitchFamily="18" charset="0"/>
+              </a:rPr>
+              <a:t> </a:t>
+            </a:r>
+            <a:r>
+              <a:rPr lang="en-US" sz="2400" dirty="0" err="1" smtClean="0">
+                <a:latin typeface="Times New Roman" pitchFamily="18" charset="0"/>
+                <a:cs typeface="Times New Roman" pitchFamily="18" charset="0"/>
+              </a:rPr>
+              <a:t>giả</a:t>
+            </a:r>
+            <a:endParaRPr lang="en-US" sz="2400" dirty="0">
+              <a:latin typeface="Times New Roman" pitchFamily="18" charset="0"/>
+              <a:cs typeface="Times New Roman" pitchFamily="18" charset="0"/>
+            </a:endParaRPr>
           </a:p>
         </p:txBody>
       </p:sp>
       <p:sp>
         <p:nvSpPr>
-          <p:cNvPr id="3" name="Content Placeholder 2"/>
-          <p:cNvSpPr>
-            <a:spLocks noGrp="1"/>
-          </p:cNvSpPr>
-          <p:nvPr>
-            <p:ph sz="quarter" idx="1"/>
-          </p:nvPr>
+          <p:cNvPr id="5" name="TextBox 4"/>
+          <p:cNvSpPr txBox="1"/>
+          <p:nvPr/>
         </p:nvSpPr>
-        <p:spPr/>
+        <p:spPr>
+          <a:xfrm>
+            <a:off x="461682" y="748535"/>
+            <a:ext cx="7696200" cy="5355312"/>
+          </a:xfrm>
+          <a:prstGeom prst="rect">
+            <a:avLst/>
+          </a:prstGeom>
+          <a:noFill/>
+        </p:spPr>
         <p:txBody>
-          <a:bodyPr/>
+          <a:bodyPr wrap="square" rtlCol="0">
+            <a:spAutoFit/>
+          </a:bodyPr>
           <a:lstStyle/>
           <a:p>
+            <a:r>
+              <a:rPr lang="en-US" b="1" dirty="0"/>
+              <a:t>1 Take integer type image value in RGB. </a:t>
+            </a:r>
             <a:endParaRPr lang="en-US" dirty="0"/>
+          </a:p>
+          <a:p>
+            <a:r>
+              <a:rPr lang="en-US" dirty="0" err="1"/>
+              <a:t>int</a:t>
+            </a:r>
+            <a:r>
+              <a:rPr lang="en-US" dirty="0"/>
+              <a:t> </a:t>
+            </a:r>
+            <a:r>
+              <a:rPr lang="en-US" dirty="0" err="1"/>
+              <a:t>imageTy</a:t>
+            </a:r>
+            <a:r>
+              <a:rPr lang="en-US" dirty="0"/>
+              <a:t>= </a:t>
+            </a:r>
+            <a:r>
+              <a:rPr lang="en-US" dirty="0" err="1"/>
+              <a:t>preserveAlpha</a:t>
+            </a:r>
+            <a:r>
+              <a:rPr lang="en-US" dirty="0"/>
+              <a:t> ?        </a:t>
+            </a:r>
+            <a:endParaRPr lang="en-US" dirty="0" smtClean="0"/>
+          </a:p>
+          <a:p>
+            <a:r>
+              <a:rPr lang="en-US" dirty="0" err="1" smtClean="0"/>
+              <a:t>BufferedImage.TYPE_INT_RGB</a:t>
+            </a:r>
+            <a:r>
+              <a:rPr lang="en-US" dirty="0" smtClean="0"/>
+              <a:t> :</a:t>
+            </a:r>
+          </a:p>
+          <a:p>
+            <a:r>
+              <a:rPr lang="en-US" dirty="0" err="1" smtClean="0"/>
+              <a:t>BufferedImage.TYPE_INT_ARGB</a:t>
+            </a:r>
+            <a:r>
+              <a:rPr lang="en-US" dirty="0" smtClean="0"/>
+              <a:t> </a:t>
+            </a:r>
+          </a:p>
+          <a:p>
+            <a:endParaRPr lang="en-US" dirty="0"/>
+          </a:p>
+          <a:p>
+            <a:r>
+              <a:rPr lang="en-US" b="1" dirty="0" smtClean="0"/>
+              <a:t>2 </a:t>
+            </a:r>
+            <a:r>
+              <a:rPr lang="en-US" b="1" dirty="0"/>
+              <a:t>Take Image as Buffered Image. Pass width and height in the </a:t>
+            </a:r>
+            <a:r>
+              <a:rPr lang="en-US" b="1" dirty="0" err="1"/>
+              <a:t>BufferedImage</a:t>
+            </a:r>
+            <a:r>
+              <a:rPr lang="en-US" b="1" dirty="0"/>
+              <a:t> function</a:t>
+            </a:r>
+            <a:r>
+              <a:rPr lang="en-US" dirty="0"/>
+              <a:t>. </a:t>
+            </a:r>
+          </a:p>
+          <a:p>
+            <a:r>
+              <a:rPr lang="en-US" dirty="0"/>
+              <a:t>   </a:t>
+            </a:r>
+            <a:r>
+              <a:rPr lang="en-US" dirty="0" err="1"/>
+              <a:t>BufferedImage</a:t>
+            </a:r>
+            <a:r>
+              <a:rPr lang="en-US" dirty="0"/>
+              <a:t> BI = new </a:t>
+            </a:r>
+            <a:r>
+              <a:rPr lang="en-US" dirty="0" err="1"/>
+              <a:t>BufferedImage</a:t>
+            </a:r>
+            <a:r>
+              <a:rPr lang="en-US" dirty="0"/>
+              <a:t>(</a:t>
+            </a:r>
+            <a:r>
+              <a:rPr lang="en-US" dirty="0" err="1"/>
+              <a:t>scaledWidth</a:t>
+            </a:r>
+            <a:r>
+              <a:rPr lang="en-US" dirty="0"/>
+              <a:t>,   </a:t>
+            </a:r>
+            <a:r>
+              <a:rPr lang="en-US" dirty="0" err="1"/>
+              <a:t>scaledHeight</a:t>
+            </a:r>
+            <a:r>
+              <a:rPr lang="en-US" dirty="0"/>
+              <a:t>, </a:t>
+            </a:r>
+            <a:r>
+              <a:rPr lang="en-US" dirty="0" err="1"/>
+              <a:t>imageTy</a:t>
+            </a:r>
+            <a:r>
+              <a:rPr lang="en-US" dirty="0" smtClean="0"/>
+              <a:t>)</a:t>
+            </a:r>
+          </a:p>
+          <a:p>
+            <a:endParaRPr lang="en-US" dirty="0" smtClean="0"/>
+          </a:p>
+          <a:p>
+            <a:r>
+              <a:rPr lang="en-US" dirty="0" smtClean="0"/>
+              <a:t> </a:t>
+            </a:r>
+            <a:r>
+              <a:rPr lang="en-US" b="1" dirty="0"/>
+              <a:t>3 Using Buffered Image create Graphics2D object </a:t>
+            </a:r>
+            <a:endParaRPr lang="en-US" b="1" dirty="0" smtClean="0"/>
+          </a:p>
+          <a:p>
+            <a:r>
+              <a:rPr lang="en-US" dirty="0"/>
+              <a:t>Graphics2D gr = </a:t>
+            </a:r>
+            <a:r>
+              <a:rPr lang="en-US" dirty="0" err="1"/>
+              <a:t>BI.createGraphics</a:t>
+            </a:r>
+            <a:r>
+              <a:rPr lang="en-US" dirty="0"/>
+              <a:t>()   </a:t>
+            </a:r>
+            <a:endParaRPr lang="en-US" dirty="0" smtClean="0"/>
+          </a:p>
+          <a:p>
+            <a:r>
+              <a:rPr lang="en-US" dirty="0" smtClean="0"/>
+              <a:t>if </a:t>
+            </a:r>
+            <a:r>
+              <a:rPr lang="en-US" dirty="0"/>
+              <a:t>(</a:t>
+            </a:r>
+            <a:r>
+              <a:rPr lang="en-US" dirty="0" err="1"/>
+              <a:t>preserveAlpha</a:t>
+            </a:r>
+            <a:r>
+              <a:rPr lang="en-US" dirty="0"/>
+              <a:t>) {     </a:t>
+            </a:r>
+            <a:endParaRPr lang="en-US" dirty="0" smtClean="0"/>
+          </a:p>
+          <a:p>
+            <a:r>
+              <a:rPr lang="en-US" dirty="0" smtClean="0"/>
+              <a:t>  </a:t>
+            </a:r>
+            <a:r>
+              <a:rPr lang="en-US" dirty="0" err="1"/>
+              <a:t>gr.setComposite</a:t>
+            </a:r>
+            <a:r>
+              <a:rPr lang="en-US" dirty="0"/>
+              <a:t>(</a:t>
+            </a:r>
+            <a:r>
+              <a:rPr lang="en-US" dirty="0" err="1"/>
+              <a:t>AlphaComposite.Src</a:t>
+            </a:r>
+            <a:r>
+              <a:rPr lang="en-US" dirty="0"/>
+              <a:t>);     </a:t>
+            </a:r>
+            <a:endParaRPr lang="en-US" dirty="0" smtClean="0"/>
+          </a:p>
+          <a:p>
+            <a:r>
+              <a:rPr lang="en-US" dirty="0" smtClean="0"/>
+              <a:t> </a:t>
+            </a:r>
+            <a:r>
+              <a:rPr lang="en-US" dirty="0"/>
+              <a:t>}   </a:t>
+            </a:r>
+            <a:endParaRPr lang="en-US" dirty="0" smtClean="0"/>
+          </a:p>
+          <a:p>
+            <a:r>
+              <a:rPr lang="en-US" dirty="0" err="1" smtClean="0"/>
+              <a:t>gr.drawImage</a:t>
+            </a:r>
+            <a:r>
+              <a:rPr lang="en-US" dirty="0" smtClean="0"/>
+              <a:t>(Image</a:t>
+            </a:r>
+            <a:r>
+              <a:rPr lang="en-US" dirty="0"/>
+              <a:t>, 0, 0, </a:t>
+            </a:r>
+            <a:r>
+              <a:rPr lang="en-US" dirty="0" err="1"/>
+              <a:t>scaledWidth</a:t>
+            </a:r>
+            <a:r>
+              <a:rPr lang="en-US" dirty="0"/>
+              <a:t>, </a:t>
+            </a:r>
+            <a:r>
+              <a:rPr lang="en-US" dirty="0" err="1"/>
+              <a:t>scaledHeight</a:t>
+            </a:r>
+            <a:r>
+              <a:rPr lang="en-US" dirty="0"/>
+              <a:t>, null)      </a:t>
+            </a:r>
+            <a:r>
+              <a:rPr lang="en-US" dirty="0" err="1"/>
+              <a:t>gr.dispose</a:t>
+            </a:r>
+            <a:r>
+              <a:rPr lang="en-US" dirty="0"/>
+              <a:t>() </a:t>
+            </a:r>
+            <a:endParaRPr lang="en-US" dirty="0" smtClean="0"/>
+          </a:p>
+          <a:p>
+            <a:endParaRPr lang="en-US" dirty="0"/>
+          </a:p>
+          <a:p>
+            <a:r>
+              <a:rPr lang="en-US" b="1" dirty="0" smtClean="0"/>
+              <a:t>4 </a:t>
+            </a:r>
+            <a:r>
+              <a:rPr lang="en-US" b="1" dirty="0"/>
+              <a:t>Return the Scaled image</a:t>
+            </a:r>
+            <a:r>
+              <a:rPr lang="en-US" dirty="0"/>
+              <a:t>. </a:t>
+            </a:r>
           </a:p>
         </p:txBody>
       </p:sp>
     </p:spTree>
     <p:extLst>
       <p:ext uri="{BB962C8B-B14F-4D97-AF65-F5344CB8AC3E}">
-        <p14:creationId xmlns:p14="http://schemas.microsoft.com/office/powerpoint/2010/main" val="2354489104"/>
+        <p14:creationId xmlns:p14="http://schemas.microsoft.com/office/powerpoint/2010/main" val="240688749"/>
+      </p:ext>
+    </p:extLst>
+  </p:cSld>
+  <p:clrMapOvr>
+    <a:masterClrMapping/>
+  </p:clrMapOvr>
+  <p:timing>
+    <p:tnLst>
+      <p:par>
+        <p:cTn id="1" dur="indefinite" restart="never" nodeType="tmRoot"/>
+      </p:par>
+    </p:tnLst>
+  </p:timing>
+</p:sld>
+</file>
+
+<file path=ppt/slides/slide9.xml><?xml version="1.0" encoding="utf-8"?>
+<p:sld xmlns:a="http://schemas.openxmlformats.org/drawingml/2006/main" xmlns:r="http://schemas.openxmlformats.org/officeDocument/2006/relationships" xmlns:p="http://schemas.openxmlformats.org/presentationml/2006/main">
+  <p:cSld>
+    <p:spTree>
+      <p:nvGrpSpPr>
+        <p:cNvPr id="1" name=""/>
+        <p:cNvGrpSpPr/>
+        <p:nvPr/>
+      </p:nvGrpSpPr>
+      <p:grpSpPr>
+        <a:xfrm>
+          <a:off x="0" y="0"/>
+          <a:ext cx="0" cy="0"/>
+          <a:chOff x="0" y="0"/>
+          <a:chExt cx="0" cy="0"/>
+        </a:xfrm>
+      </p:grpSpPr>
+      <p:sp>
+        <p:nvSpPr>
+          <p:cNvPr id="4" name="TextBox 3"/>
+          <p:cNvSpPr txBox="1"/>
+          <p:nvPr/>
+        </p:nvSpPr>
+        <p:spPr>
+          <a:xfrm>
+            <a:off x="304800" y="304800"/>
+            <a:ext cx="8305800" cy="523220"/>
+          </a:xfrm>
+          <a:prstGeom prst="rect">
+            <a:avLst/>
+          </a:prstGeom>
+        </p:spPr>
+        <p:style>
+          <a:lnRef idx="0">
+            <a:schemeClr val="accent6"/>
+          </a:lnRef>
+          <a:fillRef idx="3">
+            <a:schemeClr val="accent6"/>
+          </a:fillRef>
+          <a:effectRef idx="3">
+            <a:schemeClr val="accent6"/>
+          </a:effectRef>
+          <a:fontRef idx="minor">
+            <a:schemeClr val="lt1"/>
+          </a:fontRef>
+        </p:style>
+        <p:txBody>
+          <a:bodyPr wrap="square" rtlCol="0">
+            <a:spAutoFit/>
+          </a:bodyPr>
+          <a:lstStyle/>
+          <a:p>
+            <a:r>
+              <a:rPr lang="en-US" sz="2800" dirty="0" err="1" smtClean="0">
+                <a:latin typeface="Times New Roman" pitchFamily="18" charset="0"/>
+                <a:cs typeface="Times New Roman" pitchFamily="18" charset="0"/>
+              </a:rPr>
+              <a:t>Mức</a:t>
+            </a:r>
+            <a:r>
+              <a:rPr lang="en-US" sz="2800" dirty="0" smtClean="0">
+                <a:latin typeface="Times New Roman" pitchFamily="18" charset="0"/>
+                <a:cs typeface="Times New Roman" pitchFamily="18" charset="0"/>
+              </a:rPr>
+              <a:t> </a:t>
+            </a:r>
+            <a:r>
+              <a:rPr lang="en-US" sz="2800" dirty="0" err="1" smtClean="0">
+                <a:latin typeface="Times New Roman" pitchFamily="18" charset="0"/>
+                <a:cs typeface="Times New Roman" pitchFamily="18" charset="0"/>
+              </a:rPr>
+              <a:t>xám</a:t>
+            </a:r>
+            <a:endParaRPr lang="en-US" sz="2800" dirty="0">
+              <a:latin typeface="Times New Roman" pitchFamily="18" charset="0"/>
+              <a:cs typeface="Times New Roman" pitchFamily="18" charset="0"/>
+            </a:endParaRPr>
+          </a:p>
+        </p:txBody>
+      </p:sp>
+      <p:sp>
+        <p:nvSpPr>
+          <p:cNvPr id="5" name="TextBox 4"/>
+          <p:cNvSpPr txBox="1"/>
+          <p:nvPr/>
+        </p:nvSpPr>
+        <p:spPr>
+          <a:xfrm>
+            <a:off x="609600" y="1295400"/>
+            <a:ext cx="7772400" cy="1785104"/>
+          </a:xfrm>
+          <a:prstGeom prst="rect">
+            <a:avLst/>
+          </a:prstGeom>
+          <a:noFill/>
+        </p:spPr>
+        <p:txBody>
+          <a:bodyPr wrap="square" rtlCol="0">
+            <a:spAutoFit/>
+          </a:bodyPr>
+          <a:lstStyle/>
+          <a:p>
+            <a:pPr marL="285750" indent="-285750" algn="just">
+              <a:buFont typeface="Arial" pitchFamily="34" charset="0"/>
+              <a:buChar char="•"/>
+            </a:pPr>
+            <a:r>
+              <a:rPr lang="en-US" sz="2200" dirty="0" err="1" smtClean="0">
+                <a:latin typeface="Times New Roman" pitchFamily="18" charset="0"/>
+                <a:cs typeface="Times New Roman" pitchFamily="18" charset="0"/>
+              </a:rPr>
+              <a:t>Hình</a:t>
+            </a:r>
+            <a:r>
+              <a:rPr lang="en-US" sz="2200" dirty="0" smtClean="0">
+                <a:latin typeface="Times New Roman" pitchFamily="18" charset="0"/>
+                <a:cs typeface="Times New Roman" pitchFamily="18" charset="0"/>
+              </a:rPr>
+              <a:t> </a:t>
+            </a:r>
+            <a:r>
+              <a:rPr lang="en-US" sz="2200" dirty="0" err="1" smtClean="0">
+                <a:latin typeface="Times New Roman" pitchFamily="18" charset="0"/>
+                <a:cs typeface="Times New Roman" pitchFamily="18" charset="0"/>
+              </a:rPr>
+              <a:t>ảnh</a:t>
+            </a:r>
+            <a:r>
+              <a:rPr lang="en-US" sz="2200" dirty="0" smtClean="0">
+                <a:latin typeface="Times New Roman" pitchFamily="18" charset="0"/>
+                <a:cs typeface="Times New Roman" pitchFamily="18" charset="0"/>
+              </a:rPr>
+              <a:t> </a:t>
+            </a:r>
+            <a:r>
+              <a:rPr lang="en-US" sz="2200" dirty="0" err="1" smtClean="0">
+                <a:latin typeface="Times New Roman" pitchFamily="18" charset="0"/>
+                <a:cs typeface="Times New Roman" pitchFamily="18" charset="0"/>
+              </a:rPr>
+              <a:t>được</a:t>
+            </a:r>
+            <a:r>
+              <a:rPr lang="en-US" sz="2200" dirty="0" smtClean="0">
+                <a:latin typeface="Times New Roman" pitchFamily="18" charset="0"/>
+                <a:cs typeface="Times New Roman" pitchFamily="18" charset="0"/>
+              </a:rPr>
+              <a:t> </a:t>
+            </a:r>
+            <a:r>
+              <a:rPr lang="en-US" sz="2200" dirty="0" err="1" smtClean="0">
+                <a:latin typeface="Times New Roman" pitchFamily="18" charset="0"/>
+                <a:cs typeface="Times New Roman" pitchFamily="18" charset="0"/>
+              </a:rPr>
+              <a:t>chụp</a:t>
+            </a:r>
+            <a:r>
+              <a:rPr lang="en-US" sz="2200" dirty="0" smtClean="0">
+                <a:latin typeface="Times New Roman" pitchFamily="18" charset="0"/>
+                <a:cs typeface="Times New Roman" pitchFamily="18" charset="0"/>
+              </a:rPr>
+              <a:t> </a:t>
+            </a:r>
+            <a:r>
+              <a:rPr lang="en-US" sz="2200" dirty="0" err="1" smtClean="0">
+                <a:latin typeface="Times New Roman" pitchFamily="18" charset="0"/>
+                <a:cs typeface="Times New Roman" pitchFamily="18" charset="0"/>
+              </a:rPr>
+              <a:t>thông</a:t>
+            </a:r>
+            <a:r>
+              <a:rPr lang="en-US" sz="2200" dirty="0" smtClean="0">
+                <a:latin typeface="Times New Roman" pitchFamily="18" charset="0"/>
+                <a:cs typeface="Times New Roman" pitchFamily="18" charset="0"/>
+              </a:rPr>
+              <a:t> </a:t>
+            </a:r>
+            <a:r>
+              <a:rPr lang="en-US" sz="2200" dirty="0" err="1" smtClean="0">
+                <a:latin typeface="Times New Roman" pitchFamily="18" charset="0"/>
+                <a:cs typeface="Times New Roman" pitchFamily="18" charset="0"/>
+              </a:rPr>
+              <a:t>thường</a:t>
+            </a:r>
+            <a:r>
+              <a:rPr lang="en-US" sz="2200" dirty="0" smtClean="0">
+                <a:latin typeface="Times New Roman" pitchFamily="18" charset="0"/>
+                <a:cs typeface="Times New Roman" pitchFamily="18" charset="0"/>
+              </a:rPr>
+              <a:t> </a:t>
+            </a:r>
+            <a:r>
+              <a:rPr lang="en-US" sz="2200" dirty="0" err="1" smtClean="0">
+                <a:latin typeface="Times New Roman" pitchFamily="18" charset="0"/>
+                <a:cs typeface="Times New Roman" pitchFamily="18" charset="0"/>
+              </a:rPr>
+              <a:t>là</a:t>
+            </a:r>
+            <a:r>
+              <a:rPr lang="en-US" sz="2200" dirty="0" smtClean="0">
+                <a:latin typeface="Times New Roman" pitchFamily="18" charset="0"/>
+                <a:cs typeface="Times New Roman" pitchFamily="18" charset="0"/>
+              </a:rPr>
+              <a:t> </a:t>
+            </a:r>
+            <a:r>
+              <a:rPr lang="en-US" sz="2200" dirty="0" err="1" smtClean="0">
+                <a:latin typeface="Times New Roman" pitchFamily="18" charset="0"/>
+                <a:cs typeface="Times New Roman" pitchFamily="18" charset="0"/>
+              </a:rPr>
+              <a:t>ảnh</a:t>
+            </a:r>
+            <a:r>
+              <a:rPr lang="en-US" sz="2200" dirty="0" smtClean="0">
+                <a:latin typeface="Times New Roman" pitchFamily="18" charset="0"/>
+                <a:cs typeface="Times New Roman" pitchFamily="18" charset="0"/>
+              </a:rPr>
+              <a:t> </a:t>
+            </a:r>
+            <a:r>
+              <a:rPr lang="en-US" sz="2200" dirty="0" err="1" smtClean="0">
+                <a:latin typeface="Times New Roman" pitchFamily="18" charset="0"/>
+                <a:cs typeface="Times New Roman" pitchFamily="18" charset="0"/>
+              </a:rPr>
+              <a:t>màu</a:t>
+            </a:r>
+            <a:r>
+              <a:rPr lang="en-US" sz="2200" dirty="0" smtClean="0">
+                <a:latin typeface="Times New Roman" pitchFamily="18" charset="0"/>
+                <a:cs typeface="Times New Roman" pitchFamily="18" charset="0"/>
+              </a:rPr>
+              <a:t>. </a:t>
+            </a:r>
+            <a:r>
+              <a:rPr lang="en-US" sz="2200" dirty="0" err="1" smtClean="0">
+                <a:latin typeface="Times New Roman" pitchFamily="18" charset="0"/>
+                <a:cs typeface="Times New Roman" pitchFamily="18" charset="0"/>
+              </a:rPr>
+              <a:t>Việc</a:t>
+            </a:r>
+            <a:r>
+              <a:rPr lang="en-US" sz="2200" dirty="0" smtClean="0">
+                <a:latin typeface="Times New Roman" pitchFamily="18" charset="0"/>
+                <a:cs typeface="Times New Roman" pitchFamily="18" charset="0"/>
+              </a:rPr>
+              <a:t> </a:t>
+            </a:r>
+            <a:r>
+              <a:rPr lang="en-US" sz="2200" dirty="0" err="1" smtClean="0">
+                <a:latin typeface="Times New Roman" pitchFamily="18" charset="0"/>
+                <a:cs typeface="Times New Roman" pitchFamily="18" charset="0"/>
+              </a:rPr>
+              <a:t>xử</a:t>
+            </a:r>
+            <a:r>
+              <a:rPr lang="en-US" sz="2200" dirty="0" smtClean="0">
+                <a:latin typeface="Times New Roman" pitchFamily="18" charset="0"/>
+                <a:cs typeface="Times New Roman" pitchFamily="18" charset="0"/>
+              </a:rPr>
+              <a:t> </a:t>
+            </a:r>
+            <a:r>
+              <a:rPr lang="en-US" sz="2200" dirty="0" err="1" smtClean="0">
+                <a:latin typeface="Times New Roman" pitchFamily="18" charset="0"/>
+                <a:cs typeface="Times New Roman" pitchFamily="18" charset="0"/>
+              </a:rPr>
+              <a:t>lý</a:t>
+            </a:r>
+            <a:r>
+              <a:rPr lang="en-US" sz="2200" dirty="0" smtClean="0">
+                <a:latin typeface="Times New Roman" pitchFamily="18" charset="0"/>
+                <a:cs typeface="Times New Roman" pitchFamily="18" charset="0"/>
+              </a:rPr>
+              <a:t> </a:t>
+            </a:r>
+            <a:r>
+              <a:rPr lang="en-US" sz="2200" dirty="0" err="1" smtClean="0">
+                <a:latin typeface="Times New Roman" pitchFamily="18" charset="0"/>
+                <a:cs typeface="Times New Roman" pitchFamily="18" charset="0"/>
+              </a:rPr>
+              <a:t>ảnh</a:t>
+            </a:r>
+            <a:r>
+              <a:rPr lang="en-US" sz="2200" dirty="0" smtClean="0">
+                <a:latin typeface="Times New Roman" pitchFamily="18" charset="0"/>
+                <a:cs typeface="Times New Roman" pitchFamily="18" charset="0"/>
+              </a:rPr>
+              <a:t> </a:t>
+            </a:r>
+            <a:r>
+              <a:rPr lang="en-US" sz="2200" dirty="0" err="1" smtClean="0">
+                <a:latin typeface="Times New Roman" pitchFamily="18" charset="0"/>
+                <a:cs typeface="Times New Roman" pitchFamily="18" charset="0"/>
+              </a:rPr>
+              <a:t>được</a:t>
+            </a:r>
+            <a:r>
+              <a:rPr lang="en-US" sz="2200" dirty="0" smtClean="0">
+                <a:latin typeface="Times New Roman" pitchFamily="18" charset="0"/>
+                <a:cs typeface="Times New Roman" pitchFamily="18" charset="0"/>
+              </a:rPr>
+              <a:t> </a:t>
+            </a:r>
+            <a:r>
+              <a:rPr lang="en-US" sz="2200" dirty="0" err="1" smtClean="0">
+                <a:latin typeface="Times New Roman" pitchFamily="18" charset="0"/>
+                <a:cs typeface="Times New Roman" pitchFamily="18" charset="0"/>
+              </a:rPr>
+              <a:t>yêu</a:t>
+            </a:r>
+            <a:r>
+              <a:rPr lang="en-US" sz="2200" dirty="0" smtClean="0">
+                <a:latin typeface="Times New Roman" pitchFamily="18" charset="0"/>
+                <a:cs typeface="Times New Roman" pitchFamily="18" charset="0"/>
+              </a:rPr>
+              <a:t> </a:t>
+            </a:r>
+            <a:r>
+              <a:rPr lang="en-US" sz="2200" dirty="0" err="1" smtClean="0">
+                <a:latin typeface="Times New Roman" pitchFamily="18" charset="0"/>
+                <a:cs typeface="Times New Roman" pitchFamily="18" charset="0"/>
+              </a:rPr>
+              <a:t>cầu</a:t>
+            </a:r>
+            <a:r>
+              <a:rPr lang="en-US" sz="2200" dirty="0" smtClean="0">
+                <a:latin typeface="Times New Roman" pitchFamily="18" charset="0"/>
+                <a:cs typeface="Times New Roman" pitchFamily="18" charset="0"/>
+              </a:rPr>
+              <a:t> </a:t>
+            </a:r>
+            <a:r>
+              <a:rPr lang="en-US" sz="2200" dirty="0" err="1" smtClean="0">
+                <a:latin typeface="Times New Roman" pitchFamily="18" charset="0"/>
+                <a:cs typeface="Times New Roman" pitchFamily="18" charset="0"/>
+              </a:rPr>
+              <a:t>là</a:t>
+            </a:r>
+            <a:r>
+              <a:rPr lang="en-US" sz="2200" dirty="0" smtClean="0">
+                <a:latin typeface="Times New Roman" pitchFamily="18" charset="0"/>
+                <a:cs typeface="Times New Roman" pitchFamily="18" charset="0"/>
+              </a:rPr>
+              <a:t> </a:t>
+            </a:r>
+            <a:r>
+              <a:rPr lang="en-US" sz="2200" dirty="0" err="1" smtClean="0">
+                <a:latin typeface="Times New Roman" pitchFamily="18" charset="0"/>
+                <a:cs typeface="Times New Roman" pitchFamily="18" charset="0"/>
+              </a:rPr>
+              <a:t>hình</a:t>
+            </a:r>
+            <a:r>
+              <a:rPr lang="en-US" sz="2200" dirty="0" smtClean="0">
+                <a:latin typeface="Times New Roman" pitchFamily="18" charset="0"/>
+                <a:cs typeface="Times New Roman" pitchFamily="18" charset="0"/>
+              </a:rPr>
+              <a:t> </a:t>
+            </a:r>
+            <a:r>
+              <a:rPr lang="en-US" sz="2200" dirty="0" err="1" smtClean="0">
+                <a:latin typeface="Times New Roman" pitchFamily="18" charset="0"/>
+                <a:cs typeface="Times New Roman" pitchFamily="18" charset="0"/>
+              </a:rPr>
+              <a:t>ảnh</a:t>
+            </a:r>
+            <a:r>
+              <a:rPr lang="en-US" sz="2200" dirty="0" smtClean="0">
+                <a:latin typeface="Times New Roman" pitchFamily="18" charset="0"/>
+                <a:cs typeface="Times New Roman" pitchFamily="18" charset="0"/>
+              </a:rPr>
+              <a:t> </a:t>
+            </a:r>
+            <a:r>
+              <a:rPr lang="en-US" sz="2200" dirty="0" err="1" smtClean="0">
+                <a:latin typeface="Times New Roman" pitchFamily="18" charset="0"/>
+                <a:cs typeface="Times New Roman" pitchFamily="18" charset="0"/>
+              </a:rPr>
+              <a:t>phải</a:t>
+            </a:r>
+            <a:r>
+              <a:rPr lang="en-US" sz="2200" dirty="0" smtClean="0">
+                <a:latin typeface="Times New Roman" pitchFamily="18" charset="0"/>
+                <a:cs typeface="Times New Roman" pitchFamily="18" charset="0"/>
+              </a:rPr>
+              <a:t> </a:t>
+            </a:r>
+            <a:r>
+              <a:rPr lang="en-US" sz="2200" dirty="0" err="1" smtClean="0">
+                <a:latin typeface="Times New Roman" pitchFamily="18" charset="0"/>
+                <a:cs typeface="Times New Roman" pitchFamily="18" charset="0"/>
+              </a:rPr>
+              <a:t>trong</a:t>
+            </a:r>
+            <a:r>
+              <a:rPr lang="en-US" sz="2200" dirty="0" smtClean="0">
+                <a:latin typeface="Times New Roman" pitchFamily="18" charset="0"/>
+                <a:cs typeface="Times New Roman" pitchFamily="18" charset="0"/>
+              </a:rPr>
+              <a:t> </a:t>
+            </a:r>
+            <a:r>
+              <a:rPr lang="en-US" sz="2200" dirty="0" err="1" smtClean="0">
+                <a:latin typeface="Times New Roman" pitchFamily="18" charset="0"/>
+                <a:cs typeface="Times New Roman" pitchFamily="18" charset="0"/>
+              </a:rPr>
+              <a:t>quy</a:t>
+            </a:r>
+            <a:r>
+              <a:rPr lang="en-US" sz="2200" dirty="0" smtClean="0">
+                <a:latin typeface="Times New Roman" pitchFamily="18" charset="0"/>
+                <a:cs typeface="Times New Roman" pitchFamily="18" charset="0"/>
+              </a:rPr>
+              <a:t> </a:t>
+            </a:r>
+            <a:r>
+              <a:rPr lang="en-US" sz="2200" dirty="0" err="1" smtClean="0">
+                <a:latin typeface="Times New Roman" pitchFamily="18" charset="0"/>
+                <a:cs typeface="Times New Roman" pitchFamily="18" charset="0"/>
+              </a:rPr>
+              <a:t>mô</a:t>
+            </a:r>
+            <a:r>
+              <a:rPr lang="en-US" sz="2200" dirty="0" smtClean="0">
+                <a:latin typeface="Times New Roman" pitchFamily="18" charset="0"/>
+                <a:cs typeface="Times New Roman" pitchFamily="18" charset="0"/>
+              </a:rPr>
+              <a:t> </a:t>
+            </a:r>
+            <a:r>
+              <a:rPr lang="en-US" sz="2200" dirty="0" err="1" smtClean="0">
+                <a:latin typeface="Times New Roman" pitchFamily="18" charset="0"/>
+                <a:cs typeface="Times New Roman" pitchFamily="18" charset="0"/>
+              </a:rPr>
+              <a:t>màu</a:t>
+            </a:r>
+            <a:r>
+              <a:rPr lang="en-US" sz="2200" dirty="0" smtClean="0">
+                <a:latin typeface="Times New Roman" pitchFamily="18" charset="0"/>
+                <a:cs typeface="Times New Roman" pitchFamily="18" charset="0"/>
+              </a:rPr>
+              <a:t> </a:t>
+            </a:r>
+            <a:r>
+              <a:rPr lang="en-US" sz="2200" dirty="0" err="1" smtClean="0">
+                <a:latin typeface="Times New Roman" pitchFamily="18" charset="0"/>
+                <a:cs typeface="Times New Roman" pitchFamily="18" charset="0"/>
+              </a:rPr>
+              <a:t>xám</a:t>
+            </a:r>
+            <a:r>
+              <a:rPr lang="en-US" sz="2200" dirty="0" smtClean="0">
+                <a:latin typeface="Times New Roman" pitchFamily="18" charset="0"/>
+                <a:cs typeface="Times New Roman" pitchFamily="18" charset="0"/>
+              </a:rPr>
+              <a:t>.</a:t>
+            </a:r>
+          </a:p>
+          <a:p>
+            <a:pPr marL="285750" indent="-285750" algn="just">
+              <a:buFont typeface="Arial" pitchFamily="34" charset="0"/>
+              <a:buChar char="•"/>
+            </a:pPr>
+            <a:r>
+              <a:rPr lang="en-US" sz="2200" dirty="0" err="1" smtClean="0">
+                <a:latin typeface="Times New Roman" pitchFamily="18" charset="0"/>
+                <a:cs typeface="Times New Roman" pitchFamily="18" charset="0"/>
+              </a:rPr>
+              <a:t>Ảnh</a:t>
+            </a:r>
+            <a:r>
+              <a:rPr lang="en-US" sz="2200" dirty="0" smtClean="0">
+                <a:latin typeface="Times New Roman" pitchFamily="18" charset="0"/>
+                <a:cs typeface="Times New Roman" pitchFamily="18" charset="0"/>
+              </a:rPr>
+              <a:t> </a:t>
+            </a:r>
+            <a:r>
+              <a:rPr lang="en-US" sz="2200" dirty="0" err="1" smtClean="0">
+                <a:latin typeface="Times New Roman" pitchFamily="18" charset="0"/>
+                <a:cs typeface="Times New Roman" pitchFamily="18" charset="0"/>
+              </a:rPr>
+              <a:t>xám</a:t>
+            </a:r>
+            <a:r>
+              <a:rPr lang="en-US" sz="2200" dirty="0" smtClean="0">
+                <a:latin typeface="Times New Roman" pitchFamily="18" charset="0"/>
+                <a:cs typeface="Times New Roman" pitchFamily="18" charset="0"/>
+              </a:rPr>
+              <a:t> hay </a:t>
+            </a:r>
+            <a:r>
+              <a:rPr lang="en-US" sz="2200" dirty="0" err="1" smtClean="0">
+                <a:latin typeface="Times New Roman" pitchFamily="18" charset="0"/>
+                <a:cs typeface="Times New Roman" pitchFamily="18" charset="0"/>
+              </a:rPr>
+              <a:t>còn</a:t>
+            </a:r>
+            <a:r>
+              <a:rPr lang="en-US" sz="2200" dirty="0" smtClean="0">
+                <a:latin typeface="Times New Roman" pitchFamily="18" charset="0"/>
+                <a:cs typeface="Times New Roman" pitchFamily="18" charset="0"/>
+              </a:rPr>
+              <a:t> </a:t>
+            </a:r>
+            <a:r>
+              <a:rPr lang="en-US" sz="2200" dirty="0" err="1" smtClean="0">
+                <a:latin typeface="Times New Roman" pitchFamily="18" charset="0"/>
+                <a:cs typeface="Times New Roman" pitchFamily="18" charset="0"/>
+              </a:rPr>
+              <a:t>được</a:t>
+            </a:r>
+            <a:r>
+              <a:rPr lang="en-US" sz="2200" dirty="0" smtClean="0">
+                <a:latin typeface="Times New Roman" pitchFamily="18" charset="0"/>
+                <a:cs typeface="Times New Roman" pitchFamily="18" charset="0"/>
+              </a:rPr>
+              <a:t> </a:t>
+            </a:r>
+            <a:r>
+              <a:rPr lang="en-US" sz="2200" dirty="0" err="1" smtClean="0">
+                <a:latin typeface="Times New Roman" pitchFamily="18" charset="0"/>
+                <a:cs typeface="Times New Roman" pitchFamily="18" charset="0"/>
+              </a:rPr>
+              <a:t>gọi</a:t>
+            </a:r>
+            <a:r>
+              <a:rPr lang="en-US" sz="2200" dirty="0" smtClean="0">
+                <a:latin typeface="Times New Roman" pitchFamily="18" charset="0"/>
+                <a:cs typeface="Times New Roman" pitchFamily="18" charset="0"/>
+              </a:rPr>
+              <a:t> </a:t>
+            </a:r>
+            <a:r>
+              <a:rPr lang="en-US" sz="2200" dirty="0" err="1" smtClean="0">
+                <a:latin typeface="Times New Roman" pitchFamily="18" charset="0"/>
+                <a:cs typeface="Times New Roman" pitchFamily="18" charset="0"/>
+              </a:rPr>
+              <a:t>là</a:t>
+            </a:r>
+            <a:r>
+              <a:rPr lang="en-US" sz="2200" dirty="0" smtClean="0">
+                <a:latin typeface="Times New Roman" pitchFamily="18" charset="0"/>
+                <a:cs typeface="Times New Roman" pitchFamily="18" charset="0"/>
+              </a:rPr>
+              <a:t> </a:t>
+            </a:r>
+            <a:r>
+              <a:rPr lang="en-US" sz="2200" dirty="0" err="1" smtClean="0">
+                <a:latin typeface="Times New Roman" pitchFamily="18" charset="0"/>
+                <a:cs typeface="Times New Roman" pitchFamily="18" charset="0"/>
+              </a:rPr>
+              <a:t>ảnh</a:t>
+            </a:r>
+            <a:r>
+              <a:rPr lang="en-US" sz="2200" dirty="0" smtClean="0">
+                <a:latin typeface="Times New Roman" pitchFamily="18" charset="0"/>
+                <a:cs typeface="Times New Roman" pitchFamily="18" charset="0"/>
+              </a:rPr>
+              <a:t> </a:t>
+            </a:r>
+            <a:r>
+              <a:rPr lang="en-US" sz="2200" dirty="0" err="1" smtClean="0">
+                <a:latin typeface="Times New Roman" pitchFamily="18" charset="0"/>
+                <a:cs typeface="Times New Roman" pitchFamily="18" charset="0"/>
+              </a:rPr>
+              <a:t>đen</a:t>
+            </a:r>
+            <a:r>
+              <a:rPr lang="en-US" sz="2200" dirty="0" smtClean="0">
+                <a:latin typeface="Times New Roman" pitchFamily="18" charset="0"/>
+                <a:cs typeface="Times New Roman" pitchFamily="18" charset="0"/>
+              </a:rPr>
+              <a:t> </a:t>
+            </a:r>
+            <a:r>
+              <a:rPr lang="en-US" sz="2200" dirty="0" err="1" smtClean="0">
+                <a:latin typeface="Times New Roman" pitchFamily="18" charset="0"/>
+                <a:cs typeface="Times New Roman" pitchFamily="18" charset="0"/>
+              </a:rPr>
+              <a:t>và</a:t>
+            </a:r>
+            <a:r>
+              <a:rPr lang="en-US" sz="2200" dirty="0" smtClean="0">
+                <a:latin typeface="Times New Roman" pitchFamily="18" charset="0"/>
+                <a:cs typeface="Times New Roman" pitchFamily="18" charset="0"/>
+              </a:rPr>
+              <a:t> </a:t>
+            </a:r>
+            <a:r>
+              <a:rPr lang="en-US" sz="2200" dirty="0" err="1" smtClean="0">
+                <a:latin typeface="Times New Roman" pitchFamily="18" charset="0"/>
+                <a:cs typeface="Times New Roman" pitchFamily="18" charset="0"/>
+              </a:rPr>
+              <a:t>trắng</a:t>
+            </a:r>
+            <a:r>
+              <a:rPr lang="en-US" sz="2200" dirty="0" smtClean="0">
+                <a:latin typeface="Times New Roman" pitchFamily="18" charset="0"/>
+                <a:cs typeface="Times New Roman" pitchFamily="18" charset="0"/>
+              </a:rPr>
+              <a:t>.</a:t>
+            </a:r>
+          </a:p>
+          <a:p>
+            <a:pPr marL="285750" indent="-285750" algn="just">
+              <a:buFont typeface="Arial" pitchFamily="34" charset="0"/>
+              <a:buChar char="•"/>
+            </a:pPr>
+            <a:r>
+              <a:rPr lang="en-US" sz="2200" dirty="0" err="1" smtClean="0">
+                <a:latin typeface="Times New Roman" pitchFamily="18" charset="0"/>
+                <a:cs typeface="Times New Roman" pitchFamily="18" charset="0"/>
+              </a:rPr>
+              <a:t>Cường</a:t>
+            </a:r>
+            <a:r>
+              <a:rPr lang="en-US" sz="2200" dirty="0" smtClean="0">
+                <a:latin typeface="Times New Roman" pitchFamily="18" charset="0"/>
+                <a:cs typeface="Times New Roman" pitchFamily="18" charset="0"/>
+              </a:rPr>
+              <a:t> </a:t>
+            </a:r>
+            <a:r>
+              <a:rPr lang="en-US" sz="2200" dirty="0" err="1" smtClean="0">
+                <a:latin typeface="Times New Roman" pitchFamily="18" charset="0"/>
+                <a:cs typeface="Times New Roman" pitchFamily="18" charset="0"/>
+              </a:rPr>
+              <a:t>độ</a:t>
+            </a:r>
+            <a:r>
+              <a:rPr lang="en-US" sz="2200" dirty="0" smtClean="0">
+                <a:latin typeface="Times New Roman" pitchFamily="18" charset="0"/>
+                <a:cs typeface="Times New Roman" pitchFamily="18" charset="0"/>
+              </a:rPr>
+              <a:t> pixel </a:t>
+            </a:r>
+            <a:r>
+              <a:rPr lang="en-US" sz="2200" dirty="0" err="1" smtClean="0">
+                <a:latin typeface="Times New Roman" pitchFamily="18" charset="0"/>
+                <a:cs typeface="Times New Roman" pitchFamily="18" charset="0"/>
+              </a:rPr>
+              <a:t>được</a:t>
+            </a:r>
+            <a:r>
+              <a:rPr lang="en-US" sz="2200" dirty="0" smtClean="0">
+                <a:latin typeface="Times New Roman" pitchFamily="18" charset="0"/>
+                <a:cs typeface="Times New Roman" pitchFamily="18" charset="0"/>
+              </a:rPr>
+              <a:t> </a:t>
+            </a:r>
+            <a:r>
+              <a:rPr lang="en-US" sz="2200" dirty="0" err="1" smtClean="0">
+                <a:latin typeface="Times New Roman" pitchFamily="18" charset="0"/>
+                <a:cs typeface="Times New Roman" pitchFamily="18" charset="0"/>
+              </a:rPr>
+              <a:t>đại</a:t>
+            </a:r>
+            <a:r>
+              <a:rPr lang="en-US" sz="2200" dirty="0" smtClean="0">
+                <a:latin typeface="Times New Roman" pitchFamily="18" charset="0"/>
+                <a:cs typeface="Times New Roman" pitchFamily="18" charset="0"/>
+              </a:rPr>
+              <a:t> </a:t>
+            </a:r>
+            <a:r>
+              <a:rPr lang="en-US" sz="2200" dirty="0" err="1" smtClean="0">
+                <a:latin typeface="Times New Roman" pitchFamily="18" charset="0"/>
+                <a:cs typeface="Times New Roman" pitchFamily="18" charset="0"/>
+              </a:rPr>
+              <a:t>điện</a:t>
+            </a:r>
+            <a:r>
+              <a:rPr lang="en-US" sz="2200" dirty="0" smtClean="0">
+                <a:latin typeface="Times New Roman" pitchFamily="18" charset="0"/>
+                <a:cs typeface="Times New Roman" pitchFamily="18" charset="0"/>
+              </a:rPr>
+              <a:t> </a:t>
+            </a:r>
+            <a:r>
+              <a:rPr lang="en-US" sz="2200" dirty="0" err="1" smtClean="0">
+                <a:latin typeface="Times New Roman" pitchFamily="18" charset="0"/>
+                <a:cs typeface="Times New Roman" pitchFamily="18" charset="0"/>
+              </a:rPr>
+              <a:t>là</a:t>
+            </a:r>
+            <a:r>
+              <a:rPr lang="en-US" sz="2200" dirty="0" smtClean="0">
+                <a:latin typeface="Times New Roman" pitchFamily="18" charset="0"/>
+                <a:cs typeface="Times New Roman" pitchFamily="18" charset="0"/>
+              </a:rPr>
+              <a:t> </a:t>
+            </a:r>
+            <a:r>
+              <a:rPr lang="en-US" sz="2200" dirty="0" err="1" smtClean="0">
+                <a:latin typeface="Times New Roman" pitchFamily="18" charset="0"/>
+                <a:cs typeface="Times New Roman" pitchFamily="18" charset="0"/>
+              </a:rPr>
+              <a:t>một</a:t>
+            </a:r>
+            <a:r>
+              <a:rPr lang="en-US" sz="2200" dirty="0" smtClean="0">
+                <a:latin typeface="Times New Roman" pitchFamily="18" charset="0"/>
+                <a:cs typeface="Times New Roman" pitchFamily="18" charset="0"/>
+              </a:rPr>
+              <a:t> </a:t>
+            </a:r>
+            <a:r>
+              <a:rPr lang="en-US" sz="2200" dirty="0" err="1" smtClean="0">
+                <a:latin typeface="Times New Roman" pitchFamily="18" charset="0"/>
+                <a:cs typeface="Times New Roman" pitchFamily="18" charset="0"/>
+              </a:rPr>
+              <a:t>phạm</a:t>
+            </a:r>
+            <a:r>
+              <a:rPr lang="en-US" sz="2200" dirty="0" smtClean="0">
+                <a:latin typeface="Times New Roman" pitchFamily="18" charset="0"/>
+                <a:cs typeface="Times New Roman" pitchFamily="18" charset="0"/>
+              </a:rPr>
+              <a:t> vi </a:t>
+            </a:r>
+            <a:r>
+              <a:rPr lang="en-US" sz="2200" dirty="0" err="1" smtClean="0">
+                <a:latin typeface="Times New Roman" pitchFamily="18" charset="0"/>
+                <a:cs typeface="Times New Roman" pitchFamily="18" charset="0"/>
+              </a:rPr>
+              <a:t>từ</a:t>
+            </a:r>
+            <a:r>
+              <a:rPr lang="en-US" sz="2200" dirty="0" smtClean="0">
+                <a:latin typeface="Times New Roman" pitchFamily="18" charset="0"/>
+                <a:cs typeface="Times New Roman" pitchFamily="18" charset="0"/>
+              </a:rPr>
+              <a:t> 0 </a:t>
+            </a:r>
+            <a:r>
+              <a:rPr lang="en-US" sz="2200" dirty="0" err="1" smtClean="0">
+                <a:latin typeface="Times New Roman" pitchFamily="18" charset="0"/>
+                <a:cs typeface="Times New Roman" pitchFamily="18" charset="0"/>
+              </a:rPr>
+              <a:t>là</a:t>
+            </a:r>
+            <a:r>
+              <a:rPr lang="en-US" sz="2200" dirty="0" smtClean="0">
+                <a:latin typeface="Times New Roman" pitchFamily="18" charset="0"/>
+                <a:cs typeface="Times New Roman" pitchFamily="18" charset="0"/>
+              </a:rPr>
+              <a:t> </a:t>
+            </a:r>
+            <a:r>
+              <a:rPr lang="en-US" sz="2200" dirty="0" err="1" smtClean="0">
+                <a:latin typeface="Times New Roman" pitchFamily="18" charset="0"/>
+                <a:cs typeface="Times New Roman" pitchFamily="18" charset="0"/>
+              </a:rPr>
+              <a:t>đen</a:t>
+            </a:r>
+            <a:r>
+              <a:rPr lang="en-US" sz="2200" dirty="0" smtClean="0">
+                <a:latin typeface="Times New Roman" pitchFamily="18" charset="0"/>
+                <a:cs typeface="Times New Roman" pitchFamily="18" charset="0"/>
+              </a:rPr>
+              <a:t> </a:t>
+            </a:r>
+            <a:r>
+              <a:rPr lang="en-US" sz="2200" dirty="0" err="1" smtClean="0">
+                <a:latin typeface="Times New Roman" pitchFamily="18" charset="0"/>
+                <a:cs typeface="Times New Roman" pitchFamily="18" charset="0"/>
+              </a:rPr>
+              <a:t>và</a:t>
+            </a:r>
+            <a:r>
+              <a:rPr lang="en-US" sz="2200" dirty="0" smtClean="0">
+                <a:latin typeface="Times New Roman" pitchFamily="18" charset="0"/>
+                <a:cs typeface="Times New Roman" pitchFamily="18" charset="0"/>
+              </a:rPr>
+              <a:t> 1 </a:t>
+            </a:r>
+            <a:r>
+              <a:rPr lang="en-US" sz="2200" dirty="0" err="1" smtClean="0">
+                <a:latin typeface="Times New Roman" pitchFamily="18" charset="0"/>
+                <a:cs typeface="Times New Roman" pitchFamily="18" charset="0"/>
+              </a:rPr>
+              <a:t>là</a:t>
+            </a:r>
+            <a:r>
+              <a:rPr lang="en-US" sz="2200" dirty="0" smtClean="0">
+                <a:latin typeface="Times New Roman" pitchFamily="18" charset="0"/>
+                <a:cs typeface="Times New Roman" pitchFamily="18" charset="0"/>
+              </a:rPr>
+              <a:t> </a:t>
+            </a:r>
+            <a:r>
+              <a:rPr lang="en-US" sz="2200" dirty="0" err="1" smtClean="0">
+                <a:latin typeface="Times New Roman" pitchFamily="18" charset="0"/>
+                <a:cs typeface="Times New Roman" pitchFamily="18" charset="0"/>
+              </a:rPr>
+              <a:t>trắng</a:t>
+            </a:r>
+            <a:r>
+              <a:rPr lang="en-US" sz="2200" dirty="0" smtClean="0">
+                <a:latin typeface="Times New Roman" pitchFamily="18" charset="0"/>
+                <a:cs typeface="Times New Roman" pitchFamily="18" charset="0"/>
+              </a:rPr>
+              <a:t>, </a:t>
+            </a:r>
+            <a:r>
+              <a:rPr lang="en-US" sz="2200" dirty="0" err="1" smtClean="0">
+                <a:latin typeface="Times New Roman" pitchFamily="18" charset="0"/>
+                <a:cs typeface="Times New Roman" pitchFamily="18" charset="0"/>
+              </a:rPr>
+              <a:t>giá</a:t>
+            </a:r>
+            <a:r>
+              <a:rPr lang="en-US" sz="2200" dirty="0" smtClean="0">
+                <a:latin typeface="Times New Roman" pitchFamily="18" charset="0"/>
+                <a:cs typeface="Times New Roman" pitchFamily="18" charset="0"/>
+              </a:rPr>
+              <a:t> </a:t>
+            </a:r>
+            <a:r>
+              <a:rPr lang="en-US" sz="2200" dirty="0" err="1" smtClean="0">
+                <a:latin typeface="Times New Roman" pitchFamily="18" charset="0"/>
+                <a:cs typeface="Times New Roman" pitchFamily="18" charset="0"/>
+              </a:rPr>
+              <a:t>trị</a:t>
+            </a:r>
+            <a:r>
+              <a:rPr lang="en-US" sz="2200" dirty="0" smtClean="0">
+                <a:latin typeface="Times New Roman" pitchFamily="18" charset="0"/>
+                <a:cs typeface="Times New Roman" pitchFamily="18" charset="0"/>
+              </a:rPr>
+              <a:t> </a:t>
+            </a:r>
+            <a:r>
+              <a:rPr lang="en-US" sz="2200" dirty="0" err="1" smtClean="0">
+                <a:latin typeface="Times New Roman" pitchFamily="18" charset="0"/>
+                <a:cs typeface="Times New Roman" pitchFamily="18" charset="0"/>
+              </a:rPr>
+              <a:t>phân</a:t>
+            </a:r>
+            <a:r>
+              <a:rPr lang="en-US" sz="2200" dirty="0" smtClean="0">
+                <a:latin typeface="Times New Roman" pitchFamily="18" charset="0"/>
+                <a:cs typeface="Times New Roman" pitchFamily="18" charset="0"/>
+              </a:rPr>
+              <a:t> </a:t>
+            </a:r>
+            <a:r>
+              <a:rPr lang="en-US" sz="2200" dirty="0" err="1" smtClean="0">
+                <a:latin typeface="Times New Roman" pitchFamily="18" charset="0"/>
+                <a:cs typeface="Times New Roman" pitchFamily="18" charset="0"/>
+              </a:rPr>
+              <a:t>đoạn</a:t>
+            </a:r>
+            <a:r>
+              <a:rPr lang="en-US" sz="2200" dirty="0" smtClean="0">
+                <a:latin typeface="Times New Roman" pitchFamily="18" charset="0"/>
+                <a:cs typeface="Times New Roman" pitchFamily="18" charset="0"/>
+              </a:rPr>
+              <a:t> ở </a:t>
+            </a:r>
+            <a:r>
+              <a:rPr lang="en-US" sz="2200" dirty="0" err="1" smtClean="0">
+                <a:latin typeface="Times New Roman" pitchFamily="18" charset="0"/>
+                <a:cs typeface="Times New Roman" pitchFamily="18" charset="0"/>
+              </a:rPr>
+              <a:t>giữa</a:t>
+            </a:r>
+            <a:r>
+              <a:rPr lang="en-US" sz="2200" dirty="0" smtClean="0">
+                <a:latin typeface="Times New Roman" pitchFamily="18" charset="0"/>
+                <a:cs typeface="Times New Roman" pitchFamily="18" charset="0"/>
+              </a:rPr>
+              <a:t>.</a:t>
+            </a:r>
+            <a:endParaRPr lang="en-US" sz="2200" dirty="0">
+              <a:latin typeface="Times New Roman" pitchFamily="18" charset="0"/>
+              <a:cs typeface="Times New Roman" pitchFamily="18" charset="0"/>
+            </a:endParaRPr>
+          </a:p>
+        </p:txBody>
+      </p:sp>
+      <p:pic>
+        <p:nvPicPr>
+          <p:cNvPr id="1026" name="Picture 2"/>
+          <p:cNvPicPr>
+            <a:picLocks noChangeAspect="1" noChangeArrowheads="1"/>
+          </p:cNvPicPr>
+          <p:nvPr/>
+        </p:nvPicPr>
+        <p:blipFill>
+          <a:blip r:embed="rId3">
+            <a:extLst>
+              <a:ext uri="{28A0092B-C50C-407E-A947-70E740481C1C}">
+                <a14:useLocalDpi xmlns:a14="http://schemas.microsoft.com/office/drawing/2010/main" val="0"/>
+              </a:ext>
+            </a:extLst>
+          </a:blip>
+          <a:srcRect/>
+          <a:stretch>
+            <a:fillRect/>
+          </a:stretch>
+        </p:blipFill>
+        <p:spPr bwMode="auto">
+          <a:xfrm>
+            <a:off x="1790700" y="3080504"/>
+            <a:ext cx="5592664" cy="3625096"/>
+          </a:xfrm>
+          <a:prstGeom prst="rect">
+            <a:avLst/>
+          </a:prstGeom>
+          <a:noFill/>
+          <a:ln>
+            <a:noFill/>
+          </a:ln>
+          <a:effectLst/>
+          <a:extLst>
+            <a:ext uri="{909E8E84-426E-40DD-AFC4-6F175D3DCCD1}">
+              <a14:hiddenFill xmlns:a14="http://schemas.microsoft.com/office/drawing/2010/main">
+                <a:solidFill>
+                  <a:schemeClr val="accent1"/>
+                </a:solidFill>
+              </a14:hiddenFill>
+            </a:ext>
+            <a:ext uri="{91240B29-F687-4F45-9708-019B960494DF}">
+              <a14:hiddenLine xmlns:a14="http://schemas.microsoft.com/office/drawing/2010/main" w="9525">
+                <a:solidFill>
+                  <a:schemeClr val="tx1"/>
+                </a:solidFill>
+                <a:miter lim="800000"/>
+                <a:headEnd/>
+                <a:tailEnd/>
+              </a14:hiddenLine>
+            </a:ext>
+            <a:ext uri="{AF507438-7753-43E0-B8FC-AC1667EBCBE1}">
+              <a14:hiddenEffects xmlns:a14="http://schemas.microsoft.com/office/drawing/2010/main">
+                <a:effectLst>
+                  <a:outerShdw dist="35921" dir="2700000" algn="ctr" rotWithShape="0">
+                    <a:schemeClr val="bg2"/>
+                  </a:outerShdw>
+                </a:effectLst>
+              </a14:hiddenEffects>
+            </a:ext>
+          </a:extLst>
+        </p:spPr>
+      </p:pic>
+    </p:spTree>
+    <p:extLst>
+      <p:ext uri="{BB962C8B-B14F-4D97-AF65-F5344CB8AC3E}">
+        <p14:creationId xmlns:p14="http://schemas.microsoft.com/office/powerpoint/2010/main" val="2133245931"/>
       </p:ext>
     </p:extLst>
   </p:cSld>

--- a/Optical character recognition using template matching.pptx
+++ b/Optical character recognition using template matching.pptx
@@ -5,7 +5,7 @@
     <p:sldMasterId id="2147483720" r:id="rId1"/>
   </p:sldMasterIdLst>
   <p:notesMasterIdLst>
-    <p:notesMasterId r:id="rId11"/>
+    <p:notesMasterId r:id="rId17"/>
   </p:notesMasterIdLst>
   <p:sldIdLst>
     <p:sldId id="256" r:id="rId2"/>
@@ -17,6 +17,12 @@
     <p:sldId id="262" r:id="rId8"/>
     <p:sldId id="263" r:id="rId9"/>
     <p:sldId id="264" r:id="rId10"/>
+    <p:sldId id="265" r:id="rId11"/>
+    <p:sldId id="266" r:id="rId12"/>
+    <p:sldId id="267" r:id="rId13"/>
+    <p:sldId id="268" r:id="rId14"/>
+    <p:sldId id="269" r:id="rId15"/>
+    <p:sldId id="270" r:id="rId16"/>
   </p:sldIdLst>
   <p:sldSz cx="9144000" cy="6858000" type="screen4x3"/>
   <p:notesSz cx="6858000" cy="9144000"/>
@@ -200,7 +206,7 @@
           <a:p>
             <a:fld id="{83CDB28E-0787-4A2E-9586-4F4E99756CE9}" type="datetimeFigureOut">
               <a:rPr lang="en-US" smtClean="0"/>
-              <a:t>12/17/2019</a:t>
+              <a:t>12/18/2019</a:t>
             </a:fld>
             <a:endParaRPr lang="en-US"/>
           </a:p>
@@ -1928,6 +1934,868 @@
 </p:notes>
 </file>
 
+<file path=ppt/notesSlides/notesSlide10.xml><?xml version="1.0" encoding="utf-8"?>
+<p:notes xmlns:a="http://schemas.openxmlformats.org/drawingml/2006/main" xmlns:r="http://schemas.openxmlformats.org/officeDocument/2006/relationships" xmlns:p="http://schemas.openxmlformats.org/presentationml/2006/main">
+  <p:cSld>
+    <p:spTree>
+      <p:nvGrpSpPr>
+        <p:cNvPr id="1" name=""/>
+        <p:cNvGrpSpPr/>
+        <p:nvPr/>
+      </p:nvGrpSpPr>
+      <p:grpSpPr>
+        <a:xfrm>
+          <a:off x="0" y="0"/>
+          <a:ext cx="0" cy="0"/>
+          <a:chOff x="0" y="0"/>
+          <a:chExt cx="0" cy="0"/>
+        </a:xfrm>
+      </p:grpSpPr>
+      <p:sp>
+        <p:nvSpPr>
+          <p:cNvPr id="2" name="Slide Image Placeholder 1"/>
+          <p:cNvSpPr>
+            <a:spLocks noGrp="1" noRot="1" noChangeAspect="1"/>
+          </p:cNvSpPr>
+          <p:nvPr>
+            <p:ph type="sldImg"/>
+          </p:nvPr>
+        </p:nvSpPr>
+        <p:spPr/>
+      </p:sp>
+      <p:sp>
+        <p:nvSpPr>
+          <p:cNvPr id="3" name="Notes Placeholder 2"/>
+          <p:cNvSpPr>
+            <a:spLocks noGrp="1"/>
+          </p:cNvSpPr>
+          <p:nvPr>
+            <p:ph type="body" idx="1"/>
+          </p:nvPr>
+        </p:nvSpPr>
+        <p:spPr/>
+        <p:txBody>
+          <a:bodyPr/>
+          <a:lstStyle/>
+          <a:p>
+            <a:pPr marL="0" marR="0" indent="0" algn="l" defTabSz="914400" rtl="0" eaLnBrk="1" fontAlgn="auto" latinLnBrk="0" hangingPunct="1">
+              <a:lnSpc>
+                <a:spcPct val="100000"/>
+              </a:lnSpc>
+              <a:spcBef>
+                <a:spcPts val="0"/>
+              </a:spcBef>
+              <a:spcAft>
+                <a:spcPts val="0"/>
+              </a:spcAft>
+              <a:buClrTx/>
+              <a:buSzTx/>
+              <a:buFontTx/>
+              <a:buNone/>
+              <a:tabLst/>
+              <a:defRPr/>
+            </a:pPr>
+            <a:r>
+              <a:rPr lang="en-US" dirty="0" err="1" smtClean="0"/>
+              <a:t>Lan</a:t>
+            </a:r>
+            <a:r>
+              <a:rPr lang="en-US" baseline="0" dirty="0" smtClean="0"/>
+              <a:t> </a:t>
+            </a:r>
+            <a:r>
+              <a:rPr lang="en-US" baseline="0" dirty="0" err="1" smtClean="0"/>
+              <a:t>truyền</a:t>
+            </a:r>
+            <a:r>
+              <a:rPr lang="en-US" baseline="0" dirty="0" smtClean="0"/>
+              <a:t> </a:t>
+            </a:r>
+            <a:r>
+              <a:rPr lang="en-US" baseline="0" dirty="0" err="1" smtClean="0"/>
+              <a:t>ngược</a:t>
+            </a:r>
+            <a:r>
+              <a:rPr lang="en-US" baseline="0" dirty="0" smtClean="0"/>
+              <a:t>: </a:t>
+            </a:r>
+            <a:r>
+              <a:rPr lang="en-US" baseline="0" dirty="0" err="1" smtClean="0"/>
+              <a:t>tức</a:t>
+            </a:r>
+            <a:r>
+              <a:rPr lang="en-US" baseline="0" dirty="0" smtClean="0"/>
+              <a:t> </a:t>
+            </a:r>
+            <a:r>
+              <a:rPr lang="en-US" baseline="0" dirty="0" err="1" smtClean="0"/>
+              <a:t>là</a:t>
+            </a:r>
+            <a:r>
+              <a:rPr lang="en-US" baseline="0" dirty="0" smtClean="0"/>
+              <a:t> “ </a:t>
+            </a:r>
+            <a:r>
+              <a:rPr lang="en-US" baseline="0" dirty="0" err="1" smtClean="0"/>
+              <a:t>truyền</a:t>
+            </a:r>
+            <a:r>
+              <a:rPr lang="en-US" baseline="0" dirty="0" smtClean="0"/>
+              <a:t> </a:t>
+            </a:r>
+            <a:r>
+              <a:rPr lang="en-US" baseline="0" dirty="0" err="1" smtClean="0"/>
+              <a:t>ngược</a:t>
+            </a:r>
+            <a:r>
+              <a:rPr lang="en-US" baseline="0" dirty="0" smtClean="0"/>
+              <a:t> </a:t>
+            </a:r>
+            <a:r>
+              <a:rPr lang="en-US" baseline="0" dirty="0" err="1" smtClean="0"/>
+              <a:t>của</a:t>
+            </a:r>
+            <a:r>
+              <a:rPr lang="en-US" baseline="0" dirty="0" smtClean="0"/>
+              <a:t> </a:t>
+            </a:r>
+            <a:r>
+              <a:rPr lang="en-US" baseline="0" dirty="0" err="1" smtClean="0"/>
+              <a:t>đại</a:t>
+            </a:r>
+            <a:r>
+              <a:rPr lang="en-US" baseline="0" dirty="0" smtClean="0"/>
+              <a:t> </a:t>
+            </a:r>
+            <a:r>
+              <a:rPr lang="en-US" baseline="0" dirty="0" err="1" smtClean="0"/>
+              <a:t>số</a:t>
+            </a:r>
+            <a:r>
+              <a:rPr lang="en-US" baseline="0" dirty="0" smtClean="0"/>
+              <a:t> “ </a:t>
+            </a:r>
+            <a:r>
+              <a:rPr lang="en-US" baseline="0" dirty="0" err="1" smtClean="0"/>
+              <a:t>là</a:t>
+            </a:r>
+            <a:r>
+              <a:rPr lang="en-US" baseline="0" dirty="0" smtClean="0"/>
+              <a:t> 1 </a:t>
+            </a:r>
+            <a:r>
+              <a:rPr lang="en-US" baseline="0" dirty="0" err="1" smtClean="0"/>
+              <a:t>phương</a:t>
+            </a:r>
+            <a:r>
+              <a:rPr lang="en-US" baseline="0" dirty="0" smtClean="0"/>
+              <a:t> </a:t>
+            </a:r>
+            <a:r>
+              <a:rPr lang="en-US" baseline="0" dirty="0" err="1" smtClean="0"/>
+              <a:t>pháp</a:t>
+            </a:r>
+            <a:r>
+              <a:rPr lang="en-US" baseline="0" dirty="0" smtClean="0"/>
+              <a:t> </a:t>
+            </a:r>
+            <a:r>
+              <a:rPr lang="en-US" baseline="0" dirty="0" err="1" smtClean="0"/>
+              <a:t>phổ</a:t>
+            </a:r>
+            <a:r>
+              <a:rPr lang="en-US" baseline="0" dirty="0" smtClean="0"/>
+              <a:t> </a:t>
+            </a:r>
+            <a:r>
+              <a:rPr lang="en-US" baseline="0" dirty="0" err="1" smtClean="0"/>
+              <a:t>biến</a:t>
+            </a:r>
+            <a:r>
+              <a:rPr lang="en-US" baseline="0" dirty="0" smtClean="0"/>
+              <a:t> </a:t>
+            </a:r>
+            <a:r>
+              <a:rPr lang="en-US" baseline="0" dirty="0" err="1" smtClean="0"/>
+              <a:t>để</a:t>
+            </a:r>
+            <a:r>
+              <a:rPr lang="en-US" baseline="0" dirty="0" smtClean="0"/>
+              <a:t> </a:t>
+            </a:r>
+            <a:r>
+              <a:rPr lang="en-US" baseline="0" dirty="0" err="1" smtClean="0"/>
+              <a:t>huấn</a:t>
+            </a:r>
+            <a:r>
+              <a:rPr lang="en-US" baseline="0" dirty="0" smtClean="0"/>
+              <a:t> </a:t>
+            </a:r>
+            <a:r>
+              <a:rPr lang="en-US" baseline="0" dirty="0" err="1" smtClean="0"/>
+              <a:t>luyện</a:t>
+            </a:r>
+            <a:r>
+              <a:rPr lang="en-US" baseline="0" dirty="0" smtClean="0"/>
+              <a:t> </a:t>
+            </a:r>
+            <a:r>
+              <a:rPr lang="en-US" baseline="0" dirty="0" err="1" smtClean="0"/>
+              <a:t>các</a:t>
+            </a:r>
+            <a:r>
+              <a:rPr lang="en-US" baseline="0" dirty="0" smtClean="0"/>
+              <a:t> </a:t>
+            </a:r>
+            <a:r>
+              <a:rPr lang="en-US" baseline="0" dirty="0" err="1" smtClean="0"/>
+              <a:t>mạng</a:t>
+            </a:r>
+            <a:r>
+              <a:rPr lang="en-US" baseline="0" dirty="0" smtClean="0"/>
+              <a:t> </a:t>
+            </a:r>
+            <a:r>
+              <a:rPr lang="en-US" baseline="0" dirty="0" err="1" smtClean="0"/>
+              <a:t>thần</a:t>
+            </a:r>
+            <a:r>
+              <a:rPr lang="en-US" baseline="0" dirty="0" smtClean="0"/>
+              <a:t> </a:t>
+            </a:r>
+            <a:r>
+              <a:rPr lang="en-US" baseline="0" dirty="0" err="1" smtClean="0"/>
+              <a:t>kinh</a:t>
+            </a:r>
+            <a:r>
+              <a:rPr lang="en-US" baseline="0" dirty="0" smtClean="0"/>
+              <a:t> </a:t>
+            </a:r>
+            <a:r>
+              <a:rPr lang="en-US" baseline="0" dirty="0" err="1" smtClean="0"/>
+              <a:t>nhân</a:t>
+            </a:r>
+            <a:r>
+              <a:rPr lang="en-US" baseline="0" dirty="0" smtClean="0"/>
+              <a:t> </a:t>
+            </a:r>
+            <a:r>
+              <a:rPr lang="en-US" baseline="0" dirty="0" err="1" smtClean="0"/>
+              <a:t>tạo</a:t>
+            </a:r>
+            <a:r>
+              <a:rPr lang="en-US" baseline="0" dirty="0" smtClean="0"/>
+              <a:t> </a:t>
+            </a:r>
+            <a:r>
+              <a:rPr lang="en-US" baseline="0" dirty="0" err="1" smtClean="0"/>
+              <a:t>được</a:t>
+            </a:r>
+            <a:r>
+              <a:rPr lang="en-US" baseline="0" dirty="0" smtClean="0"/>
+              <a:t> </a:t>
+            </a:r>
+            <a:r>
+              <a:rPr lang="en-US" baseline="0" dirty="0" err="1" smtClean="0"/>
+              <a:t>sử</a:t>
+            </a:r>
+            <a:r>
+              <a:rPr lang="en-US" baseline="0" dirty="0" smtClean="0"/>
+              <a:t> </a:t>
+            </a:r>
+            <a:r>
+              <a:rPr lang="en-US" baseline="0" dirty="0" err="1" smtClean="0"/>
+              <a:t>dụng</a:t>
+            </a:r>
+            <a:r>
+              <a:rPr lang="en-US" baseline="0" dirty="0" smtClean="0"/>
+              <a:t> </a:t>
+            </a:r>
+            <a:r>
+              <a:rPr lang="en-US" baseline="0" dirty="0" err="1" smtClean="0"/>
+              <a:t>kết</a:t>
+            </a:r>
+            <a:r>
+              <a:rPr lang="en-US" baseline="0" dirty="0" smtClean="0"/>
+              <a:t> </a:t>
+            </a:r>
+            <a:r>
+              <a:rPr lang="en-US" baseline="0" dirty="0" err="1" smtClean="0"/>
+              <a:t>hợp</a:t>
+            </a:r>
+            <a:r>
+              <a:rPr lang="en-US" baseline="0" dirty="0" smtClean="0"/>
+              <a:t> </a:t>
+            </a:r>
+            <a:r>
+              <a:rPr lang="en-US" baseline="0" dirty="0" err="1" smtClean="0"/>
+              <a:t>với</a:t>
+            </a:r>
+            <a:r>
+              <a:rPr lang="en-US" baseline="0" dirty="0" smtClean="0"/>
+              <a:t> </a:t>
+            </a:r>
+            <a:r>
+              <a:rPr lang="en-US" baseline="0" dirty="0" err="1" smtClean="0"/>
+              <a:t>phương</a:t>
+            </a:r>
+            <a:r>
+              <a:rPr lang="en-US" baseline="0" dirty="0" smtClean="0"/>
+              <a:t> </a:t>
+            </a:r>
+            <a:r>
+              <a:rPr lang="en-US" baseline="0" dirty="0" err="1" smtClean="0"/>
+              <a:t>pháp</a:t>
+            </a:r>
+            <a:r>
+              <a:rPr lang="en-US" baseline="0" dirty="0" smtClean="0"/>
+              <a:t> </a:t>
+            </a:r>
+            <a:r>
+              <a:rPr lang="en-US" baseline="0" dirty="0" err="1" smtClean="0"/>
+              <a:t>tối</a:t>
+            </a:r>
+            <a:r>
+              <a:rPr lang="en-US" baseline="0" dirty="0" smtClean="0"/>
+              <a:t> </a:t>
+            </a:r>
+            <a:r>
+              <a:rPr lang="en-US" baseline="0" dirty="0" err="1" smtClean="0"/>
+              <a:t>ưu</a:t>
+            </a:r>
+            <a:r>
+              <a:rPr lang="en-US" baseline="0" dirty="0" smtClean="0"/>
+              <a:t> </a:t>
+            </a:r>
+            <a:r>
+              <a:rPr lang="en-US" baseline="0" dirty="0" err="1" smtClean="0"/>
+              <a:t>hóa</a:t>
+            </a:r>
+            <a:r>
+              <a:rPr lang="en-US" baseline="0" dirty="0" smtClean="0"/>
+              <a:t> ( </a:t>
+            </a:r>
+            <a:r>
+              <a:rPr lang="en-US" baseline="0" dirty="0" err="1" smtClean="0"/>
+              <a:t>như</a:t>
+            </a:r>
+            <a:r>
+              <a:rPr lang="en-US" baseline="0" dirty="0" smtClean="0"/>
+              <a:t> </a:t>
+            </a:r>
+            <a:r>
+              <a:rPr lang="en-US" baseline="0" dirty="0" err="1" smtClean="0"/>
+              <a:t>gadient</a:t>
+            </a:r>
+            <a:r>
+              <a:rPr lang="en-US" baseline="0" dirty="0" smtClean="0"/>
+              <a:t> descent ). </a:t>
+            </a:r>
+            <a:r>
+              <a:rPr lang="en-US" baseline="0" dirty="0" err="1" smtClean="0"/>
+              <a:t>Tính</a:t>
+            </a:r>
+            <a:r>
+              <a:rPr lang="en-US" baseline="0" dirty="0" smtClean="0"/>
+              <a:t> </a:t>
+            </a:r>
+            <a:r>
+              <a:rPr lang="en-US" baseline="0" dirty="0" err="1" smtClean="0"/>
+              <a:t>gadient</a:t>
+            </a:r>
+            <a:r>
+              <a:rPr lang="en-US" baseline="0" dirty="0" smtClean="0"/>
+              <a:t> </a:t>
+            </a:r>
+            <a:r>
+              <a:rPr lang="en-US" baseline="0" dirty="0" err="1" smtClean="0"/>
+              <a:t>của</a:t>
+            </a:r>
+            <a:r>
+              <a:rPr lang="en-US" baseline="0" dirty="0" smtClean="0"/>
+              <a:t> </a:t>
+            </a:r>
+            <a:r>
+              <a:rPr lang="en-US" baseline="0" dirty="0" err="1" smtClean="0"/>
+              <a:t>hàm</a:t>
+            </a:r>
+            <a:r>
+              <a:rPr lang="en-US" baseline="0" dirty="0" smtClean="0"/>
+              <a:t> </a:t>
+            </a:r>
+            <a:r>
+              <a:rPr lang="en-US" baseline="0" dirty="0" err="1" smtClean="0"/>
+              <a:t>tổn</a:t>
+            </a:r>
+            <a:r>
+              <a:rPr lang="en-US" baseline="0" dirty="0" smtClean="0"/>
+              <a:t> </a:t>
+            </a:r>
+            <a:r>
+              <a:rPr lang="en-US" baseline="0" dirty="0" err="1" smtClean="0"/>
+              <a:t>thất</a:t>
+            </a:r>
+            <a:r>
+              <a:rPr lang="en-US" baseline="0" dirty="0" smtClean="0"/>
+              <a:t> </a:t>
+            </a:r>
+            <a:r>
+              <a:rPr lang="en-US" baseline="0" dirty="0" err="1" smtClean="0"/>
+              <a:t>với</a:t>
+            </a:r>
+            <a:r>
+              <a:rPr lang="en-US" baseline="0" dirty="0" smtClean="0"/>
+              <a:t> </a:t>
+            </a:r>
+            <a:r>
+              <a:rPr lang="en-US" baseline="0" dirty="0" err="1" smtClean="0"/>
+              <a:t>tất</a:t>
+            </a:r>
+            <a:r>
+              <a:rPr lang="en-US" baseline="0" dirty="0" smtClean="0"/>
+              <a:t> </a:t>
+            </a:r>
+            <a:r>
+              <a:rPr lang="en-US" baseline="0" dirty="0" err="1" smtClean="0"/>
+              <a:t>cả</a:t>
+            </a:r>
+            <a:r>
+              <a:rPr lang="en-US" baseline="0" dirty="0" smtClean="0"/>
+              <a:t> </a:t>
+            </a:r>
+            <a:r>
+              <a:rPr lang="en-US" baseline="0" dirty="0" err="1" smtClean="0"/>
+              <a:t>các</a:t>
+            </a:r>
+            <a:r>
+              <a:rPr lang="en-US" baseline="0" dirty="0" smtClean="0"/>
+              <a:t> </a:t>
+            </a:r>
+            <a:r>
+              <a:rPr lang="en-US" baseline="0" dirty="0" err="1" smtClean="0"/>
+              <a:t>trọng</a:t>
+            </a:r>
+            <a:r>
+              <a:rPr lang="en-US" baseline="0" dirty="0" smtClean="0"/>
+              <a:t> </a:t>
+            </a:r>
+            <a:r>
+              <a:rPr lang="en-US" baseline="0" dirty="0" err="1" smtClean="0"/>
+              <a:t>số</a:t>
+            </a:r>
+            <a:r>
+              <a:rPr lang="en-US" baseline="0" dirty="0" smtClean="0"/>
+              <a:t> </a:t>
+            </a:r>
+            <a:r>
+              <a:rPr lang="en-US" baseline="0" dirty="0" err="1" smtClean="0"/>
+              <a:t>có</a:t>
+            </a:r>
+            <a:r>
+              <a:rPr lang="en-US" baseline="0" dirty="0" smtClean="0"/>
+              <a:t> </a:t>
+            </a:r>
+            <a:r>
+              <a:rPr lang="en-US" baseline="0" dirty="0" err="1" smtClean="0"/>
+              <a:t>liên</a:t>
+            </a:r>
+            <a:r>
+              <a:rPr lang="en-US" baseline="0" dirty="0" smtClean="0"/>
+              <a:t> </a:t>
+            </a:r>
+            <a:r>
+              <a:rPr lang="en-US" baseline="0" dirty="0" err="1" smtClean="0"/>
+              <a:t>quan</a:t>
+            </a:r>
+            <a:r>
+              <a:rPr lang="en-US" baseline="0" dirty="0" smtClean="0"/>
+              <a:t> </a:t>
+            </a:r>
+            <a:r>
+              <a:rPr lang="en-US" baseline="0" dirty="0" err="1" smtClean="0"/>
+              <a:t>trong</a:t>
+            </a:r>
+            <a:r>
+              <a:rPr lang="en-US" baseline="0" dirty="0" smtClean="0"/>
+              <a:t> </a:t>
+            </a:r>
+            <a:r>
+              <a:rPr lang="en-US" baseline="0" dirty="0" err="1" smtClean="0"/>
+              <a:t>mạng</a:t>
+            </a:r>
+            <a:r>
+              <a:rPr lang="en-US" baseline="0" dirty="0" smtClean="0"/>
+              <a:t> </a:t>
+            </a:r>
+            <a:r>
+              <a:rPr lang="en-US" baseline="0" dirty="0" err="1" smtClean="0"/>
+              <a:t>nơ</a:t>
+            </a:r>
+            <a:r>
+              <a:rPr lang="en-US" baseline="0" dirty="0" smtClean="0"/>
+              <a:t> </a:t>
+            </a:r>
+            <a:r>
+              <a:rPr lang="en-US" baseline="0" dirty="0" err="1" smtClean="0"/>
+              <a:t>ron</a:t>
+            </a:r>
+            <a:r>
+              <a:rPr lang="en-US" baseline="0" dirty="0" smtClean="0"/>
+              <a:t> </a:t>
+            </a:r>
+            <a:r>
+              <a:rPr lang="en-US" baseline="0" dirty="0" err="1" smtClean="0"/>
+              <a:t>đó</a:t>
+            </a:r>
+            <a:endParaRPr lang="en-US" dirty="0" smtClean="0"/>
+          </a:p>
+          <a:p>
+            <a:r>
+              <a:rPr lang="en-US" dirty="0" err="1" smtClean="0"/>
+              <a:t>Mục</a:t>
+            </a:r>
+            <a:r>
+              <a:rPr lang="en-US" baseline="0" dirty="0" smtClean="0"/>
+              <a:t> </a:t>
+            </a:r>
+            <a:r>
+              <a:rPr lang="en-US" baseline="0" dirty="0" err="1" smtClean="0"/>
+              <a:t>tiêu</a:t>
+            </a:r>
+            <a:r>
+              <a:rPr lang="en-US" baseline="0" dirty="0" smtClean="0"/>
+              <a:t> </a:t>
+            </a:r>
+            <a:r>
+              <a:rPr lang="en-US" baseline="0" dirty="0" err="1" smtClean="0"/>
+              <a:t>của</a:t>
+            </a:r>
+            <a:r>
+              <a:rPr lang="en-US" baseline="0" dirty="0" smtClean="0"/>
+              <a:t> </a:t>
+            </a:r>
+            <a:r>
+              <a:rPr lang="en-US" baseline="0" dirty="0" err="1" smtClean="0"/>
+              <a:t>kỹ</a:t>
+            </a:r>
+            <a:r>
+              <a:rPr lang="en-US" baseline="0" dirty="0" smtClean="0"/>
+              <a:t> </a:t>
+            </a:r>
+            <a:r>
+              <a:rPr lang="en-US" baseline="0" dirty="0" err="1" smtClean="0"/>
+              <a:t>thuật</a:t>
+            </a:r>
+            <a:r>
+              <a:rPr lang="en-US" baseline="0" dirty="0" smtClean="0"/>
+              <a:t> </a:t>
+            </a:r>
+            <a:r>
+              <a:rPr lang="en-US" baseline="0" dirty="0" err="1" smtClean="0"/>
+              <a:t>này</a:t>
+            </a:r>
+            <a:r>
+              <a:rPr lang="en-US" baseline="0" dirty="0" smtClean="0"/>
+              <a:t> </a:t>
+            </a:r>
+            <a:r>
+              <a:rPr lang="en-US" baseline="0" dirty="0" err="1" smtClean="0"/>
+              <a:t>là</a:t>
+            </a:r>
+            <a:r>
+              <a:rPr lang="en-US" baseline="0" dirty="0" smtClean="0"/>
+              <a:t> </a:t>
+            </a:r>
+            <a:r>
+              <a:rPr lang="en-US" baseline="0" dirty="0" err="1" smtClean="0"/>
+              <a:t>cập</a:t>
+            </a:r>
+            <a:r>
+              <a:rPr lang="en-US" baseline="0" dirty="0" smtClean="0"/>
+              <a:t> </a:t>
+            </a:r>
+            <a:r>
+              <a:rPr lang="en-US" baseline="0" dirty="0" err="1" smtClean="0"/>
+              <a:t>nhật</a:t>
+            </a:r>
+            <a:r>
+              <a:rPr lang="en-US" baseline="0" dirty="0" smtClean="0"/>
+              <a:t> </a:t>
+            </a:r>
+            <a:r>
+              <a:rPr lang="en-US" baseline="0" dirty="0" err="1" smtClean="0"/>
+              <a:t>lại</a:t>
+            </a:r>
+            <a:r>
+              <a:rPr lang="en-US" baseline="0" dirty="0" smtClean="0"/>
+              <a:t> </a:t>
+            </a:r>
+            <a:r>
+              <a:rPr lang="en-US" baseline="0" dirty="0" err="1" smtClean="0"/>
+              <a:t>các</a:t>
+            </a:r>
+            <a:r>
+              <a:rPr lang="en-US" baseline="0" dirty="0" smtClean="0"/>
+              <a:t> </a:t>
+            </a:r>
+            <a:r>
+              <a:rPr lang="en-US" baseline="0" dirty="0" err="1" smtClean="0"/>
+              <a:t>trọng</a:t>
+            </a:r>
+            <a:r>
+              <a:rPr lang="en-US" baseline="0" dirty="0" smtClean="0"/>
+              <a:t> </a:t>
+            </a:r>
+            <a:r>
+              <a:rPr lang="en-US" baseline="0" dirty="0" err="1" smtClean="0"/>
+              <a:t>số</a:t>
+            </a:r>
+            <a:r>
+              <a:rPr lang="en-US" baseline="0" dirty="0" smtClean="0"/>
+              <a:t> </a:t>
+            </a:r>
+            <a:r>
+              <a:rPr lang="en-US" baseline="0" dirty="0" err="1" smtClean="0"/>
+              <a:t>của</a:t>
+            </a:r>
+            <a:r>
+              <a:rPr lang="en-US" baseline="0" dirty="0" smtClean="0"/>
+              <a:t> </a:t>
+            </a:r>
+            <a:r>
+              <a:rPr lang="en-US" baseline="0" dirty="0" err="1" smtClean="0"/>
+              <a:t>nơ</a:t>
+            </a:r>
+            <a:r>
+              <a:rPr lang="en-US" baseline="0" dirty="0" smtClean="0"/>
+              <a:t> </a:t>
+            </a:r>
+            <a:r>
+              <a:rPr lang="en-US" baseline="0" dirty="0" err="1" smtClean="0"/>
+              <a:t>ron</a:t>
+            </a:r>
+            <a:r>
+              <a:rPr lang="en-US" baseline="0" dirty="0" smtClean="0"/>
+              <a:t> </a:t>
+            </a:r>
+            <a:r>
+              <a:rPr lang="en-US" baseline="0" dirty="0" err="1" smtClean="0"/>
+              <a:t>trong</a:t>
+            </a:r>
+            <a:r>
+              <a:rPr lang="en-US" baseline="0" dirty="0" smtClean="0"/>
+              <a:t> </a:t>
+            </a:r>
+            <a:r>
+              <a:rPr lang="en-US" baseline="0" dirty="0" err="1" smtClean="0"/>
+              <a:t>mạng</a:t>
+            </a:r>
+            <a:r>
+              <a:rPr lang="en-US" baseline="0" dirty="0" smtClean="0"/>
+              <a:t> </a:t>
+            </a:r>
+            <a:r>
+              <a:rPr lang="en-US" baseline="0" dirty="0" err="1" smtClean="0"/>
+              <a:t>theo</a:t>
+            </a:r>
+            <a:r>
+              <a:rPr lang="en-US" baseline="0" dirty="0" smtClean="0"/>
+              <a:t> </a:t>
+            </a:r>
+            <a:r>
+              <a:rPr lang="en-US" baseline="0" dirty="0" err="1" smtClean="0"/>
+              <a:t>tỷ</a:t>
+            </a:r>
+            <a:r>
+              <a:rPr lang="en-US" baseline="0" dirty="0" smtClean="0"/>
+              <a:t> </a:t>
+            </a:r>
+            <a:r>
+              <a:rPr lang="en-US" baseline="0" dirty="0" err="1" smtClean="0"/>
+              <a:t>lệ</a:t>
+            </a:r>
+            <a:r>
+              <a:rPr lang="en-US" baseline="0" dirty="0" smtClean="0"/>
+              <a:t> </a:t>
+            </a:r>
+            <a:r>
+              <a:rPr lang="en-US" baseline="0" dirty="0" err="1" smtClean="0"/>
+              <a:t>lỗi</a:t>
+            </a:r>
+            <a:r>
+              <a:rPr lang="en-US" baseline="0" dirty="0" smtClean="0"/>
+              <a:t> </a:t>
+            </a:r>
+            <a:r>
+              <a:rPr lang="en-US" baseline="0" dirty="0" err="1" smtClean="0"/>
+              <a:t>chung</a:t>
+            </a:r>
+            <a:r>
+              <a:rPr lang="en-US" baseline="0" dirty="0" smtClean="0"/>
+              <a:t> </a:t>
+            </a:r>
+            <a:r>
+              <a:rPr lang="en-US" baseline="0" dirty="0" err="1" smtClean="0"/>
+              <a:t>của</a:t>
+            </a:r>
+            <a:r>
+              <a:rPr lang="en-US" baseline="0" dirty="0" smtClean="0"/>
+              <a:t> </a:t>
+            </a:r>
+            <a:r>
+              <a:rPr lang="en-US" baseline="0" dirty="0" err="1" smtClean="0"/>
+              <a:t>toàn</a:t>
+            </a:r>
+            <a:r>
+              <a:rPr lang="en-US" baseline="0" dirty="0" smtClean="0"/>
+              <a:t> </a:t>
+            </a:r>
+            <a:r>
+              <a:rPr lang="en-US" baseline="0" dirty="0" err="1" smtClean="0"/>
+              <a:t>bộ</a:t>
+            </a:r>
+            <a:r>
+              <a:rPr lang="en-US" baseline="0" dirty="0" smtClean="0"/>
+              <a:t> </a:t>
+            </a:r>
+            <a:r>
+              <a:rPr lang="en-US" baseline="0" dirty="0" err="1" smtClean="0"/>
+              <a:t>mạng</a:t>
+            </a:r>
+            <a:r>
+              <a:rPr lang="en-US" baseline="0" dirty="0" smtClean="0"/>
+              <a:t>.</a:t>
+            </a:r>
+          </a:p>
+          <a:p>
+            <a:r>
+              <a:rPr lang="en-US" baseline="0" dirty="0" err="1" smtClean="0"/>
+              <a:t>Từ</a:t>
+            </a:r>
+            <a:r>
+              <a:rPr lang="en-US" baseline="0" dirty="0" smtClean="0"/>
+              <a:t> </a:t>
+            </a:r>
+            <a:r>
+              <a:rPr lang="en-US" baseline="0" dirty="0" err="1" smtClean="0"/>
+              <a:t>kết</a:t>
+            </a:r>
+            <a:r>
+              <a:rPr lang="en-US" baseline="0" dirty="0" smtClean="0"/>
+              <a:t> </a:t>
+            </a:r>
+            <a:r>
+              <a:rPr lang="en-US" baseline="0" dirty="0" err="1" smtClean="0"/>
+              <a:t>quả</a:t>
+            </a:r>
+            <a:r>
+              <a:rPr lang="en-US" baseline="0" dirty="0" smtClean="0"/>
+              <a:t> </a:t>
+            </a:r>
+            <a:r>
+              <a:rPr lang="en-US" baseline="0" dirty="0" err="1" smtClean="0"/>
+              <a:t>cuối</a:t>
+            </a:r>
+            <a:r>
+              <a:rPr lang="en-US" baseline="0" dirty="0" smtClean="0"/>
+              <a:t> </a:t>
+            </a:r>
+            <a:r>
+              <a:rPr lang="en-US" baseline="0" dirty="0" err="1" smtClean="0"/>
+              <a:t>lan</a:t>
+            </a:r>
+            <a:r>
+              <a:rPr lang="en-US" baseline="0" dirty="0" smtClean="0"/>
+              <a:t> </a:t>
+            </a:r>
+            <a:r>
+              <a:rPr lang="en-US" baseline="0" dirty="0" err="1" smtClean="0"/>
+              <a:t>truyền</a:t>
+            </a:r>
+            <a:r>
+              <a:rPr lang="en-US" baseline="0" dirty="0" smtClean="0"/>
+              <a:t> </a:t>
+            </a:r>
+            <a:r>
+              <a:rPr lang="en-US" baseline="0" dirty="0" err="1" smtClean="0"/>
+              <a:t>ngược</a:t>
+            </a:r>
+            <a:r>
+              <a:rPr lang="en-US" baseline="0" dirty="0" smtClean="0"/>
+              <a:t> </a:t>
+            </a:r>
+            <a:r>
+              <a:rPr lang="en-US" baseline="0" dirty="0" err="1" smtClean="0"/>
+              <a:t>lại</a:t>
+            </a:r>
+            <a:r>
+              <a:rPr lang="en-US" baseline="0" dirty="0" smtClean="0"/>
+              <a:t> </a:t>
+            </a:r>
+            <a:r>
+              <a:rPr lang="en-US" baseline="0" dirty="0" err="1" smtClean="0"/>
+              <a:t>để</a:t>
+            </a:r>
+            <a:r>
+              <a:rPr lang="en-US" baseline="0" dirty="0" smtClean="0"/>
+              <a:t> </a:t>
+            </a:r>
+            <a:r>
+              <a:rPr lang="en-US" baseline="0" dirty="0" err="1" smtClean="0"/>
+              <a:t>cập</a:t>
+            </a:r>
+            <a:r>
+              <a:rPr lang="en-US" baseline="0" dirty="0" smtClean="0"/>
+              <a:t> </a:t>
+            </a:r>
+            <a:r>
+              <a:rPr lang="en-US" baseline="0" dirty="0" err="1" smtClean="0"/>
+              <a:t>nhật</a:t>
+            </a:r>
+            <a:r>
+              <a:rPr lang="en-US" baseline="0" dirty="0" smtClean="0"/>
+              <a:t>.</a:t>
+            </a:r>
+            <a:endParaRPr lang="en-US" dirty="0"/>
+          </a:p>
+        </p:txBody>
+      </p:sp>
+      <p:sp>
+        <p:nvSpPr>
+          <p:cNvPr id="4" name="Slide Number Placeholder 3"/>
+          <p:cNvSpPr>
+            <a:spLocks noGrp="1"/>
+          </p:cNvSpPr>
+          <p:nvPr>
+            <p:ph type="sldNum" sz="quarter" idx="10"/>
+          </p:nvPr>
+        </p:nvSpPr>
+        <p:spPr/>
+        <p:txBody>
+          <a:bodyPr/>
+          <a:lstStyle/>
+          <a:p>
+            <a:fld id="{6C570EF6-98D0-43B4-A241-DCA84AAAEBD5}" type="slidenum">
+              <a:rPr lang="en-US" smtClean="0"/>
+              <a:t>11</a:t>
+            </a:fld>
+            <a:endParaRPr lang="en-US"/>
+          </a:p>
+        </p:txBody>
+      </p:sp>
+    </p:spTree>
+    <p:extLst>
+      <p:ext uri="{BB962C8B-B14F-4D97-AF65-F5344CB8AC3E}">
+        <p14:creationId xmlns:p14="http://schemas.microsoft.com/office/powerpoint/2010/main" val="639534886"/>
+      </p:ext>
+    </p:extLst>
+  </p:cSld>
+  <p:clrMapOvr>
+    <a:masterClrMapping/>
+  </p:clrMapOvr>
+</p:notes>
+</file>
+
 <file path=ppt/notesSlides/notesSlide2.xml><?xml version="1.0" encoding="utf-8"?>
 <p:notes xmlns:a="http://schemas.openxmlformats.org/drawingml/2006/main" xmlns:r="http://schemas.openxmlformats.org/officeDocument/2006/relationships" xmlns:p="http://schemas.openxmlformats.org/presentationml/2006/main">
   <p:cSld>
@@ -7961,6 +8829,1080 @@
 </p:notes>
 </file>
 
+<file path=ppt/notesSlides/notesSlide9.xml><?xml version="1.0" encoding="utf-8"?>
+<p:notes xmlns:a="http://schemas.openxmlformats.org/drawingml/2006/main" xmlns:r="http://schemas.openxmlformats.org/officeDocument/2006/relationships" xmlns:p="http://schemas.openxmlformats.org/presentationml/2006/main">
+  <p:cSld>
+    <p:spTree>
+      <p:nvGrpSpPr>
+        <p:cNvPr id="1" name=""/>
+        <p:cNvGrpSpPr/>
+        <p:nvPr/>
+      </p:nvGrpSpPr>
+      <p:grpSpPr>
+        <a:xfrm>
+          <a:off x="0" y="0"/>
+          <a:ext cx="0" cy="0"/>
+          <a:chOff x="0" y="0"/>
+          <a:chExt cx="0" cy="0"/>
+        </a:xfrm>
+      </p:grpSpPr>
+      <p:sp>
+        <p:nvSpPr>
+          <p:cNvPr id="2" name="Slide Image Placeholder 1"/>
+          <p:cNvSpPr>
+            <a:spLocks noGrp="1" noRot="1" noChangeAspect="1"/>
+          </p:cNvSpPr>
+          <p:nvPr>
+            <p:ph type="sldImg"/>
+          </p:nvPr>
+        </p:nvSpPr>
+        <p:spPr/>
+      </p:sp>
+      <p:sp>
+        <p:nvSpPr>
+          <p:cNvPr id="3" name="Notes Placeholder 2"/>
+          <p:cNvSpPr>
+            <a:spLocks noGrp="1"/>
+          </p:cNvSpPr>
+          <p:nvPr>
+            <p:ph type="body" idx="1"/>
+          </p:nvPr>
+        </p:nvSpPr>
+        <p:spPr/>
+        <p:txBody>
+          <a:bodyPr/>
+          <a:lstStyle/>
+          <a:p>
+            <a:r>
+              <a:rPr lang="en-US" dirty="0" err="1" smtClean="0"/>
+              <a:t>Trong</a:t>
+            </a:r>
+            <a:r>
+              <a:rPr lang="en-US" baseline="0" dirty="0" smtClean="0"/>
+              <a:t> </a:t>
+            </a:r>
+            <a:r>
+              <a:rPr lang="en-US" baseline="0" dirty="0" err="1" smtClean="0"/>
+              <a:t>công</a:t>
+            </a:r>
+            <a:r>
+              <a:rPr lang="en-US" baseline="0" dirty="0" smtClean="0"/>
+              <a:t> </a:t>
+            </a:r>
+            <a:r>
+              <a:rPr lang="en-US" baseline="0" dirty="0" err="1" smtClean="0"/>
+              <a:t>thức</a:t>
+            </a:r>
+            <a:r>
+              <a:rPr lang="en-US" baseline="0" dirty="0" smtClean="0"/>
+              <a:t> </a:t>
+            </a:r>
+            <a:r>
+              <a:rPr lang="en-US" baseline="0" dirty="0" err="1" smtClean="0"/>
+              <a:t>trên</a:t>
+            </a:r>
+            <a:r>
+              <a:rPr lang="en-US" baseline="0" dirty="0" smtClean="0"/>
+              <a:t> A </a:t>
+            </a:r>
+            <a:r>
+              <a:rPr lang="en-US" baseline="0" dirty="0" err="1" smtClean="0"/>
+              <a:t>là</a:t>
+            </a:r>
+            <a:r>
+              <a:rPr lang="en-US" baseline="0" dirty="0" smtClean="0"/>
+              <a:t> </a:t>
+            </a:r>
+            <a:r>
+              <a:rPr lang="en-US" baseline="0" dirty="0" err="1" smtClean="0"/>
+              <a:t>ký</a:t>
+            </a:r>
+            <a:r>
+              <a:rPr lang="en-US" baseline="0" dirty="0" smtClean="0"/>
+              <a:t> </a:t>
+            </a:r>
+            <a:r>
+              <a:rPr lang="en-US" baseline="0" dirty="0" err="1" smtClean="0"/>
+              <a:t>tự</a:t>
+            </a:r>
+            <a:r>
+              <a:rPr lang="en-US" baseline="0" dirty="0" smtClean="0"/>
+              <a:t> </a:t>
+            </a:r>
+            <a:r>
+              <a:rPr lang="en-US" baseline="0" dirty="0" err="1" smtClean="0"/>
+              <a:t>được</a:t>
+            </a:r>
+            <a:r>
+              <a:rPr lang="en-US" baseline="0" dirty="0" smtClean="0"/>
+              <a:t> </a:t>
+            </a:r>
+            <a:r>
+              <a:rPr lang="en-US" baseline="0" dirty="0" err="1" smtClean="0"/>
+              <a:t>trích</a:t>
+            </a:r>
+            <a:r>
+              <a:rPr lang="en-US" baseline="0" dirty="0" smtClean="0"/>
+              <a:t> </a:t>
+            </a:r>
+            <a:r>
+              <a:rPr lang="en-US" baseline="0" dirty="0" err="1" smtClean="0"/>
+              <a:t>xuất</a:t>
+            </a:r>
+            <a:r>
+              <a:rPr lang="en-US" baseline="0" dirty="0" smtClean="0"/>
+              <a:t>, B </a:t>
+            </a:r>
+            <a:r>
+              <a:rPr lang="en-US" baseline="0" dirty="0" err="1" smtClean="0"/>
+              <a:t>là</a:t>
+            </a:r>
+            <a:r>
+              <a:rPr lang="en-US" baseline="0" dirty="0" smtClean="0"/>
+              <a:t> </a:t>
+            </a:r>
+            <a:r>
+              <a:rPr lang="en-US" baseline="0" dirty="0" err="1" smtClean="0"/>
+              <a:t>ký</a:t>
+            </a:r>
+            <a:r>
+              <a:rPr lang="en-US" baseline="0" dirty="0" smtClean="0"/>
+              <a:t> </a:t>
+            </a:r>
+            <a:r>
+              <a:rPr lang="en-US" baseline="0" dirty="0" err="1" smtClean="0"/>
+              <a:t>tự</a:t>
+            </a:r>
+            <a:r>
+              <a:rPr lang="en-US" baseline="0" dirty="0" smtClean="0"/>
+              <a:t> </a:t>
+            </a:r>
+            <a:r>
+              <a:rPr lang="en-US" baseline="0" dirty="0" err="1" smtClean="0"/>
+              <a:t>được</a:t>
+            </a:r>
+            <a:r>
+              <a:rPr lang="en-US" baseline="0" dirty="0" smtClean="0"/>
+              <a:t> </a:t>
+            </a:r>
+            <a:r>
+              <a:rPr lang="en-US" baseline="0" dirty="0" err="1" smtClean="0"/>
+              <a:t>lưu</a:t>
+            </a:r>
+            <a:r>
+              <a:rPr lang="en-US" baseline="0" dirty="0" smtClean="0"/>
+              <a:t> </a:t>
+            </a:r>
+            <a:r>
+              <a:rPr lang="en-US" baseline="0" dirty="0" err="1" smtClean="0"/>
+              <a:t>trữ</a:t>
+            </a:r>
+            <a:r>
+              <a:rPr lang="en-US" baseline="0" dirty="0" smtClean="0"/>
+              <a:t> </a:t>
+            </a:r>
+            <a:r>
+              <a:rPr lang="en-US" baseline="0" dirty="0" err="1" smtClean="0"/>
+              <a:t>trong</a:t>
+            </a:r>
+            <a:r>
+              <a:rPr lang="en-US" baseline="0" dirty="0" smtClean="0"/>
+              <a:t> </a:t>
+            </a:r>
+            <a:r>
+              <a:rPr lang="en-US" baseline="0" dirty="0" err="1" smtClean="0"/>
+              <a:t>cơ</a:t>
+            </a:r>
+            <a:r>
+              <a:rPr lang="en-US" baseline="0" dirty="0" smtClean="0"/>
+              <a:t> </a:t>
+            </a:r>
+            <a:r>
+              <a:rPr lang="en-US" baseline="0" dirty="0" err="1" smtClean="0"/>
+              <a:t>sở</a:t>
+            </a:r>
+            <a:r>
+              <a:rPr lang="en-US" baseline="0" dirty="0" smtClean="0"/>
+              <a:t> </a:t>
+            </a:r>
+            <a:r>
+              <a:rPr lang="en-US" baseline="0" dirty="0" err="1" smtClean="0"/>
+              <a:t>dữ</a:t>
+            </a:r>
+            <a:r>
+              <a:rPr lang="en-US" baseline="0" dirty="0" smtClean="0"/>
+              <a:t> </a:t>
+            </a:r>
+            <a:r>
+              <a:rPr lang="en-US" baseline="0" dirty="0" err="1" smtClean="0"/>
+              <a:t>liệu</a:t>
+            </a:r>
+            <a:r>
+              <a:rPr lang="en-US" baseline="0" dirty="0" smtClean="0"/>
+              <a:t>. </a:t>
+            </a:r>
+            <a:r>
+              <a:rPr lang="en-US" baseline="0" dirty="0" err="1" smtClean="0"/>
+              <a:t>Vấn</a:t>
+            </a:r>
+            <a:r>
+              <a:rPr lang="en-US" baseline="0" dirty="0" smtClean="0"/>
+              <a:t> </a:t>
+            </a:r>
+            <a:r>
+              <a:rPr lang="en-US" baseline="0" dirty="0" err="1" smtClean="0"/>
+              <a:t>đề</a:t>
+            </a:r>
+            <a:r>
+              <a:rPr lang="en-US" baseline="0" dirty="0" smtClean="0"/>
+              <a:t> </a:t>
+            </a:r>
+            <a:r>
+              <a:rPr lang="en-US" baseline="0" dirty="0" err="1" smtClean="0"/>
+              <a:t>xảy</a:t>
+            </a:r>
+            <a:r>
+              <a:rPr lang="en-US" baseline="0" dirty="0" smtClean="0"/>
+              <a:t> </a:t>
+            </a:r>
+            <a:r>
+              <a:rPr lang="en-US" baseline="0" dirty="0" err="1" smtClean="0"/>
+              <a:t>ra</a:t>
+            </a:r>
+            <a:r>
+              <a:rPr lang="en-US" baseline="0" dirty="0" smtClean="0"/>
+              <a:t> </a:t>
+            </a:r>
+            <a:r>
+              <a:rPr lang="en-US" baseline="0" dirty="0" err="1" smtClean="0"/>
+              <a:t>là</a:t>
+            </a:r>
+            <a:r>
+              <a:rPr lang="en-US" baseline="0" dirty="0" smtClean="0"/>
+              <a:t> </a:t>
+            </a:r>
+            <a:r>
+              <a:rPr lang="en-US" baseline="0" dirty="0" err="1" smtClean="0"/>
+              <a:t>nếu</a:t>
+            </a:r>
+            <a:r>
+              <a:rPr lang="en-US" baseline="0" dirty="0" smtClean="0"/>
+              <a:t> </a:t>
+            </a:r>
+            <a:r>
+              <a:rPr lang="en-US" baseline="0" dirty="0" err="1" smtClean="0"/>
+              <a:t>mẩu</a:t>
+            </a:r>
+            <a:r>
+              <a:rPr lang="en-US" baseline="0" dirty="0" smtClean="0"/>
+              <a:t> </a:t>
+            </a:r>
+            <a:r>
+              <a:rPr lang="en-US" baseline="0" dirty="0" err="1" smtClean="0"/>
+              <a:t>số</a:t>
+            </a:r>
+            <a:r>
+              <a:rPr lang="en-US" baseline="0" dirty="0" smtClean="0"/>
+              <a:t> </a:t>
+            </a:r>
+            <a:r>
+              <a:rPr lang="en-US" baseline="0" dirty="0" err="1" smtClean="0"/>
+              <a:t>bằng</a:t>
+            </a:r>
+            <a:r>
+              <a:rPr lang="en-US" baseline="0" dirty="0" smtClean="0"/>
+              <a:t> 0 -&gt; </a:t>
+            </a:r>
+            <a:r>
+              <a:rPr lang="en-US" baseline="0" dirty="0" err="1" smtClean="0"/>
+              <a:t>mối</a:t>
+            </a:r>
+            <a:r>
+              <a:rPr lang="en-US" baseline="0" dirty="0" smtClean="0"/>
+              <a:t> </a:t>
+            </a:r>
+            <a:r>
+              <a:rPr lang="en-US" baseline="0" dirty="0" err="1" smtClean="0"/>
+              <a:t>tương</a:t>
+            </a:r>
+            <a:r>
+              <a:rPr lang="en-US" baseline="0" dirty="0" smtClean="0"/>
+              <a:t> </a:t>
+            </a:r>
+            <a:r>
+              <a:rPr lang="en-US" baseline="0" dirty="0" err="1" smtClean="0"/>
+              <a:t>quan</a:t>
+            </a:r>
+            <a:r>
+              <a:rPr lang="en-US" baseline="0" dirty="0" smtClean="0"/>
+              <a:t> </a:t>
+            </a:r>
+            <a:r>
+              <a:rPr lang="en-US" baseline="0" dirty="0" err="1" smtClean="0"/>
+              <a:t>sẽ</a:t>
+            </a:r>
+            <a:r>
+              <a:rPr lang="en-US" baseline="0" dirty="0" smtClean="0"/>
+              <a:t> </a:t>
+            </a:r>
+            <a:r>
+              <a:rPr lang="en-US" baseline="0" dirty="0" err="1" smtClean="0"/>
+              <a:t>thất</a:t>
+            </a:r>
+            <a:r>
+              <a:rPr lang="en-US" baseline="0" dirty="0" smtClean="0"/>
+              <a:t> </a:t>
+            </a:r>
+            <a:r>
+              <a:rPr lang="en-US" baseline="0" dirty="0" err="1" smtClean="0"/>
+              <a:t>bại</a:t>
+            </a:r>
+            <a:r>
+              <a:rPr lang="en-US" baseline="0" dirty="0" smtClean="0"/>
+              <a:t> </a:t>
+            </a:r>
+            <a:r>
+              <a:rPr lang="en-US" baseline="0" dirty="0" err="1" smtClean="0"/>
+              <a:t>hoặc</a:t>
+            </a:r>
+            <a:r>
+              <a:rPr lang="en-US" baseline="0" dirty="0" smtClean="0"/>
+              <a:t> </a:t>
+            </a:r>
+            <a:r>
+              <a:rPr lang="en-US" baseline="0" dirty="0" err="1" smtClean="0"/>
+              <a:t>đưa</a:t>
+            </a:r>
+            <a:r>
+              <a:rPr lang="en-US" baseline="0" dirty="0" smtClean="0"/>
+              <a:t> </a:t>
+            </a:r>
+            <a:r>
+              <a:rPr lang="en-US" baseline="0" dirty="0" err="1" smtClean="0"/>
+              <a:t>ra</a:t>
+            </a:r>
+            <a:r>
+              <a:rPr lang="en-US" baseline="0" dirty="0" smtClean="0"/>
+              <a:t> </a:t>
+            </a:r>
+            <a:r>
+              <a:rPr lang="en-US" baseline="0" dirty="0" err="1" smtClean="0"/>
+              <a:t>kết</a:t>
+            </a:r>
+            <a:r>
+              <a:rPr lang="en-US" baseline="0" dirty="0" smtClean="0"/>
+              <a:t> </a:t>
+            </a:r>
+            <a:r>
+              <a:rPr lang="en-US" baseline="0" dirty="0" err="1" smtClean="0"/>
+              <a:t>quả</a:t>
+            </a:r>
+            <a:r>
+              <a:rPr lang="en-US" baseline="0" dirty="0" smtClean="0"/>
+              <a:t> </a:t>
+            </a:r>
+            <a:r>
+              <a:rPr lang="en-US" baseline="0" dirty="0" err="1" smtClean="0"/>
+              <a:t>không</a:t>
+            </a:r>
+            <a:r>
+              <a:rPr lang="en-US" baseline="0" dirty="0" smtClean="0"/>
+              <a:t> </a:t>
+            </a:r>
+            <a:r>
+              <a:rPr lang="en-US" baseline="0" dirty="0" err="1" smtClean="0"/>
+              <a:t>mong</a:t>
+            </a:r>
+            <a:r>
+              <a:rPr lang="en-US" baseline="0" dirty="0" smtClean="0"/>
+              <a:t> </a:t>
+            </a:r>
+            <a:r>
+              <a:rPr lang="en-US" baseline="0" dirty="0" err="1" smtClean="0"/>
+              <a:t>muốn</a:t>
+            </a:r>
+            <a:r>
+              <a:rPr lang="en-US" baseline="0" dirty="0" smtClean="0"/>
+              <a:t>. </a:t>
+            </a:r>
+            <a:r>
+              <a:rPr lang="en-US" baseline="0" dirty="0" err="1" smtClean="0"/>
+              <a:t>Để</a:t>
+            </a:r>
+            <a:r>
+              <a:rPr lang="en-US" baseline="0" dirty="0" smtClean="0"/>
+              <a:t> </a:t>
+            </a:r>
+            <a:r>
+              <a:rPr lang="en-US" baseline="0" dirty="0" err="1" smtClean="0"/>
+              <a:t>giải</a:t>
+            </a:r>
+            <a:r>
+              <a:rPr lang="en-US" baseline="0" dirty="0" smtClean="0"/>
+              <a:t> </a:t>
+            </a:r>
+            <a:r>
+              <a:rPr lang="en-US" baseline="0" dirty="0" err="1" smtClean="0"/>
+              <a:t>quyết</a:t>
+            </a:r>
+            <a:r>
+              <a:rPr lang="en-US" baseline="0" dirty="0" smtClean="0"/>
+              <a:t> </a:t>
+            </a:r>
+            <a:r>
+              <a:rPr lang="en-US" baseline="0" dirty="0" err="1" smtClean="0"/>
+              <a:t>vấn</a:t>
+            </a:r>
+            <a:r>
+              <a:rPr lang="en-US" baseline="0" dirty="0" smtClean="0"/>
+              <a:t> </a:t>
+            </a:r>
+            <a:r>
+              <a:rPr lang="en-US" baseline="0" dirty="0" err="1" smtClean="0"/>
+              <a:t>đề</a:t>
+            </a:r>
+            <a:r>
+              <a:rPr lang="en-US" baseline="0" dirty="0" smtClean="0"/>
+              <a:t> </a:t>
+            </a:r>
+            <a:r>
+              <a:rPr lang="en-US" baseline="0" dirty="0" err="1" smtClean="0"/>
+              <a:t>này</a:t>
+            </a:r>
+            <a:r>
+              <a:rPr lang="en-US" baseline="0" dirty="0" smtClean="0"/>
+              <a:t> </a:t>
+            </a:r>
+            <a:r>
+              <a:rPr lang="en-US" baseline="0" dirty="0" err="1" smtClean="0"/>
+              <a:t>tác</a:t>
+            </a:r>
+            <a:r>
+              <a:rPr lang="en-US" baseline="0" dirty="0" smtClean="0"/>
+              <a:t> </a:t>
+            </a:r>
+            <a:r>
+              <a:rPr lang="en-US" baseline="0" dirty="0" err="1" smtClean="0"/>
+              <a:t>giả</a:t>
+            </a:r>
+            <a:r>
+              <a:rPr lang="en-US" baseline="0" dirty="0" smtClean="0"/>
+              <a:t> </a:t>
+            </a:r>
+            <a:r>
+              <a:rPr lang="en-US" baseline="0" dirty="0" err="1" smtClean="0"/>
+              <a:t>sử</a:t>
+            </a:r>
+            <a:r>
+              <a:rPr lang="en-US" baseline="0" dirty="0" smtClean="0"/>
+              <a:t> </a:t>
+            </a:r>
+            <a:r>
+              <a:rPr lang="en-US" baseline="0" dirty="0" err="1" smtClean="0"/>
+              <a:t>dụng</a:t>
+            </a:r>
+            <a:r>
+              <a:rPr lang="en-US" baseline="0" dirty="0" smtClean="0"/>
+              <a:t> </a:t>
+            </a:r>
+            <a:r>
+              <a:rPr lang="en-US" baseline="0" dirty="0" err="1" smtClean="0"/>
+              <a:t>khoảng</a:t>
+            </a:r>
+            <a:r>
+              <a:rPr lang="en-US" baseline="0" dirty="0" smtClean="0"/>
+              <a:t> </a:t>
+            </a:r>
+            <a:r>
+              <a:rPr lang="en-US" baseline="0" dirty="0" err="1" smtClean="0"/>
+              <a:t>cách</a:t>
+            </a:r>
+            <a:r>
+              <a:rPr lang="en-US" baseline="0" dirty="0" smtClean="0"/>
+              <a:t> Hamming.</a:t>
+            </a:r>
+          </a:p>
+          <a:p>
+            <a:r>
+              <a:rPr lang="en-US" baseline="0" dirty="0" err="1" smtClean="0"/>
+              <a:t>Khoảng</a:t>
+            </a:r>
+            <a:r>
+              <a:rPr lang="en-US" baseline="0" dirty="0" smtClean="0"/>
+              <a:t> </a:t>
+            </a:r>
+            <a:r>
+              <a:rPr lang="en-US" baseline="0" dirty="0" err="1" smtClean="0"/>
+              <a:t>cách</a:t>
+            </a:r>
+            <a:r>
+              <a:rPr lang="en-US" baseline="0" dirty="0" smtClean="0"/>
+              <a:t> Hamming </a:t>
+            </a:r>
+            <a:r>
+              <a:rPr lang="en-US" baseline="0" dirty="0" err="1" smtClean="0"/>
+              <a:t>tìm</a:t>
+            </a:r>
+            <a:r>
+              <a:rPr lang="en-US" baseline="0" dirty="0" smtClean="0"/>
+              <a:t> </a:t>
+            </a:r>
+            <a:r>
+              <a:rPr lang="en-US" baseline="0" dirty="0" err="1" smtClean="0"/>
+              <a:t>thấy</a:t>
+            </a:r>
+            <a:r>
+              <a:rPr lang="en-US" baseline="0" dirty="0" smtClean="0"/>
+              <a:t> </a:t>
+            </a:r>
+            <a:r>
+              <a:rPr lang="en-US" baseline="0" dirty="0" err="1" smtClean="0"/>
+              <a:t>sự</a:t>
+            </a:r>
+            <a:r>
+              <a:rPr lang="en-US" baseline="0" dirty="0" smtClean="0"/>
+              <a:t> </a:t>
+            </a:r>
+            <a:r>
+              <a:rPr lang="en-US" baseline="0" dirty="0" err="1" smtClean="0"/>
+              <a:t>khác</a:t>
+            </a:r>
+            <a:r>
+              <a:rPr lang="en-US" baseline="0" dirty="0" smtClean="0"/>
+              <a:t> </a:t>
+            </a:r>
+            <a:r>
+              <a:rPr lang="en-US" baseline="0" dirty="0" err="1" smtClean="0"/>
+              <a:t>biệt</a:t>
+            </a:r>
+            <a:r>
+              <a:rPr lang="en-US" baseline="0" dirty="0" smtClean="0"/>
+              <a:t> </a:t>
+            </a:r>
+            <a:r>
+              <a:rPr lang="en-US" baseline="0" dirty="0" err="1" smtClean="0"/>
+              <a:t>giữa</a:t>
+            </a:r>
+            <a:r>
+              <a:rPr lang="en-US" baseline="0" dirty="0" smtClean="0"/>
+              <a:t> 2 </a:t>
+            </a:r>
+            <a:r>
+              <a:rPr lang="en-US" baseline="0" dirty="0" err="1" smtClean="0"/>
+              <a:t>mã</a:t>
+            </a:r>
+            <a:r>
+              <a:rPr lang="en-US" baseline="0" dirty="0" smtClean="0"/>
+              <a:t> </a:t>
+            </a:r>
+            <a:r>
+              <a:rPr lang="en-US" baseline="0" dirty="0" err="1" smtClean="0"/>
+              <a:t>nhị</a:t>
+            </a:r>
+            <a:r>
+              <a:rPr lang="en-US" baseline="0" dirty="0" smtClean="0"/>
+              <a:t> </a:t>
+            </a:r>
+            <a:r>
+              <a:rPr lang="en-US" baseline="0" dirty="0" err="1" smtClean="0"/>
+              <a:t>phân</a:t>
+            </a:r>
+            <a:r>
+              <a:rPr lang="en-US" baseline="0" dirty="0" smtClean="0"/>
+              <a:t>, </a:t>
+            </a:r>
+            <a:r>
+              <a:rPr lang="en-US" baseline="0" dirty="0" err="1" smtClean="0"/>
+              <a:t>vecto</a:t>
+            </a:r>
+            <a:r>
+              <a:rPr lang="en-US" baseline="0" dirty="0" smtClean="0"/>
+              <a:t> </a:t>
+            </a:r>
+            <a:r>
+              <a:rPr lang="en-US" baseline="0" dirty="0" err="1" smtClean="0"/>
+              <a:t>hoặc</a:t>
+            </a:r>
+            <a:r>
+              <a:rPr lang="en-US" baseline="0" dirty="0" smtClean="0"/>
+              <a:t> ma </a:t>
+            </a:r>
+            <a:r>
+              <a:rPr lang="en-US" baseline="0" dirty="0" err="1" smtClean="0"/>
+              <a:t>trận</a:t>
+            </a:r>
+            <a:r>
+              <a:rPr lang="en-US" baseline="0" dirty="0" smtClean="0"/>
+              <a:t>. </a:t>
+            </a:r>
+            <a:r>
+              <a:rPr lang="en-US" baseline="0" dirty="0" err="1" smtClean="0"/>
+              <a:t>Khoảng</a:t>
+            </a:r>
+            <a:r>
+              <a:rPr lang="en-US" baseline="0" dirty="0" smtClean="0"/>
+              <a:t> </a:t>
+            </a:r>
+            <a:r>
+              <a:rPr lang="en-US" baseline="0" dirty="0" err="1" smtClean="0"/>
+              <a:t>cách</a:t>
+            </a:r>
+            <a:r>
+              <a:rPr lang="en-US" baseline="0" dirty="0" smtClean="0"/>
+              <a:t> Hamming </a:t>
+            </a:r>
+            <a:r>
+              <a:rPr lang="en-US" baseline="0" dirty="0" err="1" smtClean="0"/>
+              <a:t>có</a:t>
+            </a:r>
+            <a:r>
+              <a:rPr lang="en-US" baseline="0" dirty="0" smtClean="0"/>
+              <a:t> </a:t>
+            </a:r>
+            <a:r>
+              <a:rPr lang="en-US" baseline="0" dirty="0" err="1" smtClean="0"/>
+              <a:t>thể</a:t>
+            </a:r>
+            <a:r>
+              <a:rPr lang="en-US" baseline="0" dirty="0" smtClean="0"/>
+              <a:t> </a:t>
+            </a:r>
+            <a:r>
+              <a:rPr lang="en-US" baseline="0" dirty="0" err="1" smtClean="0"/>
+              <a:t>được</a:t>
+            </a:r>
+            <a:r>
+              <a:rPr lang="en-US" baseline="0" dirty="0" smtClean="0"/>
+              <a:t> </a:t>
+            </a:r>
+            <a:r>
+              <a:rPr lang="en-US" baseline="0" dirty="0" err="1" smtClean="0"/>
+              <a:t>thực</a:t>
+            </a:r>
+            <a:r>
+              <a:rPr lang="en-US" baseline="0" dirty="0" smtClean="0"/>
+              <a:t> </a:t>
+            </a:r>
+            <a:r>
+              <a:rPr lang="en-US" baseline="0" dirty="0" err="1" smtClean="0"/>
+              <a:t>hiện</a:t>
+            </a:r>
+            <a:r>
+              <a:rPr lang="en-US" baseline="0" dirty="0" smtClean="0"/>
+              <a:t> </a:t>
+            </a:r>
+            <a:r>
+              <a:rPr lang="en-US" baseline="0" dirty="0" err="1" smtClean="0"/>
+              <a:t>dưới</a:t>
+            </a:r>
+            <a:r>
+              <a:rPr lang="en-US" baseline="0" dirty="0" smtClean="0"/>
+              <a:t> </a:t>
+            </a:r>
+            <a:r>
+              <a:rPr lang="en-US" baseline="0" dirty="0" err="1" smtClean="0"/>
+              <a:t>dạng</a:t>
+            </a:r>
+            <a:r>
+              <a:rPr lang="en-US" baseline="0" dirty="0" smtClean="0"/>
+              <a:t> (XOR) </a:t>
+            </a:r>
+            <a:r>
+              <a:rPr lang="en-US" baseline="0" dirty="0" err="1" smtClean="0"/>
+              <a:t>giữa</a:t>
+            </a:r>
+            <a:r>
+              <a:rPr lang="en-US" baseline="0" dirty="0" smtClean="0"/>
+              <a:t> 2 ma </a:t>
+            </a:r>
+            <a:r>
+              <a:rPr lang="en-US" baseline="0" dirty="0" err="1" smtClean="0"/>
+              <a:t>trận</a:t>
+            </a:r>
+            <a:endParaRPr lang="en-US" baseline="0" dirty="0" smtClean="0"/>
+          </a:p>
+          <a:p>
+            <a:endParaRPr lang="en-US" baseline="0" dirty="0" smtClean="0"/>
+          </a:p>
+          <a:p>
+            <a:pPr marL="0" marR="0" indent="0" algn="l" defTabSz="914400" rtl="0" eaLnBrk="1" fontAlgn="auto" latinLnBrk="0" hangingPunct="1">
+              <a:lnSpc>
+                <a:spcPct val="100000"/>
+              </a:lnSpc>
+              <a:spcBef>
+                <a:spcPts val="0"/>
+              </a:spcBef>
+              <a:spcAft>
+                <a:spcPts val="0"/>
+              </a:spcAft>
+              <a:buClrTx/>
+              <a:buSzTx/>
+              <a:buFontTx/>
+              <a:buNone/>
+              <a:tabLst/>
+              <a:defRPr/>
+            </a:pPr>
+            <a:r>
+              <a:rPr lang="en-US" baseline="0" dirty="0" err="1" smtClean="0"/>
+              <a:t>Khoảng</a:t>
+            </a:r>
+            <a:r>
+              <a:rPr lang="en-US" baseline="0" dirty="0" smtClean="0"/>
+              <a:t> </a:t>
+            </a:r>
+            <a:r>
+              <a:rPr lang="en-US" baseline="0" dirty="0" err="1" smtClean="0"/>
+              <a:t>cách</a:t>
+            </a:r>
+            <a:r>
+              <a:rPr lang="en-US" baseline="0" dirty="0" smtClean="0"/>
+              <a:t> hamming: </a:t>
+            </a:r>
+            <a:r>
+              <a:rPr lang="en-US" baseline="0" dirty="0" err="1" smtClean="0"/>
+              <a:t>là</a:t>
+            </a:r>
+            <a:r>
+              <a:rPr lang="en-US" baseline="0" dirty="0" smtClean="0"/>
+              <a:t> </a:t>
+            </a:r>
+            <a:r>
+              <a:rPr lang="en-US" baseline="0" dirty="0" err="1" smtClean="0"/>
+              <a:t>khoảng</a:t>
+            </a:r>
+            <a:r>
+              <a:rPr lang="en-US" baseline="0" dirty="0" smtClean="0"/>
+              <a:t> </a:t>
+            </a:r>
+            <a:r>
+              <a:rPr lang="en-US" baseline="0" dirty="0" err="1" smtClean="0"/>
+              <a:t>cách</a:t>
+            </a:r>
+            <a:r>
+              <a:rPr lang="en-US" baseline="0" dirty="0" smtClean="0"/>
+              <a:t> </a:t>
+            </a:r>
+            <a:r>
+              <a:rPr lang="en-US" baseline="0" dirty="0" err="1" smtClean="0"/>
+              <a:t>giữa</a:t>
+            </a:r>
+            <a:r>
+              <a:rPr lang="en-US" baseline="0" dirty="0" smtClean="0"/>
+              <a:t> 2 </a:t>
+            </a:r>
+            <a:r>
+              <a:rPr lang="en-US" baseline="0" dirty="0" err="1" smtClean="0"/>
+              <a:t>dãy</a:t>
+            </a:r>
+            <a:r>
+              <a:rPr lang="en-US" baseline="0" dirty="0" smtClean="0"/>
+              <a:t> </a:t>
+            </a:r>
+            <a:r>
+              <a:rPr lang="en-US" baseline="0" dirty="0" err="1" smtClean="0"/>
+              <a:t>ký</a:t>
+            </a:r>
+            <a:r>
+              <a:rPr lang="en-US" baseline="0" dirty="0" smtClean="0"/>
+              <a:t> </a:t>
+            </a:r>
+            <a:r>
+              <a:rPr lang="en-US" baseline="0" dirty="0" err="1" smtClean="0"/>
+              <a:t>tự</a:t>
+            </a:r>
+            <a:r>
+              <a:rPr lang="en-US" baseline="0" dirty="0" smtClean="0"/>
+              <a:t> </a:t>
+            </a:r>
+            <a:r>
+              <a:rPr lang="en-US" baseline="0" dirty="0" err="1" smtClean="0"/>
+              <a:t>có</a:t>
+            </a:r>
+            <a:r>
+              <a:rPr lang="en-US" baseline="0" dirty="0" smtClean="0"/>
+              <a:t> </a:t>
+            </a:r>
+            <a:r>
+              <a:rPr lang="en-US" baseline="0" dirty="0" err="1" smtClean="0"/>
+              <a:t>chiều</a:t>
+            </a:r>
+            <a:r>
+              <a:rPr lang="en-US" baseline="0" dirty="0" smtClean="0"/>
+              <a:t> </a:t>
+            </a:r>
+            <a:r>
+              <a:rPr lang="en-US" baseline="0" dirty="0" err="1" smtClean="0"/>
+              <a:t>dài</a:t>
+            </a:r>
+            <a:r>
+              <a:rPr lang="en-US" baseline="0" dirty="0" smtClean="0"/>
+              <a:t> </a:t>
+            </a:r>
+            <a:r>
+              <a:rPr lang="en-US" baseline="0" dirty="0" err="1" smtClean="0"/>
+              <a:t>bằng</a:t>
+            </a:r>
+            <a:r>
+              <a:rPr lang="en-US" baseline="0" dirty="0" smtClean="0"/>
+              <a:t> </a:t>
+            </a:r>
+            <a:r>
+              <a:rPr lang="en-US" baseline="0" dirty="0" err="1" smtClean="0"/>
+              <a:t>nhau</a:t>
+            </a:r>
+            <a:r>
+              <a:rPr lang="en-US" baseline="0" dirty="0" smtClean="0"/>
+              <a:t> </a:t>
+            </a:r>
+            <a:r>
+              <a:rPr lang="en-US" baseline="0" dirty="0" err="1" smtClean="0"/>
+              <a:t>và</a:t>
+            </a:r>
+            <a:r>
+              <a:rPr lang="en-US" baseline="0" dirty="0" smtClean="0"/>
+              <a:t> </a:t>
+            </a:r>
+            <a:r>
+              <a:rPr lang="en-US" baseline="0" dirty="0" err="1" smtClean="0"/>
+              <a:t>các</a:t>
+            </a:r>
+            <a:r>
+              <a:rPr lang="en-US" baseline="0" dirty="0" smtClean="0"/>
+              <a:t> </a:t>
+            </a:r>
+            <a:r>
+              <a:rPr lang="en-US" baseline="0" dirty="0" err="1" smtClean="0"/>
+              <a:t>số</a:t>
+            </a:r>
+            <a:r>
+              <a:rPr lang="en-US" baseline="0" dirty="0" smtClean="0"/>
+              <a:t> </a:t>
+            </a:r>
+            <a:r>
+              <a:rPr lang="en-US" baseline="0" dirty="0" err="1" smtClean="0"/>
+              <a:t>thứ</a:t>
+            </a:r>
+            <a:r>
+              <a:rPr lang="en-US" baseline="0" dirty="0" smtClean="0"/>
+              <a:t> </a:t>
+            </a:r>
+            <a:r>
+              <a:rPr lang="en-US" baseline="0" dirty="0" err="1" smtClean="0"/>
+              <a:t>tự</a:t>
+            </a:r>
+            <a:r>
+              <a:rPr lang="en-US" baseline="0" dirty="0" smtClean="0"/>
+              <a:t> ở </a:t>
+            </a:r>
+            <a:r>
+              <a:rPr lang="en-US" baseline="0" dirty="0" err="1" smtClean="0"/>
+              <a:t>vị</a:t>
+            </a:r>
+            <a:r>
+              <a:rPr lang="en-US" baseline="0" dirty="0" smtClean="0"/>
+              <a:t> </a:t>
+            </a:r>
+            <a:r>
+              <a:rPr lang="en-US" baseline="0" dirty="0" err="1" smtClean="0"/>
+              <a:t>trí</a:t>
+            </a:r>
+            <a:r>
+              <a:rPr lang="en-US" baseline="0" dirty="0" smtClean="0"/>
+              <a:t> </a:t>
+            </a:r>
+            <a:r>
+              <a:rPr lang="en-US" baseline="0" dirty="0" err="1" smtClean="0"/>
+              <a:t>tương</a:t>
+            </a:r>
+            <a:r>
+              <a:rPr lang="en-US" baseline="0" dirty="0" smtClean="0"/>
+              <a:t> </a:t>
+            </a:r>
+            <a:r>
+              <a:rPr lang="en-US" baseline="0" dirty="0" err="1" smtClean="0"/>
+              <a:t>đương</a:t>
+            </a:r>
+            <a:r>
+              <a:rPr lang="en-US" baseline="0" dirty="0" smtClean="0"/>
+              <a:t> </a:t>
+            </a:r>
+            <a:r>
+              <a:rPr lang="en-US" baseline="0" dirty="0" err="1" smtClean="0"/>
+              <a:t>có</a:t>
+            </a:r>
+            <a:r>
+              <a:rPr lang="en-US" baseline="0" dirty="0" smtClean="0"/>
+              <a:t> </a:t>
+            </a:r>
+            <a:r>
+              <a:rPr lang="en-US" baseline="0" dirty="0" err="1" smtClean="0"/>
+              <a:t>giá</a:t>
+            </a:r>
+            <a:r>
+              <a:rPr lang="en-US" baseline="0" dirty="0" smtClean="0"/>
+              <a:t> </a:t>
+            </a:r>
+            <a:r>
+              <a:rPr lang="en-US" baseline="0" dirty="0" err="1" smtClean="0"/>
+              <a:t>trị</a:t>
+            </a:r>
+            <a:r>
+              <a:rPr lang="en-US" baseline="0" dirty="0" smtClean="0"/>
+              <a:t> </a:t>
+            </a:r>
+            <a:r>
+              <a:rPr lang="en-US" baseline="0" dirty="0" err="1" smtClean="0"/>
+              <a:t>khác</a:t>
+            </a:r>
+            <a:r>
+              <a:rPr lang="en-US" baseline="0" dirty="0" smtClean="0"/>
+              <a:t> </a:t>
+            </a:r>
+            <a:r>
+              <a:rPr lang="en-US" baseline="0" dirty="0" err="1" smtClean="0"/>
+              <a:t>nhau</a:t>
+            </a:r>
+            <a:r>
+              <a:rPr lang="en-US" baseline="0" dirty="0" smtClean="0"/>
+              <a:t>.</a:t>
+            </a:r>
+          </a:p>
+          <a:p>
+            <a:pPr marL="0" marR="0" indent="0" algn="l" defTabSz="914400" rtl="0" eaLnBrk="1" fontAlgn="auto" latinLnBrk="0" hangingPunct="1">
+              <a:lnSpc>
+                <a:spcPct val="100000"/>
+              </a:lnSpc>
+              <a:spcBef>
+                <a:spcPts val="0"/>
+              </a:spcBef>
+              <a:spcAft>
+                <a:spcPts val="0"/>
+              </a:spcAft>
+              <a:buClrTx/>
+              <a:buSzTx/>
+              <a:buFontTx/>
+              <a:buNone/>
+              <a:tabLst/>
+              <a:defRPr/>
+            </a:pPr>
+            <a:r>
+              <a:rPr lang="en-US" baseline="0" dirty="0" smtClean="0"/>
+              <a:t>VD: 10</a:t>
+            </a:r>
+            <a:r>
+              <a:rPr lang="en-US" b="1" i="0" u="sng" baseline="0" dirty="0" smtClean="0">
+                <a:solidFill>
+                  <a:srgbClr val="FF0000"/>
+                </a:solidFill>
+              </a:rPr>
+              <a:t>1</a:t>
+            </a:r>
+            <a:r>
+              <a:rPr lang="en-US" baseline="0" dirty="0" smtClean="0"/>
+              <a:t>1</a:t>
+            </a:r>
+            <a:r>
+              <a:rPr lang="en-US" b="1" u="sng" baseline="0" dirty="0" smtClean="0">
+                <a:solidFill>
+                  <a:srgbClr val="FF0000"/>
+                </a:solidFill>
+              </a:rPr>
+              <a:t>1</a:t>
+            </a:r>
+            <a:r>
+              <a:rPr lang="en-US" baseline="0" dirty="0" smtClean="0"/>
+              <a:t>01 </a:t>
+            </a:r>
+            <a:r>
+              <a:rPr lang="en-US" baseline="0" dirty="0" err="1" smtClean="0"/>
+              <a:t>và</a:t>
+            </a:r>
+            <a:r>
+              <a:rPr lang="en-US" baseline="0" dirty="0" smtClean="0"/>
+              <a:t> 10</a:t>
+            </a:r>
+            <a:r>
+              <a:rPr lang="en-US" b="1" u="sng" baseline="0" dirty="0" smtClean="0"/>
+              <a:t>0</a:t>
+            </a:r>
+            <a:r>
+              <a:rPr lang="en-US" baseline="0" dirty="0" smtClean="0"/>
+              <a:t>1</a:t>
+            </a:r>
+            <a:r>
+              <a:rPr lang="en-US" b="1" u="sng" baseline="0" dirty="0" smtClean="0"/>
+              <a:t>0</a:t>
+            </a:r>
+            <a:r>
+              <a:rPr lang="en-US" baseline="0" dirty="0" smtClean="0"/>
+              <a:t>01 </a:t>
+            </a:r>
+            <a:r>
+              <a:rPr lang="en-US" baseline="0" dirty="0" err="1" smtClean="0"/>
+              <a:t>khoảng</a:t>
+            </a:r>
+            <a:r>
+              <a:rPr lang="en-US" baseline="0" dirty="0" smtClean="0"/>
+              <a:t> </a:t>
+            </a:r>
+            <a:r>
+              <a:rPr lang="en-US" baseline="0" dirty="0" err="1" smtClean="0"/>
+              <a:t>cách</a:t>
+            </a:r>
+            <a:r>
+              <a:rPr lang="en-US" baseline="0" dirty="0" smtClean="0"/>
+              <a:t> </a:t>
+            </a:r>
+            <a:r>
+              <a:rPr lang="en-US" baseline="0" dirty="0" err="1" smtClean="0"/>
+              <a:t>là</a:t>
+            </a:r>
+            <a:r>
+              <a:rPr lang="en-US" baseline="0" dirty="0" smtClean="0"/>
+              <a:t> 2</a:t>
+            </a:r>
+          </a:p>
+          <a:p>
+            <a:endParaRPr lang="en-US" dirty="0"/>
+          </a:p>
+        </p:txBody>
+      </p:sp>
+      <p:sp>
+        <p:nvSpPr>
+          <p:cNvPr id="4" name="Slide Number Placeholder 3"/>
+          <p:cNvSpPr>
+            <a:spLocks noGrp="1"/>
+          </p:cNvSpPr>
+          <p:nvPr>
+            <p:ph type="sldNum" sz="quarter" idx="10"/>
+          </p:nvPr>
+        </p:nvSpPr>
+        <p:spPr/>
+        <p:txBody>
+          <a:bodyPr/>
+          <a:lstStyle/>
+          <a:p>
+            <a:fld id="{6C570EF6-98D0-43B4-A241-DCA84AAAEBD5}" type="slidenum">
+              <a:rPr lang="en-US" smtClean="0"/>
+              <a:t>10</a:t>
+            </a:fld>
+            <a:endParaRPr lang="en-US"/>
+          </a:p>
+        </p:txBody>
+      </p:sp>
+    </p:spTree>
+    <p:extLst>
+      <p:ext uri="{BB962C8B-B14F-4D97-AF65-F5344CB8AC3E}">
+        <p14:creationId xmlns:p14="http://schemas.microsoft.com/office/powerpoint/2010/main" val="2966223574"/>
+      </p:ext>
+    </p:extLst>
+  </p:cSld>
+  <p:clrMapOvr>
+    <a:masterClrMapping/>
+  </p:clrMapOvr>
+</p:notes>
+</file>
+
 <file path=ppt/slideLayouts/slideLayout1.xml><?xml version="1.0" encoding="utf-8"?>
 <p:sldLayout xmlns:a="http://schemas.openxmlformats.org/drawingml/2006/main" xmlns:r="http://schemas.openxmlformats.org/officeDocument/2006/relationships" xmlns:p="http://schemas.openxmlformats.org/presentationml/2006/main" showMasterSp="0" type="title" preserve="1">
   <p:cSld name="Title Slide">
@@ -8098,7 +10040,7 @@
           <a:p>
             <a:fld id="{8BC7A3B0-E772-4892-918E-E13E4ECC2D81}" type="datetimeFigureOut">
               <a:rPr lang="en-US" smtClean="0"/>
-              <a:t>12/17/2019</a:t>
+              <a:t>12/18/2019</a:t>
             </a:fld>
             <a:endParaRPr lang="en-US"/>
           </a:p>
@@ -8967,7 +10909,7 @@
           <a:p>
             <a:fld id="{8BC7A3B0-E772-4892-918E-E13E4ECC2D81}" type="datetimeFigureOut">
               <a:rPr lang="en-US" smtClean="0"/>
-              <a:t>12/17/2019</a:t>
+              <a:t>12/18/2019</a:t>
             </a:fld>
             <a:endParaRPr lang="en-US"/>
           </a:p>
@@ -9142,7 +11084,7 @@
           <a:p>
             <a:fld id="{8BC7A3B0-E772-4892-918E-E13E4ECC2D81}" type="datetimeFigureOut">
               <a:rPr lang="en-US" smtClean="0"/>
-              <a:t>12/17/2019</a:t>
+              <a:t>12/18/2019</a:t>
             </a:fld>
             <a:endParaRPr lang="en-US"/>
           </a:p>
@@ -9312,7 +11254,7 @@
           <a:p>
             <a:fld id="{8BC7A3B0-E772-4892-918E-E13E4ECC2D81}" type="datetimeFigureOut">
               <a:rPr lang="en-US" smtClean="0"/>
-              <a:t>12/17/2019</a:t>
+              <a:t>12/18/2019</a:t>
             </a:fld>
             <a:endParaRPr lang="en-US"/>
           </a:p>
@@ -9522,7 +11464,7 @@
           <a:p>
             <a:fld id="{8BC7A3B0-E772-4892-918E-E13E4ECC2D81}" type="datetimeFigureOut">
               <a:rPr lang="en-US" smtClean="0"/>
-              <a:t>12/17/2019</a:t>
+              <a:t>12/18/2019</a:t>
             </a:fld>
             <a:endParaRPr lang="en-US"/>
           </a:p>
@@ -10336,7 +12278,7 @@
           <a:p>
             <a:fld id="{8BC7A3B0-E772-4892-918E-E13E4ECC2D81}" type="datetimeFigureOut">
               <a:rPr lang="en-US" smtClean="0"/>
-              <a:t>12/17/2019</a:t>
+              <a:t>12/18/2019</a:t>
             </a:fld>
             <a:endParaRPr lang="en-US"/>
           </a:p>
@@ -10572,7 +12514,7 @@
           <a:p>
             <a:fld id="{8BC7A3B0-E772-4892-918E-E13E4ECC2D81}" type="datetimeFigureOut">
               <a:rPr lang="en-US" smtClean="0"/>
-              <a:t>12/17/2019</a:t>
+              <a:t>12/18/2019</a:t>
             </a:fld>
             <a:endParaRPr lang="en-US"/>
           </a:p>
@@ -10895,7 +12837,7 @@
           <a:p>
             <a:fld id="{8BC7A3B0-E772-4892-918E-E13E4ECC2D81}" type="datetimeFigureOut">
               <a:rPr lang="en-US" smtClean="0"/>
-              <a:t>12/17/2019</a:t>
+              <a:t>12/18/2019</a:t>
             </a:fld>
             <a:endParaRPr lang="en-US"/>
           </a:p>
@@ -10985,7 +12927,7 @@
           <a:p>
             <a:fld id="{8BC7A3B0-E772-4892-918E-E13E4ECC2D81}" type="datetimeFigureOut">
               <a:rPr lang="en-US" smtClean="0"/>
-              <a:t>12/17/2019</a:t>
+              <a:t>12/18/2019</a:t>
             </a:fld>
             <a:endParaRPr lang="en-US"/>
           </a:p>
@@ -11502,7 +13444,7 @@
           <a:p>
             <a:fld id="{8BC7A3B0-E772-4892-918E-E13E4ECC2D81}" type="datetimeFigureOut">
               <a:rPr lang="en-US" smtClean="0"/>
-              <a:t>12/17/2019</a:t>
+              <a:t>12/18/2019</a:t>
             </a:fld>
             <a:endParaRPr lang="en-US"/>
           </a:p>
@@ -12013,7 +13955,7 @@
           <a:p>
             <a:fld id="{8BC7A3B0-E772-4892-918E-E13E4ECC2D81}" type="datetimeFigureOut">
               <a:rPr lang="en-US" smtClean="0"/>
-              <a:t>12/17/2019</a:t>
+              <a:t>12/18/2019</a:t>
             </a:fld>
             <a:endParaRPr lang="en-US"/>
           </a:p>
@@ -12258,7 +14200,7 @@
           <a:p>
             <a:fld id="{8BC7A3B0-E772-4892-918E-E13E4ECC2D81}" type="datetimeFigureOut">
               <a:rPr lang="en-US" smtClean="0"/>
-              <a:t>12/17/2019</a:t>
+              <a:t>12/18/2019</a:t>
             </a:fld>
             <a:endParaRPr lang="en-US"/>
           </a:p>
@@ -13249,6 +15191,4892 @@
     <p:extLst>
       <p:ext uri="{BB962C8B-B14F-4D97-AF65-F5344CB8AC3E}">
         <p14:creationId xmlns:p14="http://schemas.microsoft.com/office/powerpoint/2010/main" val="1568170894"/>
+      </p:ext>
+    </p:extLst>
+  </p:cSld>
+  <p:clrMapOvr>
+    <a:masterClrMapping/>
+  </p:clrMapOvr>
+  <p:timing>
+    <p:tnLst>
+      <p:par>
+        <p:cTn id="1" dur="indefinite" restart="never" nodeType="tmRoot"/>
+      </p:par>
+    </p:tnLst>
+  </p:timing>
+</p:sld>
+</file>
+
+<file path=ppt/slides/slide10.xml><?xml version="1.0" encoding="utf-8"?>
+<p:sld xmlns:a="http://schemas.openxmlformats.org/drawingml/2006/main" xmlns:r="http://schemas.openxmlformats.org/officeDocument/2006/relationships" xmlns:p="http://schemas.openxmlformats.org/presentationml/2006/main">
+  <p:cSld>
+    <p:spTree>
+      <p:nvGrpSpPr>
+        <p:cNvPr id="1" name=""/>
+        <p:cNvGrpSpPr/>
+        <p:nvPr/>
+      </p:nvGrpSpPr>
+      <p:grpSpPr>
+        <a:xfrm>
+          <a:off x="0" y="0"/>
+          <a:ext cx="0" cy="0"/>
+          <a:chOff x="0" y="0"/>
+          <a:chExt cx="0" cy="0"/>
+        </a:xfrm>
+      </p:grpSpPr>
+      <p:sp>
+        <p:nvSpPr>
+          <p:cNvPr id="4" name="TextBox 3"/>
+          <p:cNvSpPr txBox="1"/>
+          <p:nvPr/>
+        </p:nvSpPr>
+        <p:spPr>
+          <a:xfrm>
+            <a:off x="457200" y="304800"/>
+            <a:ext cx="8077200" cy="523220"/>
+          </a:xfrm>
+          <a:prstGeom prst="rect">
+            <a:avLst/>
+          </a:prstGeom>
+        </p:spPr>
+        <p:style>
+          <a:lnRef idx="0">
+            <a:schemeClr val="accent6"/>
+          </a:lnRef>
+          <a:fillRef idx="3">
+            <a:schemeClr val="accent6"/>
+          </a:fillRef>
+          <a:effectRef idx="3">
+            <a:schemeClr val="accent6"/>
+          </a:effectRef>
+          <a:fontRef idx="minor">
+            <a:schemeClr val="lt1"/>
+          </a:fontRef>
+        </p:style>
+        <p:txBody>
+          <a:bodyPr wrap="square" rtlCol="0">
+            <a:spAutoFit/>
+          </a:bodyPr>
+          <a:lstStyle/>
+          <a:p>
+            <a:r>
+              <a:rPr lang="en-US" sz="2800" dirty="0" err="1" smtClean="0">
+                <a:latin typeface="Times New Roman" pitchFamily="18" charset="0"/>
+                <a:cs typeface="Times New Roman" pitchFamily="18" charset="0"/>
+              </a:rPr>
+              <a:t>Khai</a:t>
+            </a:r>
+            <a:r>
+              <a:rPr lang="en-US" sz="2800" dirty="0" smtClean="0">
+                <a:latin typeface="Times New Roman" pitchFamily="18" charset="0"/>
+                <a:cs typeface="Times New Roman" pitchFamily="18" charset="0"/>
+              </a:rPr>
+              <a:t> </a:t>
+            </a:r>
+            <a:r>
+              <a:rPr lang="en-US" sz="2800" dirty="0" err="1" smtClean="0">
+                <a:latin typeface="Times New Roman" pitchFamily="18" charset="0"/>
+                <a:cs typeface="Times New Roman" pitchFamily="18" charset="0"/>
+              </a:rPr>
+              <a:t>thác</a:t>
+            </a:r>
+            <a:r>
+              <a:rPr lang="en-US" sz="2800" dirty="0" smtClean="0">
+                <a:latin typeface="Times New Roman" pitchFamily="18" charset="0"/>
+                <a:cs typeface="Times New Roman" pitchFamily="18" charset="0"/>
+              </a:rPr>
+              <a:t> </a:t>
+            </a:r>
+            <a:r>
+              <a:rPr lang="en-US" sz="2800" dirty="0" err="1" smtClean="0">
+                <a:latin typeface="Times New Roman" pitchFamily="18" charset="0"/>
+                <a:cs typeface="Times New Roman" pitchFamily="18" charset="0"/>
+              </a:rPr>
+              <a:t>tính</a:t>
+            </a:r>
+            <a:r>
+              <a:rPr lang="en-US" sz="2800" dirty="0" smtClean="0">
+                <a:latin typeface="Times New Roman" pitchFamily="18" charset="0"/>
+                <a:cs typeface="Times New Roman" pitchFamily="18" charset="0"/>
+              </a:rPr>
+              <a:t> </a:t>
+            </a:r>
+            <a:r>
+              <a:rPr lang="en-US" sz="2800" dirty="0" err="1" smtClean="0">
+                <a:latin typeface="Times New Roman" pitchFamily="18" charset="0"/>
+                <a:cs typeface="Times New Roman" pitchFamily="18" charset="0"/>
+              </a:rPr>
+              <a:t>năng</a:t>
+            </a:r>
+            <a:endParaRPr lang="en-US" sz="2800" dirty="0">
+              <a:latin typeface="Times New Roman" pitchFamily="18" charset="0"/>
+              <a:cs typeface="Times New Roman" pitchFamily="18" charset="0"/>
+            </a:endParaRPr>
+          </a:p>
+        </p:txBody>
+      </p:sp>
+      <p:sp>
+        <p:nvSpPr>
+          <p:cNvPr id="5" name="TextBox 4"/>
+          <p:cNvSpPr txBox="1"/>
+          <p:nvPr/>
+        </p:nvSpPr>
+        <p:spPr>
+          <a:xfrm>
+            <a:off x="838200" y="1447800"/>
+            <a:ext cx="7391400" cy="2308324"/>
+          </a:xfrm>
+          <a:prstGeom prst="rect">
+            <a:avLst/>
+          </a:prstGeom>
+          <a:noFill/>
+        </p:spPr>
+        <p:txBody>
+          <a:bodyPr wrap="square" rtlCol="0">
+            <a:spAutoFit/>
+          </a:bodyPr>
+          <a:lstStyle/>
+          <a:p>
+            <a:pPr marL="285750" indent="-285750">
+              <a:buFont typeface="Arial" pitchFamily="34" charset="0"/>
+              <a:buChar char="•"/>
+            </a:pPr>
+            <a:r>
+              <a:rPr lang="en-US" dirty="0" err="1" smtClean="0"/>
+              <a:t>Khớp</a:t>
+            </a:r>
+            <a:r>
+              <a:rPr lang="en-US" dirty="0" smtClean="0"/>
+              <a:t> </a:t>
+            </a:r>
+            <a:r>
+              <a:rPr lang="en-US" dirty="0" err="1" smtClean="0"/>
+              <a:t>mẫu</a:t>
+            </a:r>
+            <a:r>
+              <a:rPr lang="en-US" dirty="0" smtClean="0"/>
+              <a:t> </a:t>
+            </a:r>
+            <a:r>
+              <a:rPr lang="en-US" dirty="0" err="1" smtClean="0"/>
+              <a:t>là</a:t>
+            </a:r>
+            <a:r>
+              <a:rPr lang="en-US" dirty="0" smtClean="0"/>
+              <a:t> </a:t>
+            </a:r>
+            <a:r>
+              <a:rPr lang="en-US" dirty="0" err="1" smtClean="0"/>
+              <a:t>phương</a:t>
+            </a:r>
+            <a:r>
+              <a:rPr lang="en-US" dirty="0" smtClean="0"/>
+              <a:t> </a:t>
+            </a:r>
+            <a:r>
+              <a:rPr lang="en-US" dirty="0" err="1" smtClean="0"/>
+              <a:t>pháp</a:t>
+            </a:r>
+            <a:r>
+              <a:rPr lang="en-US" dirty="0" smtClean="0"/>
+              <a:t> </a:t>
+            </a:r>
+            <a:r>
+              <a:rPr lang="en-US" dirty="0" err="1" smtClean="0"/>
+              <a:t>trích</a:t>
+            </a:r>
+            <a:r>
+              <a:rPr lang="en-US" dirty="0" smtClean="0"/>
+              <a:t> </a:t>
+            </a:r>
+            <a:r>
+              <a:rPr lang="en-US" dirty="0" err="1" smtClean="0"/>
+              <a:t>xuất</a:t>
+            </a:r>
+            <a:r>
+              <a:rPr lang="en-US" dirty="0" smtClean="0"/>
+              <a:t> </a:t>
+            </a:r>
+            <a:r>
+              <a:rPr lang="en-US" dirty="0" err="1" smtClean="0"/>
+              <a:t>tính</a:t>
+            </a:r>
+            <a:r>
+              <a:rPr lang="en-US" dirty="0" smtClean="0"/>
+              <a:t> </a:t>
+            </a:r>
+            <a:r>
+              <a:rPr lang="en-US" dirty="0" err="1" smtClean="0"/>
+              <a:t>năng</a:t>
+            </a:r>
+            <a:r>
+              <a:rPr lang="en-US" dirty="0" smtClean="0"/>
+              <a:t> </a:t>
+            </a:r>
+            <a:r>
+              <a:rPr lang="en-US" dirty="0" err="1" smtClean="0"/>
+              <a:t>đơn</a:t>
+            </a:r>
+            <a:r>
+              <a:rPr lang="en-US" dirty="0" smtClean="0"/>
+              <a:t> </a:t>
+            </a:r>
+            <a:r>
+              <a:rPr lang="en-US" dirty="0" err="1" smtClean="0"/>
+              <a:t>giản</a:t>
+            </a:r>
+            <a:r>
+              <a:rPr lang="en-US" dirty="0" smtClean="0"/>
+              <a:t> </a:t>
+            </a:r>
+            <a:r>
+              <a:rPr lang="en-US" dirty="0" err="1" smtClean="0"/>
+              <a:t>và</a:t>
+            </a:r>
+            <a:r>
+              <a:rPr lang="en-US" dirty="0" smtClean="0"/>
+              <a:t> </a:t>
+            </a:r>
+            <a:r>
+              <a:rPr lang="en-US" dirty="0" err="1" smtClean="0"/>
+              <a:t>phổ</a:t>
+            </a:r>
+            <a:r>
+              <a:rPr lang="en-US" dirty="0" smtClean="0"/>
+              <a:t> </a:t>
+            </a:r>
+            <a:r>
+              <a:rPr lang="en-US" dirty="0" err="1" smtClean="0"/>
+              <a:t>biến</a:t>
+            </a:r>
+            <a:r>
+              <a:rPr lang="en-US" dirty="0" smtClean="0"/>
+              <a:t>.</a:t>
+            </a:r>
+          </a:p>
+          <a:p>
+            <a:pPr marL="285750" indent="-285750">
+              <a:buFont typeface="Arial" pitchFamily="34" charset="0"/>
+              <a:buChar char="•"/>
+            </a:pPr>
+            <a:r>
+              <a:rPr lang="en-US" dirty="0" err="1" smtClean="0"/>
+              <a:t>Một</a:t>
+            </a:r>
+            <a:r>
+              <a:rPr lang="en-US" dirty="0" smtClean="0"/>
+              <a:t> </a:t>
+            </a:r>
+            <a:r>
+              <a:rPr lang="en-US" dirty="0" err="1" smtClean="0"/>
+              <a:t>hàm</a:t>
+            </a:r>
+            <a:r>
+              <a:rPr lang="en-US" dirty="0" smtClean="0"/>
+              <a:t> </a:t>
+            </a:r>
+            <a:r>
+              <a:rPr lang="en-US" dirty="0" err="1" smtClean="0"/>
+              <a:t>tương</a:t>
+            </a:r>
+            <a:r>
+              <a:rPr lang="en-US" dirty="0" smtClean="0"/>
+              <a:t> </a:t>
+            </a:r>
+            <a:r>
+              <a:rPr lang="en-US" dirty="0" err="1" smtClean="0"/>
+              <a:t>quan</a:t>
+            </a:r>
+            <a:r>
+              <a:rPr lang="en-US" dirty="0" smtClean="0"/>
+              <a:t> R </a:t>
+            </a:r>
+            <a:r>
+              <a:rPr lang="en-US" dirty="0" err="1" smtClean="0"/>
+              <a:t>phụ</a:t>
+            </a:r>
+            <a:r>
+              <a:rPr lang="en-US" dirty="0" smtClean="0"/>
+              <a:t> </a:t>
+            </a:r>
+            <a:r>
+              <a:rPr lang="en-US" dirty="0" err="1" smtClean="0"/>
+              <a:t>thuộc</a:t>
+            </a:r>
+            <a:r>
+              <a:rPr lang="en-US" dirty="0" smtClean="0"/>
+              <a:t> </a:t>
+            </a:r>
+            <a:r>
+              <a:rPr lang="en-US" dirty="0" err="1" smtClean="0"/>
+              <a:t>vào</a:t>
+            </a:r>
+            <a:r>
+              <a:rPr lang="en-US" dirty="0" smtClean="0"/>
+              <a:t> </a:t>
+            </a:r>
+            <a:r>
+              <a:rPr lang="en-US" dirty="0" err="1" smtClean="0"/>
+              <a:t>tương</a:t>
+            </a:r>
+            <a:r>
+              <a:rPr lang="en-US" dirty="0" smtClean="0"/>
+              <a:t> </a:t>
+            </a:r>
+            <a:r>
+              <a:rPr lang="en-US" dirty="0" err="1" smtClean="0"/>
+              <a:t>quan</a:t>
+            </a:r>
+            <a:r>
+              <a:rPr lang="en-US" dirty="0" smtClean="0"/>
+              <a:t> </a:t>
+            </a:r>
+            <a:r>
+              <a:rPr lang="en-US" dirty="0" err="1" smtClean="0"/>
+              <a:t>chéo</a:t>
+            </a:r>
+            <a:r>
+              <a:rPr lang="en-US" dirty="0" smtClean="0"/>
+              <a:t> </a:t>
+            </a:r>
+            <a:r>
+              <a:rPr lang="en-US" dirty="0" err="1" smtClean="0"/>
+              <a:t>tuyến</a:t>
+            </a:r>
+            <a:r>
+              <a:rPr lang="en-US" dirty="0" smtClean="0"/>
+              <a:t> </a:t>
+            </a:r>
+            <a:r>
+              <a:rPr lang="en-US" dirty="0" err="1" smtClean="0"/>
+              <a:t>tính</a:t>
+            </a:r>
+            <a:r>
+              <a:rPr lang="en-US" dirty="0" smtClean="0"/>
+              <a:t>, </a:t>
+            </a:r>
+            <a:r>
+              <a:rPr lang="en-US" dirty="0" err="1" smtClean="0"/>
+              <a:t>đó</a:t>
+            </a:r>
+            <a:r>
+              <a:rPr lang="en-US" dirty="0" smtClean="0"/>
+              <a:t> </a:t>
+            </a:r>
+            <a:r>
+              <a:rPr lang="en-US" dirty="0" err="1" smtClean="0"/>
+              <a:t>là</a:t>
+            </a:r>
+            <a:r>
+              <a:rPr lang="en-US" dirty="0" smtClean="0"/>
+              <a:t> </a:t>
+            </a:r>
+            <a:r>
+              <a:rPr lang="en-US" dirty="0" err="1" smtClean="0"/>
+              <a:t>thủ</a:t>
+            </a:r>
+            <a:r>
+              <a:rPr lang="en-US" dirty="0" smtClean="0"/>
+              <a:t> </a:t>
+            </a:r>
+            <a:r>
+              <a:rPr lang="en-US" dirty="0" err="1" smtClean="0"/>
+              <a:t>tục</a:t>
+            </a:r>
+            <a:r>
+              <a:rPr lang="en-US" dirty="0" smtClean="0"/>
+              <a:t> </a:t>
+            </a:r>
+            <a:r>
+              <a:rPr lang="en-US" dirty="0" err="1" smtClean="0"/>
+              <a:t>khớp</a:t>
+            </a:r>
+            <a:r>
+              <a:rPr lang="en-US" dirty="0" smtClean="0"/>
+              <a:t> </a:t>
+            </a:r>
+            <a:r>
+              <a:rPr lang="en-US" dirty="0" err="1" smtClean="0"/>
+              <a:t>mẩu</a:t>
+            </a:r>
+            <a:r>
+              <a:rPr lang="en-US" dirty="0" smtClean="0"/>
+              <a:t>. </a:t>
+            </a:r>
+            <a:r>
+              <a:rPr lang="en-US" dirty="0" err="1" smtClean="0"/>
+              <a:t>Nó</a:t>
+            </a:r>
+            <a:r>
+              <a:rPr lang="en-US" dirty="0" smtClean="0"/>
+              <a:t> </a:t>
+            </a:r>
+            <a:r>
+              <a:rPr lang="en-US" dirty="0" err="1" smtClean="0"/>
+              <a:t>hoạt</a:t>
+            </a:r>
+            <a:r>
+              <a:rPr lang="en-US" dirty="0" smtClean="0"/>
+              <a:t> </a:t>
+            </a:r>
+            <a:r>
+              <a:rPr lang="en-US" dirty="0" err="1" smtClean="0"/>
+              <a:t>động</a:t>
+            </a:r>
+            <a:r>
+              <a:rPr lang="en-US" dirty="0" smtClean="0"/>
+              <a:t> </a:t>
+            </a:r>
+            <a:r>
+              <a:rPr lang="en-US" dirty="0" err="1" smtClean="0"/>
+              <a:t>dựa</a:t>
+            </a:r>
+            <a:r>
+              <a:rPr lang="en-US" dirty="0" smtClean="0"/>
+              <a:t> </a:t>
+            </a:r>
+            <a:r>
+              <a:rPr lang="en-US" dirty="0" err="1" smtClean="0"/>
+              <a:t>trên</a:t>
+            </a:r>
+            <a:r>
+              <a:rPr lang="en-US" dirty="0" smtClean="0"/>
+              <a:t> </a:t>
+            </a:r>
+            <a:r>
+              <a:rPr lang="en-US" dirty="0" err="1" smtClean="0"/>
+              <a:t>dữ</a:t>
+            </a:r>
+            <a:r>
+              <a:rPr lang="en-US" dirty="0" smtClean="0"/>
+              <a:t> </a:t>
+            </a:r>
+            <a:r>
+              <a:rPr lang="en-US" dirty="0" err="1" smtClean="0"/>
+              <a:t>liệu</a:t>
+            </a:r>
+            <a:r>
+              <a:rPr lang="en-US" dirty="0" smtClean="0"/>
+              <a:t> </a:t>
+            </a:r>
+            <a:r>
+              <a:rPr lang="en-US" dirty="0" err="1" smtClean="0"/>
+              <a:t>thử</a:t>
+            </a:r>
+            <a:r>
+              <a:rPr lang="en-US" dirty="0" smtClean="0"/>
+              <a:t> </a:t>
+            </a:r>
+            <a:r>
+              <a:rPr lang="en-US" dirty="0" err="1" smtClean="0"/>
+              <a:t>nghiệm</a:t>
+            </a:r>
+            <a:r>
+              <a:rPr lang="en-US" dirty="0" smtClean="0"/>
+              <a:t> </a:t>
+            </a:r>
+            <a:r>
+              <a:rPr lang="en-US" dirty="0" err="1" smtClean="0"/>
+              <a:t>và</a:t>
+            </a:r>
+            <a:r>
+              <a:rPr lang="en-US" dirty="0" smtClean="0"/>
+              <a:t> </a:t>
+            </a:r>
+            <a:r>
+              <a:rPr lang="en-US" dirty="0" err="1" smtClean="0"/>
+              <a:t>khớp</a:t>
+            </a:r>
+            <a:r>
+              <a:rPr lang="en-US" dirty="0" smtClean="0"/>
+              <a:t> </a:t>
+            </a:r>
+            <a:r>
+              <a:rPr lang="en-US" dirty="0" err="1" smtClean="0"/>
+              <a:t>mẫu</a:t>
+            </a:r>
+            <a:r>
+              <a:rPr lang="en-US" dirty="0" smtClean="0"/>
+              <a:t> </a:t>
+            </a:r>
+            <a:r>
+              <a:rPr lang="en-US" dirty="0" err="1" smtClean="0"/>
+              <a:t>được</a:t>
+            </a:r>
+            <a:r>
+              <a:rPr lang="en-US" dirty="0" smtClean="0"/>
+              <a:t> </a:t>
+            </a:r>
+            <a:r>
+              <a:rPr lang="en-US" dirty="0" err="1" smtClean="0"/>
+              <a:t>lưu</a:t>
+            </a:r>
+            <a:r>
+              <a:rPr lang="en-US" dirty="0" smtClean="0"/>
+              <a:t> </a:t>
+            </a:r>
+            <a:r>
+              <a:rPr lang="en-US" dirty="0" err="1" smtClean="0"/>
+              <a:t>trữ</a:t>
+            </a:r>
+            <a:r>
+              <a:rPr lang="en-US" dirty="0" smtClean="0"/>
+              <a:t> </a:t>
+            </a:r>
+            <a:r>
+              <a:rPr lang="en-US" dirty="0" err="1" smtClean="0"/>
+              <a:t>trong</a:t>
+            </a:r>
+            <a:r>
+              <a:rPr lang="en-US" dirty="0" smtClean="0"/>
+              <a:t> </a:t>
+            </a:r>
+            <a:r>
+              <a:rPr lang="en-US" dirty="0" err="1" smtClean="0"/>
+              <a:t>cơ</a:t>
+            </a:r>
+            <a:r>
+              <a:rPr lang="en-US" dirty="0" smtClean="0"/>
+              <a:t> </a:t>
+            </a:r>
+            <a:r>
+              <a:rPr lang="en-US" dirty="0" err="1" smtClean="0"/>
+              <a:t>sở</a:t>
+            </a:r>
+            <a:r>
+              <a:rPr lang="en-US" dirty="0" smtClean="0"/>
+              <a:t> </a:t>
+            </a:r>
+            <a:r>
+              <a:rPr lang="en-US" dirty="0" err="1" smtClean="0"/>
+              <a:t>dữ</a:t>
+            </a:r>
+            <a:r>
+              <a:rPr lang="en-US" dirty="0" smtClean="0"/>
+              <a:t> </a:t>
+            </a:r>
+            <a:r>
+              <a:rPr lang="en-US" dirty="0" err="1" smtClean="0"/>
+              <a:t>liệu</a:t>
+            </a:r>
+            <a:r>
+              <a:rPr lang="en-US" dirty="0" smtClean="0"/>
+              <a:t>.</a:t>
+            </a:r>
+          </a:p>
+          <a:p>
+            <a:pPr marL="285750" indent="-285750">
+              <a:buFont typeface="Arial" pitchFamily="34" charset="0"/>
+              <a:buChar char="•"/>
+            </a:pPr>
+            <a:r>
+              <a:rPr lang="en-US" dirty="0" err="1" smtClean="0"/>
+              <a:t>Ký</a:t>
+            </a:r>
+            <a:r>
+              <a:rPr lang="en-US" dirty="0" smtClean="0"/>
+              <a:t> </a:t>
+            </a:r>
+            <a:r>
+              <a:rPr lang="en-US" dirty="0" err="1" smtClean="0"/>
+              <a:t>tự</a:t>
+            </a:r>
+            <a:r>
+              <a:rPr lang="en-US" dirty="0" smtClean="0"/>
+              <a:t> </a:t>
+            </a:r>
+            <a:r>
+              <a:rPr lang="en-US" dirty="0" err="1" smtClean="0"/>
+              <a:t>có</a:t>
+            </a:r>
+            <a:r>
+              <a:rPr lang="en-US" dirty="0" smtClean="0"/>
+              <a:t> </a:t>
+            </a:r>
+            <a:r>
+              <a:rPr lang="en-US" dirty="0" err="1" smtClean="0"/>
+              <a:t>giá</a:t>
+            </a:r>
+            <a:r>
+              <a:rPr lang="en-US" dirty="0" smtClean="0"/>
+              <a:t> </a:t>
+            </a:r>
+            <a:r>
+              <a:rPr lang="en-US" dirty="0" err="1" smtClean="0"/>
+              <a:t>trị</a:t>
+            </a:r>
+            <a:r>
+              <a:rPr lang="en-US" dirty="0" smtClean="0"/>
+              <a:t> </a:t>
+            </a:r>
+            <a:r>
+              <a:rPr lang="en-US" dirty="0" err="1" smtClean="0"/>
+              <a:t>tương</a:t>
+            </a:r>
+            <a:r>
+              <a:rPr lang="en-US" dirty="0" smtClean="0"/>
+              <a:t> </a:t>
+            </a:r>
+            <a:r>
+              <a:rPr lang="en-US" dirty="0" err="1" smtClean="0"/>
+              <a:t>quan</a:t>
+            </a:r>
+            <a:r>
+              <a:rPr lang="en-US" dirty="0" smtClean="0"/>
+              <a:t> </a:t>
+            </a:r>
+            <a:r>
+              <a:rPr lang="en-US" dirty="0" err="1" smtClean="0"/>
+              <a:t>cao</a:t>
+            </a:r>
+            <a:r>
+              <a:rPr lang="en-US" dirty="0" smtClean="0"/>
+              <a:t> </a:t>
+            </a:r>
+            <a:r>
+              <a:rPr lang="en-US" dirty="0" err="1" smtClean="0"/>
+              <a:t>nhất</a:t>
+            </a:r>
+            <a:r>
+              <a:rPr lang="en-US" dirty="0" smtClean="0"/>
+              <a:t> </a:t>
+            </a:r>
+            <a:r>
+              <a:rPr lang="en-US" dirty="0" err="1" smtClean="0"/>
+              <a:t>được</a:t>
+            </a:r>
+            <a:r>
+              <a:rPr lang="en-US" dirty="0" smtClean="0"/>
+              <a:t> </a:t>
+            </a:r>
+            <a:r>
+              <a:rPr lang="en-US" dirty="0" err="1" smtClean="0"/>
+              <a:t>chọn</a:t>
+            </a:r>
+            <a:r>
+              <a:rPr lang="en-US" dirty="0"/>
+              <a:t> </a:t>
+            </a:r>
+            <a:r>
+              <a:rPr lang="en-US" dirty="0" err="1" smtClean="0"/>
+              <a:t>là</a:t>
+            </a:r>
+            <a:r>
+              <a:rPr lang="en-US" dirty="0" smtClean="0"/>
+              <a:t> </a:t>
+            </a:r>
+            <a:r>
+              <a:rPr lang="en-US" dirty="0" err="1" smtClean="0"/>
+              <a:t>phù</a:t>
+            </a:r>
+            <a:r>
+              <a:rPr lang="en-US" dirty="0" smtClean="0"/>
+              <a:t> </a:t>
+            </a:r>
+            <a:r>
+              <a:rPr lang="en-US" dirty="0" err="1" smtClean="0"/>
+              <a:t>hợp</a:t>
+            </a:r>
+            <a:r>
+              <a:rPr lang="en-US" dirty="0" smtClean="0"/>
+              <a:t> </a:t>
+            </a:r>
+            <a:r>
+              <a:rPr lang="en-US" dirty="0" err="1" smtClean="0"/>
+              <a:t>nhất</a:t>
+            </a:r>
+            <a:r>
+              <a:rPr lang="en-US" dirty="0" smtClean="0"/>
+              <a:t> </a:t>
+            </a:r>
+            <a:r>
+              <a:rPr lang="en-US" dirty="0" err="1" smtClean="0"/>
+              <a:t>cho</a:t>
+            </a:r>
+            <a:r>
+              <a:rPr lang="en-US" dirty="0" smtClean="0"/>
+              <a:t> </a:t>
+            </a:r>
+            <a:r>
+              <a:rPr lang="en-US" dirty="0" err="1" smtClean="0"/>
+              <a:t>ký</a:t>
+            </a:r>
+            <a:r>
+              <a:rPr lang="en-US" dirty="0" smtClean="0"/>
+              <a:t> </a:t>
+            </a:r>
+            <a:r>
+              <a:rPr lang="en-US" dirty="0" err="1" smtClean="0"/>
+              <a:t>tự</a:t>
+            </a:r>
+            <a:r>
+              <a:rPr lang="en-US" dirty="0" smtClean="0"/>
+              <a:t> </a:t>
+            </a:r>
+            <a:r>
+              <a:rPr lang="en-US" dirty="0" err="1" smtClean="0"/>
+              <a:t>đó</a:t>
+            </a:r>
+            <a:r>
+              <a:rPr lang="en-US" dirty="0" smtClean="0"/>
+              <a:t>.</a:t>
+            </a:r>
+          </a:p>
+          <a:p>
+            <a:endParaRPr lang="en-US" dirty="0"/>
+          </a:p>
+        </p:txBody>
+      </p:sp>
+      <p:pic>
+        <p:nvPicPr>
+          <p:cNvPr id="1026" name="Picture 2"/>
+          <p:cNvPicPr>
+            <a:picLocks noChangeAspect="1" noChangeArrowheads="1"/>
+          </p:cNvPicPr>
+          <p:nvPr/>
+        </p:nvPicPr>
+        <p:blipFill>
+          <a:blip r:embed="rId3">
+            <a:extLst>
+              <a:ext uri="{28A0092B-C50C-407E-A947-70E740481C1C}">
+                <a14:useLocalDpi xmlns:a14="http://schemas.microsoft.com/office/drawing/2010/main" val="0"/>
+              </a:ext>
+            </a:extLst>
+          </a:blip>
+          <a:srcRect/>
+          <a:stretch>
+            <a:fillRect/>
+          </a:stretch>
+        </p:blipFill>
+        <p:spPr bwMode="auto">
+          <a:xfrm>
+            <a:off x="1557337" y="3886200"/>
+            <a:ext cx="5953125" cy="1238250"/>
+          </a:xfrm>
+          <a:prstGeom prst="rect">
+            <a:avLst/>
+          </a:prstGeom>
+          <a:noFill/>
+          <a:ln>
+            <a:noFill/>
+          </a:ln>
+          <a:effectLst/>
+          <a:extLst>
+            <a:ext uri="{909E8E84-426E-40DD-AFC4-6F175D3DCCD1}">
+              <a14:hiddenFill xmlns:a14="http://schemas.microsoft.com/office/drawing/2010/main">
+                <a:solidFill>
+                  <a:schemeClr val="accent1"/>
+                </a:solidFill>
+              </a14:hiddenFill>
+            </a:ext>
+            <a:ext uri="{91240B29-F687-4F45-9708-019B960494DF}">
+              <a14:hiddenLine xmlns:a14="http://schemas.microsoft.com/office/drawing/2010/main" w="9525">
+                <a:solidFill>
+                  <a:schemeClr val="tx1"/>
+                </a:solidFill>
+                <a:miter lim="800000"/>
+                <a:headEnd/>
+                <a:tailEnd/>
+              </a14:hiddenLine>
+            </a:ext>
+            <a:ext uri="{AF507438-7753-43E0-B8FC-AC1667EBCBE1}">
+              <a14:hiddenEffects xmlns:a14="http://schemas.microsoft.com/office/drawing/2010/main">
+                <a:effectLst>
+                  <a:outerShdw dist="35921" dir="2700000" algn="ctr" rotWithShape="0">
+                    <a:schemeClr val="bg2"/>
+                  </a:outerShdw>
+                </a:effectLst>
+              </a14:hiddenEffects>
+            </a:ext>
+          </a:extLst>
+        </p:spPr>
+      </p:pic>
+    </p:spTree>
+    <p:extLst>
+      <p:ext uri="{BB962C8B-B14F-4D97-AF65-F5344CB8AC3E}">
+        <p14:creationId xmlns:p14="http://schemas.microsoft.com/office/powerpoint/2010/main" val="3857935033"/>
+      </p:ext>
+    </p:extLst>
+  </p:cSld>
+  <p:clrMapOvr>
+    <a:masterClrMapping/>
+  </p:clrMapOvr>
+</p:sld>
+</file>
+
+<file path=ppt/slides/slide11.xml><?xml version="1.0" encoding="utf-8"?>
+<p:sld xmlns:a="http://schemas.openxmlformats.org/drawingml/2006/main" xmlns:r="http://schemas.openxmlformats.org/officeDocument/2006/relationships" xmlns:p="http://schemas.openxmlformats.org/presentationml/2006/main">
+  <p:cSld>
+    <p:spTree>
+      <p:nvGrpSpPr>
+        <p:cNvPr id="1" name=""/>
+        <p:cNvGrpSpPr/>
+        <p:nvPr/>
+      </p:nvGrpSpPr>
+      <p:grpSpPr>
+        <a:xfrm>
+          <a:off x="0" y="0"/>
+          <a:ext cx="0" cy="0"/>
+          <a:chOff x="0" y="0"/>
+          <a:chExt cx="0" cy="0"/>
+        </a:xfrm>
+      </p:grpSpPr>
+      <p:sp>
+        <p:nvSpPr>
+          <p:cNvPr id="4" name="TextBox 3"/>
+          <p:cNvSpPr txBox="1"/>
+          <p:nvPr/>
+        </p:nvSpPr>
+        <p:spPr>
+          <a:xfrm>
+            <a:off x="381000" y="381000"/>
+            <a:ext cx="8229600" cy="523220"/>
+          </a:xfrm>
+          <a:prstGeom prst="rect">
+            <a:avLst/>
+          </a:prstGeom>
+        </p:spPr>
+        <p:style>
+          <a:lnRef idx="0">
+            <a:schemeClr val="accent6"/>
+          </a:lnRef>
+          <a:fillRef idx="3">
+            <a:schemeClr val="accent6"/>
+          </a:fillRef>
+          <a:effectRef idx="3">
+            <a:schemeClr val="accent6"/>
+          </a:effectRef>
+          <a:fontRef idx="minor">
+            <a:schemeClr val="lt1"/>
+          </a:fontRef>
+        </p:style>
+        <p:txBody>
+          <a:bodyPr wrap="square" rtlCol="0">
+            <a:spAutoFit/>
+          </a:bodyPr>
+          <a:lstStyle/>
+          <a:p>
+            <a:r>
+              <a:rPr lang="en-US" sz="2800" dirty="0" err="1" smtClean="0">
+                <a:latin typeface="Times New Roman" pitchFamily="18" charset="0"/>
+                <a:cs typeface="Times New Roman" pitchFamily="18" charset="0"/>
+              </a:rPr>
+              <a:t>Thuật</a:t>
+            </a:r>
+            <a:r>
+              <a:rPr lang="en-US" sz="2800" dirty="0" smtClean="0">
+                <a:latin typeface="Times New Roman" pitchFamily="18" charset="0"/>
+                <a:cs typeface="Times New Roman" pitchFamily="18" charset="0"/>
+              </a:rPr>
+              <a:t> </a:t>
+            </a:r>
+            <a:r>
+              <a:rPr lang="en-US" sz="2800" dirty="0" err="1" smtClean="0">
+                <a:latin typeface="Times New Roman" pitchFamily="18" charset="0"/>
+                <a:cs typeface="Times New Roman" pitchFamily="18" charset="0"/>
+              </a:rPr>
+              <a:t>toán</a:t>
+            </a:r>
+            <a:r>
+              <a:rPr lang="en-US" sz="2800" dirty="0" smtClean="0">
+                <a:latin typeface="Times New Roman" pitchFamily="18" charset="0"/>
+                <a:cs typeface="Times New Roman" pitchFamily="18" charset="0"/>
+              </a:rPr>
+              <a:t> </a:t>
+            </a:r>
+            <a:r>
+              <a:rPr lang="en-US" sz="2800" dirty="0" err="1" smtClean="0">
+                <a:latin typeface="Times New Roman" pitchFamily="18" charset="0"/>
+                <a:cs typeface="Times New Roman" pitchFamily="18" charset="0"/>
+              </a:rPr>
+              <a:t>lan</a:t>
+            </a:r>
+            <a:r>
+              <a:rPr lang="en-US" sz="2800" dirty="0" smtClean="0">
+                <a:latin typeface="Times New Roman" pitchFamily="18" charset="0"/>
+                <a:cs typeface="Times New Roman" pitchFamily="18" charset="0"/>
+              </a:rPr>
+              <a:t> </a:t>
+            </a:r>
+            <a:r>
+              <a:rPr lang="en-US" sz="2800" dirty="0" err="1" smtClean="0">
+                <a:latin typeface="Times New Roman" pitchFamily="18" charset="0"/>
+                <a:cs typeface="Times New Roman" pitchFamily="18" charset="0"/>
+              </a:rPr>
+              <a:t>truyền</a:t>
+            </a:r>
+            <a:r>
+              <a:rPr lang="en-US" sz="2800" dirty="0" smtClean="0">
+                <a:latin typeface="Times New Roman" pitchFamily="18" charset="0"/>
+                <a:cs typeface="Times New Roman" pitchFamily="18" charset="0"/>
+              </a:rPr>
+              <a:t> </a:t>
+            </a:r>
+            <a:r>
+              <a:rPr lang="en-US" sz="2800" dirty="0" err="1" smtClean="0">
+                <a:latin typeface="Times New Roman" pitchFamily="18" charset="0"/>
+                <a:cs typeface="Times New Roman" pitchFamily="18" charset="0"/>
+              </a:rPr>
+              <a:t>ngược</a:t>
+            </a:r>
+            <a:endParaRPr lang="en-US" sz="2800" dirty="0">
+              <a:latin typeface="Times New Roman" pitchFamily="18" charset="0"/>
+              <a:cs typeface="Times New Roman" pitchFamily="18" charset="0"/>
+            </a:endParaRPr>
+          </a:p>
+        </p:txBody>
+      </p:sp>
+      <p:pic>
+        <p:nvPicPr>
+          <p:cNvPr id="5" name="Picture 4"/>
+          <p:cNvPicPr>
+            <a:picLocks noChangeAspect="1"/>
+          </p:cNvPicPr>
+          <p:nvPr/>
+        </p:nvPicPr>
+        <p:blipFill>
+          <a:blip r:embed="rId3">
+            <a:extLst>
+              <a:ext uri="{28A0092B-C50C-407E-A947-70E740481C1C}">
+                <a14:useLocalDpi xmlns:a14="http://schemas.microsoft.com/office/drawing/2010/main" val="0"/>
+              </a:ext>
+            </a:extLst>
+          </a:blip>
+          <a:stretch>
+            <a:fillRect/>
+          </a:stretch>
+        </p:blipFill>
+        <p:spPr>
+          <a:xfrm>
+            <a:off x="609599" y="1308847"/>
+            <a:ext cx="7513957" cy="3999601"/>
+          </a:xfrm>
+          <a:prstGeom prst="rect">
+            <a:avLst/>
+          </a:prstGeom>
+        </p:spPr>
+      </p:pic>
+    </p:spTree>
+    <p:extLst>
+      <p:ext uri="{BB962C8B-B14F-4D97-AF65-F5344CB8AC3E}">
+        <p14:creationId xmlns:p14="http://schemas.microsoft.com/office/powerpoint/2010/main" val="3529750429"/>
+      </p:ext>
+    </p:extLst>
+  </p:cSld>
+  <p:clrMapOvr>
+    <a:masterClrMapping/>
+  </p:clrMapOvr>
+  <p:timing>
+    <p:tnLst>
+      <p:par>
+        <p:cTn id="1" dur="indefinite" restart="never" nodeType="tmRoot"/>
+      </p:par>
+    </p:tnLst>
+  </p:timing>
+</p:sld>
+</file>
+
+<file path=ppt/slides/slide12.xml><?xml version="1.0" encoding="utf-8"?>
+<p:sld xmlns:a="http://schemas.openxmlformats.org/drawingml/2006/main" xmlns:r="http://schemas.openxmlformats.org/officeDocument/2006/relationships" xmlns:p="http://schemas.openxmlformats.org/presentationml/2006/main">
+  <p:cSld>
+    <p:spTree>
+      <p:nvGrpSpPr>
+        <p:cNvPr id="1" name=""/>
+        <p:cNvGrpSpPr/>
+        <p:nvPr/>
+      </p:nvGrpSpPr>
+      <p:grpSpPr>
+        <a:xfrm>
+          <a:off x="0" y="0"/>
+          <a:ext cx="0" cy="0"/>
+          <a:chOff x="0" y="0"/>
+          <a:chExt cx="0" cy="0"/>
+        </a:xfrm>
+      </p:grpSpPr>
+      <p:sp>
+        <p:nvSpPr>
+          <p:cNvPr id="4" name="TextBox 3"/>
+          <p:cNvSpPr txBox="1"/>
+          <p:nvPr/>
+        </p:nvSpPr>
+        <p:spPr>
+          <a:xfrm>
+            <a:off x="352122" y="381000"/>
+            <a:ext cx="8077200" cy="523220"/>
+          </a:xfrm>
+          <a:prstGeom prst="rect">
+            <a:avLst/>
+          </a:prstGeom>
+        </p:spPr>
+        <p:style>
+          <a:lnRef idx="0">
+            <a:schemeClr val="accent6"/>
+          </a:lnRef>
+          <a:fillRef idx="3">
+            <a:schemeClr val="accent6"/>
+          </a:fillRef>
+          <a:effectRef idx="3">
+            <a:schemeClr val="accent6"/>
+          </a:effectRef>
+          <a:fontRef idx="minor">
+            <a:schemeClr val="lt1"/>
+          </a:fontRef>
+        </p:style>
+        <p:txBody>
+          <a:bodyPr wrap="square" rtlCol="0">
+            <a:spAutoFit/>
+          </a:bodyPr>
+          <a:lstStyle/>
+          <a:p>
+            <a:r>
+              <a:rPr lang="en-US" sz="2800" dirty="0" err="1" smtClean="0">
+                <a:latin typeface="Times New Roman" pitchFamily="18" charset="0"/>
+                <a:cs typeface="Times New Roman" pitchFamily="18" charset="0"/>
+              </a:rPr>
+              <a:t>Bảng</a:t>
+            </a:r>
+            <a:r>
+              <a:rPr lang="en-US" sz="2800" dirty="0" smtClean="0">
+                <a:latin typeface="Times New Roman" pitchFamily="18" charset="0"/>
+                <a:cs typeface="Times New Roman" pitchFamily="18" charset="0"/>
+              </a:rPr>
+              <a:t> </a:t>
+            </a:r>
+            <a:r>
+              <a:rPr lang="en-US" sz="2800" dirty="0" err="1" smtClean="0">
+                <a:latin typeface="Times New Roman" pitchFamily="18" charset="0"/>
+                <a:cs typeface="Times New Roman" pitchFamily="18" charset="0"/>
+              </a:rPr>
+              <a:t>sửa</a:t>
+            </a:r>
+            <a:r>
+              <a:rPr lang="en-US" sz="2800" dirty="0" smtClean="0">
+                <a:latin typeface="Times New Roman" pitchFamily="18" charset="0"/>
+                <a:cs typeface="Times New Roman" pitchFamily="18" charset="0"/>
+              </a:rPr>
+              <a:t> </a:t>
+            </a:r>
+            <a:r>
+              <a:rPr lang="en-US" sz="2800" dirty="0" err="1" smtClean="0">
+                <a:latin typeface="Times New Roman" pitchFamily="18" charset="0"/>
+                <a:cs typeface="Times New Roman" pitchFamily="18" charset="0"/>
+              </a:rPr>
+              <a:t>lỗi</a:t>
+            </a:r>
+            <a:r>
+              <a:rPr lang="en-US" sz="2800" dirty="0" smtClean="0">
+                <a:latin typeface="Times New Roman" pitchFamily="18" charset="0"/>
+                <a:cs typeface="Times New Roman" pitchFamily="18" charset="0"/>
+              </a:rPr>
+              <a:t> </a:t>
+            </a:r>
+            <a:r>
+              <a:rPr lang="en-US" sz="2800" dirty="0" err="1" smtClean="0">
+                <a:latin typeface="Times New Roman" pitchFamily="18" charset="0"/>
+                <a:cs typeface="Times New Roman" pitchFamily="18" charset="0"/>
+              </a:rPr>
+              <a:t>từ</a:t>
+            </a:r>
+            <a:r>
+              <a:rPr lang="en-US" sz="2800" dirty="0" smtClean="0">
+                <a:latin typeface="Times New Roman" pitchFamily="18" charset="0"/>
+                <a:cs typeface="Times New Roman" pitchFamily="18" charset="0"/>
+              </a:rPr>
+              <a:t> </a:t>
+            </a:r>
+            <a:endParaRPr lang="en-US" sz="2800" dirty="0">
+              <a:latin typeface="Times New Roman" pitchFamily="18" charset="0"/>
+              <a:cs typeface="Times New Roman" pitchFamily="18" charset="0"/>
+            </a:endParaRPr>
+          </a:p>
+        </p:txBody>
+      </p:sp>
+      <p:pic>
+        <p:nvPicPr>
+          <p:cNvPr id="1026" name="Picture 2"/>
+          <p:cNvPicPr>
+            <a:picLocks noChangeAspect="1" noChangeArrowheads="1"/>
+          </p:cNvPicPr>
+          <p:nvPr/>
+        </p:nvPicPr>
+        <p:blipFill>
+          <a:blip r:embed="rId2">
+            <a:extLst>
+              <a:ext uri="{28A0092B-C50C-407E-A947-70E740481C1C}">
+                <a14:useLocalDpi xmlns:a14="http://schemas.microsoft.com/office/drawing/2010/main" val="0"/>
+              </a:ext>
+            </a:extLst>
+          </a:blip>
+          <a:srcRect/>
+          <a:stretch>
+            <a:fillRect/>
+          </a:stretch>
+        </p:blipFill>
+        <p:spPr bwMode="auto">
+          <a:xfrm>
+            <a:off x="623708" y="2819400"/>
+            <a:ext cx="7805614" cy="2393305"/>
+          </a:xfrm>
+          <a:prstGeom prst="rect">
+            <a:avLst/>
+          </a:prstGeom>
+          <a:noFill/>
+          <a:ln>
+            <a:noFill/>
+          </a:ln>
+          <a:effectLst/>
+          <a:extLst>
+            <a:ext uri="{909E8E84-426E-40DD-AFC4-6F175D3DCCD1}">
+              <a14:hiddenFill xmlns:a14="http://schemas.microsoft.com/office/drawing/2010/main">
+                <a:solidFill>
+                  <a:schemeClr val="accent1"/>
+                </a:solidFill>
+              </a14:hiddenFill>
+            </a:ext>
+            <a:ext uri="{91240B29-F687-4F45-9708-019B960494DF}">
+              <a14:hiddenLine xmlns:a14="http://schemas.microsoft.com/office/drawing/2010/main" w="9525">
+                <a:solidFill>
+                  <a:schemeClr val="tx1"/>
+                </a:solidFill>
+                <a:miter lim="800000"/>
+                <a:headEnd/>
+                <a:tailEnd/>
+              </a14:hiddenLine>
+            </a:ext>
+            <a:ext uri="{AF507438-7753-43E0-B8FC-AC1667EBCBE1}">
+              <a14:hiddenEffects xmlns:a14="http://schemas.microsoft.com/office/drawing/2010/main">
+                <a:effectLst>
+                  <a:outerShdw dist="35921" dir="2700000" algn="ctr" rotWithShape="0">
+                    <a:schemeClr val="bg2"/>
+                  </a:outerShdw>
+                </a:effectLst>
+              </a14:hiddenEffects>
+            </a:ext>
+          </a:extLst>
+        </p:spPr>
+      </p:pic>
+      <p:sp>
+        <p:nvSpPr>
+          <p:cNvPr id="5" name="TextBox 4"/>
+          <p:cNvSpPr txBox="1"/>
+          <p:nvPr/>
+        </p:nvSpPr>
+        <p:spPr>
+          <a:xfrm>
+            <a:off x="669193" y="1371600"/>
+            <a:ext cx="7636607" cy="646331"/>
+          </a:xfrm>
+          <a:prstGeom prst="rect">
+            <a:avLst/>
+          </a:prstGeom>
+          <a:noFill/>
+        </p:spPr>
+        <p:txBody>
+          <a:bodyPr wrap="square" rtlCol="0">
+            <a:spAutoFit/>
+          </a:bodyPr>
+          <a:lstStyle/>
+          <a:p>
+            <a:r>
+              <a:rPr lang="en-US" dirty="0" err="1" smtClean="0"/>
+              <a:t>Sau</a:t>
+            </a:r>
+            <a:r>
+              <a:rPr lang="en-US" dirty="0" smtClean="0"/>
+              <a:t> </a:t>
+            </a:r>
+            <a:r>
+              <a:rPr lang="en-US" dirty="0" err="1" smtClean="0"/>
+              <a:t>giai</a:t>
+            </a:r>
+            <a:r>
+              <a:rPr lang="en-US" dirty="0" smtClean="0"/>
+              <a:t> </a:t>
+            </a:r>
+            <a:r>
+              <a:rPr lang="en-US" dirty="0" err="1" smtClean="0"/>
+              <a:t>đoạn</a:t>
+            </a:r>
+            <a:r>
+              <a:rPr lang="en-US" dirty="0" smtClean="0"/>
+              <a:t> </a:t>
+            </a:r>
+            <a:r>
+              <a:rPr lang="en-US" dirty="0" err="1" smtClean="0"/>
+              <a:t>phân</a:t>
+            </a:r>
+            <a:r>
+              <a:rPr lang="en-US" dirty="0" smtClean="0"/>
+              <a:t> </a:t>
+            </a:r>
+            <a:r>
+              <a:rPr lang="en-US" dirty="0" err="1" smtClean="0"/>
+              <a:t>loại</a:t>
+            </a:r>
+            <a:r>
+              <a:rPr lang="en-US" dirty="0" smtClean="0"/>
+              <a:t>, </a:t>
+            </a:r>
+            <a:r>
+              <a:rPr lang="en-US" dirty="0" err="1" smtClean="0"/>
+              <a:t>các</a:t>
+            </a:r>
+            <a:r>
+              <a:rPr lang="en-US" dirty="0" smtClean="0"/>
+              <a:t> </a:t>
+            </a:r>
+            <a:r>
+              <a:rPr lang="en-US" dirty="0" err="1" smtClean="0"/>
+              <a:t>ký</a:t>
+            </a:r>
+            <a:r>
+              <a:rPr lang="en-US" dirty="0" smtClean="0"/>
+              <a:t> </a:t>
+            </a:r>
+            <a:r>
+              <a:rPr lang="en-US" dirty="0" err="1" smtClean="0"/>
+              <a:t>tự</a:t>
+            </a:r>
+            <a:r>
+              <a:rPr lang="en-US" dirty="0" smtClean="0"/>
+              <a:t> </a:t>
+            </a:r>
+            <a:r>
+              <a:rPr lang="en-US" dirty="0" err="1" smtClean="0"/>
+              <a:t>được</a:t>
+            </a:r>
+            <a:r>
+              <a:rPr lang="en-US" dirty="0" smtClean="0"/>
+              <a:t> </a:t>
+            </a:r>
+            <a:r>
+              <a:rPr lang="en-US" dirty="0" err="1" smtClean="0"/>
+              <a:t>nhóm</a:t>
+            </a:r>
+            <a:r>
+              <a:rPr lang="en-US" dirty="0" smtClean="0"/>
+              <a:t> </a:t>
+            </a:r>
+            <a:r>
+              <a:rPr lang="en-US" dirty="0" err="1" smtClean="0"/>
+              <a:t>lại</a:t>
+            </a:r>
+            <a:r>
+              <a:rPr lang="en-US" dirty="0" smtClean="0"/>
+              <a:t> </a:t>
+            </a:r>
+            <a:r>
+              <a:rPr lang="en-US" dirty="0" err="1" smtClean="0"/>
+              <a:t>thành</a:t>
+            </a:r>
+            <a:r>
+              <a:rPr lang="en-US" dirty="0" smtClean="0"/>
+              <a:t> </a:t>
+            </a:r>
+            <a:r>
+              <a:rPr lang="en-US" dirty="0" err="1" smtClean="0"/>
+              <a:t>các</a:t>
+            </a:r>
+            <a:r>
+              <a:rPr lang="en-US" dirty="0" smtClean="0"/>
+              <a:t> </a:t>
+            </a:r>
+            <a:r>
+              <a:rPr lang="en-US" dirty="0" err="1" smtClean="0"/>
+              <a:t>từ</a:t>
+            </a:r>
+            <a:r>
+              <a:rPr lang="en-US" dirty="0" smtClean="0"/>
+              <a:t> </a:t>
+            </a:r>
+            <a:r>
+              <a:rPr lang="en-US" dirty="0" err="1" smtClean="0"/>
+              <a:t>và</a:t>
+            </a:r>
+            <a:r>
+              <a:rPr lang="en-US" dirty="0" smtClean="0"/>
+              <a:t> </a:t>
+            </a:r>
+            <a:r>
+              <a:rPr lang="en-US" dirty="0" err="1" smtClean="0"/>
+              <a:t>câu</a:t>
+            </a:r>
+            <a:r>
+              <a:rPr lang="en-US" dirty="0" smtClean="0"/>
+              <a:t>, </a:t>
+            </a:r>
+            <a:r>
+              <a:rPr lang="en-US" dirty="0" err="1" smtClean="0"/>
+              <a:t>các</a:t>
+            </a:r>
+            <a:r>
+              <a:rPr lang="en-US" dirty="0" smtClean="0"/>
+              <a:t> </a:t>
+            </a:r>
+            <a:r>
+              <a:rPr lang="en-US" dirty="0" err="1" smtClean="0"/>
+              <a:t>ký</a:t>
+            </a:r>
+            <a:r>
+              <a:rPr lang="en-US" dirty="0" smtClean="0"/>
+              <a:t> </a:t>
+            </a:r>
+            <a:r>
+              <a:rPr lang="en-US" dirty="0" err="1" smtClean="0"/>
+              <a:t>tự</a:t>
+            </a:r>
+            <a:r>
+              <a:rPr lang="en-US" dirty="0" smtClean="0"/>
+              <a:t> </a:t>
+            </a:r>
+            <a:r>
+              <a:rPr lang="en-US" dirty="0" err="1" smtClean="0"/>
+              <a:t>không</a:t>
+            </a:r>
+            <a:r>
+              <a:rPr lang="en-US" dirty="0" smtClean="0"/>
+              <a:t> </a:t>
+            </a:r>
+            <a:r>
+              <a:rPr lang="en-US" dirty="0" err="1" smtClean="0"/>
+              <a:t>được</a:t>
+            </a:r>
+            <a:r>
+              <a:rPr lang="en-US" dirty="0" smtClean="0"/>
+              <a:t> </a:t>
+            </a:r>
+            <a:r>
+              <a:rPr lang="en-US" dirty="0" err="1" smtClean="0"/>
+              <a:t>xác</a:t>
+            </a:r>
+            <a:r>
+              <a:rPr lang="en-US" dirty="0" smtClean="0"/>
+              <a:t> </a:t>
+            </a:r>
+            <a:r>
+              <a:rPr lang="en-US" dirty="0" err="1" smtClean="0"/>
+              <a:t>định</a:t>
+            </a:r>
+            <a:r>
+              <a:rPr lang="en-US" dirty="0" smtClean="0"/>
+              <a:t> </a:t>
+            </a:r>
+            <a:r>
+              <a:rPr lang="en-US" dirty="0" err="1" smtClean="0"/>
+              <a:t>là</a:t>
+            </a:r>
+            <a:r>
+              <a:rPr lang="en-US" dirty="0" smtClean="0"/>
+              <a:t> </a:t>
+            </a:r>
+            <a:r>
+              <a:rPr lang="en-US" dirty="0" err="1" smtClean="0"/>
+              <a:t>hiểu</a:t>
+            </a:r>
+            <a:r>
+              <a:rPr lang="en-US" dirty="0" smtClean="0"/>
+              <a:t> </a:t>
+            </a:r>
+            <a:r>
+              <a:rPr lang="en-US" dirty="0" err="1" smtClean="0"/>
+              <a:t>sai</a:t>
+            </a:r>
+            <a:r>
+              <a:rPr lang="en-US" dirty="0" smtClean="0"/>
+              <a:t> </a:t>
+            </a:r>
+            <a:r>
+              <a:rPr lang="en-US" dirty="0" err="1" smtClean="0"/>
+              <a:t>như</a:t>
+            </a:r>
+            <a:r>
+              <a:rPr lang="en-US" dirty="0" smtClean="0"/>
+              <a:t> </a:t>
+            </a:r>
+            <a:r>
+              <a:rPr lang="en-US" dirty="0" err="1" smtClean="0"/>
+              <a:t>một</a:t>
+            </a:r>
+            <a:r>
+              <a:rPr lang="en-US" dirty="0" smtClean="0"/>
+              <a:t> </a:t>
+            </a:r>
+            <a:r>
+              <a:rPr lang="en-US" dirty="0" err="1" smtClean="0"/>
+              <a:t>số</a:t>
+            </a:r>
+            <a:r>
+              <a:rPr lang="en-US" dirty="0" smtClean="0"/>
+              <a:t> </a:t>
+            </a:r>
+            <a:r>
+              <a:rPr lang="en-US" dirty="0" err="1" smtClean="0"/>
+              <a:t>ký</a:t>
+            </a:r>
+            <a:r>
+              <a:rPr lang="en-US" dirty="0" smtClean="0"/>
+              <a:t> </a:t>
+            </a:r>
+            <a:r>
+              <a:rPr lang="en-US" dirty="0" err="1" smtClean="0"/>
+              <a:t>tự</a:t>
+            </a:r>
+            <a:r>
+              <a:rPr lang="en-US" dirty="0" smtClean="0"/>
+              <a:t> </a:t>
+            </a:r>
+            <a:r>
+              <a:rPr lang="en-US" dirty="0" err="1" smtClean="0"/>
+              <a:t>khác</a:t>
+            </a:r>
+            <a:r>
+              <a:rPr lang="en-US" dirty="0" smtClean="0"/>
+              <a:t>.</a:t>
+            </a:r>
+            <a:endParaRPr lang="en-US" dirty="0"/>
+          </a:p>
+        </p:txBody>
+      </p:sp>
+    </p:spTree>
+    <p:extLst>
+      <p:ext uri="{BB962C8B-B14F-4D97-AF65-F5344CB8AC3E}">
+        <p14:creationId xmlns:p14="http://schemas.microsoft.com/office/powerpoint/2010/main" val="2276263767"/>
+      </p:ext>
+    </p:extLst>
+  </p:cSld>
+  <p:clrMapOvr>
+    <a:masterClrMapping/>
+  </p:clrMapOvr>
+  <p:timing>
+    <p:tnLst>
+      <p:par>
+        <p:cTn id="1" dur="indefinite" restart="never" nodeType="tmRoot"/>
+      </p:par>
+    </p:tnLst>
+  </p:timing>
+</p:sld>
+</file>
+
+<file path=ppt/slides/slide13.xml><?xml version="1.0" encoding="utf-8"?>
+<p:sld xmlns:a="http://schemas.openxmlformats.org/drawingml/2006/main" xmlns:r="http://schemas.openxmlformats.org/officeDocument/2006/relationships" xmlns:p="http://schemas.openxmlformats.org/presentationml/2006/main">
+  <p:cSld>
+    <p:spTree>
+      <p:nvGrpSpPr>
+        <p:cNvPr id="1" name=""/>
+        <p:cNvGrpSpPr/>
+        <p:nvPr/>
+      </p:nvGrpSpPr>
+      <p:grpSpPr>
+        <a:xfrm>
+          <a:off x="0" y="0"/>
+          <a:ext cx="0" cy="0"/>
+          <a:chOff x="0" y="0"/>
+          <a:chExt cx="0" cy="0"/>
+        </a:xfrm>
+      </p:grpSpPr>
+      <p:sp>
+        <p:nvSpPr>
+          <p:cNvPr id="4" name="TextBox 3"/>
+          <p:cNvSpPr txBox="1"/>
+          <p:nvPr/>
+        </p:nvSpPr>
+        <p:spPr>
+          <a:xfrm>
+            <a:off x="457200" y="228600"/>
+            <a:ext cx="8077200" cy="523220"/>
+          </a:xfrm>
+          <a:prstGeom prst="rect">
+            <a:avLst/>
+          </a:prstGeom>
+        </p:spPr>
+        <p:style>
+          <a:lnRef idx="0">
+            <a:schemeClr val="accent6"/>
+          </a:lnRef>
+          <a:fillRef idx="3">
+            <a:schemeClr val="accent6"/>
+          </a:fillRef>
+          <a:effectRef idx="3">
+            <a:schemeClr val="accent6"/>
+          </a:effectRef>
+          <a:fontRef idx="minor">
+            <a:schemeClr val="lt1"/>
+          </a:fontRef>
+        </p:style>
+        <p:txBody>
+          <a:bodyPr wrap="square" rtlCol="0">
+            <a:spAutoFit/>
+          </a:bodyPr>
+          <a:lstStyle/>
+          <a:p>
+            <a:r>
+              <a:rPr lang="en-US" sz="2800" dirty="0" err="1" smtClean="0">
+                <a:latin typeface="Times New Roman" pitchFamily="18" charset="0"/>
+                <a:cs typeface="Times New Roman" pitchFamily="18" charset="0"/>
+              </a:rPr>
+              <a:t>Kết</a:t>
+            </a:r>
+            <a:r>
+              <a:rPr lang="en-US" sz="2800" dirty="0" smtClean="0">
+                <a:latin typeface="Times New Roman" pitchFamily="18" charset="0"/>
+                <a:cs typeface="Times New Roman" pitchFamily="18" charset="0"/>
+              </a:rPr>
+              <a:t> </a:t>
+            </a:r>
+            <a:r>
+              <a:rPr lang="en-US" sz="2800" dirty="0" err="1" smtClean="0">
+                <a:latin typeface="Times New Roman" pitchFamily="18" charset="0"/>
+                <a:cs typeface="Times New Roman" pitchFamily="18" charset="0"/>
+              </a:rPr>
+              <a:t>quả</a:t>
+            </a:r>
+            <a:r>
+              <a:rPr lang="en-US" sz="2800" dirty="0" smtClean="0">
+                <a:latin typeface="Times New Roman" pitchFamily="18" charset="0"/>
+                <a:cs typeface="Times New Roman" pitchFamily="18" charset="0"/>
+              </a:rPr>
+              <a:t> </a:t>
+            </a:r>
+            <a:r>
+              <a:rPr lang="en-US" sz="2800" dirty="0" err="1" smtClean="0">
+                <a:latin typeface="Times New Roman" pitchFamily="18" charset="0"/>
+                <a:cs typeface="Times New Roman" pitchFamily="18" charset="0"/>
+              </a:rPr>
+              <a:t>mở</a:t>
+            </a:r>
+            <a:r>
+              <a:rPr lang="en-US" sz="2800" dirty="0" smtClean="0">
+                <a:latin typeface="Times New Roman" pitchFamily="18" charset="0"/>
+                <a:cs typeface="Times New Roman" pitchFamily="18" charset="0"/>
+              </a:rPr>
+              <a:t> </a:t>
+            </a:r>
+            <a:r>
+              <a:rPr lang="en-US" sz="2800" dirty="0" err="1" smtClean="0">
+                <a:latin typeface="Times New Roman" pitchFamily="18" charset="0"/>
+                <a:cs typeface="Times New Roman" pitchFamily="18" charset="0"/>
+              </a:rPr>
+              <a:t>rộng</a:t>
+            </a:r>
+            <a:endParaRPr lang="en-US" sz="2800" dirty="0">
+              <a:latin typeface="Times New Roman" pitchFamily="18" charset="0"/>
+              <a:cs typeface="Times New Roman" pitchFamily="18" charset="0"/>
+            </a:endParaRPr>
+          </a:p>
+        </p:txBody>
+      </p:sp>
+      <p:sp>
+        <p:nvSpPr>
+          <p:cNvPr id="5" name="TextBox 4"/>
+          <p:cNvSpPr txBox="1"/>
+          <p:nvPr/>
+        </p:nvSpPr>
+        <p:spPr>
+          <a:xfrm>
+            <a:off x="457200" y="990600"/>
+            <a:ext cx="7848600" cy="1754326"/>
+          </a:xfrm>
+          <a:prstGeom prst="rect">
+            <a:avLst/>
+          </a:prstGeom>
+          <a:noFill/>
+        </p:spPr>
+        <p:txBody>
+          <a:bodyPr wrap="square" rtlCol="0">
+            <a:spAutoFit/>
+          </a:bodyPr>
+          <a:lstStyle/>
+          <a:p>
+            <a:pPr marL="285750" indent="-285750">
+              <a:buFont typeface="Arial" pitchFamily="34" charset="0"/>
+              <a:buChar char="•"/>
+            </a:pPr>
+            <a:r>
+              <a:rPr lang="en-US" dirty="0" err="1" smtClean="0">
+                <a:latin typeface="Times New Roman" pitchFamily="18" charset="0"/>
+                <a:cs typeface="Times New Roman" pitchFamily="18" charset="0"/>
+              </a:rPr>
+              <a:t>Khi</a:t>
+            </a:r>
+            <a:r>
+              <a:rPr lang="en-US" dirty="0" smtClean="0">
+                <a:latin typeface="Times New Roman" pitchFamily="18" charset="0"/>
+                <a:cs typeface="Times New Roman" pitchFamily="18" charset="0"/>
+              </a:rPr>
+              <a:t> </a:t>
+            </a:r>
+            <a:r>
+              <a:rPr lang="en-US" dirty="0" err="1" smtClean="0">
+                <a:latin typeface="Times New Roman" pitchFamily="18" charset="0"/>
+                <a:cs typeface="Times New Roman" pitchFamily="18" charset="0"/>
+              </a:rPr>
+              <a:t>tính</a:t>
+            </a:r>
+            <a:r>
+              <a:rPr lang="en-US" dirty="0" smtClean="0">
+                <a:latin typeface="Times New Roman" pitchFamily="18" charset="0"/>
+                <a:cs typeface="Times New Roman" pitchFamily="18" charset="0"/>
+              </a:rPr>
+              <a:t> </a:t>
+            </a:r>
+            <a:r>
+              <a:rPr lang="en-US" dirty="0" err="1" smtClean="0">
+                <a:latin typeface="Times New Roman" pitchFamily="18" charset="0"/>
+                <a:cs typeface="Times New Roman" pitchFamily="18" charset="0"/>
+              </a:rPr>
+              <a:t>tương</a:t>
+            </a:r>
+            <a:r>
+              <a:rPr lang="en-US" dirty="0" smtClean="0">
+                <a:latin typeface="Times New Roman" pitchFamily="18" charset="0"/>
+                <a:cs typeface="Times New Roman" pitchFamily="18" charset="0"/>
+              </a:rPr>
+              <a:t> </a:t>
+            </a:r>
+            <a:r>
+              <a:rPr lang="en-US" dirty="0" err="1" smtClean="0">
+                <a:latin typeface="Times New Roman" pitchFamily="18" charset="0"/>
+                <a:cs typeface="Times New Roman" pitchFamily="18" charset="0"/>
+              </a:rPr>
+              <a:t>quan</a:t>
+            </a:r>
+            <a:r>
+              <a:rPr lang="en-US" dirty="0" smtClean="0">
+                <a:latin typeface="Times New Roman" pitchFamily="18" charset="0"/>
+                <a:cs typeface="Times New Roman" pitchFamily="18" charset="0"/>
+              </a:rPr>
+              <a:t> </a:t>
+            </a:r>
+            <a:r>
+              <a:rPr lang="en-US" dirty="0" err="1" smtClean="0">
+                <a:latin typeface="Times New Roman" pitchFamily="18" charset="0"/>
+                <a:cs typeface="Times New Roman" pitchFamily="18" charset="0"/>
+              </a:rPr>
+              <a:t>và</a:t>
+            </a:r>
+            <a:r>
+              <a:rPr lang="en-US" dirty="0" smtClean="0">
+                <a:latin typeface="Times New Roman" pitchFamily="18" charset="0"/>
+                <a:cs typeface="Times New Roman" pitchFamily="18" charset="0"/>
+              </a:rPr>
+              <a:t> </a:t>
+            </a:r>
+            <a:r>
+              <a:rPr lang="en-US" dirty="0" err="1" smtClean="0">
+                <a:latin typeface="Times New Roman" pitchFamily="18" charset="0"/>
+                <a:cs typeface="Times New Roman" pitchFamily="18" charset="0"/>
+              </a:rPr>
+              <a:t>khoảng</a:t>
+            </a:r>
+            <a:r>
+              <a:rPr lang="en-US" dirty="0" smtClean="0">
+                <a:latin typeface="Times New Roman" pitchFamily="18" charset="0"/>
+                <a:cs typeface="Times New Roman" pitchFamily="18" charset="0"/>
+              </a:rPr>
+              <a:t> </a:t>
+            </a:r>
+            <a:r>
+              <a:rPr lang="en-US" dirty="0" err="1" smtClean="0">
+                <a:latin typeface="Times New Roman" pitchFamily="18" charset="0"/>
+                <a:cs typeface="Times New Roman" pitchFamily="18" charset="0"/>
+              </a:rPr>
+              <a:t>cách</a:t>
+            </a:r>
+            <a:r>
+              <a:rPr lang="en-US" dirty="0" smtClean="0">
+                <a:latin typeface="Times New Roman" pitchFamily="18" charset="0"/>
+                <a:cs typeface="Times New Roman" pitchFamily="18" charset="0"/>
+              </a:rPr>
+              <a:t> Hamming </a:t>
+            </a:r>
+            <a:r>
+              <a:rPr lang="en-US" dirty="0" err="1" smtClean="0">
+                <a:latin typeface="Times New Roman" pitchFamily="18" charset="0"/>
+                <a:cs typeface="Times New Roman" pitchFamily="18" charset="0"/>
+              </a:rPr>
+              <a:t>được</a:t>
+            </a:r>
+            <a:r>
+              <a:rPr lang="en-US" dirty="0" smtClean="0">
+                <a:latin typeface="Times New Roman" pitchFamily="18" charset="0"/>
+                <a:cs typeface="Times New Roman" pitchFamily="18" charset="0"/>
+              </a:rPr>
+              <a:t> </a:t>
+            </a:r>
+            <a:r>
+              <a:rPr lang="en-US" dirty="0" err="1" smtClean="0">
+                <a:latin typeface="Times New Roman" pitchFamily="18" charset="0"/>
+                <a:cs typeface="Times New Roman" pitchFamily="18" charset="0"/>
+              </a:rPr>
+              <a:t>áp</a:t>
+            </a:r>
+            <a:r>
+              <a:rPr lang="en-US" dirty="0" smtClean="0">
+                <a:latin typeface="Times New Roman" pitchFamily="18" charset="0"/>
+                <a:cs typeface="Times New Roman" pitchFamily="18" charset="0"/>
+              </a:rPr>
+              <a:t> </a:t>
+            </a:r>
+            <a:r>
+              <a:rPr lang="en-US" dirty="0" err="1" smtClean="0">
+                <a:latin typeface="Times New Roman" pitchFamily="18" charset="0"/>
+                <a:cs typeface="Times New Roman" pitchFamily="18" charset="0"/>
+              </a:rPr>
+              <a:t>dụng</a:t>
+            </a:r>
+            <a:r>
+              <a:rPr lang="en-US" dirty="0" smtClean="0">
+                <a:latin typeface="Times New Roman" pitchFamily="18" charset="0"/>
+                <a:cs typeface="Times New Roman" pitchFamily="18" charset="0"/>
+              </a:rPr>
+              <a:t> </a:t>
+            </a:r>
+            <a:r>
+              <a:rPr lang="en-US" dirty="0" err="1" smtClean="0">
+                <a:latin typeface="Times New Roman" pitchFamily="18" charset="0"/>
+                <a:cs typeface="Times New Roman" pitchFamily="18" charset="0"/>
+              </a:rPr>
+              <a:t>trong</a:t>
+            </a:r>
+            <a:r>
+              <a:rPr lang="en-US" dirty="0" smtClean="0">
+                <a:latin typeface="Times New Roman" pitchFamily="18" charset="0"/>
+                <a:cs typeface="Times New Roman" pitchFamily="18" charset="0"/>
+              </a:rPr>
+              <a:t> </a:t>
+            </a:r>
+            <a:r>
+              <a:rPr lang="en-US" dirty="0" err="1" smtClean="0">
+                <a:latin typeface="Times New Roman" pitchFamily="18" charset="0"/>
+                <a:cs typeface="Times New Roman" pitchFamily="18" charset="0"/>
+              </a:rPr>
+              <a:t>tính</a:t>
+            </a:r>
+            <a:r>
+              <a:rPr lang="en-US" dirty="0" smtClean="0">
+                <a:latin typeface="Times New Roman" pitchFamily="18" charset="0"/>
+                <a:cs typeface="Times New Roman" pitchFamily="18" charset="0"/>
+              </a:rPr>
+              <a:t> </a:t>
+            </a:r>
+            <a:r>
+              <a:rPr lang="en-US" dirty="0" err="1" smtClean="0">
+                <a:latin typeface="Times New Roman" pitchFamily="18" charset="0"/>
+                <a:cs typeface="Times New Roman" pitchFamily="18" charset="0"/>
+              </a:rPr>
+              <a:t>năng</a:t>
+            </a:r>
+            <a:r>
+              <a:rPr lang="en-US" dirty="0" smtClean="0">
+                <a:latin typeface="Times New Roman" pitchFamily="18" charset="0"/>
+                <a:cs typeface="Times New Roman" pitchFamily="18" charset="0"/>
+              </a:rPr>
+              <a:t> </a:t>
+            </a:r>
+            <a:r>
+              <a:rPr lang="en-US" dirty="0" err="1" smtClean="0">
+                <a:latin typeface="Times New Roman" pitchFamily="18" charset="0"/>
+                <a:cs typeface="Times New Roman" pitchFamily="18" charset="0"/>
+              </a:rPr>
+              <a:t>trích</a:t>
+            </a:r>
+            <a:r>
+              <a:rPr lang="en-US" dirty="0" smtClean="0">
+                <a:latin typeface="Times New Roman" pitchFamily="18" charset="0"/>
+                <a:cs typeface="Times New Roman" pitchFamily="18" charset="0"/>
+              </a:rPr>
+              <a:t> </a:t>
+            </a:r>
+            <a:r>
+              <a:rPr lang="en-US" dirty="0" err="1" smtClean="0">
+                <a:latin typeface="Times New Roman" pitchFamily="18" charset="0"/>
+                <a:cs typeface="Times New Roman" pitchFamily="18" charset="0"/>
+              </a:rPr>
+              <a:t>xuất</a:t>
+            </a:r>
+            <a:r>
+              <a:rPr lang="en-US" dirty="0" smtClean="0">
+                <a:latin typeface="Times New Roman" pitchFamily="18" charset="0"/>
+                <a:cs typeface="Times New Roman" pitchFamily="18" charset="0"/>
+              </a:rPr>
+              <a:t> </a:t>
+            </a:r>
+            <a:r>
+              <a:rPr lang="en-US" dirty="0" err="1" smtClean="0">
+                <a:latin typeface="Times New Roman" pitchFamily="18" charset="0"/>
+                <a:cs typeface="Times New Roman" pitchFamily="18" charset="0"/>
+              </a:rPr>
+              <a:t>như</a:t>
+            </a:r>
+            <a:r>
+              <a:rPr lang="en-US" dirty="0" smtClean="0">
+                <a:latin typeface="Times New Roman" pitchFamily="18" charset="0"/>
+                <a:cs typeface="Times New Roman" pitchFamily="18" charset="0"/>
+              </a:rPr>
+              <a:t> </a:t>
+            </a:r>
+            <a:r>
+              <a:rPr lang="en-US" dirty="0" err="1" smtClean="0">
+                <a:latin typeface="Times New Roman" pitchFamily="18" charset="0"/>
+                <a:cs typeface="Times New Roman" pitchFamily="18" charset="0"/>
+              </a:rPr>
+              <a:t>kỹ</a:t>
+            </a:r>
+            <a:r>
+              <a:rPr lang="en-US" dirty="0" smtClean="0">
+                <a:latin typeface="Times New Roman" pitchFamily="18" charset="0"/>
+                <a:cs typeface="Times New Roman" pitchFamily="18" charset="0"/>
+              </a:rPr>
+              <a:t> </a:t>
+            </a:r>
+            <a:r>
+              <a:rPr lang="en-US" dirty="0" err="1" smtClean="0">
+                <a:latin typeface="Times New Roman" pitchFamily="18" charset="0"/>
+                <a:cs typeface="Times New Roman" pitchFamily="18" charset="0"/>
+              </a:rPr>
+              <a:t>thuật</a:t>
+            </a:r>
+            <a:r>
+              <a:rPr lang="en-US" dirty="0" smtClean="0">
+                <a:latin typeface="Times New Roman" pitchFamily="18" charset="0"/>
+                <a:cs typeface="Times New Roman" pitchFamily="18" charset="0"/>
+              </a:rPr>
+              <a:t> </a:t>
+            </a:r>
+            <a:r>
+              <a:rPr lang="en-US" dirty="0" err="1" smtClean="0">
+                <a:latin typeface="Times New Roman" pitchFamily="18" charset="0"/>
+                <a:cs typeface="Times New Roman" pitchFamily="18" charset="0"/>
+              </a:rPr>
+              <a:t>khớp</a:t>
+            </a:r>
+            <a:r>
+              <a:rPr lang="en-US" dirty="0" smtClean="0">
+                <a:latin typeface="Times New Roman" pitchFamily="18" charset="0"/>
+                <a:cs typeface="Times New Roman" pitchFamily="18" charset="0"/>
+              </a:rPr>
+              <a:t> </a:t>
+            </a:r>
+            <a:r>
+              <a:rPr lang="en-US" dirty="0" err="1" smtClean="0">
+                <a:latin typeface="Times New Roman" pitchFamily="18" charset="0"/>
+                <a:cs typeface="Times New Roman" pitchFamily="18" charset="0"/>
+              </a:rPr>
+              <a:t>mẫu</a:t>
+            </a:r>
+            <a:r>
+              <a:rPr lang="en-US" dirty="0" smtClean="0">
+                <a:latin typeface="Times New Roman" pitchFamily="18" charset="0"/>
+                <a:cs typeface="Times New Roman" pitchFamily="18" charset="0"/>
+              </a:rPr>
+              <a:t>, </a:t>
+            </a:r>
+            <a:r>
+              <a:rPr lang="en-US" dirty="0" err="1" smtClean="0">
+                <a:latin typeface="Times New Roman" pitchFamily="18" charset="0"/>
+                <a:cs typeface="Times New Roman" pitchFamily="18" charset="0"/>
+              </a:rPr>
+              <a:t>thuật</a:t>
+            </a:r>
+            <a:r>
+              <a:rPr lang="en-US" dirty="0" smtClean="0">
+                <a:latin typeface="Times New Roman" pitchFamily="18" charset="0"/>
+                <a:cs typeface="Times New Roman" pitchFamily="18" charset="0"/>
+              </a:rPr>
+              <a:t> </a:t>
+            </a:r>
+            <a:r>
+              <a:rPr lang="en-US" dirty="0" err="1" smtClean="0">
+                <a:latin typeface="Times New Roman" pitchFamily="18" charset="0"/>
+                <a:cs typeface="Times New Roman" pitchFamily="18" charset="0"/>
+              </a:rPr>
+              <a:t>toán</a:t>
+            </a:r>
+            <a:r>
+              <a:rPr lang="en-US" dirty="0" smtClean="0">
+                <a:latin typeface="Times New Roman" pitchFamily="18" charset="0"/>
+                <a:cs typeface="Times New Roman" pitchFamily="18" charset="0"/>
+              </a:rPr>
+              <a:t> </a:t>
+            </a:r>
+            <a:r>
+              <a:rPr lang="en-US" dirty="0" err="1" smtClean="0">
+                <a:latin typeface="Times New Roman" pitchFamily="18" charset="0"/>
+                <a:cs typeface="Times New Roman" pitchFamily="18" charset="0"/>
+              </a:rPr>
+              <a:t>lan</a:t>
+            </a:r>
+            <a:r>
+              <a:rPr lang="en-US" dirty="0" smtClean="0">
+                <a:latin typeface="Times New Roman" pitchFamily="18" charset="0"/>
+                <a:cs typeface="Times New Roman" pitchFamily="18" charset="0"/>
+              </a:rPr>
+              <a:t> </a:t>
+            </a:r>
+            <a:r>
+              <a:rPr lang="en-US" dirty="0" err="1" smtClean="0">
+                <a:latin typeface="Times New Roman" pitchFamily="18" charset="0"/>
+                <a:cs typeface="Times New Roman" pitchFamily="18" charset="0"/>
+              </a:rPr>
+              <a:t>truyền</a:t>
+            </a:r>
+            <a:r>
+              <a:rPr lang="en-US" dirty="0" smtClean="0">
+                <a:latin typeface="Times New Roman" pitchFamily="18" charset="0"/>
+                <a:cs typeface="Times New Roman" pitchFamily="18" charset="0"/>
+              </a:rPr>
+              <a:t> </a:t>
+            </a:r>
+            <a:r>
+              <a:rPr lang="en-US" dirty="0" err="1" smtClean="0">
+                <a:latin typeface="Times New Roman" pitchFamily="18" charset="0"/>
+                <a:cs typeface="Times New Roman" pitchFamily="18" charset="0"/>
+              </a:rPr>
+              <a:t>ngược</a:t>
+            </a:r>
+            <a:r>
+              <a:rPr lang="en-US" dirty="0" smtClean="0">
+                <a:latin typeface="Times New Roman" pitchFamily="18" charset="0"/>
+                <a:cs typeface="Times New Roman" pitchFamily="18" charset="0"/>
+              </a:rPr>
+              <a:t>. </a:t>
+            </a:r>
+            <a:r>
+              <a:rPr lang="en-US" dirty="0" err="1" smtClean="0">
+                <a:latin typeface="Times New Roman" pitchFamily="18" charset="0"/>
+                <a:cs typeface="Times New Roman" pitchFamily="18" charset="0"/>
+              </a:rPr>
+              <a:t>Nhận</a:t>
+            </a:r>
+            <a:r>
+              <a:rPr lang="en-US" dirty="0" smtClean="0">
+                <a:latin typeface="Times New Roman" pitchFamily="18" charset="0"/>
+                <a:cs typeface="Times New Roman" pitchFamily="18" charset="0"/>
+              </a:rPr>
+              <a:t> </a:t>
+            </a:r>
+            <a:r>
+              <a:rPr lang="en-US" dirty="0" err="1" smtClean="0">
+                <a:latin typeface="Times New Roman" pitchFamily="18" charset="0"/>
+                <a:cs typeface="Times New Roman" pitchFamily="18" charset="0"/>
+              </a:rPr>
+              <a:t>được</a:t>
+            </a:r>
+            <a:r>
+              <a:rPr lang="en-US" dirty="0" smtClean="0">
+                <a:latin typeface="Times New Roman" pitchFamily="18" charset="0"/>
+                <a:cs typeface="Times New Roman" pitchFamily="18" charset="0"/>
+              </a:rPr>
+              <a:t> </a:t>
+            </a:r>
+            <a:r>
+              <a:rPr lang="en-US" dirty="0" err="1" smtClean="0">
+                <a:latin typeface="Times New Roman" pitchFamily="18" charset="0"/>
+                <a:cs typeface="Times New Roman" pitchFamily="18" charset="0"/>
+              </a:rPr>
+              <a:t>kết</a:t>
+            </a:r>
+            <a:r>
+              <a:rPr lang="en-US" dirty="0" smtClean="0">
+                <a:latin typeface="Times New Roman" pitchFamily="18" charset="0"/>
+                <a:cs typeface="Times New Roman" pitchFamily="18" charset="0"/>
+              </a:rPr>
+              <a:t> </a:t>
+            </a:r>
+            <a:r>
+              <a:rPr lang="en-US" dirty="0" err="1" smtClean="0">
+                <a:latin typeface="Times New Roman" pitchFamily="18" charset="0"/>
+                <a:cs typeface="Times New Roman" pitchFamily="18" charset="0"/>
+              </a:rPr>
+              <a:t>quả</a:t>
+            </a:r>
+            <a:r>
+              <a:rPr lang="en-US" dirty="0" smtClean="0">
+                <a:latin typeface="Times New Roman" pitchFamily="18" charset="0"/>
+                <a:cs typeface="Times New Roman" pitchFamily="18" charset="0"/>
+              </a:rPr>
+              <a:t> </a:t>
+            </a:r>
+            <a:r>
+              <a:rPr lang="en-US" dirty="0" err="1" smtClean="0">
+                <a:latin typeface="Times New Roman" pitchFamily="18" charset="0"/>
+                <a:cs typeface="Times New Roman" pitchFamily="18" charset="0"/>
+              </a:rPr>
+              <a:t>tối</a:t>
+            </a:r>
+            <a:r>
+              <a:rPr lang="en-US" dirty="0" smtClean="0">
+                <a:latin typeface="Times New Roman" pitchFamily="18" charset="0"/>
+                <a:cs typeface="Times New Roman" pitchFamily="18" charset="0"/>
+              </a:rPr>
+              <a:t> </a:t>
+            </a:r>
+            <a:r>
+              <a:rPr lang="en-US" dirty="0" err="1" smtClean="0">
+                <a:latin typeface="Times New Roman" pitchFamily="18" charset="0"/>
+                <a:cs typeface="Times New Roman" pitchFamily="18" charset="0"/>
+              </a:rPr>
+              <a:t>ưu</a:t>
+            </a:r>
+            <a:r>
+              <a:rPr lang="en-US" dirty="0" smtClean="0">
+                <a:latin typeface="Times New Roman" pitchFamily="18" charset="0"/>
+                <a:cs typeface="Times New Roman" pitchFamily="18" charset="0"/>
+              </a:rPr>
+              <a:t> </a:t>
+            </a:r>
+            <a:r>
+              <a:rPr lang="en-US" dirty="0" err="1" smtClean="0">
+                <a:latin typeface="Times New Roman" pitchFamily="18" charset="0"/>
+                <a:cs typeface="Times New Roman" pitchFamily="18" charset="0"/>
+              </a:rPr>
+              <a:t>để</a:t>
+            </a:r>
+            <a:r>
+              <a:rPr lang="en-US" dirty="0" smtClean="0">
+                <a:latin typeface="Times New Roman" pitchFamily="18" charset="0"/>
+                <a:cs typeface="Times New Roman" pitchFamily="18" charset="0"/>
+              </a:rPr>
+              <a:t> </a:t>
+            </a:r>
+            <a:r>
+              <a:rPr lang="en-US" dirty="0" err="1" smtClean="0">
+                <a:latin typeface="Times New Roman" pitchFamily="18" charset="0"/>
+                <a:cs typeface="Times New Roman" pitchFamily="18" charset="0"/>
+              </a:rPr>
+              <a:t>nhận</a:t>
+            </a:r>
+            <a:r>
+              <a:rPr lang="en-US" dirty="0" smtClean="0">
+                <a:latin typeface="Times New Roman" pitchFamily="18" charset="0"/>
+                <a:cs typeface="Times New Roman" pitchFamily="18" charset="0"/>
+              </a:rPr>
+              <a:t> </a:t>
+            </a:r>
+            <a:r>
+              <a:rPr lang="en-US" dirty="0" err="1" smtClean="0">
+                <a:latin typeface="Times New Roman" pitchFamily="18" charset="0"/>
+                <a:cs typeface="Times New Roman" pitchFamily="18" charset="0"/>
+              </a:rPr>
+              <a:t>dạng</a:t>
+            </a:r>
+            <a:r>
+              <a:rPr lang="en-US" dirty="0" smtClean="0">
+                <a:latin typeface="Times New Roman" pitchFamily="18" charset="0"/>
+                <a:cs typeface="Times New Roman" pitchFamily="18" charset="0"/>
+              </a:rPr>
+              <a:t> </a:t>
+            </a:r>
+            <a:r>
+              <a:rPr lang="en-US" dirty="0" err="1" smtClean="0">
+                <a:latin typeface="Times New Roman" pitchFamily="18" charset="0"/>
+                <a:cs typeface="Times New Roman" pitchFamily="18" charset="0"/>
+              </a:rPr>
+              <a:t>ký</a:t>
+            </a:r>
+            <a:r>
+              <a:rPr lang="en-US" dirty="0" smtClean="0">
+                <a:latin typeface="Times New Roman" pitchFamily="18" charset="0"/>
+                <a:cs typeface="Times New Roman" pitchFamily="18" charset="0"/>
+              </a:rPr>
+              <a:t> </a:t>
+            </a:r>
+            <a:r>
+              <a:rPr lang="en-US" dirty="0" err="1" smtClean="0">
+                <a:latin typeface="Times New Roman" pitchFamily="18" charset="0"/>
+                <a:cs typeface="Times New Roman" pitchFamily="18" charset="0"/>
+              </a:rPr>
+              <a:t>tự</a:t>
+            </a:r>
+            <a:r>
+              <a:rPr lang="en-US" dirty="0" smtClean="0">
+                <a:latin typeface="Times New Roman" pitchFamily="18" charset="0"/>
+                <a:cs typeface="Times New Roman" pitchFamily="18" charset="0"/>
+              </a:rPr>
+              <a:t> </a:t>
+            </a:r>
+            <a:r>
+              <a:rPr lang="en-US" dirty="0" err="1" smtClean="0">
+                <a:latin typeface="Times New Roman" pitchFamily="18" charset="0"/>
+                <a:cs typeface="Times New Roman" pitchFamily="18" charset="0"/>
+              </a:rPr>
+              <a:t>quang</a:t>
+            </a:r>
+            <a:r>
+              <a:rPr lang="en-US" dirty="0" smtClean="0">
+                <a:latin typeface="Times New Roman" pitchFamily="18" charset="0"/>
+                <a:cs typeface="Times New Roman" pitchFamily="18" charset="0"/>
+              </a:rPr>
+              <a:t> </a:t>
+            </a:r>
+            <a:r>
+              <a:rPr lang="en-US" dirty="0" err="1" smtClean="0">
+                <a:latin typeface="Times New Roman" pitchFamily="18" charset="0"/>
+                <a:cs typeface="Times New Roman" pitchFamily="18" charset="0"/>
+              </a:rPr>
+              <a:t>học</a:t>
+            </a:r>
+            <a:r>
+              <a:rPr lang="en-US" dirty="0" smtClean="0">
+                <a:latin typeface="Times New Roman" pitchFamily="18" charset="0"/>
+                <a:cs typeface="Times New Roman" pitchFamily="18" charset="0"/>
+              </a:rPr>
+              <a:t>.</a:t>
+            </a:r>
+          </a:p>
+          <a:p>
+            <a:pPr marL="285750" indent="-285750">
+              <a:buFont typeface="Arial" pitchFamily="34" charset="0"/>
+              <a:buChar char="•"/>
+            </a:pPr>
+            <a:r>
+              <a:rPr lang="en-US" dirty="0" err="1" smtClean="0">
+                <a:latin typeface="Times New Roman" pitchFamily="18" charset="0"/>
+                <a:cs typeface="Times New Roman" pitchFamily="18" charset="0"/>
+              </a:rPr>
+              <a:t>Trong</a:t>
+            </a:r>
+            <a:r>
+              <a:rPr lang="en-US" dirty="0" smtClean="0">
+                <a:latin typeface="Times New Roman" pitchFamily="18" charset="0"/>
+                <a:cs typeface="Times New Roman" pitchFamily="18" charset="0"/>
+              </a:rPr>
+              <a:t> </a:t>
+            </a:r>
+            <a:r>
+              <a:rPr lang="en-US" dirty="0" err="1" smtClean="0">
+                <a:latin typeface="Times New Roman" pitchFamily="18" charset="0"/>
+                <a:cs typeface="Times New Roman" pitchFamily="18" charset="0"/>
+              </a:rPr>
+              <a:t>quá</a:t>
+            </a:r>
+            <a:r>
+              <a:rPr lang="en-US" dirty="0" smtClean="0">
+                <a:latin typeface="Times New Roman" pitchFamily="18" charset="0"/>
+                <a:cs typeface="Times New Roman" pitchFamily="18" charset="0"/>
+              </a:rPr>
+              <a:t> </a:t>
+            </a:r>
+            <a:r>
+              <a:rPr lang="en-US" dirty="0" err="1" smtClean="0">
+                <a:latin typeface="Times New Roman" pitchFamily="18" charset="0"/>
+                <a:cs typeface="Times New Roman" pitchFamily="18" charset="0"/>
+              </a:rPr>
+              <a:t>trình</a:t>
+            </a:r>
+            <a:r>
+              <a:rPr lang="en-US" dirty="0" smtClean="0">
+                <a:latin typeface="Times New Roman" pitchFamily="18" charset="0"/>
+                <a:cs typeface="Times New Roman" pitchFamily="18" charset="0"/>
+              </a:rPr>
+              <a:t> </a:t>
+            </a:r>
+            <a:r>
+              <a:rPr lang="en-US" dirty="0" err="1" smtClean="0">
+                <a:latin typeface="Times New Roman" pitchFamily="18" charset="0"/>
+                <a:cs typeface="Times New Roman" pitchFamily="18" charset="0"/>
+              </a:rPr>
+              <a:t>xử</a:t>
+            </a:r>
+            <a:r>
+              <a:rPr lang="en-US" dirty="0" smtClean="0">
+                <a:latin typeface="Times New Roman" pitchFamily="18" charset="0"/>
+                <a:cs typeface="Times New Roman" pitchFamily="18" charset="0"/>
+              </a:rPr>
+              <a:t> </a:t>
+            </a:r>
+            <a:r>
+              <a:rPr lang="en-US" dirty="0" err="1" smtClean="0">
+                <a:latin typeface="Times New Roman" pitchFamily="18" charset="0"/>
+                <a:cs typeface="Times New Roman" pitchFamily="18" charset="0"/>
+              </a:rPr>
+              <a:t>lý</a:t>
+            </a:r>
+            <a:r>
+              <a:rPr lang="en-US" dirty="0" smtClean="0">
+                <a:latin typeface="Times New Roman" pitchFamily="18" charset="0"/>
+                <a:cs typeface="Times New Roman" pitchFamily="18" charset="0"/>
+              </a:rPr>
+              <a:t> </a:t>
+            </a:r>
+            <a:r>
+              <a:rPr lang="en-US" dirty="0" err="1" smtClean="0">
+                <a:latin typeface="Times New Roman" pitchFamily="18" charset="0"/>
+                <a:cs typeface="Times New Roman" pitchFamily="18" charset="0"/>
+              </a:rPr>
+              <a:t>hình</a:t>
+            </a:r>
+            <a:r>
+              <a:rPr lang="en-US" dirty="0" smtClean="0">
+                <a:latin typeface="Times New Roman" pitchFamily="18" charset="0"/>
+                <a:cs typeface="Times New Roman" pitchFamily="18" charset="0"/>
+              </a:rPr>
+              <a:t> </a:t>
+            </a:r>
+            <a:r>
+              <a:rPr lang="en-US" dirty="0" err="1" smtClean="0">
+                <a:latin typeface="Times New Roman" pitchFamily="18" charset="0"/>
+                <a:cs typeface="Times New Roman" pitchFamily="18" charset="0"/>
+              </a:rPr>
+              <a:t>ảnh</a:t>
+            </a:r>
+            <a:r>
+              <a:rPr lang="en-US" dirty="0" smtClean="0">
+                <a:latin typeface="Times New Roman" pitchFamily="18" charset="0"/>
+                <a:cs typeface="Times New Roman" pitchFamily="18" charset="0"/>
+              </a:rPr>
+              <a:t> </a:t>
+            </a:r>
+            <a:r>
+              <a:rPr lang="en-US" dirty="0" err="1" smtClean="0">
+                <a:latin typeface="Times New Roman" pitchFamily="18" charset="0"/>
+                <a:cs typeface="Times New Roman" pitchFamily="18" charset="0"/>
+              </a:rPr>
+              <a:t>khi</a:t>
+            </a:r>
+            <a:r>
+              <a:rPr lang="en-US" dirty="0" smtClean="0">
+                <a:latin typeface="Times New Roman" pitchFamily="18" charset="0"/>
+                <a:cs typeface="Times New Roman" pitchFamily="18" charset="0"/>
+              </a:rPr>
+              <a:t> </a:t>
+            </a:r>
+            <a:r>
+              <a:rPr lang="en-US" dirty="0" err="1" smtClean="0">
+                <a:latin typeface="Times New Roman" pitchFamily="18" charset="0"/>
+                <a:cs typeface="Times New Roman" pitchFamily="18" charset="0"/>
+              </a:rPr>
+              <a:t>tác</a:t>
+            </a:r>
+            <a:r>
+              <a:rPr lang="en-US" dirty="0" smtClean="0">
+                <a:latin typeface="Times New Roman" pitchFamily="18" charset="0"/>
+                <a:cs typeface="Times New Roman" pitchFamily="18" charset="0"/>
+              </a:rPr>
+              <a:t> </a:t>
+            </a:r>
+            <a:r>
+              <a:rPr lang="en-US" dirty="0" err="1" smtClean="0">
+                <a:latin typeface="Times New Roman" pitchFamily="18" charset="0"/>
+                <a:cs typeface="Times New Roman" pitchFamily="18" charset="0"/>
+              </a:rPr>
+              <a:t>giả</a:t>
+            </a:r>
+            <a:r>
+              <a:rPr lang="en-US" dirty="0" smtClean="0">
+                <a:latin typeface="Times New Roman" pitchFamily="18" charset="0"/>
+                <a:cs typeface="Times New Roman" pitchFamily="18" charset="0"/>
+              </a:rPr>
+              <a:t> </a:t>
+            </a:r>
+            <a:r>
+              <a:rPr lang="en-US" dirty="0" err="1" smtClean="0">
+                <a:latin typeface="Times New Roman" pitchFamily="18" charset="0"/>
+                <a:cs typeface="Times New Roman" pitchFamily="18" charset="0"/>
+              </a:rPr>
+              <a:t>áp</a:t>
+            </a:r>
+            <a:r>
+              <a:rPr lang="en-US" dirty="0" smtClean="0">
+                <a:latin typeface="Times New Roman" pitchFamily="18" charset="0"/>
+                <a:cs typeface="Times New Roman" pitchFamily="18" charset="0"/>
+              </a:rPr>
+              <a:t> </a:t>
+            </a:r>
+            <a:r>
+              <a:rPr lang="en-US" dirty="0" err="1" smtClean="0">
+                <a:latin typeface="Times New Roman" pitchFamily="18" charset="0"/>
+                <a:cs typeface="Times New Roman" pitchFamily="18" charset="0"/>
+              </a:rPr>
+              <a:t>dụng</a:t>
+            </a:r>
+            <a:r>
+              <a:rPr lang="en-US" dirty="0" smtClean="0">
+                <a:latin typeface="Times New Roman" pitchFamily="18" charset="0"/>
+                <a:cs typeface="Times New Roman" pitchFamily="18" charset="0"/>
+              </a:rPr>
+              <a:t> </a:t>
+            </a:r>
+            <a:r>
+              <a:rPr lang="en-US" dirty="0" err="1" smtClean="0">
+                <a:latin typeface="Times New Roman" pitchFamily="18" charset="0"/>
+                <a:cs typeface="Times New Roman" pitchFamily="18" charset="0"/>
+              </a:rPr>
+              <a:t>các</a:t>
+            </a:r>
+            <a:r>
+              <a:rPr lang="en-US" dirty="0" smtClean="0">
+                <a:latin typeface="Times New Roman" pitchFamily="18" charset="0"/>
+                <a:cs typeface="Times New Roman" pitchFamily="18" charset="0"/>
+              </a:rPr>
+              <a:t> </a:t>
+            </a:r>
+            <a:r>
+              <a:rPr lang="en-US" dirty="0" err="1" smtClean="0">
+                <a:latin typeface="Times New Roman" pitchFamily="18" charset="0"/>
+                <a:cs typeface="Times New Roman" pitchFamily="18" charset="0"/>
+              </a:rPr>
+              <a:t>kỹ</a:t>
+            </a:r>
+            <a:r>
+              <a:rPr lang="en-US" dirty="0" smtClean="0">
+                <a:latin typeface="Times New Roman" pitchFamily="18" charset="0"/>
+                <a:cs typeface="Times New Roman" pitchFamily="18" charset="0"/>
+              </a:rPr>
+              <a:t> </a:t>
+            </a:r>
+            <a:r>
+              <a:rPr lang="en-US" dirty="0" err="1" smtClean="0">
+                <a:latin typeface="Times New Roman" pitchFamily="18" charset="0"/>
+                <a:cs typeface="Times New Roman" pitchFamily="18" charset="0"/>
+              </a:rPr>
+              <a:t>thuật</a:t>
+            </a:r>
+            <a:r>
+              <a:rPr lang="en-US" dirty="0" smtClean="0">
+                <a:latin typeface="Times New Roman" pitchFamily="18" charset="0"/>
+                <a:cs typeface="Times New Roman" pitchFamily="18" charset="0"/>
+              </a:rPr>
+              <a:t> </a:t>
+            </a:r>
+            <a:r>
+              <a:rPr lang="en-US" dirty="0" err="1" smtClean="0">
+                <a:latin typeface="Times New Roman" pitchFamily="18" charset="0"/>
+                <a:cs typeface="Times New Roman" pitchFamily="18" charset="0"/>
+              </a:rPr>
+              <a:t>khác</a:t>
+            </a:r>
+            <a:r>
+              <a:rPr lang="en-US" dirty="0" smtClean="0">
+                <a:latin typeface="Times New Roman" pitchFamily="18" charset="0"/>
+                <a:cs typeface="Times New Roman" pitchFamily="18" charset="0"/>
+              </a:rPr>
+              <a:t> </a:t>
+            </a:r>
+            <a:r>
+              <a:rPr lang="en-US" dirty="0" err="1" smtClean="0">
+                <a:latin typeface="Times New Roman" pitchFamily="18" charset="0"/>
+                <a:cs typeface="Times New Roman" pitchFamily="18" charset="0"/>
+              </a:rPr>
+              <a:t>nhau</a:t>
+            </a:r>
+            <a:r>
+              <a:rPr lang="en-US" dirty="0" smtClean="0">
+                <a:latin typeface="Times New Roman" pitchFamily="18" charset="0"/>
+                <a:cs typeface="Times New Roman" pitchFamily="18" charset="0"/>
+              </a:rPr>
+              <a:t> </a:t>
+            </a:r>
+            <a:r>
+              <a:rPr lang="en-US" dirty="0" err="1" smtClean="0">
+                <a:latin typeface="Times New Roman" pitchFamily="18" charset="0"/>
+                <a:cs typeface="Times New Roman" pitchFamily="18" charset="0"/>
+              </a:rPr>
+              <a:t>để</a:t>
+            </a:r>
+            <a:r>
+              <a:rPr lang="en-US" dirty="0" smtClean="0">
+                <a:latin typeface="Times New Roman" pitchFamily="18" charset="0"/>
+                <a:cs typeface="Times New Roman" pitchFamily="18" charset="0"/>
+              </a:rPr>
+              <a:t> </a:t>
+            </a:r>
+            <a:r>
+              <a:rPr lang="en-US" dirty="0" err="1" smtClean="0">
+                <a:latin typeface="Times New Roman" pitchFamily="18" charset="0"/>
+                <a:cs typeface="Times New Roman" pitchFamily="18" charset="0"/>
+              </a:rPr>
+              <a:t>loại</a:t>
+            </a:r>
+            <a:r>
+              <a:rPr lang="en-US" dirty="0" smtClean="0">
+                <a:latin typeface="Times New Roman" pitchFamily="18" charset="0"/>
+                <a:cs typeface="Times New Roman" pitchFamily="18" charset="0"/>
+              </a:rPr>
+              <a:t> </a:t>
+            </a:r>
+            <a:r>
+              <a:rPr lang="en-US" dirty="0" err="1" smtClean="0">
+                <a:latin typeface="Times New Roman" pitchFamily="18" charset="0"/>
+                <a:cs typeface="Times New Roman" pitchFamily="18" charset="0"/>
+              </a:rPr>
+              <a:t>bỏ</a:t>
+            </a:r>
+            <a:r>
+              <a:rPr lang="en-US" dirty="0" smtClean="0">
+                <a:latin typeface="Times New Roman" pitchFamily="18" charset="0"/>
+                <a:cs typeface="Times New Roman" pitchFamily="18" charset="0"/>
+              </a:rPr>
+              <a:t> </a:t>
+            </a:r>
+            <a:r>
+              <a:rPr lang="en-US" dirty="0" err="1" smtClean="0">
+                <a:latin typeface="Times New Roman" pitchFamily="18" charset="0"/>
+                <a:cs typeface="Times New Roman" pitchFamily="18" charset="0"/>
+              </a:rPr>
+              <a:t>đồ</a:t>
+            </a:r>
+            <a:r>
+              <a:rPr lang="en-US" dirty="0" smtClean="0">
+                <a:latin typeface="Times New Roman" pitchFamily="18" charset="0"/>
+                <a:cs typeface="Times New Roman" pitchFamily="18" charset="0"/>
+              </a:rPr>
+              <a:t> </a:t>
+            </a:r>
+            <a:r>
+              <a:rPr lang="en-US" dirty="0" err="1" smtClean="0">
+                <a:latin typeface="Times New Roman" pitchFamily="18" charset="0"/>
+                <a:cs typeface="Times New Roman" pitchFamily="18" charset="0"/>
+              </a:rPr>
+              <a:t>họa</a:t>
+            </a:r>
+            <a:r>
+              <a:rPr lang="en-US" dirty="0" smtClean="0">
+                <a:latin typeface="Times New Roman" pitchFamily="18" charset="0"/>
+                <a:cs typeface="Times New Roman" pitchFamily="18" charset="0"/>
+              </a:rPr>
+              <a:t>, </a:t>
+            </a:r>
+            <a:r>
+              <a:rPr lang="en-US" dirty="0" err="1" smtClean="0">
+                <a:latin typeface="Times New Roman" pitchFamily="18" charset="0"/>
+                <a:cs typeface="Times New Roman" pitchFamily="18" charset="0"/>
+              </a:rPr>
+              <a:t>văn</a:t>
+            </a:r>
+            <a:r>
+              <a:rPr lang="en-US" dirty="0" smtClean="0">
+                <a:latin typeface="Times New Roman" pitchFamily="18" charset="0"/>
+                <a:cs typeface="Times New Roman" pitchFamily="18" charset="0"/>
+              </a:rPr>
+              <a:t> </a:t>
+            </a:r>
+            <a:r>
+              <a:rPr lang="en-US" dirty="0" err="1" smtClean="0">
+                <a:latin typeface="Times New Roman" pitchFamily="18" charset="0"/>
+                <a:cs typeface="Times New Roman" pitchFamily="18" charset="0"/>
+              </a:rPr>
+              <a:t>bản</a:t>
+            </a:r>
+            <a:r>
+              <a:rPr lang="en-US" dirty="0" smtClean="0">
+                <a:latin typeface="Times New Roman" pitchFamily="18" charset="0"/>
+                <a:cs typeface="Times New Roman" pitchFamily="18" charset="0"/>
+              </a:rPr>
+              <a:t> </a:t>
+            </a:r>
+            <a:r>
+              <a:rPr lang="en-US" dirty="0" err="1" smtClean="0">
+                <a:latin typeface="Times New Roman" pitchFamily="18" charset="0"/>
+                <a:cs typeface="Times New Roman" pitchFamily="18" charset="0"/>
+              </a:rPr>
+              <a:t>không</a:t>
+            </a:r>
+            <a:r>
+              <a:rPr lang="en-US" dirty="0" smtClean="0">
+                <a:latin typeface="Times New Roman" pitchFamily="18" charset="0"/>
+                <a:cs typeface="Times New Roman" pitchFamily="18" charset="0"/>
+              </a:rPr>
+              <a:t> </a:t>
+            </a:r>
+            <a:r>
+              <a:rPr lang="en-US" dirty="0" err="1" smtClean="0">
+                <a:latin typeface="Times New Roman" pitchFamily="18" charset="0"/>
+                <a:cs typeface="Times New Roman" pitchFamily="18" charset="0"/>
+              </a:rPr>
+              <a:t>mong</a:t>
+            </a:r>
+            <a:r>
+              <a:rPr lang="en-US" dirty="0" smtClean="0">
+                <a:latin typeface="Times New Roman" pitchFamily="18" charset="0"/>
+                <a:cs typeface="Times New Roman" pitchFamily="18" charset="0"/>
+              </a:rPr>
+              <a:t> </a:t>
+            </a:r>
+            <a:r>
+              <a:rPr lang="en-US" dirty="0" err="1" smtClean="0">
+                <a:latin typeface="Times New Roman" pitchFamily="18" charset="0"/>
+                <a:cs typeface="Times New Roman" pitchFamily="18" charset="0"/>
+              </a:rPr>
+              <a:t>muốn</a:t>
+            </a:r>
+            <a:r>
+              <a:rPr lang="en-US" dirty="0" smtClean="0">
+                <a:latin typeface="Times New Roman" pitchFamily="18" charset="0"/>
+                <a:cs typeface="Times New Roman" pitchFamily="18" charset="0"/>
+              </a:rPr>
+              <a:t> </a:t>
+            </a:r>
+            <a:r>
+              <a:rPr lang="en-US" dirty="0" err="1" smtClean="0">
+                <a:latin typeface="Times New Roman" pitchFamily="18" charset="0"/>
+                <a:cs typeface="Times New Roman" pitchFamily="18" charset="0"/>
+              </a:rPr>
+              <a:t>thì</a:t>
+            </a:r>
+            <a:r>
+              <a:rPr lang="en-US" dirty="0" smtClean="0">
+                <a:latin typeface="Times New Roman" pitchFamily="18" charset="0"/>
+                <a:cs typeface="Times New Roman" pitchFamily="18" charset="0"/>
+              </a:rPr>
+              <a:t> </a:t>
+            </a:r>
+            <a:r>
+              <a:rPr lang="en-US" dirty="0" err="1" smtClean="0">
+                <a:latin typeface="Times New Roman" pitchFamily="18" charset="0"/>
+                <a:cs typeface="Times New Roman" pitchFamily="18" charset="0"/>
+              </a:rPr>
+              <a:t>tính</a:t>
+            </a:r>
+            <a:r>
+              <a:rPr lang="en-US" dirty="0" smtClean="0">
+                <a:latin typeface="Times New Roman" pitchFamily="18" charset="0"/>
+                <a:cs typeface="Times New Roman" pitchFamily="18" charset="0"/>
+              </a:rPr>
+              <a:t> </a:t>
+            </a:r>
+            <a:r>
+              <a:rPr lang="en-US" dirty="0" err="1" smtClean="0">
+                <a:latin typeface="Times New Roman" pitchFamily="18" charset="0"/>
+                <a:cs typeface="Times New Roman" pitchFamily="18" charset="0"/>
+              </a:rPr>
+              <a:t>chính</a:t>
+            </a:r>
+            <a:r>
+              <a:rPr lang="en-US" dirty="0" smtClean="0">
+                <a:latin typeface="Times New Roman" pitchFamily="18" charset="0"/>
+                <a:cs typeface="Times New Roman" pitchFamily="18" charset="0"/>
+              </a:rPr>
+              <a:t> </a:t>
+            </a:r>
+            <a:r>
+              <a:rPr lang="en-US" dirty="0" err="1" smtClean="0">
+                <a:latin typeface="Times New Roman" pitchFamily="18" charset="0"/>
+                <a:cs typeface="Times New Roman" pitchFamily="18" charset="0"/>
+              </a:rPr>
+              <a:t>xác</a:t>
+            </a:r>
+            <a:r>
+              <a:rPr lang="en-US" dirty="0" smtClean="0">
+                <a:latin typeface="Times New Roman" pitchFamily="18" charset="0"/>
+                <a:cs typeface="Times New Roman" pitchFamily="18" charset="0"/>
+              </a:rPr>
+              <a:t> </a:t>
+            </a:r>
+            <a:r>
+              <a:rPr lang="en-US" dirty="0" err="1" smtClean="0">
+                <a:latin typeface="Times New Roman" pitchFamily="18" charset="0"/>
+                <a:cs typeface="Times New Roman" pitchFamily="18" charset="0"/>
+              </a:rPr>
+              <a:t>của</a:t>
+            </a:r>
+            <a:r>
+              <a:rPr lang="en-US" dirty="0" smtClean="0">
+                <a:latin typeface="Times New Roman" pitchFamily="18" charset="0"/>
+                <a:cs typeface="Times New Roman" pitchFamily="18" charset="0"/>
+              </a:rPr>
+              <a:t> </a:t>
+            </a:r>
+            <a:r>
+              <a:rPr lang="en-US" dirty="0" err="1" smtClean="0">
+                <a:latin typeface="Times New Roman" pitchFamily="18" charset="0"/>
+                <a:cs typeface="Times New Roman" pitchFamily="18" charset="0"/>
+              </a:rPr>
+              <a:t>nhận</a:t>
+            </a:r>
+            <a:r>
+              <a:rPr lang="en-US" dirty="0" smtClean="0">
+                <a:latin typeface="Times New Roman" pitchFamily="18" charset="0"/>
+                <a:cs typeface="Times New Roman" pitchFamily="18" charset="0"/>
+              </a:rPr>
+              <a:t> </a:t>
+            </a:r>
+            <a:r>
+              <a:rPr lang="en-US" dirty="0" err="1" smtClean="0">
+                <a:latin typeface="Times New Roman" pitchFamily="18" charset="0"/>
+                <a:cs typeface="Times New Roman" pitchFamily="18" charset="0"/>
+              </a:rPr>
+              <a:t>dạng</a:t>
+            </a:r>
+            <a:r>
+              <a:rPr lang="en-US" dirty="0" smtClean="0">
+                <a:latin typeface="Times New Roman" pitchFamily="18" charset="0"/>
+                <a:cs typeface="Times New Roman" pitchFamily="18" charset="0"/>
+              </a:rPr>
+              <a:t> </a:t>
+            </a:r>
+            <a:r>
+              <a:rPr lang="en-US" dirty="0" err="1" smtClean="0">
+                <a:latin typeface="Times New Roman" pitchFamily="18" charset="0"/>
+                <a:cs typeface="Times New Roman" pitchFamily="18" charset="0"/>
+              </a:rPr>
+              <a:t>ký</a:t>
+            </a:r>
+            <a:r>
+              <a:rPr lang="en-US" dirty="0" smtClean="0">
+                <a:latin typeface="Times New Roman" pitchFamily="18" charset="0"/>
+                <a:cs typeface="Times New Roman" pitchFamily="18" charset="0"/>
+              </a:rPr>
+              <a:t> </a:t>
+            </a:r>
+            <a:r>
+              <a:rPr lang="en-US" dirty="0" err="1" smtClean="0">
+                <a:latin typeface="Times New Roman" pitchFamily="18" charset="0"/>
+                <a:cs typeface="Times New Roman" pitchFamily="18" charset="0"/>
+              </a:rPr>
+              <a:t>tự</a:t>
+            </a:r>
+            <a:r>
+              <a:rPr lang="en-US" dirty="0" smtClean="0">
+                <a:latin typeface="Times New Roman" pitchFamily="18" charset="0"/>
+                <a:cs typeface="Times New Roman" pitchFamily="18" charset="0"/>
+              </a:rPr>
+              <a:t> </a:t>
+            </a:r>
+            <a:r>
+              <a:rPr lang="en-US" dirty="0" err="1" smtClean="0">
+                <a:latin typeface="Times New Roman" pitchFamily="18" charset="0"/>
+                <a:cs typeface="Times New Roman" pitchFamily="18" charset="0"/>
+              </a:rPr>
+              <a:t>sẽ</a:t>
+            </a:r>
+            <a:r>
+              <a:rPr lang="en-US" dirty="0" smtClean="0">
+                <a:latin typeface="Times New Roman" pitchFamily="18" charset="0"/>
+                <a:cs typeface="Times New Roman" pitchFamily="18" charset="0"/>
+              </a:rPr>
+              <a:t> </a:t>
+            </a:r>
+            <a:r>
+              <a:rPr lang="en-US" dirty="0" err="1" smtClean="0">
+                <a:latin typeface="Times New Roman" pitchFamily="18" charset="0"/>
+                <a:cs typeface="Times New Roman" pitchFamily="18" charset="0"/>
+              </a:rPr>
+              <a:t>được</a:t>
+            </a:r>
+            <a:r>
+              <a:rPr lang="en-US" dirty="0" smtClean="0">
+                <a:latin typeface="Times New Roman" pitchFamily="18" charset="0"/>
+                <a:cs typeface="Times New Roman" pitchFamily="18" charset="0"/>
+              </a:rPr>
+              <a:t> </a:t>
+            </a:r>
+            <a:r>
+              <a:rPr lang="en-US" dirty="0" err="1" smtClean="0">
+                <a:latin typeface="Times New Roman" pitchFamily="18" charset="0"/>
+                <a:cs typeface="Times New Roman" pitchFamily="18" charset="0"/>
+              </a:rPr>
+              <a:t>tăng</a:t>
+            </a:r>
+            <a:r>
+              <a:rPr lang="en-US" dirty="0" smtClean="0">
+                <a:latin typeface="Times New Roman" pitchFamily="18" charset="0"/>
+                <a:cs typeface="Times New Roman" pitchFamily="18" charset="0"/>
+              </a:rPr>
+              <a:t> </a:t>
+            </a:r>
+            <a:r>
+              <a:rPr lang="en-US" dirty="0" err="1" smtClean="0">
+                <a:latin typeface="Times New Roman" pitchFamily="18" charset="0"/>
+                <a:cs typeface="Times New Roman" pitchFamily="18" charset="0"/>
+              </a:rPr>
+              <a:t>lên</a:t>
+            </a:r>
+            <a:endParaRPr lang="en-US" dirty="0">
+              <a:latin typeface="Times New Roman" pitchFamily="18" charset="0"/>
+              <a:cs typeface="Times New Roman" pitchFamily="18" charset="0"/>
+            </a:endParaRPr>
+          </a:p>
+        </p:txBody>
+      </p:sp>
+      <p:pic>
+        <p:nvPicPr>
+          <p:cNvPr id="2050" name="Picture 2"/>
+          <p:cNvPicPr>
+            <a:picLocks noChangeAspect="1" noChangeArrowheads="1"/>
+          </p:cNvPicPr>
+          <p:nvPr/>
+        </p:nvPicPr>
+        <p:blipFill>
+          <a:blip r:embed="rId2">
+            <a:extLst>
+              <a:ext uri="{28A0092B-C50C-407E-A947-70E740481C1C}">
+                <a14:useLocalDpi xmlns:a14="http://schemas.microsoft.com/office/drawing/2010/main" val="0"/>
+              </a:ext>
+            </a:extLst>
+          </a:blip>
+          <a:srcRect/>
+          <a:stretch>
+            <a:fillRect/>
+          </a:stretch>
+        </p:blipFill>
+        <p:spPr bwMode="auto">
+          <a:xfrm>
+            <a:off x="2247900" y="2753891"/>
+            <a:ext cx="4914900" cy="3747644"/>
+          </a:xfrm>
+          <a:prstGeom prst="rect">
+            <a:avLst/>
+          </a:prstGeom>
+          <a:noFill/>
+          <a:ln>
+            <a:noFill/>
+          </a:ln>
+          <a:effectLst/>
+          <a:extLst>
+            <a:ext uri="{909E8E84-426E-40DD-AFC4-6F175D3DCCD1}">
+              <a14:hiddenFill xmlns:a14="http://schemas.microsoft.com/office/drawing/2010/main">
+                <a:solidFill>
+                  <a:schemeClr val="accent1"/>
+                </a:solidFill>
+              </a14:hiddenFill>
+            </a:ext>
+            <a:ext uri="{91240B29-F687-4F45-9708-019B960494DF}">
+              <a14:hiddenLine xmlns:a14="http://schemas.microsoft.com/office/drawing/2010/main" w="9525">
+                <a:solidFill>
+                  <a:schemeClr val="tx1"/>
+                </a:solidFill>
+                <a:miter lim="800000"/>
+                <a:headEnd/>
+                <a:tailEnd/>
+              </a14:hiddenLine>
+            </a:ext>
+            <a:ext uri="{AF507438-7753-43E0-B8FC-AC1667EBCBE1}">
+              <a14:hiddenEffects xmlns:a14="http://schemas.microsoft.com/office/drawing/2010/main">
+                <a:effectLst>
+                  <a:outerShdw dist="35921" dir="2700000" algn="ctr" rotWithShape="0">
+                    <a:schemeClr val="bg2"/>
+                  </a:outerShdw>
+                </a:effectLst>
+              </a14:hiddenEffects>
+            </a:ext>
+          </a:extLst>
+        </p:spPr>
+      </p:pic>
+    </p:spTree>
+    <p:extLst>
+      <p:ext uri="{BB962C8B-B14F-4D97-AF65-F5344CB8AC3E}">
+        <p14:creationId xmlns:p14="http://schemas.microsoft.com/office/powerpoint/2010/main" val="2804979642"/>
+      </p:ext>
+    </p:extLst>
+  </p:cSld>
+  <p:clrMapOvr>
+    <a:masterClrMapping/>
+  </p:clrMapOvr>
+  <p:timing>
+    <p:tnLst>
+      <p:par>
+        <p:cTn id="1" dur="indefinite" restart="never" nodeType="tmRoot"/>
+      </p:par>
+    </p:tnLst>
+  </p:timing>
+</p:sld>
+</file>
+
+<file path=ppt/slides/slide14.xml><?xml version="1.0" encoding="utf-8"?>
+<p:sld xmlns:a="http://schemas.openxmlformats.org/drawingml/2006/main" xmlns:r="http://schemas.openxmlformats.org/officeDocument/2006/relationships" xmlns:p="http://schemas.openxmlformats.org/presentationml/2006/main">
+  <p:cSld>
+    <p:spTree>
+      <p:nvGrpSpPr>
+        <p:cNvPr id="1" name=""/>
+        <p:cNvGrpSpPr/>
+        <p:nvPr/>
+      </p:nvGrpSpPr>
+      <p:grpSpPr>
+        <a:xfrm>
+          <a:off x="0" y="0"/>
+          <a:ext cx="0" cy="0"/>
+          <a:chOff x="0" y="0"/>
+          <a:chExt cx="0" cy="0"/>
+        </a:xfrm>
+      </p:grpSpPr>
+      <p:pic>
+        <p:nvPicPr>
+          <p:cNvPr id="3075" name="Picture 3"/>
+          <p:cNvPicPr>
+            <a:picLocks noChangeAspect="1" noChangeArrowheads="1"/>
+          </p:cNvPicPr>
+          <p:nvPr/>
+        </p:nvPicPr>
+        <p:blipFill>
+          <a:blip r:embed="rId2">
+            <a:extLst>
+              <a:ext uri="{28A0092B-C50C-407E-A947-70E740481C1C}">
+                <a14:useLocalDpi xmlns:a14="http://schemas.microsoft.com/office/drawing/2010/main" val="0"/>
+              </a:ext>
+            </a:extLst>
+          </a:blip>
+          <a:srcRect/>
+          <a:stretch>
+            <a:fillRect/>
+          </a:stretch>
+        </p:blipFill>
+        <p:spPr bwMode="auto">
+          <a:xfrm>
+            <a:off x="1371600" y="1905000"/>
+            <a:ext cx="6115050" cy="4095750"/>
+          </a:xfrm>
+          <a:prstGeom prst="rect">
+            <a:avLst/>
+          </a:prstGeom>
+          <a:noFill/>
+          <a:ln>
+            <a:noFill/>
+          </a:ln>
+          <a:effectLst/>
+          <a:extLst>
+            <a:ext uri="{909E8E84-426E-40DD-AFC4-6F175D3DCCD1}">
+              <a14:hiddenFill xmlns:a14="http://schemas.microsoft.com/office/drawing/2010/main">
+                <a:solidFill>
+                  <a:schemeClr val="accent1"/>
+                </a:solidFill>
+              </a14:hiddenFill>
+            </a:ext>
+            <a:ext uri="{91240B29-F687-4F45-9708-019B960494DF}">
+              <a14:hiddenLine xmlns:a14="http://schemas.microsoft.com/office/drawing/2010/main" w="9525">
+                <a:solidFill>
+                  <a:schemeClr val="tx1"/>
+                </a:solidFill>
+                <a:miter lim="800000"/>
+                <a:headEnd/>
+                <a:tailEnd/>
+              </a14:hiddenLine>
+            </a:ext>
+            <a:ext uri="{AF507438-7753-43E0-B8FC-AC1667EBCBE1}">
+              <a14:hiddenEffects xmlns:a14="http://schemas.microsoft.com/office/drawing/2010/main">
+                <a:effectLst>
+                  <a:outerShdw dist="35921" dir="2700000" algn="ctr" rotWithShape="0">
+                    <a:schemeClr val="bg2"/>
+                  </a:outerShdw>
+                </a:effectLst>
+              </a14:hiddenEffects>
+            </a:ext>
+          </a:extLst>
+        </p:spPr>
+      </p:pic>
+      <p:sp>
+        <p:nvSpPr>
+          <p:cNvPr id="4" name="TextBox 3"/>
+          <p:cNvSpPr txBox="1"/>
+          <p:nvPr/>
+        </p:nvSpPr>
+        <p:spPr>
+          <a:xfrm>
+            <a:off x="685800" y="381000"/>
+            <a:ext cx="7696200" cy="1200329"/>
+          </a:xfrm>
+          <a:prstGeom prst="rect">
+            <a:avLst/>
+          </a:prstGeom>
+          <a:noFill/>
+        </p:spPr>
+        <p:txBody>
+          <a:bodyPr wrap="square" rtlCol="0">
+            <a:spAutoFit/>
+          </a:bodyPr>
+          <a:lstStyle/>
+          <a:p>
+            <a:r>
+              <a:rPr lang="en-US" sz="2400" dirty="0" err="1" smtClean="0">
+                <a:latin typeface="Times New Roman" pitchFamily="18" charset="0"/>
+                <a:cs typeface="Times New Roman" pitchFamily="18" charset="0"/>
+              </a:rPr>
+              <a:t>Hiển</a:t>
+            </a:r>
+            <a:r>
+              <a:rPr lang="en-US" sz="2400" dirty="0" smtClean="0">
+                <a:latin typeface="Times New Roman" pitchFamily="18" charset="0"/>
+                <a:cs typeface="Times New Roman" pitchFamily="18" charset="0"/>
+              </a:rPr>
+              <a:t> </a:t>
+            </a:r>
+            <a:r>
+              <a:rPr lang="en-US" sz="2400" dirty="0" err="1" smtClean="0">
+                <a:latin typeface="Times New Roman" pitchFamily="18" charset="0"/>
+                <a:cs typeface="Times New Roman" pitchFamily="18" charset="0"/>
+              </a:rPr>
+              <a:t>thị</a:t>
+            </a:r>
+            <a:r>
+              <a:rPr lang="en-US" sz="2400" dirty="0" smtClean="0">
+                <a:latin typeface="Times New Roman" pitchFamily="18" charset="0"/>
+                <a:cs typeface="Times New Roman" pitchFamily="18" charset="0"/>
+              </a:rPr>
+              <a:t> </a:t>
+            </a:r>
+            <a:r>
+              <a:rPr lang="en-US" sz="2400" dirty="0" err="1" smtClean="0">
+                <a:latin typeface="Times New Roman" pitchFamily="18" charset="0"/>
+                <a:cs typeface="Times New Roman" pitchFamily="18" charset="0"/>
+              </a:rPr>
+              <a:t>xử</a:t>
+            </a:r>
+            <a:r>
+              <a:rPr lang="en-US" sz="2400" dirty="0" smtClean="0">
+                <a:latin typeface="Times New Roman" pitchFamily="18" charset="0"/>
+                <a:cs typeface="Times New Roman" pitchFamily="18" charset="0"/>
+              </a:rPr>
+              <a:t> </a:t>
+            </a:r>
+            <a:r>
+              <a:rPr lang="en-US" sz="2400" dirty="0" err="1" smtClean="0">
+                <a:latin typeface="Times New Roman" pitchFamily="18" charset="0"/>
+                <a:cs typeface="Times New Roman" pitchFamily="18" charset="0"/>
+              </a:rPr>
+              <a:t>lý</a:t>
+            </a:r>
+            <a:r>
+              <a:rPr lang="en-US" sz="2400" dirty="0" smtClean="0">
+                <a:latin typeface="Times New Roman" pitchFamily="18" charset="0"/>
+                <a:cs typeface="Times New Roman" pitchFamily="18" charset="0"/>
+              </a:rPr>
+              <a:t> </a:t>
+            </a:r>
+            <a:r>
+              <a:rPr lang="en-US" sz="2400" dirty="0" err="1" smtClean="0">
+                <a:latin typeface="Times New Roman" pitchFamily="18" charset="0"/>
+                <a:cs typeface="Times New Roman" pitchFamily="18" charset="0"/>
+              </a:rPr>
+              <a:t>bài</a:t>
+            </a:r>
+            <a:r>
+              <a:rPr lang="en-US" sz="2400" dirty="0" smtClean="0">
+                <a:latin typeface="Times New Roman" pitchFamily="18" charset="0"/>
+                <a:cs typeface="Times New Roman" pitchFamily="18" charset="0"/>
+              </a:rPr>
+              <a:t> </a:t>
+            </a:r>
+            <a:r>
+              <a:rPr lang="en-US" sz="2400" dirty="0" err="1" smtClean="0">
+                <a:latin typeface="Times New Roman" pitchFamily="18" charset="0"/>
+                <a:cs typeface="Times New Roman" pitchFamily="18" charset="0"/>
+              </a:rPr>
+              <a:t>của</a:t>
+            </a:r>
+            <a:r>
+              <a:rPr lang="en-US" sz="2400" dirty="0" smtClean="0">
+                <a:latin typeface="Times New Roman" pitchFamily="18" charset="0"/>
+                <a:cs typeface="Times New Roman" pitchFamily="18" charset="0"/>
+              </a:rPr>
+              <a:t> </a:t>
+            </a:r>
+            <a:r>
+              <a:rPr lang="en-US" sz="2400" dirty="0" err="1" smtClean="0">
+                <a:latin typeface="Times New Roman" pitchFamily="18" charset="0"/>
+                <a:cs typeface="Times New Roman" pitchFamily="18" charset="0"/>
+              </a:rPr>
+              <a:t>hình</a:t>
+            </a:r>
+            <a:r>
+              <a:rPr lang="en-US" sz="2400" dirty="0" smtClean="0">
+                <a:latin typeface="Times New Roman" pitchFamily="18" charset="0"/>
+                <a:cs typeface="Times New Roman" pitchFamily="18" charset="0"/>
+              </a:rPr>
+              <a:t> </a:t>
+            </a:r>
+            <a:r>
+              <a:rPr lang="en-US" sz="2400" dirty="0" err="1" smtClean="0">
+                <a:latin typeface="Times New Roman" pitchFamily="18" charset="0"/>
+                <a:cs typeface="Times New Roman" pitchFamily="18" charset="0"/>
+              </a:rPr>
+              <a:t>ảnh</a:t>
+            </a:r>
+            <a:r>
+              <a:rPr lang="en-US" sz="2400" dirty="0" smtClean="0">
+                <a:latin typeface="Times New Roman" pitchFamily="18" charset="0"/>
+                <a:cs typeface="Times New Roman" pitchFamily="18" charset="0"/>
+              </a:rPr>
+              <a:t> </a:t>
+            </a:r>
+            <a:r>
+              <a:rPr lang="en-US" sz="2400" dirty="0" err="1" smtClean="0">
+                <a:latin typeface="Times New Roman" pitchFamily="18" charset="0"/>
+                <a:cs typeface="Times New Roman" pitchFamily="18" charset="0"/>
+              </a:rPr>
+              <a:t>bằng</a:t>
+            </a:r>
+            <a:r>
+              <a:rPr lang="en-US" sz="2400" dirty="0" smtClean="0">
+                <a:latin typeface="Times New Roman" pitchFamily="18" charset="0"/>
+                <a:cs typeface="Times New Roman" pitchFamily="18" charset="0"/>
+              </a:rPr>
+              <a:t> </a:t>
+            </a:r>
+            <a:r>
+              <a:rPr lang="en-US" sz="2400" dirty="0" err="1" smtClean="0">
+                <a:latin typeface="Times New Roman" pitchFamily="18" charset="0"/>
+                <a:cs typeface="Times New Roman" pitchFamily="18" charset="0"/>
+              </a:rPr>
+              <a:t>cách</a:t>
+            </a:r>
+            <a:r>
+              <a:rPr lang="en-US" sz="2400" dirty="0" smtClean="0">
+                <a:latin typeface="Times New Roman" pitchFamily="18" charset="0"/>
+                <a:cs typeface="Times New Roman" pitchFamily="18" charset="0"/>
+              </a:rPr>
+              <a:t> </a:t>
+            </a:r>
+            <a:r>
+              <a:rPr lang="en-US" sz="2400" dirty="0" err="1" smtClean="0">
+                <a:latin typeface="Times New Roman" pitchFamily="18" charset="0"/>
+                <a:cs typeface="Times New Roman" pitchFamily="18" charset="0"/>
+              </a:rPr>
+              <a:t>sử</a:t>
+            </a:r>
+            <a:r>
+              <a:rPr lang="en-US" sz="2400" dirty="0" smtClean="0">
+                <a:latin typeface="Times New Roman" pitchFamily="18" charset="0"/>
+                <a:cs typeface="Times New Roman" pitchFamily="18" charset="0"/>
+              </a:rPr>
+              <a:t> </a:t>
+            </a:r>
+            <a:r>
+              <a:rPr lang="en-US" sz="2400" dirty="0" err="1" smtClean="0">
+                <a:latin typeface="Times New Roman" pitchFamily="18" charset="0"/>
+                <a:cs typeface="Times New Roman" pitchFamily="18" charset="0"/>
+              </a:rPr>
+              <a:t>dụng</a:t>
+            </a:r>
+            <a:r>
+              <a:rPr lang="en-US" sz="2400" dirty="0" smtClean="0">
+                <a:latin typeface="Times New Roman" pitchFamily="18" charset="0"/>
+                <a:cs typeface="Times New Roman" pitchFamily="18" charset="0"/>
+              </a:rPr>
+              <a:t> </a:t>
+            </a:r>
+            <a:r>
+              <a:rPr lang="en-US" sz="2400" dirty="0" err="1" smtClean="0">
+                <a:latin typeface="Times New Roman" pitchFamily="18" charset="0"/>
+                <a:cs typeface="Times New Roman" pitchFamily="18" charset="0"/>
+              </a:rPr>
+              <a:t>từ</a:t>
+            </a:r>
+            <a:r>
+              <a:rPr lang="en-US" sz="2400" dirty="0" smtClean="0">
+                <a:latin typeface="Times New Roman" pitchFamily="18" charset="0"/>
+                <a:cs typeface="Times New Roman" pitchFamily="18" charset="0"/>
+              </a:rPr>
+              <a:t> </a:t>
+            </a:r>
+            <a:r>
+              <a:rPr lang="en-US" sz="2400" dirty="0" err="1" smtClean="0">
+                <a:latin typeface="Times New Roman" pitchFamily="18" charset="0"/>
+                <a:cs typeface="Times New Roman" pitchFamily="18" charset="0"/>
+              </a:rPr>
+              <a:t>điển</a:t>
+            </a:r>
+            <a:r>
+              <a:rPr lang="en-US" sz="2400" dirty="0" smtClean="0">
+                <a:latin typeface="Times New Roman" pitchFamily="18" charset="0"/>
+                <a:cs typeface="Times New Roman" pitchFamily="18" charset="0"/>
+              </a:rPr>
+              <a:t>, </a:t>
+            </a:r>
+            <a:r>
+              <a:rPr lang="en-US" sz="2400" dirty="0" err="1" smtClean="0">
+                <a:latin typeface="Times New Roman" pitchFamily="18" charset="0"/>
+                <a:cs typeface="Times New Roman" pitchFamily="18" charset="0"/>
+              </a:rPr>
+              <a:t>các</a:t>
+            </a:r>
+            <a:r>
+              <a:rPr lang="en-US" sz="2400" dirty="0" smtClean="0">
+                <a:latin typeface="Times New Roman" pitchFamily="18" charset="0"/>
+                <a:cs typeface="Times New Roman" pitchFamily="18" charset="0"/>
+              </a:rPr>
+              <a:t> </a:t>
+            </a:r>
+            <a:r>
+              <a:rPr lang="en-US" sz="2400" dirty="0" err="1" smtClean="0">
+                <a:latin typeface="Times New Roman" pitchFamily="18" charset="0"/>
+                <a:cs typeface="Times New Roman" pitchFamily="18" charset="0"/>
+              </a:rPr>
+              <a:t>chữ</a:t>
+            </a:r>
+            <a:r>
+              <a:rPr lang="en-US" sz="2400" dirty="0" smtClean="0">
+                <a:latin typeface="Times New Roman" pitchFamily="18" charset="0"/>
+                <a:cs typeface="Times New Roman" pitchFamily="18" charset="0"/>
+              </a:rPr>
+              <a:t> </a:t>
+            </a:r>
+            <a:r>
+              <a:rPr lang="en-US" sz="2400" dirty="0" err="1" smtClean="0">
+                <a:latin typeface="Times New Roman" pitchFamily="18" charset="0"/>
+                <a:cs typeface="Times New Roman" pitchFamily="18" charset="0"/>
+              </a:rPr>
+              <a:t>cái</a:t>
+            </a:r>
+            <a:r>
+              <a:rPr lang="en-US" sz="2400" dirty="0" smtClean="0">
+                <a:latin typeface="Times New Roman" pitchFamily="18" charset="0"/>
+                <a:cs typeface="Times New Roman" pitchFamily="18" charset="0"/>
+              </a:rPr>
+              <a:t> </a:t>
+            </a:r>
+            <a:r>
+              <a:rPr lang="en-US" sz="2400" dirty="0" err="1" smtClean="0">
+                <a:latin typeface="Times New Roman" pitchFamily="18" charset="0"/>
+                <a:cs typeface="Times New Roman" pitchFamily="18" charset="0"/>
+              </a:rPr>
+              <a:t>không</a:t>
+            </a:r>
+            <a:r>
+              <a:rPr lang="en-US" sz="2400" dirty="0" smtClean="0">
+                <a:latin typeface="Times New Roman" pitchFamily="18" charset="0"/>
+                <a:cs typeface="Times New Roman" pitchFamily="18" charset="0"/>
+              </a:rPr>
+              <a:t> </a:t>
+            </a:r>
+            <a:r>
+              <a:rPr lang="en-US" sz="2400" dirty="0" err="1" smtClean="0">
+                <a:latin typeface="Times New Roman" pitchFamily="18" charset="0"/>
+                <a:cs typeface="Times New Roman" pitchFamily="18" charset="0"/>
+              </a:rPr>
+              <a:t>được</a:t>
+            </a:r>
+            <a:r>
+              <a:rPr lang="en-US" sz="2400" dirty="0" smtClean="0">
+                <a:latin typeface="Times New Roman" pitchFamily="18" charset="0"/>
+                <a:cs typeface="Times New Roman" pitchFamily="18" charset="0"/>
+              </a:rPr>
+              <a:t> </a:t>
+            </a:r>
+            <a:r>
+              <a:rPr lang="en-US" sz="2400" dirty="0" err="1" smtClean="0">
+                <a:latin typeface="Times New Roman" pitchFamily="18" charset="0"/>
+                <a:cs typeface="Times New Roman" pitchFamily="18" charset="0"/>
+              </a:rPr>
+              <a:t>nhận</a:t>
+            </a:r>
+            <a:r>
+              <a:rPr lang="en-US" sz="2400" dirty="0" smtClean="0">
+                <a:latin typeface="Times New Roman" pitchFamily="18" charset="0"/>
+                <a:cs typeface="Times New Roman" pitchFamily="18" charset="0"/>
+              </a:rPr>
+              <a:t> </a:t>
+            </a:r>
+            <a:r>
+              <a:rPr lang="en-US" sz="2400" dirty="0" err="1" smtClean="0">
+                <a:latin typeface="Times New Roman" pitchFamily="18" charset="0"/>
+                <a:cs typeface="Times New Roman" pitchFamily="18" charset="0"/>
+              </a:rPr>
+              <a:t>dạng</a:t>
+            </a:r>
+            <a:r>
+              <a:rPr lang="en-US" sz="2400" dirty="0" smtClean="0">
+                <a:latin typeface="Times New Roman" pitchFamily="18" charset="0"/>
+                <a:cs typeface="Times New Roman" pitchFamily="18" charset="0"/>
+              </a:rPr>
+              <a:t> </a:t>
+            </a:r>
+            <a:r>
+              <a:rPr lang="en-US" sz="2400" dirty="0" err="1" smtClean="0">
+                <a:latin typeface="Times New Roman" pitchFamily="18" charset="0"/>
+                <a:cs typeface="Times New Roman" pitchFamily="18" charset="0"/>
+              </a:rPr>
+              <a:t>sẽ</a:t>
+            </a:r>
+            <a:r>
+              <a:rPr lang="en-US" sz="2400" dirty="0" smtClean="0">
+                <a:latin typeface="Times New Roman" pitchFamily="18" charset="0"/>
+                <a:cs typeface="Times New Roman" pitchFamily="18" charset="0"/>
+              </a:rPr>
+              <a:t> </a:t>
+            </a:r>
+            <a:r>
+              <a:rPr lang="en-US" sz="2400" dirty="0" err="1" smtClean="0">
+                <a:latin typeface="Times New Roman" pitchFamily="18" charset="0"/>
+                <a:cs typeface="Times New Roman" pitchFamily="18" charset="0"/>
+              </a:rPr>
+              <a:t>tạo</a:t>
+            </a:r>
+            <a:r>
+              <a:rPr lang="en-US" sz="2400" dirty="0" smtClean="0">
+                <a:latin typeface="Times New Roman" pitchFamily="18" charset="0"/>
+                <a:cs typeface="Times New Roman" pitchFamily="18" charset="0"/>
+              </a:rPr>
+              <a:t> </a:t>
+            </a:r>
+            <a:r>
+              <a:rPr lang="en-US" sz="2400" dirty="0" err="1" smtClean="0">
+                <a:latin typeface="Times New Roman" pitchFamily="18" charset="0"/>
+                <a:cs typeface="Times New Roman" pitchFamily="18" charset="0"/>
+              </a:rPr>
+              <a:t>ra</a:t>
+            </a:r>
+            <a:r>
+              <a:rPr lang="en-US" sz="2400" dirty="0" smtClean="0">
+                <a:latin typeface="Times New Roman" pitchFamily="18" charset="0"/>
+                <a:cs typeface="Times New Roman" pitchFamily="18" charset="0"/>
+              </a:rPr>
+              <a:t> </a:t>
+            </a:r>
+            <a:r>
+              <a:rPr lang="en-US" sz="2400" dirty="0" err="1" smtClean="0">
+                <a:latin typeface="Times New Roman" pitchFamily="18" charset="0"/>
+                <a:cs typeface="Times New Roman" pitchFamily="18" charset="0"/>
+              </a:rPr>
+              <a:t>lỗi</a:t>
+            </a:r>
+            <a:r>
+              <a:rPr lang="en-US" sz="2400" dirty="0" smtClean="0">
+                <a:latin typeface="Times New Roman" pitchFamily="18" charset="0"/>
+                <a:cs typeface="Times New Roman" pitchFamily="18" charset="0"/>
+              </a:rPr>
+              <a:t> </a:t>
+            </a:r>
+            <a:r>
+              <a:rPr lang="en-US" sz="2400" dirty="0" err="1" smtClean="0">
+                <a:latin typeface="Times New Roman" pitchFamily="18" charset="0"/>
+                <a:cs typeface="Times New Roman" pitchFamily="18" charset="0"/>
+              </a:rPr>
+              <a:t>chính</a:t>
+            </a:r>
+            <a:r>
+              <a:rPr lang="en-US" sz="2400" dirty="0" smtClean="0">
+                <a:latin typeface="Times New Roman" pitchFamily="18" charset="0"/>
+                <a:cs typeface="Times New Roman" pitchFamily="18" charset="0"/>
+              </a:rPr>
+              <a:t> </a:t>
+            </a:r>
+            <a:r>
+              <a:rPr lang="en-US" sz="2400" dirty="0" err="1" smtClean="0">
+                <a:latin typeface="Times New Roman" pitchFamily="18" charset="0"/>
+                <a:cs typeface="Times New Roman" pitchFamily="18" charset="0"/>
+              </a:rPr>
+              <a:t>tả</a:t>
+            </a:r>
+            <a:r>
+              <a:rPr lang="en-US" sz="2400" dirty="0" smtClean="0">
+                <a:latin typeface="Times New Roman" pitchFamily="18" charset="0"/>
+                <a:cs typeface="Times New Roman" pitchFamily="18" charset="0"/>
+              </a:rPr>
+              <a:t>, </a:t>
+            </a:r>
+            <a:r>
+              <a:rPr lang="en-US" sz="2400" dirty="0" err="1" smtClean="0">
+                <a:latin typeface="Times New Roman" pitchFamily="18" charset="0"/>
+                <a:cs typeface="Times New Roman" pitchFamily="18" charset="0"/>
+              </a:rPr>
+              <a:t>từ</a:t>
+            </a:r>
+            <a:r>
+              <a:rPr lang="en-US" sz="2400" dirty="0" smtClean="0">
+                <a:latin typeface="Times New Roman" pitchFamily="18" charset="0"/>
+                <a:cs typeface="Times New Roman" pitchFamily="18" charset="0"/>
+              </a:rPr>
+              <a:t> </a:t>
+            </a:r>
+            <a:r>
+              <a:rPr lang="en-US" sz="2400" dirty="0" err="1" smtClean="0">
+                <a:latin typeface="Times New Roman" pitchFamily="18" charset="0"/>
+                <a:cs typeface="Times New Roman" pitchFamily="18" charset="0"/>
+              </a:rPr>
+              <a:t>này</a:t>
+            </a:r>
+            <a:r>
+              <a:rPr lang="en-US" sz="2400" dirty="0" smtClean="0">
+                <a:latin typeface="Times New Roman" pitchFamily="18" charset="0"/>
+                <a:cs typeface="Times New Roman" pitchFamily="18" charset="0"/>
+              </a:rPr>
+              <a:t> </a:t>
+            </a:r>
+            <a:r>
+              <a:rPr lang="en-US" sz="2400" dirty="0" err="1" smtClean="0">
+                <a:latin typeface="Times New Roman" pitchFamily="18" charset="0"/>
+                <a:cs typeface="Times New Roman" pitchFamily="18" charset="0"/>
+              </a:rPr>
+              <a:t>được</a:t>
+            </a:r>
+            <a:r>
+              <a:rPr lang="en-US" sz="2400" dirty="0" smtClean="0">
+                <a:latin typeface="Times New Roman" pitchFamily="18" charset="0"/>
+                <a:cs typeface="Times New Roman" pitchFamily="18" charset="0"/>
+              </a:rPr>
+              <a:t> </a:t>
+            </a:r>
+            <a:r>
+              <a:rPr lang="en-US" sz="2400" dirty="0" err="1" smtClean="0">
+                <a:latin typeface="Times New Roman" pitchFamily="18" charset="0"/>
+                <a:cs typeface="Times New Roman" pitchFamily="18" charset="0"/>
+              </a:rPr>
+              <a:t>chuyển</a:t>
+            </a:r>
+            <a:r>
+              <a:rPr lang="en-US" sz="2400" dirty="0" smtClean="0">
+                <a:latin typeface="Times New Roman" pitchFamily="18" charset="0"/>
+                <a:cs typeface="Times New Roman" pitchFamily="18" charset="0"/>
+              </a:rPr>
+              <a:t> </a:t>
+            </a:r>
+            <a:r>
+              <a:rPr lang="en-US" sz="2400" dirty="0" err="1" smtClean="0">
+                <a:latin typeface="Times New Roman" pitchFamily="18" charset="0"/>
+                <a:cs typeface="Times New Roman" pitchFamily="18" charset="0"/>
+              </a:rPr>
+              <a:t>tiếp</a:t>
+            </a:r>
+            <a:r>
+              <a:rPr lang="en-US" sz="2400" dirty="0" smtClean="0">
+                <a:latin typeface="Times New Roman" pitchFamily="18" charset="0"/>
+                <a:cs typeface="Times New Roman" pitchFamily="18" charset="0"/>
+              </a:rPr>
+              <a:t> </a:t>
+            </a:r>
+            <a:r>
+              <a:rPr lang="en-US" sz="2400" dirty="0" err="1" smtClean="0">
+                <a:latin typeface="Times New Roman" pitchFamily="18" charset="0"/>
+                <a:cs typeface="Times New Roman" pitchFamily="18" charset="0"/>
+              </a:rPr>
+              <a:t>vào</a:t>
+            </a:r>
+            <a:r>
+              <a:rPr lang="en-US" sz="2400" dirty="0" smtClean="0">
+                <a:latin typeface="Times New Roman" pitchFamily="18" charset="0"/>
+                <a:cs typeface="Times New Roman" pitchFamily="18" charset="0"/>
+              </a:rPr>
+              <a:t> </a:t>
+            </a:r>
+            <a:r>
+              <a:rPr lang="en-US" sz="2400" dirty="0" err="1" smtClean="0">
+                <a:latin typeface="Times New Roman" pitchFamily="18" charset="0"/>
+                <a:cs typeface="Times New Roman" pitchFamily="18" charset="0"/>
+              </a:rPr>
+              <a:t>từ</a:t>
+            </a:r>
+            <a:r>
+              <a:rPr lang="en-US" sz="2400" dirty="0" smtClean="0">
+                <a:latin typeface="Times New Roman" pitchFamily="18" charset="0"/>
+                <a:cs typeface="Times New Roman" pitchFamily="18" charset="0"/>
+              </a:rPr>
+              <a:t> </a:t>
+            </a:r>
+            <a:r>
+              <a:rPr lang="en-US" sz="2400" dirty="0" err="1" smtClean="0">
+                <a:latin typeface="Times New Roman" pitchFamily="18" charset="0"/>
+                <a:cs typeface="Times New Roman" pitchFamily="18" charset="0"/>
+              </a:rPr>
+              <a:t>điển</a:t>
+            </a:r>
+            <a:r>
+              <a:rPr lang="en-US" sz="2400" dirty="0" smtClean="0">
+                <a:latin typeface="Times New Roman" pitchFamily="18" charset="0"/>
+                <a:cs typeface="Times New Roman" pitchFamily="18" charset="0"/>
+              </a:rPr>
+              <a:t> </a:t>
+            </a:r>
+            <a:r>
+              <a:rPr lang="en-US" sz="2400" dirty="0" err="1" smtClean="0">
+                <a:latin typeface="Times New Roman" pitchFamily="18" charset="0"/>
+                <a:cs typeface="Times New Roman" pitchFamily="18" charset="0"/>
+              </a:rPr>
+              <a:t>sửa</a:t>
+            </a:r>
+            <a:r>
+              <a:rPr lang="en-US" sz="2400" dirty="0" smtClean="0">
+                <a:latin typeface="Times New Roman" pitchFamily="18" charset="0"/>
+                <a:cs typeface="Times New Roman" pitchFamily="18" charset="0"/>
+              </a:rPr>
+              <a:t> </a:t>
+            </a:r>
+            <a:r>
+              <a:rPr lang="en-US" sz="2400" dirty="0" err="1" smtClean="0">
+                <a:latin typeface="Times New Roman" pitchFamily="18" charset="0"/>
+                <a:cs typeface="Times New Roman" pitchFamily="18" charset="0"/>
+              </a:rPr>
+              <a:t>từ</a:t>
+            </a:r>
+            <a:endParaRPr lang="en-US" sz="2400" dirty="0">
+              <a:latin typeface="Times New Roman" pitchFamily="18" charset="0"/>
+              <a:cs typeface="Times New Roman" pitchFamily="18" charset="0"/>
+            </a:endParaRPr>
+          </a:p>
+        </p:txBody>
+      </p:sp>
+    </p:spTree>
+    <p:extLst>
+      <p:ext uri="{BB962C8B-B14F-4D97-AF65-F5344CB8AC3E}">
+        <p14:creationId xmlns:p14="http://schemas.microsoft.com/office/powerpoint/2010/main" val="3541130719"/>
+      </p:ext>
+    </p:extLst>
+  </p:cSld>
+  <p:clrMapOvr>
+    <a:masterClrMapping/>
+  </p:clrMapOvr>
+  <p:timing>
+    <p:tnLst>
+      <p:par>
+        <p:cTn id="1" dur="indefinite" restart="never" nodeType="tmRoot"/>
+      </p:par>
+    </p:tnLst>
+  </p:timing>
+</p:sld>
+</file>
+
+<file path=ppt/slides/slide15.xml><?xml version="1.0" encoding="utf-8"?>
+<p:sld xmlns:a="http://schemas.openxmlformats.org/drawingml/2006/main" xmlns:r="http://schemas.openxmlformats.org/officeDocument/2006/relationships" xmlns:p="http://schemas.openxmlformats.org/presentationml/2006/main">
+  <p:cSld>
+    <p:spTree>
+      <p:nvGrpSpPr>
+        <p:cNvPr id="1" name=""/>
+        <p:cNvGrpSpPr/>
+        <p:nvPr/>
+      </p:nvGrpSpPr>
+      <p:grpSpPr>
+        <a:xfrm>
+          <a:off x="0" y="0"/>
+          <a:ext cx="0" cy="0"/>
+          <a:chOff x="0" y="0"/>
+          <a:chExt cx="0" cy="0"/>
+        </a:xfrm>
+      </p:grpSpPr>
+      <p:sp>
+        <p:nvSpPr>
+          <p:cNvPr id="4" name="TextBox 3"/>
+          <p:cNvSpPr txBox="1"/>
+          <p:nvPr/>
+        </p:nvSpPr>
+        <p:spPr>
+          <a:xfrm>
+            <a:off x="685800" y="457200"/>
+            <a:ext cx="7848600" cy="523220"/>
+          </a:xfrm>
+          <a:prstGeom prst="rect">
+            <a:avLst/>
+          </a:prstGeom>
+        </p:spPr>
+        <p:style>
+          <a:lnRef idx="0">
+            <a:schemeClr val="accent6"/>
+          </a:lnRef>
+          <a:fillRef idx="3">
+            <a:schemeClr val="accent6"/>
+          </a:fillRef>
+          <a:effectRef idx="3">
+            <a:schemeClr val="accent6"/>
+          </a:effectRef>
+          <a:fontRef idx="minor">
+            <a:schemeClr val="lt1"/>
+          </a:fontRef>
+        </p:style>
+        <p:txBody>
+          <a:bodyPr wrap="square" rtlCol="0">
+            <a:spAutoFit/>
+          </a:bodyPr>
+          <a:lstStyle/>
+          <a:p>
+            <a:r>
+              <a:rPr lang="en-US" sz="2800" dirty="0" err="1" smtClean="0">
+                <a:latin typeface="Times New Roman" pitchFamily="18" charset="0"/>
+                <a:cs typeface="Times New Roman" pitchFamily="18" charset="0"/>
+              </a:rPr>
+              <a:t>Kết</a:t>
+            </a:r>
+            <a:r>
+              <a:rPr lang="en-US" sz="2800" dirty="0" smtClean="0">
+                <a:latin typeface="Times New Roman" pitchFamily="18" charset="0"/>
+                <a:cs typeface="Times New Roman" pitchFamily="18" charset="0"/>
+              </a:rPr>
+              <a:t> </a:t>
+            </a:r>
+            <a:r>
+              <a:rPr lang="en-US" sz="2800" dirty="0" err="1" smtClean="0">
+                <a:latin typeface="Times New Roman" pitchFamily="18" charset="0"/>
+                <a:cs typeface="Times New Roman" pitchFamily="18" charset="0"/>
+              </a:rPr>
+              <a:t>luận</a:t>
+            </a:r>
+            <a:endParaRPr lang="en-US" sz="2800" dirty="0">
+              <a:latin typeface="Times New Roman" pitchFamily="18" charset="0"/>
+              <a:cs typeface="Times New Roman" pitchFamily="18" charset="0"/>
+            </a:endParaRPr>
+          </a:p>
+        </p:txBody>
+      </p:sp>
+      <p:sp>
+        <p:nvSpPr>
+          <p:cNvPr id="5" name="TextBox 4"/>
+          <p:cNvSpPr txBox="1"/>
+          <p:nvPr/>
+        </p:nvSpPr>
+        <p:spPr>
+          <a:xfrm>
+            <a:off x="685800" y="1524000"/>
+            <a:ext cx="7620000" cy="4154984"/>
+          </a:xfrm>
+          <a:prstGeom prst="rect">
+            <a:avLst/>
+          </a:prstGeom>
+          <a:noFill/>
+        </p:spPr>
+        <p:txBody>
+          <a:bodyPr wrap="square" rtlCol="0">
+            <a:spAutoFit/>
+          </a:bodyPr>
+          <a:lstStyle/>
+          <a:p>
+            <a:pPr marL="342900" indent="-342900">
+              <a:buFont typeface="Arial" pitchFamily="34" charset="0"/>
+              <a:buChar char="•"/>
+            </a:pPr>
+            <a:r>
+              <a:rPr lang="en-US" sz="2400" dirty="0" err="1" smtClean="0">
+                <a:latin typeface="Times New Roman" pitchFamily="18" charset="0"/>
+                <a:cs typeface="Times New Roman" pitchFamily="18" charset="0"/>
+              </a:rPr>
+              <a:t>Trong</a:t>
+            </a:r>
+            <a:r>
+              <a:rPr lang="en-US" sz="2400" dirty="0" smtClean="0">
+                <a:latin typeface="Times New Roman" pitchFamily="18" charset="0"/>
+                <a:cs typeface="Times New Roman" pitchFamily="18" charset="0"/>
+              </a:rPr>
+              <a:t> </a:t>
+            </a:r>
+            <a:r>
+              <a:rPr lang="en-US" sz="2400" dirty="0" err="1" smtClean="0">
+                <a:latin typeface="Times New Roman" pitchFamily="18" charset="0"/>
+                <a:cs typeface="Times New Roman" pitchFamily="18" charset="0"/>
+              </a:rPr>
+              <a:t>bài</a:t>
+            </a:r>
+            <a:r>
+              <a:rPr lang="en-US" sz="2400" dirty="0" smtClean="0">
+                <a:latin typeface="Times New Roman" pitchFamily="18" charset="0"/>
+                <a:cs typeface="Times New Roman" pitchFamily="18" charset="0"/>
+              </a:rPr>
+              <a:t> </a:t>
+            </a:r>
+            <a:r>
+              <a:rPr lang="en-US" sz="2400" dirty="0" err="1" smtClean="0">
+                <a:latin typeface="Times New Roman" pitchFamily="18" charset="0"/>
+                <a:cs typeface="Times New Roman" pitchFamily="18" charset="0"/>
+              </a:rPr>
+              <a:t>báo</a:t>
+            </a:r>
+            <a:r>
+              <a:rPr lang="en-US" sz="2400" dirty="0" smtClean="0">
+                <a:latin typeface="Times New Roman" pitchFamily="18" charset="0"/>
+                <a:cs typeface="Times New Roman" pitchFamily="18" charset="0"/>
+              </a:rPr>
+              <a:t> </a:t>
+            </a:r>
+            <a:r>
+              <a:rPr lang="en-US" sz="2400" dirty="0" err="1" smtClean="0">
+                <a:latin typeface="Times New Roman" pitchFamily="18" charset="0"/>
+                <a:cs typeface="Times New Roman" pitchFamily="18" charset="0"/>
+              </a:rPr>
+              <a:t>này</a:t>
+            </a:r>
+            <a:r>
+              <a:rPr lang="en-US" sz="2400" dirty="0" smtClean="0">
+                <a:latin typeface="Times New Roman" pitchFamily="18" charset="0"/>
+                <a:cs typeface="Times New Roman" pitchFamily="18" charset="0"/>
+              </a:rPr>
+              <a:t>, </a:t>
+            </a:r>
+            <a:r>
+              <a:rPr lang="en-US" sz="2400" dirty="0" err="1" smtClean="0">
+                <a:latin typeface="Times New Roman" pitchFamily="18" charset="0"/>
+                <a:cs typeface="Times New Roman" pitchFamily="18" charset="0"/>
+              </a:rPr>
+              <a:t>tác</a:t>
+            </a:r>
+            <a:r>
+              <a:rPr lang="en-US" sz="2400" dirty="0" smtClean="0">
+                <a:latin typeface="Times New Roman" pitchFamily="18" charset="0"/>
+                <a:cs typeface="Times New Roman" pitchFamily="18" charset="0"/>
+              </a:rPr>
+              <a:t> </a:t>
+            </a:r>
+            <a:r>
+              <a:rPr lang="en-US" sz="2400" dirty="0" err="1" smtClean="0">
+                <a:latin typeface="Times New Roman" pitchFamily="18" charset="0"/>
+                <a:cs typeface="Times New Roman" pitchFamily="18" charset="0"/>
+              </a:rPr>
+              <a:t>giả</a:t>
+            </a:r>
+            <a:r>
+              <a:rPr lang="en-US" sz="2400" dirty="0" smtClean="0">
+                <a:latin typeface="Times New Roman" pitchFamily="18" charset="0"/>
+                <a:cs typeface="Times New Roman" pitchFamily="18" charset="0"/>
+              </a:rPr>
+              <a:t> </a:t>
+            </a:r>
+            <a:r>
+              <a:rPr lang="en-US" sz="2400" dirty="0" err="1" smtClean="0">
+                <a:latin typeface="Times New Roman" pitchFamily="18" charset="0"/>
+                <a:cs typeface="Times New Roman" pitchFamily="18" charset="0"/>
+              </a:rPr>
+              <a:t>đã</a:t>
+            </a:r>
+            <a:r>
+              <a:rPr lang="en-US" sz="2400" dirty="0" smtClean="0">
+                <a:latin typeface="Times New Roman" pitchFamily="18" charset="0"/>
+                <a:cs typeface="Times New Roman" pitchFamily="18" charset="0"/>
+              </a:rPr>
+              <a:t> </a:t>
+            </a:r>
+            <a:r>
+              <a:rPr lang="en-US" sz="2400" dirty="0" err="1" smtClean="0">
+                <a:latin typeface="Times New Roman" pitchFamily="18" charset="0"/>
+                <a:cs typeface="Times New Roman" pitchFamily="18" charset="0"/>
+              </a:rPr>
+              <a:t>thảo</a:t>
+            </a:r>
+            <a:r>
+              <a:rPr lang="en-US" sz="2400" dirty="0" smtClean="0">
+                <a:latin typeface="Times New Roman" pitchFamily="18" charset="0"/>
+                <a:cs typeface="Times New Roman" pitchFamily="18" charset="0"/>
+              </a:rPr>
+              <a:t> </a:t>
+            </a:r>
+            <a:r>
+              <a:rPr lang="en-US" sz="2400" dirty="0" err="1" smtClean="0">
+                <a:latin typeface="Times New Roman" pitchFamily="18" charset="0"/>
+                <a:cs typeface="Times New Roman" pitchFamily="18" charset="0"/>
+              </a:rPr>
+              <a:t>luận</a:t>
+            </a:r>
+            <a:r>
+              <a:rPr lang="en-US" sz="2400" dirty="0" smtClean="0">
+                <a:latin typeface="Times New Roman" pitchFamily="18" charset="0"/>
+                <a:cs typeface="Times New Roman" pitchFamily="18" charset="0"/>
+              </a:rPr>
+              <a:t> </a:t>
+            </a:r>
+            <a:r>
+              <a:rPr lang="en-US" sz="2400" dirty="0" err="1" smtClean="0">
+                <a:latin typeface="Times New Roman" pitchFamily="18" charset="0"/>
+                <a:cs typeface="Times New Roman" pitchFamily="18" charset="0"/>
+              </a:rPr>
+              <a:t>về</a:t>
+            </a:r>
+            <a:r>
+              <a:rPr lang="en-US" sz="2400" dirty="0" smtClean="0">
+                <a:latin typeface="Times New Roman" pitchFamily="18" charset="0"/>
+                <a:cs typeface="Times New Roman" pitchFamily="18" charset="0"/>
+              </a:rPr>
+              <a:t> </a:t>
+            </a:r>
+            <a:r>
+              <a:rPr lang="en-US" sz="2400" dirty="0" err="1" smtClean="0">
+                <a:latin typeface="Times New Roman" pitchFamily="18" charset="0"/>
+                <a:cs typeface="Times New Roman" pitchFamily="18" charset="0"/>
+              </a:rPr>
+              <a:t>phương</a:t>
+            </a:r>
+            <a:r>
+              <a:rPr lang="en-US" sz="2400" dirty="0" smtClean="0">
+                <a:latin typeface="Times New Roman" pitchFamily="18" charset="0"/>
+                <a:cs typeface="Times New Roman" pitchFamily="18" charset="0"/>
+              </a:rPr>
+              <a:t> </a:t>
+            </a:r>
+            <a:r>
+              <a:rPr lang="en-US" sz="2400" dirty="0" err="1" smtClean="0">
+                <a:latin typeface="Times New Roman" pitchFamily="18" charset="0"/>
+                <a:cs typeface="Times New Roman" pitchFamily="18" charset="0"/>
+              </a:rPr>
+              <a:t>pháp</a:t>
+            </a:r>
+            <a:r>
+              <a:rPr lang="en-US" sz="2400" dirty="0" smtClean="0">
+                <a:latin typeface="Times New Roman" pitchFamily="18" charset="0"/>
+                <a:cs typeface="Times New Roman" pitchFamily="18" charset="0"/>
+              </a:rPr>
+              <a:t> </a:t>
+            </a:r>
+            <a:r>
+              <a:rPr lang="en-US" sz="2400" dirty="0" err="1" smtClean="0">
+                <a:latin typeface="Times New Roman" pitchFamily="18" charset="0"/>
+                <a:cs typeface="Times New Roman" pitchFamily="18" charset="0"/>
+              </a:rPr>
+              <a:t>thực</a:t>
+            </a:r>
+            <a:r>
+              <a:rPr lang="en-US" sz="2400" dirty="0" smtClean="0">
+                <a:latin typeface="Times New Roman" pitchFamily="18" charset="0"/>
+                <a:cs typeface="Times New Roman" pitchFamily="18" charset="0"/>
+              </a:rPr>
+              <a:t> </a:t>
+            </a:r>
+            <a:r>
+              <a:rPr lang="en-US" sz="2400" dirty="0" err="1" smtClean="0">
+                <a:latin typeface="Times New Roman" pitchFamily="18" charset="0"/>
+                <a:cs typeface="Times New Roman" pitchFamily="18" charset="0"/>
+              </a:rPr>
+              <a:t>hiện</a:t>
+            </a:r>
+            <a:r>
+              <a:rPr lang="en-US" sz="2400" dirty="0" smtClean="0">
+                <a:latin typeface="Times New Roman" pitchFamily="18" charset="0"/>
+                <a:cs typeface="Times New Roman" pitchFamily="18" charset="0"/>
+              </a:rPr>
+              <a:t> </a:t>
+            </a:r>
+            <a:r>
+              <a:rPr lang="en-US" sz="2400" dirty="0" err="1" smtClean="0">
+                <a:latin typeface="Times New Roman" pitchFamily="18" charset="0"/>
+                <a:cs typeface="Times New Roman" pitchFamily="18" charset="0"/>
+              </a:rPr>
+              <a:t>nhận</a:t>
+            </a:r>
+            <a:r>
+              <a:rPr lang="en-US" sz="2400" dirty="0" smtClean="0">
+                <a:latin typeface="Times New Roman" pitchFamily="18" charset="0"/>
+                <a:cs typeface="Times New Roman" pitchFamily="18" charset="0"/>
+              </a:rPr>
+              <a:t> </a:t>
+            </a:r>
+            <a:r>
+              <a:rPr lang="en-US" sz="2400" dirty="0" err="1" smtClean="0">
+                <a:latin typeface="Times New Roman" pitchFamily="18" charset="0"/>
+                <a:cs typeface="Times New Roman" pitchFamily="18" charset="0"/>
+              </a:rPr>
+              <a:t>dạng</a:t>
+            </a:r>
+            <a:r>
+              <a:rPr lang="en-US" sz="2400" dirty="0" smtClean="0">
+                <a:latin typeface="Times New Roman" pitchFamily="18" charset="0"/>
+                <a:cs typeface="Times New Roman" pitchFamily="18" charset="0"/>
+              </a:rPr>
+              <a:t> </a:t>
+            </a:r>
+            <a:r>
+              <a:rPr lang="en-US" sz="2400" dirty="0" err="1" smtClean="0">
+                <a:latin typeface="Times New Roman" pitchFamily="18" charset="0"/>
+                <a:cs typeface="Times New Roman" pitchFamily="18" charset="0"/>
+              </a:rPr>
+              <a:t>ký</a:t>
+            </a:r>
+            <a:r>
+              <a:rPr lang="en-US" sz="2400" dirty="0" smtClean="0">
+                <a:latin typeface="Times New Roman" pitchFamily="18" charset="0"/>
+                <a:cs typeface="Times New Roman" pitchFamily="18" charset="0"/>
+              </a:rPr>
+              <a:t> </a:t>
+            </a:r>
+            <a:r>
+              <a:rPr lang="en-US" sz="2400" dirty="0" err="1" smtClean="0">
+                <a:latin typeface="Times New Roman" pitchFamily="18" charset="0"/>
+                <a:cs typeface="Times New Roman" pitchFamily="18" charset="0"/>
+              </a:rPr>
+              <a:t>tự</a:t>
+            </a:r>
+            <a:r>
+              <a:rPr lang="en-US" sz="2400" dirty="0" smtClean="0">
+                <a:latin typeface="Times New Roman" pitchFamily="18" charset="0"/>
+                <a:cs typeface="Times New Roman" pitchFamily="18" charset="0"/>
+              </a:rPr>
+              <a:t>, </a:t>
+            </a:r>
+            <a:r>
+              <a:rPr lang="en-US" sz="2400" dirty="0" err="1" smtClean="0">
+                <a:latin typeface="Times New Roman" pitchFamily="18" charset="0"/>
+                <a:cs typeface="Times New Roman" pitchFamily="18" charset="0"/>
+              </a:rPr>
+              <a:t>quan</a:t>
+            </a:r>
+            <a:r>
+              <a:rPr lang="en-US" sz="2400" dirty="0" smtClean="0">
+                <a:latin typeface="Times New Roman" pitchFamily="18" charset="0"/>
+                <a:cs typeface="Times New Roman" pitchFamily="18" charset="0"/>
+              </a:rPr>
+              <a:t> </a:t>
+            </a:r>
+            <a:r>
+              <a:rPr lang="en-US" sz="2400" dirty="0" err="1" smtClean="0">
+                <a:latin typeface="Times New Roman" pitchFamily="18" charset="0"/>
+                <a:cs typeface="Times New Roman" pitchFamily="18" charset="0"/>
+              </a:rPr>
+              <a:t>sát</a:t>
+            </a:r>
+            <a:r>
+              <a:rPr lang="en-US" sz="2400" dirty="0" smtClean="0">
+                <a:latin typeface="Times New Roman" pitchFamily="18" charset="0"/>
+                <a:cs typeface="Times New Roman" pitchFamily="18" charset="0"/>
+              </a:rPr>
+              <a:t> </a:t>
+            </a:r>
+            <a:r>
+              <a:rPr lang="en-US" sz="2400" dirty="0" err="1" smtClean="0">
+                <a:latin typeface="Times New Roman" pitchFamily="18" charset="0"/>
+                <a:cs typeface="Times New Roman" pitchFamily="18" charset="0"/>
+              </a:rPr>
+              <a:t>thấy</a:t>
+            </a:r>
+            <a:r>
+              <a:rPr lang="en-US" sz="2400" dirty="0" smtClean="0">
+                <a:latin typeface="Times New Roman" pitchFamily="18" charset="0"/>
+                <a:cs typeface="Times New Roman" pitchFamily="18" charset="0"/>
+              </a:rPr>
+              <a:t> </a:t>
+            </a:r>
+            <a:r>
+              <a:rPr lang="en-US" sz="2400" dirty="0" err="1" smtClean="0">
+                <a:latin typeface="Times New Roman" pitchFamily="18" charset="0"/>
+                <a:cs typeface="Times New Roman" pitchFamily="18" charset="0"/>
+              </a:rPr>
+              <a:t>rằng</a:t>
+            </a:r>
+            <a:r>
+              <a:rPr lang="en-US" sz="2400" dirty="0" smtClean="0">
+                <a:latin typeface="Times New Roman" pitchFamily="18" charset="0"/>
+                <a:cs typeface="Times New Roman" pitchFamily="18" charset="0"/>
+              </a:rPr>
+              <a:t> </a:t>
+            </a:r>
+            <a:r>
+              <a:rPr lang="en-US" sz="2400" dirty="0" err="1" smtClean="0">
+                <a:latin typeface="Times New Roman" pitchFamily="18" charset="0"/>
+                <a:cs typeface="Times New Roman" pitchFamily="18" charset="0"/>
+              </a:rPr>
+              <a:t>mẫu</a:t>
+            </a:r>
+            <a:r>
+              <a:rPr lang="en-US" sz="2400" dirty="0" smtClean="0">
+                <a:latin typeface="Times New Roman" pitchFamily="18" charset="0"/>
+                <a:cs typeface="Times New Roman" pitchFamily="18" charset="0"/>
+              </a:rPr>
+              <a:t> </a:t>
+            </a:r>
+            <a:r>
+              <a:rPr lang="en-US" sz="2400" dirty="0" err="1" smtClean="0">
+                <a:latin typeface="Times New Roman" pitchFamily="18" charset="0"/>
+                <a:cs typeface="Times New Roman" pitchFamily="18" charset="0"/>
+              </a:rPr>
+              <a:t>phù</a:t>
+            </a:r>
+            <a:r>
+              <a:rPr lang="en-US" sz="2400" dirty="0" smtClean="0">
+                <a:latin typeface="Times New Roman" pitchFamily="18" charset="0"/>
+                <a:cs typeface="Times New Roman" pitchFamily="18" charset="0"/>
+              </a:rPr>
+              <a:t> </a:t>
+            </a:r>
+            <a:r>
+              <a:rPr lang="en-US" sz="2400" dirty="0" err="1" smtClean="0">
+                <a:latin typeface="Times New Roman" pitchFamily="18" charset="0"/>
+                <a:cs typeface="Times New Roman" pitchFamily="18" charset="0"/>
+              </a:rPr>
+              <a:t>hợp</a:t>
+            </a:r>
+            <a:r>
+              <a:rPr lang="en-US" sz="2400" dirty="0" smtClean="0">
+                <a:latin typeface="Times New Roman" pitchFamily="18" charset="0"/>
+                <a:cs typeface="Times New Roman" pitchFamily="18" charset="0"/>
+              </a:rPr>
+              <a:t> </a:t>
+            </a:r>
+            <a:r>
+              <a:rPr lang="en-US" sz="2400" dirty="0" err="1" smtClean="0">
+                <a:latin typeface="Times New Roman" pitchFamily="18" charset="0"/>
+                <a:cs typeface="Times New Roman" pitchFamily="18" charset="0"/>
+              </a:rPr>
+              <a:t>với</a:t>
+            </a:r>
+            <a:r>
+              <a:rPr lang="en-US" sz="2400" dirty="0" smtClean="0">
+                <a:latin typeface="Times New Roman" pitchFamily="18" charset="0"/>
+                <a:cs typeface="Times New Roman" pitchFamily="18" charset="0"/>
+              </a:rPr>
+              <a:t> </a:t>
+            </a:r>
+            <a:r>
+              <a:rPr lang="en-US" sz="2400" dirty="0" err="1" smtClean="0">
+                <a:latin typeface="Times New Roman" pitchFamily="18" charset="0"/>
+                <a:cs typeface="Times New Roman" pitchFamily="18" charset="0"/>
+              </a:rPr>
+              <a:t>phương</a:t>
+            </a:r>
+            <a:r>
+              <a:rPr lang="en-US" sz="2400" dirty="0" smtClean="0">
+                <a:latin typeface="Times New Roman" pitchFamily="18" charset="0"/>
+                <a:cs typeface="Times New Roman" pitchFamily="18" charset="0"/>
+              </a:rPr>
+              <a:t> </a:t>
+            </a:r>
+            <a:r>
+              <a:rPr lang="en-US" sz="2400" dirty="0" err="1" smtClean="0">
+                <a:latin typeface="Times New Roman" pitchFamily="18" charset="0"/>
+                <a:cs typeface="Times New Roman" pitchFamily="18" charset="0"/>
+              </a:rPr>
+              <a:t>pháp</a:t>
+            </a:r>
+            <a:r>
+              <a:rPr lang="en-US" sz="2400" dirty="0" smtClean="0">
+                <a:latin typeface="Times New Roman" pitchFamily="18" charset="0"/>
+                <a:cs typeface="Times New Roman" pitchFamily="18" charset="0"/>
+              </a:rPr>
+              <a:t> </a:t>
+            </a:r>
+            <a:r>
+              <a:rPr lang="en-US" sz="2400" dirty="0" err="1" smtClean="0">
+                <a:latin typeface="Times New Roman" pitchFamily="18" charset="0"/>
+                <a:cs typeface="Times New Roman" pitchFamily="18" charset="0"/>
+              </a:rPr>
+              <a:t>trích</a:t>
+            </a:r>
+            <a:r>
+              <a:rPr lang="en-US" sz="2400" dirty="0" smtClean="0">
+                <a:latin typeface="Times New Roman" pitchFamily="18" charset="0"/>
+                <a:cs typeface="Times New Roman" pitchFamily="18" charset="0"/>
+              </a:rPr>
+              <a:t> </a:t>
+            </a:r>
+            <a:r>
+              <a:rPr lang="en-US" sz="2400" dirty="0" err="1" smtClean="0">
+                <a:latin typeface="Times New Roman" pitchFamily="18" charset="0"/>
+                <a:cs typeface="Times New Roman" pitchFamily="18" charset="0"/>
+              </a:rPr>
+              <a:t>xuất</a:t>
+            </a:r>
+            <a:r>
+              <a:rPr lang="en-US" sz="2400" dirty="0" smtClean="0">
+                <a:latin typeface="Times New Roman" pitchFamily="18" charset="0"/>
+                <a:cs typeface="Times New Roman" pitchFamily="18" charset="0"/>
+              </a:rPr>
+              <a:t> </a:t>
+            </a:r>
+            <a:r>
+              <a:rPr lang="en-US" sz="2400" dirty="0" err="1" smtClean="0">
+                <a:latin typeface="Times New Roman" pitchFamily="18" charset="0"/>
+                <a:cs typeface="Times New Roman" pitchFamily="18" charset="0"/>
+              </a:rPr>
+              <a:t>tính</a:t>
+            </a:r>
+            <a:r>
+              <a:rPr lang="en-US" sz="2400" dirty="0" smtClean="0">
+                <a:latin typeface="Times New Roman" pitchFamily="18" charset="0"/>
+                <a:cs typeface="Times New Roman" pitchFamily="18" charset="0"/>
+              </a:rPr>
+              <a:t> </a:t>
+            </a:r>
+            <a:r>
+              <a:rPr lang="en-US" sz="2400" dirty="0" err="1" smtClean="0">
+                <a:latin typeface="Times New Roman" pitchFamily="18" charset="0"/>
+                <a:cs typeface="Times New Roman" pitchFamily="18" charset="0"/>
+              </a:rPr>
+              <a:t>năng</a:t>
+            </a:r>
+            <a:r>
+              <a:rPr lang="en-US" sz="2400" dirty="0" smtClean="0">
+                <a:latin typeface="Times New Roman" pitchFamily="18" charset="0"/>
+                <a:cs typeface="Times New Roman" pitchFamily="18" charset="0"/>
+              </a:rPr>
+              <a:t> </a:t>
+            </a:r>
+            <a:r>
+              <a:rPr lang="en-US" sz="2400" dirty="0" err="1" smtClean="0">
+                <a:latin typeface="Times New Roman" pitchFamily="18" charset="0"/>
+                <a:cs typeface="Times New Roman" pitchFamily="18" charset="0"/>
+              </a:rPr>
+              <a:t>khi</a:t>
+            </a:r>
+            <a:r>
+              <a:rPr lang="en-US" sz="2400" dirty="0" smtClean="0">
+                <a:latin typeface="Times New Roman" pitchFamily="18" charset="0"/>
+                <a:cs typeface="Times New Roman" pitchFamily="18" charset="0"/>
+              </a:rPr>
+              <a:t> </a:t>
+            </a:r>
+            <a:r>
+              <a:rPr lang="en-US" sz="2400" dirty="0" err="1" smtClean="0">
+                <a:latin typeface="Times New Roman" pitchFamily="18" charset="0"/>
+                <a:cs typeface="Times New Roman" pitchFamily="18" charset="0"/>
+              </a:rPr>
+              <a:t>áp</a:t>
+            </a:r>
+            <a:r>
+              <a:rPr lang="en-US" sz="2400" dirty="0" smtClean="0">
+                <a:latin typeface="Times New Roman" pitchFamily="18" charset="0"/>
+                <a:cs typeface="Times New Roman" pitchFamily="18" charset="0"/>
+              </a:rPr>
+              <a:t> </a:t>
+            </a:r>
+            <a:r>
+              <a:rPr lang="en-US" sz="2400" dirty="0" err="1" smtClean="0">
+                <a:latin typeface="Times New Roman" pitchFamily="18" charset="0"/>
+                <a:cs typeface="Times New Roman" pitchFamily="18" charset="0"/>
+              </a:rPr>
+              <a:t>dụng</a:t>
+            </a:r>
+            <a:r>
+              <a:rPr lang="en-US" sz="2400" dirty="0" smtClean="0">
+                <a:latin typeface="Times New Roman" pitchFamily="18" charset="0"/>
+                <a:cs typeface="Times New Roman" pitchFamily="18" charset="0"/>
+              </a:rPr>
+              <a:t> </a:t>
+            </a:r>
+            <a:r>
+              <a:rPr lang="en-US" sz="2400" dirty="0" err="1" smtClean="0">
+                <a:latin typeface="Times New Roman" pitchFamily="18" charset="0"/>
+                <a:cs typeface="Times New Roman" pitchFamily="18" charset="0"/>
+              </a:rPr>
+              <a:t>mạng</a:t>
+            </a:r>
+            <a:r>
+              <a:rPr lang="en-US" sz="2400" dirty="0" smtClean="0">
+                <a:latin typeface="Times New Roman" pitchFamily="18" charset="0"/>
+                <a:cs typeface="Times New Roman" pitchFamily="18" charset="0"/>
+              </a:rPr>
+              <a:t> </a:t>
+            </a:r>
+            <a:r>
+              <a:rPr lang="en-US" sz="2400" dirty="0" err="1" smtClean="0">
+                <a:latin typeface="Times New Roman" pitchFamily="18" charset="0"/>
+                <a:cs typeface="Times New Roman" pitchFamily="18" charset="0"/>
+              </a:rPr>
+              <a:t>nơ</a:t>
+            </a:r>
+            <a:r>
+              <a:rPr lang="en-US" sz="2400" dirty="0">
+                <a:latin typeface="Times New Roman" pitchFamily="18" charset="0"/>
+                <a:cs typeface="Times New Roman" pitchFamily="18" charset="0"/>
+              </a:rPr>
+              <a:t> </a:t>
+            </a:r>
+            <a:r>
+              <a:rPr lang="en-US" sz="2400" dirty="0" err="1" smtClean="0">
+                <a:latin typeface="Times New Roman" pitchFamily="18" charset="0"/>
+                <a:cs typeface="Times New Roman" pitchFamily="18" charset="0"/>
+              </a:rPr>
+              <a:t>ron</a:t>
+            </a:r>
+            <a:r>
+              <a:rPr lang="en-US" sz="2400" dirty="0" smtClean="0">
+                <a:latin typeface="Times New Roman" pitchFamily="18" charset="0"/>
+                <a:cs typeface="Times New Roman" pitchFamily="18" charset="0"/>
+              </a:rPr>
+              <a:t> </a:t>
+            </a:r>
+            <a:r>
+              <a:rPr lang="en-US" sz="2400" dirty="0" err="1" smtClean="0">
+                <a:latin typeface="Times New Roman" pitchFamily="18" charset="0"/>
+                <a:cs typeface="Times New Roman" pitchFamily="18" charset="0"/>
+              </a:rPr>
+              <a:t>nhân</a:t>
+            </a:r>
+            <a:r>
+              <a:rPr lang="en-US" sz="2400" dirty="0" smtClean="0">
+                <a:latin typeface="Times New Roman" pitchFamily="18" charset="0"/>
+                <a:cs typeface="Times New Roman" pitchFamily="18" charset="0"/>
+              </a:rPr>
+              <a:t> </a:t>
+            </a:r>
+            <a:r>
+              <a:rPr lang="en-US" sz="2400" dirty="0" err="1" smtClean="0">
+                <a:latin typeface="Times New Roman" pitchFamily="18" charset="0"/>
+                <a:cs typeface="Times New Roman" pitchFamily="18" charset="0"/>
+              </a:rPr>
+              <a:t>tạo</a:t>
+            </a:r>
+            <a:r>
+              <a:rPr lang="en-US" sz="2400" dirty="0" smtClean="0">
+                <a:latin typeface="Times New Roman" pitchFamily="18" charset="0"/>
+                <a:cs typeface="Times New Roman" pitchFamily="18" charset="0"/>
+              </a:rPr>
+              <a:t> (</a:t>
+            </a:r>
+            <a:r>
+              <a:rPr lang="en-US" sz="2400" dirty="0" err="1" smtClean="0">
+                <a:latin typeface="Times New Roman" pitchFamily="18" charset="0"/>
+                <a:cs typeface="Times New Roman" pitchFamily="18" charset="0"/>
+              </a:rPr>
+              <a:t>lan</a:t>
+            </a:r>
+            <a:r>
+              <a:rPr lang="en-US" sz="2400" dirty="0" smtClean="0">
+                <a:latin typeface="Times New Roman" pitchFamily="18" charset="0"/>
+                <a:cs typeface="Times New Roman" pitchFamily="18" charset="0"/>
+              </a:rPr>
+              <a:t> </a:t>
+            </a:r>
+            <a:r>
+              <a:rPr lang="en-US" sz="2400" dirty="0" err="1" smtClean="0">
+                <a:latin typeface="Times New Roman" pitchFamily="18" charset="0"/>
+                <a:cs typeface="Times New Roman" pitchFamily="18" charset="0"/>
+              </a:rPr>
+              <a:t>truyền</a:t>
+            </a:r>
+            <a:r>
+              <a:rPr lang="en-US" sz="2400" dirty="0" smtClean="0">
+                <a:latin typeface="Times New Roman" pitchFamily="18" charset="0"/>
+                <a:cs typeface="Times New Roman" pitchFamily="18" charset="0"/>
+              </a:rPr>
+              <a:t> </a:t>
+            </a:r>
+            <a:r>
+              <a:rPr lang="en-US" sz="2400" dirty="0" err="1" smtClean="0">
+                <a:latin typeface="Times New Roman" pitchFamily="18" charset="0"/>
+                <a:cs typeface="Times New Roman" pitchFamily="18" charset="0"/>
+              </a:rPr>
+              <a:t>ngược</a:t>
+            </a:r>
+            <a:r>
+              <a:rPr lang="en-US" sz="2400" dirty="0" smtClean="0">
+                <a:latin typeface="Times New Roman" pitchFamily="18" charset="0"/>
+                <a:cs typeface="Times New Roman" pitchFamily="18" charset="0"/>
+              </a:rPr>
+              <a:t>).</a:t>
+            </a:r>
+          </a:p>
+          <a:p>
+            <a:pPr marL="342900" indent="-342900">
+              <a:buFont typeface="Arial" pitchFamily="34" charset="0"/>
+              <a:buChar char="•"/>
+            </a:pPr>
+            <a:endParaRPr lang="en-US" sz="2400" dirty="0" smtClean="0">
+              <a:latin typeface="Times New Roman" pitchFamily="18" charset="0"/>
+              <a:cs typeface="Times New Roman" pitchFamily="18" charset="0"/>
+            </a:endParaRPr>
+          </a:p>
+          <a:p>
+            <a:pPr marL="342900" indent="-342900">
+              <a:buFont typeface="Arial" pitchFamily="34" charset="0"/>
+              <a:buChar char="•"/>
+            </a:pPr>
+            <a:r>
+              <a:rPr lang="en-US" sz="2400" dirty="0" err="1" smtClean="0">
+                <a:latin typeface="Times New Roman" pitchFamily="18" charset="0"/>
+                <a:cs typeface="Times New Roman" pitchFamily="18" charset="0"/>
+              </a:rPr>
+              <a:t>Trích</a:t>
+            </a:r>
+            <a:r>
+              <a:rPr lang="en-US" sz="2400" dirty="0" smtClean="0">
+                <a:latin typeface="Times New Roman" pitchFamily="18" charset="0"/>
+                <a:cs typeface="Times New Roman" pitchFamily="18" charset="0"/>
+              </a:rPr>
+              <a:t> </a:t>
+            </a:r>
+            <a:r>
+              <a:rPr lang="en-US" sz="2400" dirty="0" err="1" smtClean="0">
+                <a:latin typeface="Times New Roman" pitchFamily="18" charset="0"/>
+                <a:cs typeface="Times New Roman" pitchFamily="18" charset="0"/>
+              </a:rPr>
+              <a:t>xuất</a:t>
+            </a:r>
+            <a:r>
+              <a:rPr lang="en-US" sz="2400" dirty="0" smtClean="0">
+                <a:latin typeface="Times New Roman" pitchFamily="18" charset="0"/>
+                <a:cs typeface="Times New Roman" pitchFamily="18" charset="0"/>
+              </a:rPr>
+              <a:t> </a:t>
+            </a:r>
+            <a:r>
+              <a:rPr lang="en-US" sz="2400" dirty="0" err="1" smtClean="0">
+                <a:latin typeface="Times New Roman" pitchFamily="18" charset="0"/>
+                <a:cs typeface="Times New Roman" pitchFamily="18" charset="0"/>
+              </a:rPr>
+              <a:t>tính</a:t>
+            </a:r>
+            <a:r>
+              <a:rPr lang="en-US" sz="2400" dirty="0" smtClean="0">
+                <a:latin typeface="Times New Roman" pitchFamily="18" charset="0"/>
+                <a:cs typeface="Times New Roman" pitchFamily="18" charset="0"/>
+              </a:rPr>
+              <a:t> </a:t>
+            </a:r>
+            <a:r>
+              <a:rPr lang="en-US" sz="2400" dirty="0" err="1" smtClean="0">
+                <a:latin typeface="Times New Roman" pitchFamily="18" charset="0"/>
+                <a:cs typeface="Times New Roman" pitchFamily="18" charset="0"/>
+              </a:rPr>
+              <a:t>năng</a:t>
+            </a:r>
+            <a:r>
+              <a:rPr lang="en-US" sz="2400" dirty="0" smtClean="0">
+                <a:latin typeface="Times New Roman" pitchFamily="18" charset="0"/>
+                <a:cs typeface="Times New Roman" pitchFamily="18" charset="0"/>
+              </a:rPr>
+              <a:t> </a:t>
+            </a:r>
+            <a:r>
+              <a:rPr lang="en-US" sz="2400" dirty="0" err="1" smtClean="0">
+                <a:latin typeface="Times New Roman" pitchFamily="18" charset="0"/>
+                <a:cs typeface="Times New Roman" pitchFamily="18" charset="0"/>
+              </a:rPr>
+              <a:t>có</a:t>
+            </a:r>
+            <a:r>
+              <a:rPr lang="en-US" sz="2400" dirty="0" smtClean="0">
+                <a:latin typeface="Times New Roman" pitchFamily="18" charset="0"/>
+                <a:cs typeface="Times New Roman" pitchFamily="18" charset="0"/>
+              </a:rPr>
+              <a:t> </a:t>
+            </a:r>
+            <a:r>
+              <a:rPr lang="en-US" sz="2400" dirty="0" err="1" smtClean="0">
+                <a:latin typeface="Times New Roman" pitchFamily="18" charset="0"/>
+                <a:cs typeface="Times New Roman" pitchFamily="18" charset="0"/>
+              </a:rPr>
+              <a:t>lẽ</a:t>
+            </a:r>
+            <a:r>
+              <a:rPr lang="en-US" sz="2400" dirty="0">
+                <a:latin typeface="Times New Roman" pitchFamily="18" charset="0"/>
+                <a:cs typeface="Times New Roman" pitchFamily="18" charset="0"/>
+              </a:rPr>
+              <a:t> </a:t>
+            </a:r>
+            <a:r>
+              <a:rPr lang="en-US" sz="2400" dirty="0" err="1" smtClean="0">
+                <a:latin typeface="Times New Roman" pitchFamily="18" charset="0"/>
+                <a:cs typeface="Times New Roman" pitchFamily="18" charset="0"/>
+              </a:rPr>
+              <a:t>là</a:t>
+            </a:r>
+            <a:r>
+              <a:rPr lang="en-US" sz="2400" dirty="0" smtClean="0">
+                <a:latin typeface="Times New Roman" pitchFamily="18" charset="0"/>
+                <a:cs typeface="Times New Roman" pitchFamily="18" charset="0"/>
+              </a:rPr>
+              <a:t> </a:t>
+            </a:r>
+            <a:r>
+              <a:rPr lang="en-US" sz="2400" dirty="0" err="1" smtClean="0">
+                <a:latin typeface="Times New Roman" pitchFamily="18" charset="0"/>
+                <a:cs typeface="Times New Roman" pitchFamily="18" charset="0"/>
+              </a:rPr>
+              <a:t>yếu</a:t>
+            </a:r>
+            <a:r>
+              <a:rPr lang="en-US" sz="2400" dirty="0" smtClean="0">
+                <a:latin typeface="Times New Roman" pitchFamily="18" charset="0"/>
+                <a:cs typeface="Times New Roman" pitchFamily="18" charset="0"/>
+              </a:rPr>
+              <a:t> </a:t>
+            </a:r>
+            <a:r>
+              <a:rPr lang="en-US" sz="2400" dirty="0" err="1" smtClean="0">
+                <a:latin typeface="Times New Roman" pitchFamily="18" charset="0"/>
+                <a:cs typeface="Times New Roman" pitchFamily="18" charset="0"/>
+              </a:rPr>
+              <a:t>tố</a:t>
+            </a:r>
+            <a:r>
+              <a:rPr lang="en-US" sz="2400" dirty="0" smtClean="0">
+                <a:latin typeface="Times New Roman" pitchFamily="18" charset="0"/>
+                <a:cs typeface="Times New Roman" pitchFamily="18" charset="0"/>
+              </a:rPr>
+              <a:t> </a:t>
+            </a:r>
+            <a:r>
+              <a:rPr lang="en-US" sz="2400" dirty="0" err="1" smtClean="0">
+                <a:latin typeface="Times New Roman" pitchFamily="18" charset="0"/>
+                <a:cs typeface="Times New Roman" pitchFamily="18" charset="0"/>
+              </a:rPr>
+              <a:t>quan</a:t>
+            </a:r>
+            <a:r>
+              <a:rPr lang="en-US" sz="2400" dirty="0" smtClean="0">
+                <a:latin typeface="Times New Roman" pitchFamily="18" charset="0"/>
+                <a:cs typeface="Times New Roman" pitchFamily="18" charset="0"/>
+              </a:rPr>
+              <a:t> </a:t>
+            </a:r>
+            <a:r>
+              <a:rPr lang="en-US" sz="2400" dirty="0" err="1" smtClean="0">
+                <a:latin typeface="Times New Roman" pitchFamily="18" charset="0"/>
+                <a:cs typeface="Times New Roman" pitchFamily="18" charset="0"/>
+              </a:rPr>
+              <a:t>trọng</a:t>
+            </a:r>
+            <a:r>
+              <a:rPr lang="en-US" sz="2400" dirty="0" smtClean="0">
+                <a:latin typeface="Times New Roman" pitchFamily="18" charset="0"/>
+                <a:cs typeface="Times New Roman" pitchFamily="18" charset="0"/>
+              </a:rPr>
+              <a:t> </a:t>
+            </a:r>
+            <a:r>
+              <a:rPr lang="en-US" sz="2400" dirty="0" err="1" smtClean="0">
+                <a:latin typeface="Times New Roman" pitchFamily="18" charset="0"/>
+                <a:cs typeface="Times New Roman" pitchFamily="18" charset="0"/>
+              </a:rPr>
+              <a:t>để</a:t>
+            </a:r>
+            <a:r>
+              <a:rPr lang="en-US" sz="2400" dirty="0" smtClean="0">
+                <a:latin typeface="Times New Roman" pitchFamily="18" charset="0"/>
+                <a:cs typeface="Times New Roman" pitchFamily="18" charset="0"/>
+              </a:rPr>
+              <a:t> </a:t>
+            </a:r>
+            <a:r>
+              <a:rPr lang="en-US" sz="2400" dirty="0" err="1" smtClean="0">
+                <a:latin typeface="Times New Roman" pitchFamily="18" charset="0"/>
+                <a:cs typeface="Times New Roman" pitchFamily="18" charset="0"/>
+              </a:rPr>
+              <a:t>đạt</a:t>
+            </a:r>
+            <a:r>
+              <a:rPr lang="en-US" sz="2400" dirty="0" smtClean="0">
+                <a:latin typeface="Times New Roman" pitchFamily="18" charset="0"/>
+                <a:cs typeface="Times New Roman" pitchFamily="18" charset="0"/>
+              </a:rPr>
+              <a:t> </a:t>
+            </a:r>
+            <a:r>
+              <a:rPr lang="en-US" sz="2400" dirty="0" err="1" smtClean="0">
+                <a:latin typeface="Times New Roman" pitchFamily="18" charset="0"/>
+                <a:cs typeface="Times New Roman" pitchFamily="18" charset="0"/>
+              </a:rPr>
+              <a:t>được</a:t>
+            </a:r>
+            <a:r>
+              <a:rPr lang="en-US" sz="2400" dirty="0" smtClean="0">
+                <a:latin typeface="Times New Roman" pitchFamily="18" charset="0"/>
+                <a:cs typeface="Times New Roman" pitchFamily="18" charset="0"/>
+              </a:rPr>
+              <a:t> </a:t>
+            </a:r>
+            <a:r>
+              <a:rPr lang="en-US" sz="2400" dirty="0" err="1" smtClean="0">
+                <a:latin typeface="Times New Roman" pitchFamily="18" charset="0"/>
+                <a:cs typeface="Times New Roman" pitchFamily="18" charset="0"/>
+              </a:rPr>
+              <a:t>độ</a:t>
+            </a:r>
+            <a:r>
+              <a:rPr lang="en-US" sz="2400" dirty="0" smtClean="0">
+                <a:latin typeface="Times New Roman" pitchFamily="18" charset="0"/>
+                <a:cs typeface="Times New Roman" pitchFamily="18" charset="0"/>
+              </a:rPr>
+              <a:t> </a:t>
+            </a:r>
+            <a:r>
+              <a:rPr lang="en-US" sz="2400" dirty="0" err="1" smtClean="0">
+                <a:latin typeface="Times New Roman" pitchFamily="18" charset="0"/>
+                <a:cs typeface="Times New Roman" pitchFamily="18" charset="0"/>
+              </a:rPr>
+              <a:t>chính</a:t>
+            </a:r>
+            <a:r>
+              <a:rPr lang="en-US" sz="2400" dirty="0" smtClean="0">
+                <a:latin typeface="Times New Roman" pitchFamily="18" charset="0"/>
+                <a:cs typeface="Times New Roman" pitchFamily="18" charset="0"/>
+              </a:rPr>
+              <a:t> </a:t>
+            </a:r>
+            <a:r>
+              <a:rPr lang="en-US" sz="2400" dirty="0" err="1" smtClean="0">
+                <a:latin typeface="Times New Roman" pitchFamily="18" charset="0"/>
+                <a:cs typeface="Times New Roman" pitchFamily="18" charset="0"/>
+              </a:rPr>
+              <a:t>xác</a:t>
+            </a:r>
+            <a:r>
+              <a:rPr lang="en-US" sz="2400" dirty="0" smtClean="0">
+                <a:latin typeface="Times New Roman" pitchFamily="18" charset="0"/>
+                <a:cs typeface="Times New Roman" pitchFamily="18" charset="0"/>
+              </a:rPr>
+              <a:t> </a:t>
+            </a:r>
+            <a:r>
+              <a:rPr lang="en-US" sz="2400" dirty="0" err="1" smtClean="0">
+                <a:latin typeface="Times New Roman" pitchFamily="18" charset="0"/>
+                <a:cs typeface="Times New Roman" pitchFamily="18" charset="0"/>
+              </a:rPr>
+              <a:t>cao</a:t>
+            </a:r>
+            <a:r>
+              <a:rPr lang="en-US" sz="2400" smtClean="0">
+                <a:latin typeface="Times New Roman" pitchFamily="18" charset="0"/>
+                <a:cs typeface="Times New Roman" pitchFamily="18" charset="0"/>
+              </a:rPr>
+              <a:t>.</a:t>
+            </a:r>
+            <a:endParaRPr lang="en-US" sz="2400" dirty="0" smtClean="0">
+              <a:latin typeface="Times New Roman" pitchFamily="18" charset="0"/>
+              <a:cs typeface="Times New Roman" pitchFamily="18" charset="0"/>
+            </a:endParaRPr>
+          </a:p>
+          <a:p>
+            <a:pPr marL="342900" indent="-342900">
+              <a:buFont typeface="Arial" pitchFamily="34" charset="0"/>
+              <a:buChar char="•"/>
+            </a:pPr>
+            <a:endParaRPr lang="en-US" sz="2400" dirty="0" smtClean="0">
+              <a:latin typeface="Times New Roman" pitchFamily="18" charset="0"/>
+              <a:cs typeface="Times New Roman" pitchFamily="18" charset="0"/>
+            </a:endParaRPr>
+          </a:p>
+          <a:p>
+            <a:pPr marL="342900" indent="-342900">
+              <a:buFont typeface="Arial" pitchFamily="34" charset="0"/>
+              <a:buChar char="•"/>
+            </a:pPr>
+            <a:r>
+              <a:rPr lang="en-US" sz="2400" dirty="0" err="1" smtClean="0">
+                <a:latin typeface="Times New Roman" pitchFamily="18" charset="0"/>
+                <a:cs typeface="Times New Roman" pitchFamily="18" charset="0"/>
+              </a:rPr>
+              <a:t>Bài</a:t>
+            </a:r>
+            <a:r>
+              <a:rPr lang="en-US" sz="2400" dirty="0">
+                <a:latin typeface="Times New Roman" pitchFamily="18" charset="0"/>
+                <a:cs typeface="Times New Roman" pitchFamily="18" charset="0"/>
+              </a:rPr>
+              <a:t> </a:t>
+            </a:r>
+            <a:r>
+              <a:rPr lang="en-US" sz="2400" dirty="0" err="1" smtClean="0">
+                <a:latin typeface="Times New Roman" pitchFamily="18" charset="0"/>
+                <a:cs typeface="Times New Roman" pitchFamily="18" charset="0"/>
+              </a:rPr>
+              <a:t>viết</a:t>
+            </a:r>
+            <a:r>
+              <a:rPr lang="en-US" sz="2400" dirty="0" smtClean="0">
+                <a:latin typeface="Times New Roman" pitchFamily="18" charset="0"/>
+                <a:cs typeface="Times New Roman" pitchFamily="18" charset="0"/>
+              </a:rPr>
+              <a:t> </a:t>
+            </a:r>
+            <a:r>
+              <a:rPr lang="en-US" sz="2400" dirty="0" err="1" smtClean="0">
+                <a:latin typeface="Times New Roman" pitchFamily="18" charset="0"/>
+                <a:cs typeface="Times New Roman" pitchFamily="18" charset="0"/>
+              </a:rPr>
+              <a:t>thảo</a:t>
+            </a:r>
+            <a:r>
+              <a:rPr lang="en-US" sz="2400" dirty="0" smtClean="0">
+                <a:latin typeface="Times New Roman" pitchFamily="18" charset="0"/>
+                <a:cs typeface="Times New Roman" pitchFamily="18" charset="0"/>
+              </a:rPr>
+              <a:t> </a:t>
+            </a:r>
+            <a:r>
+              <a:rPr lang="en-US" sz="2400" dirty="0" err="1" smtClean="0">
+                <a:latin typeface="Times New Roman" pitchFamily="18" charset="0"/>
+                <a:cs typeface="Times New Roman" pitchFamily="18" charset="0"/>
+              </a:rPr>
+              <a:t>luận</a:t>
+            </a:r>
+            <a:r>
+              <a:rPr lang="en-US" sz="2400" dirty="0" smtClean="0">
+                <a:latin typeface="Times New Roman" pitchFamily="18" charset="0"/>
+                <a:cs typeface="Times New Roman" pitchFamily="18" charset="0"/>
+              </a:rPr>
+              <a:t> </a:t>
+            </a:r>
+            <a:r>
+              <a:rPr lang="en-US" sz="2400" dirty="0" err="1" smtClean="0">
+                <a:latin typeface="Times New Roman" pitchFamily="18" charset="0"/>
+                <a:cs typeface="Times New Roman" pitchFamily="18" charset="0"/>
+              </a:rPr>
+              <a:t>về</a:t>
+            </a:r>
+            <a:r>
+              <a:rPr lang="en-US" sz="2400" dirty="0" smtClean="0">
+                <a:latin typeface="Times New Roman" pitchFamily="18" charset="0"/>
+                <a:cs typeface="Times New Roman" pitchFamily="18" charset="0"/>
+              </a:rPr>
+              <a:t> </a:t>
+            </a:r>
+            <a:r>
+              <a:rPr lang="en-US" sz="2400" dirty="0" err="1" smtClean="0">
+                <a:latin typeface="Times New Roman" pitchFamily="18" charset="0"/>
+                <a:cs typeface="Times New Roman" pitchFamily="18" charset="0"/>
+              </a:rPr>
+              <a:t>phương</a:t>
+            </a:r>
+            <a:r>
+              <a:rPr lang="en-US" sz="2400" dirty="0" smtClean="0">
+                <a:latin typeface="Times New Roman" pitchFamily="18" charset="0"/>
+                <a:cs typeface="Times New Roman" pitchFamily="18" charset="0"/>
+              </a:rPr>
+              <a:t> </a:t>
+            </a:r>
+            <a:r>
+              <a:rPr lang="en-US" sz="2400" dirty="0" err="1" smtClean="0">
+                <a:latin typeface="Times New Roman" pitchFamily="18" charset="0"/>
+                <a:cs typeface="Times New Roman" pitchFamily="18" charset="0"/>
+              </a:rPr>
+              <a:t>pháp</a:t>
+            </a:r>
+            <a:r>
+              <a:rPr lang="en-US" sz="2400" dirty="0" smtClean="0">
+                <a:latin typeface="Times New Roman" pitchFamily="18" charset="0"/>
+                <a:cs typeface="Times New Roman" pitchFamily="18" charset="0"/>
+              </a:rPr>
+              <a:t> </a:t>
+            </a:r>
+            <a:r>
+              <a:rPr lang="en-US" sz="2400" dirty="0" err="1" smtClean="0">
+                <a:latin typeface="Times New Roman" pitchFamily="18" charset="0"/>
+                <a:cs typeface="Times New Roman" pitchFamily="18" charset="0"/>
+              </a:rPr>
+              <a:t>được</a:t>
+            </a:r>
+            <a:r>
+              <a:rPr lang="en-US" sz="2400" dirty="0" smtClean="0">
+                <a:latin typeface="Times New Roman" pitchFamily="18" charset="0"/>
+                <a:cs typeface="Times New Roman" pitchFamily="18" charset="0"/>
+              </a:rPr>
+              <a:t> </a:t>
+            </a:r>
+            <a:r>
+              <a:rPr lang="en-US" sz="2400" dirty="0" err="1" smtClean="0">
+                <a:latin typeface="Times New Roman" pitchFamily="18" charset="0"/>
+                <a:cs typeface="Times New Roman" pitchFamily="18" charset="0"/>
+              </a:rPr>
+              <a:t>sử</a:t>
+            </a:r>
+            <a:r>
+              <a:rPr lang="en-US" sz="2400" dirty="0" smtClean="0">
+                <a:latin typeface="Times New Roman" pitchFamily="18" charset="0"/>
+                <a:cs typeface="Times New Roman" pitchFamily="18" charset="0"/>
+              </a:rPr>
+              <a:t> </a:t>
+            </a:r>
+            <a:r>
+              <a:rPr lang="en-US" sz="2400" dirty="0" err="1" smtClean="0">
+                <a:latin typeface="Times New Roman" pitchFamily="18" charset="0"/>
+                <a:cs typeface="Times New Roman" pitchFamily="18" charset="0"/>
+              </a:rPr>
+              <a:t>dụng</a:t>
+            </a:r>
+            <a:r>
+              <a:rPr lang="en-US" sz="2400" dirty="0" smtClean="0">
+                <a:latin typeface="Times New Roman" pitchFamily="18" charset="0"/>
+                <a:cs typeface="Times New Roman" pitchFamily="18" charset="0"/>
+              </a:rPr>
+              <a:t> </a:t>
+            </a:r>
+            <a:r>
+              <a:rPr lang="en-US" sz="2400" dirty="0" err="1" smtClean="0">
+                <a:latin typeface="Times New Roman" pitchFamily="18" charset="0"/>
+                <a:cs typeface="Times New Roman" pitchFamily="18" charset="0"/>
+              </a:rPr>
+              <a:t>trong</a:t>
+            </a:r>
+            <a:r>
+              <a:rPr lang="en-US" sz="2400" dirty="0" smtClean="0">
+                <a:latin typeface="Times New Roman" pitchFamily="18" charset="0"/>
+                <a:cs typeface="Times New Roman" pitchFamily="18" charset="0"/>
+              </a:rPr>
+              <a:t> </a:t>
+            </a:r>
+            <a:r>
+              <a:rPr lang="en-US" sz="2400" dirty="0" err="1" smtClean="0">
+                <a:latin typeface="Times New Roman" pitchFamily="18" charset="0"/>
+                <a:cs typeface="Times New Roman" pitchFamily="18" charset="0"/>
+              </a:rPr>
+              <a:t>ứng</a:t>
+            </a:r>
+            <a:r>
+              <a:rPr lang="en-US" sz="2400" dirty="0" smtClean="0">
+                <a:latin typeface="Times New Roman" pitchFamily="18" charset="0"/>
+                <a:cs typeface="Times New Roman" pitchFamily="18" charset="0"/>
+              </a:rPr>
+              <a:t> </a:t>
+            </a:r>
+            <a:r>
+              <a:rPr lang="en-US" sz="2400" dirty="0" err="1" smtClean="0">
+                <a:latin typeface="Times New Roman" pitchFamily="18" charset="0"/>
+                <a:cs typeface="Times New Roman" pitchFamily="18" charset="0"/>
+              </a:rPr>
+              <a:t>dụng</a:t>
+            </a:r>
+            <a:r>
+              <a:rPr lang="en-US" sz="2400" dirty="0" smtClean="0">
+                <a:latin typeface="Times New Roman" pitchFamily="18" charset="0"/>
+                <a:cs typeface="Times New Roman" pitchFamily="18" charset="0"/>
+              </a:rPr>
+              <a:t> </a:t>
+            </a:r>
+            <a:r>
+              <a:rPr lang="en-US" sz="2400" dirty="0" err="1" smtClean="0">
+                <a:latin typeface="Times New Roman" pitchFamily="18" charset="0"/>
+                <a:cs typeface="Times New Roman" pitchFamily="18" charset="0"/>
+              </a:rPr>
+              <a:t>nhận</a:t>
+            </a:r>
+            <a:r>
+              <a:rPr lang="en-US" sz="2400" dirty="0" smtClean="0">
+                <a:latin typeface="Times New Roman" pitchFamily="18" charset="0"/>
+                <a:cs typeface="Times New Roman" pitchFamily="18" charset="0"/>
+              </a:rPr>
+              <a:t> </a:t>
+            </a:r>
+            <a:r>
+              <a:rPr lang="en-US" sz="2400" dirty="0" err="1" smtClean="0">
+                <a:latin typeface="Times New Roman" pitchFamily="18" charset="0"/>
+                <a:cs typeface="Times New Roman" pitchFamily="18" charset="0"/>
+              </a:rPr>
+              <a:t>dạng</a:t>
+            </a:r>
+            <a:r>
+              <a:rPr lang="en-US" sz="2400" dirty="0" smtClean="0">
+                <a:latin typeface="Times New Roman" pitchFamily="18" charset="0"/>
+                <a:cs typeface="Times New Roman" pitchFamily="18" charset="0"/>
+              </a:rPr>
+              <a:t> </a:t>
+            </a:r>
+            <a:r>
+              <a:rPr lang="en-US" sz="2400" dirty="0" err="1" smtClean="0">
+                <a:latin typeface="Times New Roman" pitchFamily="18" charset="0"/>
+                <a:cs typeface="Times New Roman" pitchFamily="18" charset="0"/>
+              </a:rPr>
+              <a:t>ký</a:t>
+            </a:r>
+            <a:r>
+              <a:rPr lang="en-US" sz="2400" dirty="0" smtClean="0">
+                <a:latin typeface="Times New Roman" pitchFamily="18" charset="0"/>
+                <a:cs typeface="Times New Roman" pitchFamily="18" charset="0"/>
+              </a:rPr>
+              <a:t> </a:t>
+            </a:r>
+            <a:r>
+              <a:rPr lang="en-US" sz="2400" dirty="0" err="1" smtClean="0">
+                <a:latin typeface="Times New Roman" pitchFamily="18" charset="0"/>
+                <a:cs typeface="Times New Roman" pitchFamily="18" charset="0"/>
+              </a:rPr>
+              <a:t>tự</a:t>
+            </a:r>
+            <a:r>
+              <a:rPr lang="en-US" sz="2400" dirty="0" smtClean="0">
+                <a:latin typeface="Times New Roman" pitchFamily="18" charset="0"/>
+                <a:cs typeface="Times New Roman" pitchFamily="18" charset="0"/>
+              </a:rPr>
+              <a:t> </a:t>
+            </a:r>
+            <a:r>
+              <a:rPr lang="en-US" sz="2400" dirty="0" err="1" smtClean="0">
+                <a:latin typeface="Times New Roman" pitchFamily="18" charset="0"/>
+                <a:cs typeface="Times New Roman" pitchFamily="18" charset="0"/>
+              </a:rPr>
+              <a:t>trong</a:t>
+            </a:r>
+            <a:r>
+              <a:rPr lang="en-US" sz="2400" dirty="0" smtClean="0">
+                <a:latin typeface="Times New Roman" pitchFamily="18" charset="0"/>
+                <a:cs typeface="Times New Roman" pitchFamily="18" charset="0"/>
+              </a:rPr>
+              <a:t> Java </a:t>
+            </a:r>
+            <a:r>
+              <a:rPr lang="en-US" sz="2400" dirty="0" err="1" smtClean="0">
+                <a:latin typeface="Times New Roman" pitchFamily="18" charset="0"/>
+                <a:cs typeface="Times New Roman" pitchFamily="18" charset="0"/>
+              </a:rPr>
+              <a:t>để</a:t>
+            </a:r>
+            <a:r>
+              <a:rPr lang="en-US" sz="2400" dirty="0" smtClean="0">
+                <a:latin typeface="Times New Roman" pitchFamily="18" charset="0"/>
+                <a:cs typeface="Times New Roman" pitchFamily="18" charset="0"/>
+              </a:rPr>
+              <a:t> </a:t>
+            </a:r>
+            <a:r>
+              <a:rPr lang="en-US" sz="2400" dirty="0" err="1" smtClean="0">
+                <a:latin typeface="Times New Roman" pitchFamily="18" charset="0"/>
+                <a:cs typeface="Times New Roman" pitchFamily="18" charset="0"/>
+              </a:rPr>
+              <a:t>nó</a:t>
+            </a:r>
+            <a:r>
+              <a:rPr lang="en-US" sz="2400" dirty="0" smtClean="0">
+                <a:latin typeface="Times New Roman" pitchFamily="18" charset="0"/>
+                <a:cs typeface="Times New Roman" pitchFamily="18" charset="0"/>
+              </a:rPr>
+              <a:t> </a:t>
+            </a:r>
+            <a:r>
+              <a:rPr lang="en-US" sz="2400" dirty="0" err="1" smtClean="0">
+                <a:latin typeface="Times New Roman" pitchFamily="18" charset="0"/>
+                <a:cs typeface="Times New Roman" pitchFamily="18" charset="0"/>
+              </a:rPr>
+              <a:t>có</a:t>
+            </a:r>
+            <a:r>
+              <a:rPr lang="en-US" sz="2400" dirty="0" smtClean="0">
+                <a:latin typeface="Times New Roman" pitchFamily="18" charset="0"/>
+                <a:cs typeface="Times New Roman" pitchFamily="18" charset="0"/>
+              </a:rPr>
+              <a:t> </a:t>
+            </a:r>
+            <a:r>
+              <a:rPr lang="en-US" sz="2400" dirty="0" err="1" smtClean="0">
+                <a:latin typeface="Times New Roman" pitchFamily="18" charset="0"/>
+                <a:cs typeface="Times New Roman" pitchFamily="18" charset="0"/>
+              </a:rPr>
+              <a:t>thể</a:t>
+            </a:r>
+            <a:r>
+              <a:rPr lang="en-US" sz="2400" dirty="0" smtClean="0">
+                <a:latin typeface="Times New Roman" pitchFamily="18" charset="0"/>
+                <a:cs typeface="Times New Roman" pitchFamily="18" charset="0"/>
+              </a:rPr>
+              <a:t> </a:t>
+            </a:r>
+            <a:r>
+              <a:rPr lang="en-US" sz="2400" dirty="0" err="1" smtClean="0">
+                <a:latin typeface="Times New Roman" pitchFamily="18" charset="0"/>
+                <a:cs typeface="Times New Roman" pitchFamily="18" charset="0"/>
+              </a:rPr>
+              <a:t>dễ</a:t>
+            </a:r>
+            <a:r>
+              <a:rPr lang="en-US" sz="2400" dirty="0" smtClean="0">
+                <a:latin typeface="Times New Roman" pitchFamily="18" charset="0"/>
+                <a:cs typeface="Times New Roman" pitchFamily="18" charset="0"/>
+              </a:rPr>
+              <a:t> </a:t>
+            </a:r>
+            <a:r>
+              <a:rPr lang="en-US" sz="2400" dirty="0" err="1" smtClean="0">
+                <a:latin typeface="Times New Roman" pitchFamily="18" charset="0"/>
+                <a:cs typeface="Times New Roman" pitchFamily="18" charset="0"/>
+              </a:rPr>
+              <a:t>dàng</a:t>
+            </a:r>
+            <a:r>
+              <a:rPr lang="en-US" sz="2400" dirty="0" smtClean="0">
+                <a:latin typeface="Times New Roman" pitchFamily="18" charset="0"/>
+                <a:cs typeface="Times New Roman" pitchFamily="18" charset="0"/>
+              </a:rPr>
+              <a:t> </a:t>
+            </a:r>
+            <a:r>
+              <a:rPr lang="en-US" sz="2400" dirty="0" err="1" smtClean="0">
+                <a:latin typeface="Times New Roman" pitchFamily="18" charset="0"/>
+                <a:cs typeface="Times New Roman" pitchFamily="18" charset="0"/>
+              </a:rPr>
+              <a:t>chạy</a:t>
+            </a:r>
+            <a:r>
+              <a:rPr lang="en-US" sz="2400" dirty="0" smtClean="0">
+                <a:latin typeface="Times New Roman" pitchFamily="18" charset="0"/>
+                <a:cs typeface="Times New Roman" pitchFamily="18" charset="0"/>
+              </a:rPr>
+              <a:t> </a:t>
+            </a:r>
+            <a:r>
+              <a:rPr lang="en-US" sz="2400" dirty="0" err="1" smtClean="0">
+                <a:latin typeface="Times New Roman" pitchFamily="18" charset="0"/>
+                <a:cs typeface="Times New Roman" pitchFamily="18" charset="0"/>
+              </a:rPr>
+              <a:t>trên</a:t>
+            </a:r>
+            <a:r>
+              <a:rPr lang="en-US" sz="2400" dirty="0" smtClean="0">
+                <a:latin typeface="Times New Roman" pitchFamily="18" charset="0"/>
+                <a:cs typeface="Times New Roman" pitchFamily="18" charset="0"/>
+              </a:rPr>
+              <a:t> </a:t>
+            </a:r>
+            <a:r>
+              <a:rPr lang="en-US" sz="2400" dirty="0" err="1" smtClean="0">
+                <a:latin typeface="Times New Roman" pitchFamily="18" charset="0"/>
+                <a:cs typeface="Times New Roman" pitchFamily="18" charset="0"/>
+              </a:rPr>
+              <a:t>nền</a:t>
+            </a:r>
+            <a:r>
+              <a:rPr lang="en-US" sz="2400" dirty="0" smtClean="0">
+                <a:latin typeface="Times New Roman" pitchFamily="18" charset="0"/>
+                <a:cs typeface="Times New Roman" pitchFamily="18" charset="0"/>
+              </a:rPr>
+              <a:t> </a:t>
+            </a:r>
+            <a:r>
+              <a:rPr lang="en-US" sz="2400" dirty="0" err="1" smtClean="0">
+                <a:latin typeface="Times New Roman" pitchFamily="18" charset="0"/>
+                <a:cs typeface="Times New Roman" pitchFamily="18" charset="0"/>
+              </a:rPr>
+              <a:t>tảng</a:t>
+            </a:r>
+            <a:r>
+              <a:rPr lang="en-US" sz="2400" dirty="0" smtClean="0">
+                <a:latin typeface="Times New Roman" pitchFamily="18" charset="0"/>
+                <a:cs typeface="Times New Roman" pitchFamily="18" charset="0"/>
+              </a:rPr>
+              <a:t> </a:t>
+            </a:r>
+            <a:r>
+              <a:rPr lang="en-US" sz="2400" dirty="0" err="1" smtClean="0">
+                <a:latin typeface="Times New Roman" pitchFamily="18" charset="0"/>
+                <a:cs typeface="Times New Roman" pitchFamily="18" charset="0"/>
+              </a:rPr>
+              <a:t>điện</a:t>
+            </a:r>
+            <a:r>
+              <a:rPr lang="en-US" sz="2400" dirty="0" smtClean="0">
+                <a:latin typeface="Times New Roman" pitchFamily="18" charset="0"/>
+                <a:cs typeface="Times New Roman" pitchFamily="18" charset="0"/>
+              </a:rPr>
+              <a:t> </a:t>
+            </a:r>
+            <a:r>
+              <a:rPr lang="en-US" sz="2400" dirty="0" err="1" smtClean="0">
+                <a:latin typeface="Times New Roman" pitchFamily="18" charset="0"/>
+                <a:cs typeface="Times New Roman" pitchFamily="18" charset="0"/>
+              </a:rPr>
+              <a:t>toán</a:t>
+            </a:r>
+            <a:r>
+              <a:rPr lang="en-US" sz="2400" dirty="0" smtClean="0">
+                <a:latin typeface="Times New Roman" pitchFamily="18" charset="0"/>
+                <a:cs typeface="Times New Roman" pitchFamily="18" charset="0"/>
+              </a:rPr>
+              <a:t> </a:t>
+            </a:r>
+            <a:r>
+              <a:rPr lang="en-US" sz="2400" dirty="0" err="1" smtClean="0">
+                <a:latin typeface="Times New Roman" pitchFamily="18" charset="0"/>
+                <a:cs typeface="Times New Roman" pitchFamily="18" charset="0"/>
+              </a:rPr>
+              <a:t>không</a:t>
+            </a:r>
+            <a:r>
+              <a:rPr lang="en-US" sz="2400" dirty="0" smtClean="0">
+                <a:latin typeface="Times New Roman" pitchFamily="18" charset="0"/>
+                <a:cs typeface="Times New Roman" pitchFamily="18" charset="0"/>
+              </a:rPr>
+              <a:t> </a:t>
+            </a:r>
+            <a:r>
+              <a:rPr lang="en-US" sz="2400" dirty="0" err="1" smtClean="0">
+                <a:latin typeface="Times New Roman" pitchFamily="18" charset="0"/>
+                <a:cs typeface="Times New Roman" pitchFamily="18" charset="0"/>
+              </a:rPr>
+              <a:t>đồng</a:t>
+            </a:r>
+            <a:r>
+              <a:rPr lang="en-US" sz="2400" dirty="0" smtClean="0">
+                <a:latin typeface="Times New Roman" pitchFamily="18" charset="0"/>
+                <a:cs typeface="Times New Roman" pitchFamily="18" charset="0"/>
+              </a:rPr>
+              <a:t> </a:t>
+            </a:r>
+            <a:r>
+              <a:rPr lang="en-US" sz="2400" dirty="0" err="1" smtClean="0">
+                <a:latin typeface="Times New Roman" pitchFamily="18" charset="0"/>
+                <a:cs typeface="Times New Roman" pitchFamily="18" charset="0"/>
+              </a:rPr>
+              <a:t>nhất</a:t>
+            </a:r>
+            <a:r>
+              <a:rPr lang="en-US" dirty="0" smtClean="0"/>
+              <a:t>.</a:t>
+            </a:r>
+            <a:endParaRPr lang="en-US" dirty="0"/>
+          </a:p>
+        </p:txBody>
+      </p:sp>
+    </p:spTree>
+    <p:extLst>
+      <p:ext uri="{BB962C8B-B14F-4D97-AF65-F5344CB8AC3E}">
+        <p14:creationId xmlns:p14="http://schemas.microsoft.com/office/powerpoint/2010/main" val="3265728100"/>
       </p:ext>
     </p:extLst>
   </p:cSld>
